--- a/mysql分享.pptx
+++ b/mysql分享.pptx
@@ -298,7 +298,7 @@
           <a:p>
             <a:fld id="{87E83045-5AE1-40A9-B470-DA75385CFD17}" type="datetimeFigureOut">
               <a:rPr lang="zh-CN" altLang="en-US" smtClean="0"/>
-              <a:t>2020/3/9</a:t>
+              <a:t>2020/3/14</a:t>
             </a:fld>
             <a:endParaRPr lang="zh-CN" altLang="en-US"/>
           </a:p>
@@ -496,7 +496,7 @@
           <a:p>
             <a:fld id="{87E83045-5AE1-40A9-B470-DA75385CFD17}" type="datetimeFigureOut">
               <a:rPr lang="zh-CN" altLang="en-US" smtClean="0"/>
-              <a:t>2020/3/9</a:t>
+              <a:t>2020/3/14</a:t>
             </a:fld>
             <a:endParaRPr lang="zh-CN" altLang="en-US"/>
           </a:p>
@@ -704,7 +704,7 @@
           <a:p>
             <a:fld id="{87E83045-5AE1-40A9-B470-DA75385CFD17}" type="datetimeFigureOut">
               <a:rPr lang="zh-CN" altLang="en-US" smtClean="0"/>
-              <a:t>2020/3/9</a:t>
+              <a:t>2020/3/14</a:t>
             </a:fld>
             <a:endParaRPr lang="zh-CN" altLang="en-US"/>
           </a:p>
@@ -902,7 +902,7 @@
           <a:p>
             <a:fld id="{87E83045-5AE1-40A9-B470-DA75385CFD17}" type="datetimeFigureOut">
               <a:rPr lang="zh-CN" altLang="en-US" smtClean="0"/>
-              <a:t>2020/3/9</a:t>
+              <a:t>2020/3/14</a:t>
             </a:fld>
             <a:endParaRPr lang="zh-CN" altLang="en-US"/>
           </a:p>
@@ -1177,7 +1177,7 @@
           <a:p>
             <a:fld id="{87E83045-5AE1-40A9-B470-DA75385CFD17}" type="datetimeFigureOut">
               <a:rPr lang="zh-CN" altLang="en-US" smtClean="0"/>
-              <a:t>2020/3/9</a:t>
+              <a:t>2020/3/14</a:t>
             </a:fld>
             <a:endParaRPr lang="zh-CN" altLang="en-US"/>
           </a:p>
@@ -1442,7 +1442,7 @@
           <a:p>
             <a:fld id="{87E83045-5AE1-40A9-B470-DA75385CFD17}" type="datetimeFigureOut">
               <a:rPr lang="zh-CN" altLang="en-US" smtClean="0"/>
-              <a:t>2020/3/9</a:t>
+              <a:t>2020/3/14</a:t>
             </a:fld>
             <a:endParaRPr lang="zh-CN" altLang="en-US"/>
           </a:p>
@@ -1854,7 +1854,7 @@
           <a:p>
             <a:fld id="{87E83045-5AE1-40A9-B470-DA75385CFD17}" type="datetimeFigureOut">
               <a:rPr lang="zh-CN" altLang="en-US" smtClean="0"/>
-              <a:t>2020/3/9</a:t>
+              <a:t>2020/3/14</a:t>
             </a:fld>
             <a:endParaRPr lang="zh-CN" altLang="en-US"/>
           </a:p>
@@ -1995,7 +1995,7 @@
           <a:p>
             <a:fld id="{87E83045-5AE1-40A9-B470-DA75385CFD17}" type="datetimeFigureOut">
               <a:rPr lang="zh-CN" altLang="en-US" smtClean="0"/>
-              <a:t>2020/3/9</a:t>
+              <a:t>2020/3/14</a:t>
             </a:fld>
             <a:endParaRPr lang="zh-CN" altLang="en-US"/>
           </a:p>
@@ -2108,7 +2108,7 @@
           <a:p>
             <a:fld id="{87E83045-5AE1-40A9-B470-DA75385CFD17}" type="datetimeFigureOut">
               <a:rPr lang="zh-CN" altLang="en-US" smtClean="0"/>
-              <a:t>2020/3/9</a:t>
+              <a:t>2020/3/14</a:t>
             </a:fld>
             <a:endParaRPr lang="zh-CN" altLang="en-US"/>
           </a:p>
@@ -2419,7 +2419,7 @@
           <a:p>
             <a:fld id="{87E83045-5AE1-40A9-B470-DA75385CFD17}" type="datetimeFigureOut">
               <a:rPr lang="zh-CN" altLang="en-US" smtClean="0"/>
-              <a:t>2020/3/9</a:t>
+              <a:t>2020/3/14</a:t>
             </a:fld>
             <a:endParaRPr lang="zh-CN" altLang="en-US"/>
           </a:p>
@@ -2707,7 +2707,7 @@
           <a:p>
             <a:fld id="{87E83045-5AE1-40A9-B470-DA75385CFD17}" type="datetimeFigureOut">
               <a:rPr lang="zh-CN" altLang="en-US" smtClean="0"/>
-              <a:t>2020/3/9</a:t>
+              <a:t>2020/3/14</a:t>
             </a:fld>
             <a:endParaRPr lang="zh-CN" altLang="en-US"/>
           </a:p>
@@ -2948,7 +2948,7 @@
           <a:p>
             <a:fld id="{87E83045-5AE1-40A9-B470-DA75385CFD17}" type="datetimeFigureOut">
               <a:rPr lang="zh-CN" altLang="en-US" smtClean="0"/>
-              <a:t>2020/3/9</a:t>
+              <a:t>2020/3/14</a:t>
             </a:fld>
             <a:endParaRPr lang="zh-CN" altLang="en-US"/>
           </a:p>
@@ -12874,7 +12874,7 @@
         <p:spPr>
           <a:xfrm>
             <a:off x="843379" y="1455938"/>
-            <a:ext cx="7741328" cy="1477328"/>
+            <a:ext cx="7741328" cy="2031325"/>
           </a:xfrm>
           <a:prstGeom prst="rect">
             <a:avLst/>
@@ -12934,7 +12934,66 @@
           <a:p>
             <a:r>
               <a:rPr lang="en-US" altLang="zh-CN" dirty="0"/>
-              <a:t>A2: update </a:t>
+              <a:t>A2:</a:t>
+            </a:r>
+            <a:r>
+              <a:rPr lang="zh-CN" altLang="en-US" dirty="0"/>
+              <a:t> </a:t>
+            </a:r>
+            <a:r>
+              <a:rPr lang="en-US" altLang="zh-CN" dirty="0"/>
+              <a:t>var</a:t>
+            </a:r>
+            <a:r>
+              <a:rPr lang="zh-CN" altLang="en-US" dirty="0"/>
+              <a:t> </a:t>
+            </a:r>
+            <a:r>
+              <a:rPr lang="en-US" altLang="zh-CN" dirty="0"/>
+              <a:t>money</a:t>
+            </a:r>
+            <a:r>
+              <a:rPr lang="zh-CN" altLang="en-US" dirty="0"/>
+              <a:t> </a:t>
+            </a:r>
+            <a:r>
+              <a:rPr lang="en-US" altLang="zh-CN" dirty="0"/>
+              <a:t>=</a:t>
+            </a:r>
+            <a:r>
+              <a:rPr lang="zh-CN" altLang="en-US" dirty="0"/>
+              <a:t> </a:t>
+            </a:r>
+            <a:r>
+              <a:rPr lang="en-US" altLang="zh-CN" dirty="0"/>
+              <a:t>amount – 5; </a:t>
+            </a:r>
+            <a:r>
+              <a:rPr lang="zh-CN" altLang="en-US" dirty="0"/>
+              <a:t> </a:t>
+            </a:r>
+            <a:r>
+              <a:rPr lang="en-US" altLang="zh-CN" dirty="0"/>
+              <a:t>//</a:t>
+            </a:r>
+            <a:r>
+              <a:rPr lang="zh-CN" altLang="en-US" dirty="0"/>
+              <a:t>扣</a:t>
+            </a:r>
+            <a:r>
+              <a:rPr lang="en-US" altLang="zh-CN" dirty="0"/>
+              <a:t>5</a:t>
+            </a:r>
+            <a:r>
+              <a:rPr lang="zh-CN" altLang="en-US" dirty="0"/>
+              <a:t>块</a:t>
+            </a:r>
+            <a:endParaRPr lang="en-US" altLang="zh-CN" dirty="0"/>
+          </a:p>
+          <a:p>
+            <a:r>
+              <a:rPr lang="en-US" altLang="zh-CN" dirty="0"/>
+              <a:t>A3: update </a:t>
             </a:r>
             <a:r>
               <a:rPr lang="en-US" altLang="zh-CN" dirty="0" err="1"/>
@@ -12942,7 +13001,7 @@
             </a:r>
             <a:r>
               <a:rPr lang="en-US" altLang="zh-CN" dirty="0"/>
-              <a:t> set amount=amount-10 where </a:t>
+              <a:t> set amount= money where </a:t>
             </a:r>
             <a:r>
               <a:rPr lang="en-US" altLang="zh-CN" dirty="0" err="1"/>
@@ -12955,8 +13014,39 @@
           </a:p>
           <a:p>
             <a:r>
-              <a:rPr lang="en-US" altLang="zh-CN" dirty="0"/>
-              <a:t> </a:t>
+              <a:rPr lang="zh-CN" altLang="en-US" dirty="0"/>
+              <a:t>或</a:t>
+            </a:r>
+            <a:endParaRPr lang="en-US" altLang="zh-CN" dirty="0"/>
+          </a:p>
+          <a:p>
+            <a:r>
+              <a:rPr lang="en-US" altLang="zh-CN" dirty="0"/>
+              <a:t>A4:</a:t>
+            </a:r>
+            <a:r>
+              <a:rPr lang="zh-CN" altLang="en-US" dirty="0"/>
+              <a:t> </a:t>
+            </a:r>
+            <a:r>
+              <a:rPr lang="en-US" altLang="zh-CN" dirty="0"/>
+              <a:t>update </a:t>
+            </a:r>
+            <a:r>
+              <a:rPr lang="en-US" altLang="zh-CN" dirty="0" err="1"/>
+              <a:t>fundAccount</a:t>
+            </a:r>
+            <a:r>
+              <a:rPr lang="en-US" altLang="zh-CN" dirty="0"/>
+              <a:t> set amount=amount-5 where </a:t>
+            </a:r>
+            <a:r>
+              <a:rPr lang="en-US" altLang="zh-CN" dirty="0" err="1"/>
+              <a:t>fundId</a:t>
+            </a:r>
+            <a:r>
+              <a:rPr lang="en-US" altLang="zh-CN" dirty="0"/>
+              <a:t>=1;</a:t>
             </a:r>
           </a:p>
           <a:p>
@@ -12997,8 +13087,8 @@
         </p:nvSpPr>
         <p:spPr>
           <a:xfrm>
-            <a:off x="923278" y="3302493"/>
-            <a:ext cx="4119239" cy="2862322"/>
+            <a:off x="843379" y="3522597"/>
+            <a:ext cx="4039339" cy="369332"/>
           </a:xfrm>
           <a:prstGeom prst="rect">
             <a:avLst/>
@@ -13017,47 +13107,8 @@
             </a:r>
             <a:r>
               <a:rPr lang="zh-CN" altLang="en-US" dirty="0"/>
-              <a:t>：会</a:t>
-            </a:r>
-            <a:endParaRPr lang="en-US" altLang="zh-CN" dirty="0"/>
-          </a:p>
-          <a:p>
-            <a:r>
-              <a:rPr lang="zh-CN" altLang="en-US" dirty="0"/>
-              <a:t>解决：</a:t>
-            </a:r>
-            <a:endParaRPr lang="en-US" altLang="zh-CN" dirty="0"/>
-          </a:p>
-          <a:p>
-            <a:r>
-              <a:rPr lang="zh-CN" altLang="en-US" dirty="0"/>
-              <a:t>加排他锁 </a:t>
-            </a:r>
-            <a:r>
-              <a:rPr lang="en-US" altLang="zh-CN" dirty="0"/>
-              <a:t>select…for update;</a:t>
-            </a:r>
-          </a:p>
-          <a:p>
-            <a:endParaRPr lang="en-US" altLang="zh-CN" dirty="0"/>
-          </a:p>
-          <a:p>
-            <a:endParaRPr lang="en-US" altLang="zh-CN" dirty="0"/>
-          </a:p>
-          <a:p>
-            <a:endParaRPr lang="en-US" altLang="zh-CN" dirty="0"/>
-          </a:p>
-          <a:p>
-            <a:endParaRPr lang="en-US" altLang="zh-CN" dirty="0"/>
-          </a:p>
-          <a:p>
-            <a:endParaRPr lang="en-US" altLang="zh-CN" dirty="0"/>
-          </a:p>
-          <a:p>
-            <a:endParaRPr lang="en-US" altLang="zh-CN" dirty="0"/>
-          </a:p>
-          <a:p>
-            <a:endParaRPr lang="zh-CN" altLang="en-US" dirty="0"/>
+              <a:t>：</a:t>
+            </a:r>
           </a:p>
         </p:txBody>
       </p:sp>
@@ -13075,8 +13126,8 @@
         </p:nvSpPr>
         <p:spPr>
           <a:xfrm>
-            <a:off x="5257800" y="3302493"/>
-            <a:ext cx="4119239" cy="2862322"/>
+            <a:off x="5257800" y="3522597"/>
+            <a:ext cx="4119239" cy="369332"/>
           </a:xfrm>
           <a:prstGeom prst="rect">
             <a:avLst/>
@@ -13097,6 +13148,212 @@
               <a:rPr lang="zh-CN" altLang="en-US" dirty="0"/>
               <a:t>：</a:t>
             </a:r>
+          </a:p>
+        </p:txBody>
+      </p:sp>
+      <p:sp>
+        <p:nvSpPr>
+          <p:cNvPr id="3" name="文本框 2">
+            <a:extLst>
+              <a:ext uri="{FF2B5EF4-FFF2-40B4-BE49-F238E27FC236}">
+                <a16:creationId xmlns:a16="http://schemas.microsoft.com/office/drawing/2014/main" id="{D488CC40-DEE2-4BF9-8DD7-BAB80FA82618}"/>
+              </a:ext>
+            </a:extLst>
+          </p:cNvPr>
+          <p:cNvSpPr txBox="1"/>
+          <p:nvPr/>
+        </p:nvSpPr>
+        <p:spPr>
+          <a:xfrm>
+            <a:off x="843379" y="5707268"/>
+            <a:ext cx="4147289" cy="646331"/>
+          </a:xfrm>
+          <a:prstGeom prst="rect">
+            <a:avLst/>
+          </a:prstGeom>
+          <a:noFill/>
+        </p:spPr>
+        <p:txBody>
+          <a:bodyPr wrap="none" rtlCol="0">
+            <a:spAutoFit/>
+          </a:bodyPr>
+          <a:lstStyle/>
+          <a:p>
+            <a:r>
+              <a:rPr lang="zh-CN" altLang="en-US" dirty="0"/>
+              <a:t>加共享锁可以防止</a:t>
+            </a:r>
+            <a:r>
+              <a:rPr lang="en-US" altLang="zh-CN" dirty="0"/>
+              <a:t>A1</a:t>
+            </a:r>
+            <a:r>
+              <a:rPr lang="zh-CN" altLang="en-US" dirty="0"/>
+              <a:t>的数据被其它事务</a:t>
+            </a:r>
+            <a:endParaRPr lang="en-US" altLang="zh-CN" dirty="0"/>
+          </a:p>
+          <a:p>
+            <a:r>
+              <a:rPr lang="zh-CN" altLang="en-US" dirty="0"/>
+              <a:t>修改，但可能会导致死锁</a:t>
+            </a:r>
+          </a:p>
+        </p:txBody>
+      </p:sp>
+      <p:sp>
+        <p:nvSpPr>
+          <p:cNvPr id="8" name="文本框 7">
+            <a:extLst>
+              <a:ext uri="{FF2B5EF4-FFF2-40B4-BE49-F238E27FC236}">
+                <a16:creationId xmlns:a16="http://schemas.microsoft.com/office/drawing/2014/main" id="{6C5445EA-FD6F-448D-9AEF-47A7822349FB}"/>
+              </a:ext>
+            </a:extLst>
+          </p:cNvPr>
+          <p:cNvSpPr txBox="1"/>
+          <p:nvPr/>
+        </p:nvSpPr>
+        <p:spPr>
+          <a:xfrm>
+            <a:off x="843379" y="3866859"/>
+            <a:ext cx="4499950" cy="1754326"/>
+          </a:xfrm>
+          <a:prstGeom prst="rect">
+            <a:avLst/>
+          </a:prstGeom>
+          <a:noFill/>
+        </p:spPr>
+        <p:txBody>
+          <a:bodyPr wrap="none" rtlCol="0">
+            <a:spAutoFit/>
+          </a:bodyPr>
+          <a:lstStyle/>
+          <a:p>
+            <a:r>
+              <a:rPr lang="en-US" altLang="zh-CN" dirty="0"/>
+              <a:t>RC/RR</a:t>
+            </a:r>
+            <a:r>
+              <a:rPr lang="zh-CN" altLang="en-US" dirty="0"/>
+              <a:t>会，默认使用快照读</a:t>
+            </a:r>
+            <a:endParaRPr lang="en-US" altLang="zh-CN" dirty="0"/>
+          </a:p>
+          <a:p>
+            <a:r>
+              <a:rPr lang="zh-CN" altLang="en-US" dirty="0"/>
+              <a:t>解决：</a:t>
+            </a:r>
+            <a:endParaRPr lang="en-US" altLang="zh-CN" dirty="0"/>
+          </a:p>
+          <a:p>
+            <a:r>
+              <a:rPr lang="en-US" altLang="zh-CN" dirty="0"/>
+              <a:t>1</a:t>
+            </a:r>
+            <a:r>
+              <a:rPr lang="zh-CN" altLang="en-US" dirty="0"/>
+              <a:t>、</a:t>
+            </a:r>
+            <a:r>
+              <a:rPr lang="en-US" altLang="zh-CN" dirty="0"/>
+              <a:t>CAS</a:t>
+            </a:r>
+            <a:r>
+              <a:rPr lang="zh-CN" altLang="en-US" dirty="0"/>
+              <a:t>方案</a:t>
+            </a:r>
+            <a:r>
+              <a:rPr lang="en-US" altLang="zh-CN" dirty="0"/>
+              <a:t>(</a:t>
+            </a:r>
+            <a:r>
+              <a:rPr lang="zh-CN" altLang="en-US" dirty="0"/>
+              <a:t>版本号，时间戳等</a:t>
+            </a:r>
+            <a:r>
+              <a:rPr lang="en-US" altLang="zh-CN" dirty="0"/>
+              <a:t>)</a:t>
+            </a:r>
+          </a:p>
+          <a:p>
+            <a:r>
+              <a:rPr lang="en-US" altLang="zh-CN" dirty="0"/>
+              <a:t>2</a:t>
+            </a:r>
+            <a:r>
+              <a:rPr lang="zh-CN" altLang="en-US" dirty="0"/>
+              <a:t>、</a:t>
+            </a:r>
+            <a:r>
+              <a:rPr lang="en-US" altLang="zh-CN" dirty="0"/>
+              <a:t>A1</a:t>
+            </a:r>
+            <a:r>
+              <a:rPr lang="zh-CN" altLang="en-US" dirty="0"/>
+              <a:t>加排他锁 </a:t>
+            </a:r>
+            <a:r>
+              <a:rPr lang="en-US" altLang="zh-CN" dirty="0"/>
+              <a:t>select…for update;</a:t>
+            </a:r>
+          </a:p>
+          <a:p>
+            <a:r>
+              <a:rPr lang="en-US" altLang="zh-CN" dirty="0"/>
+              <a:t>3</a:t>
+            </a:r>
+            <a:r>
+              <a:rPr lang="zh-CN" altLang="en-US" dirty="0"/>
+              <a:t>、问：</a:t>
+            </a:r>
+            <a:r>
+              <a:rPr lang="en-US" altLang="zh-CN" dirty="0"/>
+              <a:t>A1</a:t>
+            </a:r>
+            <a:r>
+              <a:rPr lang="zh-CN" altLang="en-US" dirty="0"/>
+              <a:t>如果不加排他锁，而是共享锁，</a:t>
+            </a:r>
+            <a:endParaRPr lang="en-US" altLang="zh-CN" dirty="0"/>
+          </a:p>
+          <a:p>
+            <a:r>
+              <a:rPr lang="zh-CN" altLang="en-US" dirty="0"/>
+              <a:t>可以吗？为什么？</a:t>
+            </a:r>
+            <a:endParaRPr lang="en-US" altLang="zh-CN" dirty="0"/>
+          </a:p>
+        </p:txBody>
+      </p:sp>
+      <p:sp>
+        <p:nvSpPr>
+          <p:cNvPr id="9" name="文本框 8">
+            <a:extLst>
+              <a:ext uri="{FF2B5EF4-FFF2-40B4-BE49-F238E27FC236}">
+                <a16:creationId xmlns:a16="http://schemas.microsoft.com/office/drawing/2014/main" id="{33BC9F42-8702-4A09-826A-B562D97FF98F}"/>
+              </a:ext>
+            </a:extLst>
+          </p:cNvPr>
+          <p:cNvSpPr txBox="1"/>
+          <p:nvPr/>
+        </p:nvSpPr>
+        <p:spPr>
+          <a:xfrm>
+            <a:off x="5257800" y="3838415"/>
+            <a:ext cx="7083991" cy="1754326"/>
+          </a:xfrm>
+          <a:prstGeom prst="rect">
+            <a:avLst/>
+          </a:prstGeom>
+          <a:noFill/>
+        </p:spPr>
+        <p:txBody>
+          <a:bodyPr wrap="none" rtlCol="0">
+            <a:spAutoFit/>
+          </a:bodyPr>
+          <a:lstStyle/>
+          <a:p>
             <a:r>
               <a:rPr lang="en-US" altLang="zh-CN" dirty="0"/>
               <a:t>RC</a:t>
@@ -13128,24 +13385,31 @@
           </a:p>
           <a:p>
             <a:r>
-              <a:rPr lang="zh-CN" altLang="en-US" dirty="0"/>
-              <a:t>加锁 </a:t>
-            </a:r>
-            <a:r>
-              <a:rPr lang="en-US" altLang="zh-CN" dirty="0"/>
-              <a:t>with(</a:t>
-            </a:r>
-            <a:r>
-              <a:rPr lang="en-US" altLang="zh-CN" dirty="0" err="1"/>
-              <a:t>tablock</a:t>
-            </a:r>
-            <a:r>
-              <a:rPr lang="en-US" altLang="zh-CN" dirty="0"/>
-              <a:t>) </a:t>
-            </a:r>
-            <a:r>
-              <a:rPr lang="zh-CN" altLang="en-US" dirty="0"/>
-              <a:t>或 </a:t>
+              <a:rPr lang="en-US" altLang="zh-CN" dirty="0"/>
+              <a:t>1</a:t>
+            </a:r>
+            <a:r>
+              <a:rPr lang="zh-CN" altLang="en-US" dirty="0"/>
+              <a:t>、</a:t>
+            </a:r>
+            <a:r>
+              <a:rPr lang="en-US" altLang="zh-CN" dirty="0"/>
+              <a:t>CAS</a:t>
+            </a:r>
+            <a:r>
+              <a:rPr lang="zh-CN" altLang="en-US" dirty="0"/>
+              <a:t>方案</a:t>
+            </a:r>
+            <a:endParaRPr lang="en-US" altLang="zh-CN" dirty="0"/>
+          </a:p>
+          <a:p>
+            <a:r>
+              <a:rPr lang="en-US" altLang="zh-CN" dirty="0"/>
+              <a:t>2</a:t>
+            </a:r>
+            <a:r>
+              <a:rPr lang="zh-CN" altLang="en-US" dirty="0"/>
+              <a:t>、加排他锁 </a:t>
             </a:r>
             <a:r>
               <a:rPr lang="en-US" altLang="zh-CN" dirty="0"/>
@@ -13161,24 +13425,119 @@
             </a:r>
           </a:p>
           <a:p>
+            <a:r>
+              <a:rPr lang="en-US" altLang="zh-CN" dirty="0"/>
+              <a:t>3</a:t>
+            </a:r>
+            <a:r>
+              <a:rPr lang="zh-CN" altLang="en-US" dirty="0"/>
+              <a:t>、问：</a:t>
+            </a:r>
+            <a:r>
+              <a:rPr lang="en-US" altLang="zh-CN" dirty="0"/>
+              <a:t>RC</a:t>
+            </a:r>
+            <a:r>
+              <a:rPr lang="zh-CN" altLang="en-US" dirty="0"/>
+              <a:t>下，</a:t>
+            </a:r>
+            <a:r>
+              <a:rPr lang="en-US" altLang="zh-CN" dirty="0"/>
+              <a:t>A1</a:t>
+            </a:r>
+            <a:r>
+              <a:rPr lang="zh-CN" altLang="en-US" dirty="0"/>
+              <a:t>如果不加排他锁，而是共享锁，可以吗？为什么？</a:t>
+            </a:r>
             <a:endParaRPr lang="en-US" altLang="zh-CN" dirty="0"/>
           </a:p>
           <a:p>
+            <a:r>
+              <a:rPr lang="en-US" altLang="zh-CN" dirty="0"/>
+              <a:t>4</a:t>
+            </a:r>
+            <a:r>
+              <a:rPr lang="zh-CN" altLang="en-US" dirty="0"/>
+              <a:t>、</a:t>
+            </a:r>
+            <a:r>
+              <a:rPr lang="en-US" altLang="zh-CN" dirty="0"/>
+              <a:t>RR</a:t>
+            </a:r>
+            <a:r>
+              <a:rPr lang="zh-CN" altLang="en-US" dirty="0"/>
+              <a:t>下呢？</a:t>
+            </a:r>
+          </a:p>
+        </p:txBody>
+      </p:sp>
+      <p:sp>
+        <p:nvSpPr>
+          <p:cNvPr id="10" name="文本框 9">
+            <a:extLst>
+              <a:ext uri="{FF2B5EF4-FFF2-40B4-BE49-F238E27FC236}">
+                <a16:creationId xmlns:a16="http://schemas.microsoft.com/office/drawing/2014/main" id="{FC6C481A-B103-42F2-B016-6A68579E602F}"/>
+              </a:ext>
+            </a:extLst>
+          </p:cNvPr>
+          <p:cNvSpPr txBox="1"/>
+          <p:nvPr/>
+        </p:nvSpPr>
+        <p:spPr>
+          <a:xfrm>
+            <a:off x="5257800" y="5707268"/>
+            <a:ext cx="5429692" cy="646331"/>
+          </a:xfrm>
+          <a:prstGeom prst="rect">
+            <a:avLst/>
+          </a:prstGeom>
+          <a:noFill/>
+        </p:spPr>
+        <p:txBody>
+          <a:bodyPr wrap="none" rtlCol="0">
+            <a:spAutoFit/>
+          </a:bodyPr>
+          <a:lstStyle/>
+          <a:p>
+            <a:r>
+              <a:rPr lang="en-US" altLang="zh-CN" dirty="0"/>
+              <a:t>3</a:t>
+            </a:r>
+            <a:r>
+              <a:rPr lang="zh-CN" altLang="en-US" dirty="0"/>
+              <a:t>、不可以，因为</a:t>
+            </a:r>
+            <a:r>
+              <a:rPr lang="en-US" altLang="zh-CN" dirty="0"/>
+              <a:t>RC</a:t>
+            </a:r>
+            <a:r>
+              <a:rPr lang="zh-CN" altLang="en-US" dirty="0"/>
+              <a:t>下共享锁在语句结束之后就释放</a:t>
+            </a:r>
             <a:endParaRPr lang="en-US" altLang="zh-CN" dirty="0"/>
           </a:p>
           <a:p>
-            <a:endParaRPr lang="en-US" altLang="zh-CN" dirty="0"/>
-          </a:p>
-          <a:p>
-            <a:endParaRPr lang="en-US" altLang="zh-CN" dirty="0"/>
-          </a:p>
-          <a:p>
-            <a:endParaRPr lang="en-US" altLang="zh-CN" dirty="0"/>
-          </a:p>
-          <a:p>
-            <a:endParaRPr lang="en-US" altLang="zh-CN" dirty="0"/>
-          </a:p>
-          <a:p>
+            <a:r>
+              <a:rPr lang="en-US" altLang="zh-CN" dirty="0"/>
+              <a:t>4</a:t>
+            </a:r>
+            <a:r>
+              <a:rPr lang="zh-CN" altLang="en-US" dirty="0"/>
+              <a:t>、</a:t>
+            </a:r>
+            <a:r>
+              <a:rPr lang="en-US" altLang="zh-CN" dirty="0"/>
+              <a:t>RR</a:t>
+            </a:r>
+            <a:r>
+              <a:rPr lang="zh-CN" altLang="en-US" dirty="0"/>
+              <a:t>同</a:t>
+            </a:r>
+            <a:r>
+              <a:rPr lang="en-US" altLang="zh-CN" dirty="0" err="1"/>
+              <a:t>Mysql</a:t>
+            </a:r>
             <a:endParaRPr lang="zh-CN" altLang="en-US" dirty="0"/>
           </a:p>
         </p:txBody>
@@ -13305,7 +13664,7 @@
                             </p:stCondLst>
                             <p:childTnLst>
                               <p:par>
-                                <p:cTn id="11" presetID="2" presetClass="entr" presetSubtype="4" fill="hold" grpId="0" nodeType="clickEffect">
+                                <p:cTn id="11" presetID="42" presetClass="entr" presetSubtype="0" fill="hold" grpId="0" nodeType="clickEffect">
                                   <p:stCondLst>
                                     <p:cond delay="0"/>
                                   </p:stCondLst>
@@ -13328,9 +13687,17 @@
                                         <p:strVal val="visible"/>
                                       </p:to>
                                     </p:set>
+                                    <p:animEffect transition="in" filter="fade">
+                                      <p:cBhvr>
+                                        <p:cTn id="13" dur="1000"/>
+                                        <p:tgtEl>
+                                          <p:spTgt spid="7"/>
+                                        </p:tgtEl>
+                                      </p:cBhvr>
+                                    </p:animEffect>
                                     <p:anim calcmode="lin" valueType="num">
-                                      <p:cBhvr additive="base">
-                                        <p:cTn id="13" dur="500" fill="hold"/>
+                                      <p:cBhvr>
+                                        <p:cTn id="14" dur="1000" fill="hold"/>
                                         <p:tgtEl>
                                           <p:spTgt spid="7"/>
                                         </p:tgtEl>
@@ -13352,8 +13719,8 @@
                                       </p:tavLst>
                                     </p:anim>
                                     <p:anim calcmode="lin" valueType="num">
-                                      <p:cBhvr additive="base">
-                                        <p:cTn id="14" dur="500" fill="hold"/>
+                                      <p:cBhvr>
+                                        <p:cTn id="15" dur="1000" fill="hold"/>
                                         <p:tgtEl>
                                           <p:spTgt spid="7"/>
                                         </p:tgtEl>
@@ -13364,7 +13731,7 @@
                                       <p:tavLst>
                                         <p:tav tm="0">
                                           <p:val>
-                                            <p:strVal val="1+#ppt_h/2"/>
+                                            <p:strVal val="#ppt_y+.1"/>
                                           </p:val>
                                         </p:tav>
                                         <p:tav tm="100000">
@@ -13374,6 +13741,218 @@
                                         </p:tav>
                                       </p:tavLst>
                                     </p:anim>
+                                  </p:childTnLst>
+                                </p:cTn>
+                              </p:par>
+                            </p:childTnLst>
+                          </p:cTn>
+                        </p:par>
+                      </p:childTnLst>
+                    </p:cTn>
+                  </p:par>
+                  <p:par>
+                    <p:cTn id="16" fill="hold">
+                      <p:stCondLst>
+                        <p:cond delay="indefinite"/>
+                      </p:stCondLst>
+                      <p:childTnLst>
+                        <p:par>
+                          <p:cTn id="17" fill="hold">
+                            <p:stCondLst>
+                              <p:cond delay="0"/>
+                            </p:stCondLst>
+                            <p:childTnLst>
+                              <p:par>
+                                <p:cTn id="18" presetID="22" presetClass="entr" presetSubtype="4" fill="hold" grpId="0" nodeType="clickEffect">
+                                  <p:stCondLst>
+                                    <p:cond delay="0"/>
+                                  </p:stCondLst>
+                                  <p:childTnLst>
+                                    <p:set>
+                                      <p:cBhvr>
+                                        <p:cTn id="19" dur="1" fill="hold">
+                                          <p:stCondLst>
+                                            <p:cond delay="0"/>
+                                          </p:stCondLst>
+                                        </p:cTn>
+                                        <p:tgtEl>
+                                          <p:spTgt spid="8"/>
+                                        </p:tgtEl>
+                                        <p:attrNameLst>
+                                          <p:attrName>style.visibility</p:attrName>
+                                        </p:attrNameLst>
+                                      </p:cBhvr>
+                                      <p:to>
+                                        <p:strVal val="visible"/>
+                                      </p:to>
+                                    </p:set>
+                                    <p:animEffect transition="in" filter="wipe(down)">
+                                      <p:cBhvr>
+                                        <p:cTn id="20" dur="500"/>
+                                        <p:tgtEl>
+                                          <p:spTgt spid="8"/>
+                                        </p:tgtEl>
+                                      </p:cBhvr>
+                                    </p:animEffect>
+                                  </p:childTnLst>
+                                </p:cTn>
+                              </p:par>
+                            </p:childTnLst>
+                          </p:cTn>
+                        </p:par>
+                      </p:childTnLst>
+                    </p:cTn>
+                  </p:par>
+                  <p:par>
+                    <p:cTn id="21" fill="hold">
+                      <p:stCondLst>
+                        <p:cond delay="indefinite"/>
+                      </p:stCondLst>
+                      <p:childTnLst>
+                        <p:par>
+                          <p:cTn id="22" fill="hold">
+                            <p:stCondLst>
+                              <p:cond delay="0"/>
+                            </p:stCondLst>
+                            <p:childTnLst>
+                              <p:par>
+                                <p:cTn id="23" presetID="10" presetClass="entr" presetSubtype="0" fill="hold" grpId="0" nodeType="clickEffect">
+                                  <p:stCondLst>
+                                    <p:cond delay="0"/>
+                                  </p:stCondLst>
+                                  <p:childTnLst>
+                                    <p:set>
+                                      <p:cBhvr>
+                                        <p:cTn id="24" dur="1" fill="hold">
+                                          <p:stCondLst>
+                                            <p:cond delay="0"/>
+                                          </p:stCondLst>
+                                        </p:cTn>
+                                        <p:tgtEl>
+                                          <p:spTgt spid="3"/>
+                                        </p:tgtEl>
+                                        <p:attrNameLst>
+                                          <p:attrName>style.visibility</p:attrName>
+                                        </p:attrNameLst>
+                                      </p:cBhvr>
+                                      <p:to>
+                                        <p:strVal val="visible"/>
+                                      </p:to>
+                                    </p:set>
+                                    <p:animEffect transition="in" filter="fade">
+                                      <p:cBhvr>
+                                        <p:cTn id="25" dur="500"/>
+                                        <p:tgtEl>
+                                          <p:spTgt spid="3"/>
+                                        </p:tgtEl>
+                                      </p:cBhvr>
+                                    </p:animEffect>
+                                  </p:childTnLst>
+                                </p:cTn>
+                              </p:par>
+                            </p:childTnLst>
+                          </p:cTn>
+                        </p:par>
+                      </p:childTnLst>
+                    </p:cTn>
+                  </p:par>
+                  <p:par>
+                    <p:cTn id="26" fill="hold">
+                      <p:stCondLst>
+                        <p:cond delay="indefinite"/>
+                      </p:stCondLst>
+                      <p:childTnLst>
+                        <p:par>
+                          <p:cTn id="27" fill="hold">
+                            <p:stCondLst>
+                              <p:cond delay="0"/>
+                            </p:stCondLst>
+                            <p:childTnLst>
+                              <p:par>
+                                <p:cTn id="28" presetID="21" presetClass="entr" presetSubtype="1" fill="hold" grpId="0" nodeType="clickEffect">
+                                  <p:stCondLst>
+                                    <p:cond delay="0"/>
+                                  </p:stCondLst>
+                                  <p:childTnLst>
+                                    <p:set>
+                                      <p:cBhvr>
+                                        <p:cTn id="29" dur="1" fill="hold">
+                                          <p:stCondLst>
+                                            <p:cond delay="0"/>
+                                          </p:stCondLst>
+                                        </p:cTn>
+                                        <p:tgtEl>
+                                          <p:spTgt spid="9"/>
+                                        </p:tgtEl>
+                                        <p:attrNameLst>
+                                          <p:attrName>style.visibility</p:attrName>
+                                        </p:attrNameLst>
+                                      </p:cBhvr>
+                                      <p:to>
+                                        <p:strVal val="visible"/>
+                                      </p:to>
+                                    </p:set>
+                                    <p:animEffect transition="in" filter="wheel(1)">
+                                      <p:cBhvr>
+                                        <p:cTn id="30" dur="2000"/>
+                                        <p:tgtEl>
+                                          <p:spTgt spid="9"/>
+                                        </p:tgtEl>
+                                      </p:cBhvr>
+                                    </p:animEffect>
+                                  </p:childTnLst>
+                                </p:cTn>
+                              </p:par>
+                            </p:childTnLst>
+                          </p:cTn>
+                        </p:par>
+                      </p:childTnLst>
+                    </p:cTn>
+                  </p:par>
+                  <p:par>
+                    <p:cTn id="31" fill="hold">
+                      <p:stCondLst>
+                        <p:cond delay="indefinite"/>
+                      </p:stCondLst>
+                      <p:childTnLst>
+                        <p:par>
+                          <p:cTn id="32" fill="hold">
+                            <p:stCondLst>
+                              <p:cond delay="0"/>
+                            </p:stCondLst>
+                            <p:childTnLst>
+                              <p:par>
+                                <p:cTn id="33" presetID="14" presetClass="entr" presetSubtype="10" fill="hold" grpId="0" nodeType="clickEffect">
+                                  <p:stCondLst>
+                                    <p:cond delay="0"/>
+                                  </p:stCondLst>
+                                  <p:childTnLst>
+                                    <p:set>
+                                      <p:cBhvr>
+                                        <p:cTn id="34" dur="1" fill="hold">
+                                          <p:stCondLst>
+                                            <p:cond delay="0"/>
+                                          </p:stCondLst>
+                                        </p:cTn>
+                                        <p:tgtEl>
+                                          <p:spTgt spid="10"/>
+                                        </p:tgtEl>
+                                        <p:attrNameLst>
+                                          <p:attrName>style.visibility</p:attrName>
+                                        </p:attrNameLst>
+                                      </p:cBhvr>
+                                      <p:to>
+                                        <p:strVal val="visible"/>
+                                      </p:to>
+                                    </p:set>
+                                    <p:animEffect transition="in" filter="randombar(horizontal)">
+                                      <p:cBhvr>
+                                        <p:cTn id="35" dur="500"/>
+                                        <p:tgtEl>
+                                          <p:spTgt spid="10"/>
+                                        </p:tgtEl>
+                                      </p:cBhvr>
+                                    </p:animEffect>
                                   </p:childTnLst>
                                 </p:cTn>
                               </p:par>
@@ -13407,6 +13986,10 @@
     <p:bldLst>
       <p:bldP spid="6" grpId="0"/>
       <p:bldP spid="7" grpId="0"/>
+      <p:bldP spid="3" grpId="0"/>
+      <p:bldP spid="8" grpId="0"/>
+      <p:bldP spid="9" grpId="0"/>
+      <p:bldP spid="10" grpId="0"/>
     </p:bldLst>
   </p:timing>
 </p:sld>

--- a/mysql分享.pptx
+++ b/mysql分享.pptx
@@ -2,7 +2,7 @@
 <file path=ppt/presentation.xml><?xml version="1.0" encoding="utf-8"?>
 <p:presentation xmlns:a="http://schemas.openxmlformats.org/drawingml/2006/main" xmlns:r="http://schemas.openxmlformats.org/officeDocument/2006/relationships" xmlns:p="http://schemas.openxmlformats.org/presentationml/2006/main" saveSubsetFonts="1">
   <p:sldMasterIdLst>
-    <p:sldMasterId id="2147483803" r:id="rId1"/>
+    <p:sldMasterId id="2147483859" r:id="rId1"/>
   </p:sldMasterIdLst>
   <p:sldIdLst>
     <p:sldId id="256" r:id="rId2"/>
@@ -153,7 +153,7 @@
 </file>
 
 <file path=ppt/slideLayouts/slideLayout1.xml><?xml version="1.0" encoding="utf-8"?>
-<p:sldLayout xmlns:a="http://schemas.openxmlformats.org/drawingml/2006/main" xmlns:r="http://schemas.openxmlformats.org/officeDocument/2006/relationships" xmlns:p="http://schemas.openxmlformats.org/presentationml/2006/main" type="title" preserve="1">
+<p:sldLayout xmlns:a="http://schemas.openxmlformats.org/drawingml/2006/main" xmlns:r="http://schemas.openxmlformats.org/officeDocument/2006/relationships" xmlns:p="http://schemas.openxmlformats.org/presentationml/2006/main" showMasterSp="0" type="title" preserve="1">
   <p:cSld name="标题幻灯片">
     <p:spTree>
       <p:nvGrpSpPr>
@@ -169,36 +169,82 @@
           <a:chExt cx="0" cy="0"/>
         </a:xfrm>
       </p:grpSpPr>
-      <p:pic>
-        <p:nvPicPr>
-          <p:cNvPr id="7" name="Picture 6" descr="Droplets-HD-Title-R1d.png"/>
-          <p:cNvPicPr>
-            <a:picLocks noChangeAspect="1"/>
-          </p:cNvPicPr>
+      <p:sp>
+        <p:nvSpPr>
+          <p:cNvPr id="7" name="Rectangle 6"/>
+          <p:cNvSpPr/>
           <p:nvPr/>
-        </p:nvPicPr>
-        <p:blipFill>
-          <a:blip r:embed="rId2">
-            <a:extLst>
-              <a:ext uri="{28A0092B-C50C-407E-A947-70E740481C1C}">
-                <a14:useLocalDpi xmlns:a14="http://schemas.microsoft.com/office/drawing/2010/main" val="0"/>
-              </a:ext>
-            </a:extLst>
-          </a:blip>
-          <a:stretch>
-            <a:fillRect/>
-          </a:stretch>
-        </p:blipFill>
+        </p:nvSpPr>
         <p:spPr>
           <a:xfrm>
-            <a:off x="0" y="0"/>
-            <a:ext cx="12192000" cy="6858000"/>
+            <a:off x="3175" y="6400800"/>
+            <a:ext cx="12188825" cy="457200"/>
           </a:xfrm>
           <a:prstGeom prst="rect">
             <a:avLst/>
           </a:prstGeom>
+          <a:solidFill>
+            <a:schemeClr val="accent2"/>
+          </a:solidFill>
+          <a:ln>
+            <a:noFill/>
+          </a:ln>
         </p:spPr>
-      </p:pic>
+        <p:style>
+          <a:lnRef idx="2">
+            <a:schemeClr val="accent1">
+              <a:shade val="50000"/>
+            </a:schemeClr>
+          </a:lnRef>
+          <a:fillRef idx="1">
+            <a:schemeClr val="accent1"/>
+          </a:fillRef>
+          <a:effectRef idx="0">
+            <a:schemeClr val="accent1"/>
+          </a:effectRef>
+          <a:fontRef idx="minor">
+            <a:schemeClr val="lt1"/>
+          </a:fontRef>
+        </p:style>
+      </p:sp>
+      <p:sp>
+        <p:nvSpPr>
+          <p:cNvPr id="8" name="Rectangle 7"/>
+          <p:cNvSpPr/>
+          <p:nvPr/>
+        </p:nvSpPr>
+        <p:spPr>
+          <a:xfrm>
+            <a:off x="15" y="6334316"/>
+            <a:ext cx="12188825" cy="64008"/>
+          </a:xfrm>
+          <a:prstGeom prst="rect">
+            <a:avLst/>
+          </a:prstGeom>
+          <a:solidFill>
+            <a:schemeClr val="accent1"/>
+          </a:solidFill>
+          <a:ln>
+            <a:noFill/>
+          </a:ln>
+        </p:spPr>
+        <p:style>
+          <a:lnRef idx="2">
+            <a:schemeClr val="accent1">
+              <a:shade val="50000"/>
+            </a:schemeClr>
+          </a:lnRef>
+          <a:fillRef idx="1">
+            <a:schemeClr val="accent1"/>
+          </a:fillRef>
+          <a:effectRef idx="0">
+            <a:schemeClr val="accent1"/>
+          </a:effectRef>
+          <a:fontRef idx="minor">
+            <a:schemeClr val="lt1"/>
+          </a:fontRef>
+        </p:style>
+      </p:sp>
       <p:sp>
         <p:nvSpPr>
           <p:cNvPr id="2" name="Title 1"/>
@@ -211,8 +257,8 @@
         </p:nvSpPr>
         <p:spPr>
           <a:xfrm>
-            <a:off x="1751012" y="1300785"/>
-            <a:ext cx="8689976" cy="2509213"/>
+            <a:off x="1097280" y="758952"/>
+            <a:ext cx="10058400" cy="3566160"/>
           </a:xfrm>
         </p:spPr>
         <p:txBody>
@@ -220,8 +266,18 @@
             <a:normAutofit/>
           </a:bodyPr>
           <a:lstStyle>
-            <a:lvl1pPr algn="ctr">
-              <a:defRPr sz="4800"/>
+            <a:lvl1pPr algn="l">
+              <a:lnSpc>
+                <a:spcPct val="85000"/>
+              </a:lnSpc>
+              <a:defRPr sz="8000" spc="-50" baseline="0">
+                <a:solidFill>
+                  <a:schemeClr val="tx1">
+                    <a:lumMod val="85000"/>
+                    <a:lumOff val="15000"/>
+                  </a:schemeClr>
+                </a:solidFill>
+              </a:defRPr>
             </a:lvl1pPr>
           </a:lstStyle>
           <a:p>
@@ -245,56 +301,55 @@
         </p:nvSpPr>
         <p:spPr>
           <a:xfrm>
-            <a:off x="1751012" y="3886200"/>
-            <a:ext cx="8689976" cy="1371599"/>
+            <a:off x="1100051" y="4455620"/>
+            <a:ext cx="10058400" cy="1143000"/>
           </a:xfrm>
         </p:spPr>
         <p:txBody>
-          <a:bodyPr>
+          <a:bodyPr lIns="91440" rIns="91440">
             <a:normAutofit/>
           </a:bodyPr>
           <a:lstStyle>
-            <a:lvl1pPr marL="0" indent="0" algn="ctr">
+            <a:lvl1pPr marL="0" indent="0" algn="l">
               <a:buNone/>
-              <a:defRPr sz="2200">
+              <a:defRPr sz="2400" cap="all" spc="200" baseline="0">
                 <a:solidFill>
-                  <a:schemeClr val="bg1">
-                    <a:lumMod val="50000"/>
-                  </a:schemeClr>
+                  <a:schemeClr val="tx2"/>
                 </a:solidFill>
+                <a:latin typeface="+mj-lt"/>
               </a:defRPr>
             </a:lvl1pPr>
             <a:lvl2pPr marL="457200" indent="0" algn="ctr">
               <a:buNone/>
-              <a:defRPr sz="2000"/>
+              <a:defRPr sz="2400"/>
             </a:lvl2pPr>
             <a:lvl3pPr marL="914400" indent="0" algn="ctr">
               <a:buNone/>
-              <a:defRPr sz="1800"/>
+              <a:defRPr sz="2400"/>
             </a:lvl3pPr>
             <a:lvl4pPr marL="1371600" indent="0" algn="ctr">
               <a:buNone/>
-              <a:defRPr sz="1600"/>
+              <a:defRPr sz="2000"/>
             </a:lvl4pPr>
             <a:lvl5pPr marL="1828800" indent="0" algn="ctr">
               <a:buNone/>
-              <a:defRPr sz="1600"/>
+              <a:defRPr sz="2000"/>
             </a:lvl5pPr>
             <a:lvl6pPr marL="2286000" indent="0" algn="ctr">
               <a:buNone/>
-              <a:defRPr sz="1600"/>
+              <a:defRPr sz="2000"/>
             </a:lvl6pPr>
             <a:lvl7pPr marL="2743200" indent="0" algn="ctr">
               <a:buNone/>
-              <a:defRPr sz="1600"/>
+              <a:defRPr sz="2000"/>
             </a:lvl7pPr>
             <a:lvl8pPr marL="3200400" indent="0" algn="ctr">
               <a:buNone/>
-              <a:defRPr sz="1600"/>
+              <a:defRPr sz="2000"/>
             </a:lvl8pPr>
             <a:lvl9pPr marL="3657600" indent="0" algn="ctr">
               <a:buNone/>
-              <a:defRPr sz="1600"/>
+              <a:defRPr sz="2000"/>
             </a:lvl9pPr>
           </a:lstStyle>
           <a:p>
@@ -323,7 +378,7 @@
           <a:p>
             <a:fld id="{87E83045-5AE1-40A9-B470-DA75385CFD17}" type="datetimeFigureOut">
               <a:rPr lang="zh-CN" altLang="en-US" smtClean="0"/>
-              <a:t>2020/3/14</a:t>
+              <a:t>2020/3/25</a:t>
             </a:fld>
             <a:endParaRPr lang="zh-CN" altLang="en-US"/>
           </a:p>
@@ -371,10 +426,48 @@
           </a:p>
         </p:txBody>
       </p:sp>
+      <p:cxnSp>
+        <p:nvCxnSpPr>
+          <p:cNvPr id="9" name="Straight Connector 8"/>
+          <p:cNvCxnSpPr/>
+          <p:nvPr/>
+        </p:nvCxnSpPr>
+        <p:spPr>
+          <a:xfrm>
+            <a:off x="1207658" y="4343400"/>
+            <a:ext cx="9875520" cy="0"/>
+          </a:xfrm>
+          <a:prstGeom prst="line">
+            <a:avLst/>
+          </a:prstGeom>
+          <a:ln w="6350">
+            <a:solidFill>
+              <a:schemeClr val="tx1">
+                <a:lumMod val="50000"/>
+                <a:lumOff val="50000"/>
+              </a:schemeClr>
+            </a:solidFill>
+          </a:ln>
+        </p:spPr>
+        <p:style>
+          <a:lnRef idx="1">
+            <a:schemeClr val="accent1"/>
+          </a:lnRef>
+          <a:fillRef idx="0">
+            <a:schemeClr val="accent1"/>
+          </a:fillRef>
+          <a:effectRef idx="0">
+            <a:schemeClr val="accent1"/>
+          </a:effectRef>
+          <a:fontRef idx="minor">
+            <a:schemeClr val="tx1"/>
+          </a:fontRef>
+        </p:style>
+      </p:cxnSp>
     </p:spTree>
     <p:extLst>
       <p:ext uri="{BB962C8B-B14F-4D97-AF65-F5344CB8AC3E}">
-        <p14:creationId xmlns:p14="http://schemas.microsoft.com/office/powerpoint/2010/main" val="2153056"/>
+        <p14:creationId xmlns:p14="http://schemas.microsoft.com/office/powerpoint/2010/main" val="102829996"/>
       </p:ext>
     </p:extLst>
   </p:cSld>
@@ -385,8 +478,8 @@
 </file>
 
 <file path=ppt/slideLayouts/slideLayout10.xml><?xml version="1.0" encoding="utf-8"?>
-<p:sldLayout xmlns:a="http://schemas.openxmlformats.org/drawingml/2006/main" xmlns:r="http://schemas.openxmlformats.org/officeDocument/2006/relationships" xmlns:p="http://schemas.openxmlformats.org/presentationml/2006/main" preserve="1">
-  <p:cSld name="带描述的全景图片">
+<p:sldLayout xmlns:a="http://schemas.openxmlformats.org/drawingml/2006/main" xmlns:r="http://schemas.openxmlformats.org/officeDocument/2006/relationships" xmlns:p="http://schemas.openxmlformats.org/presentationml/2006/main" type="vertTx" preserve="1">
+  <p:cSld name="标题和竖排文字">
     <p:spTree>
       <p:nvGrpSpPr>
         <p:cNvPr id="1" name=""/>
@@ -401,36 +494,6 @@
           <a:chExt cx="0" cy="0"/>
         </a:xfrm>
       </p:grpSpPr>
-      <p:pic>
-        <p:nvPicPr>
-          <p:cNvPr id="10" name="Picture 9" descr="Droplets-HD-Content-R1d.png"/>
-          <p:cNvPicPr>
-            <a:picLocks noChangeAspect="1"/>
-          </p:cNvPicPr>
-          <p:nvPr/>
-        </p:nvPicPr>
-        <p:blipFill>
-          <a:blip r:embed="rId2">
-            <a:extLst>
-              <a:ext uri="{28A0092B-C50C-407E-A947-70E740481C1C}">
-                <a14:useLocalDpi xmlns:a14="http://schemas.microsoft.com/office/drawing/2010/main" val="0"/>
-              </a:ext>
-            </a:extLst>
-          </a:blip>
-          <a:stretch>
-            <a:fillRect/>
-          </a:stretch>
-        </p:blipFill>
-        <p:spPr>
-          <a:xfrm>
-            <a:off x="0" y="0"/>
-            <a:ext cx="12192000" cy="6858000"/>
-          </a:xfrm>
-          <a:prstGeom prst="rect">
-            <a:avLst/>
-          </a:prstGeom>
-        </p:spPr>
-      </p:pic>
       <p:sp>
         <p:nvSpPr>
           <p:cNvPr id="2" name="Title 1"/>
@@ -441,19 +504,10 @@
             <p:ph type="title"/>
           </p:nvPr>
         </p:nvSpPr>
-        <p:spPr>
-          <a:xfrm>
-            <a:off x="913794" y="4289374"/>
-            <a:ext cx="10364432" cy="811610"/>
-          </a:xfrm>
-        </p:spPr>
+        <p:spPr/>
         <p:txBody>
-          <a:bodyPr anchor="b"/>
-          <a:lstStyle>
-            <a:lvl1pPr>
-              <a:defRPr sz="3200"/>
-            </a:lvl1pPr>
-          </a:lstStyle>
+          <a:bodyPr/>
+          <a:lstStyle/>
           <a:p>
             <a:r>
               <a:rPr lang="zh-CN" altLang="en-US"/>
@@ -465,150 +519,18 @@
       </p:sp>
       <p:sp>
         <p:nvSpPr>
-          <p:cNvPr id="3" name="Picture Placeholder 2"/>
-          <p:cNvSpPr>
-            <a:spLocks noGrp="1" noChangeAspect="1"/>
-          </p:cNvSpPr>
-          <p:nvPr>
-            <p:ph type="pic" idx="1"/>
-          </p:nvPr>
-        </p:nvSpPr>
-        <p:spPr>
-          <a:xfrm>
-            <a:off x="1184744" y="698261"/>
-            <a:ext cx="9822532" cy="3214136"/>
-          </a:xfrm>
-          <a:prstGeom prst="roundRect">
-            <a:avLst>
-              <a:gd name="adj" fmla="val 4944"/>
-            </a:avLst>
-          </a:prstGeom>
-          <a:noFill/>
-          <a:ln w="82550" cap="sq">
-            <a:solidFill>
-              <a:srgbClr val="EAEAEA"/>
-            </a:solidFill>
-            <a:miter lim="800000"/>
-          </a:ln>
-          <a:effectLst/>
-          <a:scene3d>
-            <a:camera prst="orthographicFront"/>
-            <a:lightRig rig="threePt" dir="t">
-              <a:rot lat="0" lon="0" rev="2700000"/>
-            </a:lightRig>
-          </a:scene3d>
-          <a:sp3d contourW="6350">
-            <a:bevelT h="38100"/>
-            <a:contourClr>
-              <a:srgbClr val="C0C0C0"/>
-            </a:contourClr>
-          </a:sp3d>
-        </p:spPr>
-        <p:txBody>
-          <a:bodyPr anchor="t"/>
-          <a:lstStyle>
-            <a:lvl1pPr marL="0" indent="0" algn="ctr">
-              <a:buNone/>
-              <a:defRPr sz="3200"/>
-            </a:lvl1pPr>
-            <a:lvl2pPr marL="457200" indent="0">
-              <a:buNone/>
-              <a:defRPr sz="2800"/>
-            </a:lvl2pPr>
-            <a:lvl3pPr marL="914400" indent="0">
-              <a:buNone/>
-              <a:defRPr sz="2400"/>
-            </a:lvl3pPr>
-            <a:lvl4pPr marL="1371600" indent="0">
-              <a:buNone/>
-              <a:defRPr sz="2000"/>
-            </a:lvl4pPr>
-            <a:lvl5pPr marL="1828800" indent="0">
-              <a:buNone/>
-              <a:defRPr sz="2000"/>
-            </a:lvl5pPr>
-            <a:lvl6pPr marL="2286000" indent="0">
-              <a:buNone/>
-              <a:defRPr sz="2000"/>
-            </a:lvl6pPr>
-            <a:lvl7pPr marL="2743200" indent="0">
-              <a:buNone/>
-              <a:defRPr sz="2000"/>
-            </a:lvl7pPr>
-            <a:lvl8pPr marL="3200400" indent="0">
-              <a:buNone/>
-              <a:defRPr sz="2000"/>
-            </a:lvl8pPr>
-            <a:lvl9pPr marL="3657600" indent="0">
-              <a:buNone/>
-              <a:defRPr sz="2000"/>
-            </a:lvl9pPr>
-          </a:lstStyle>
-          <a:p>
-            <a:r>
-              <a:rPr lang="zh-CN" altLang="en-US"/>
-              <a:t>单击图标添加图片</a:t>
-            </a:r>
-            <a:endParaRPr lang="en-US" dirty="0"/>
-          </a:p>
-        </p:txBody>
-      </p:sp>
-      <p:sp>
-        <p:nvSpPr>
-          <p:cNvPr id="4" name="Text Placeholder 3"/>
+          <p:cNvPr id="3" name="Vertical Text Placeholder 2"/>
           <p:cNvSpPr>
             <a:spLocks noGrp="1"/>
           </p:cNvSpPr>
           <p:nvPr>
-            <p:ph type="body" sz="half" idx="2"/>
+            <p:ph type="body" orient="vert" idx="1"/>
           </p:nvPr>
         </p:nvSpPr>
-        <p:spPr>
-          <a:xfrm>
-            <a:off x="913774" y="5108728"/>
-            <a:ext cx="10364452" cy="682472"/>
-          </a:xfrm>
-        </p:spPr>
+        <p:spPr/>
         <p:txBody>
-          <a:bodyPr/>
-          <a:lstStyle>
-            <a:lvl1pPr marL="0" indent="0" algn="ctr">
-              <a:buNone/>
-              <a:defRPr sz="1600"/>
-            </a:lvl1pPr>
-            <a:lvl2pPr marL="457200" indent="0">
-              <a:buNone/>
-              <a:defRPr sz="1400"/>
-            </a:lvl2pPr>
-            <a:lvl3pPr marL="914400" indent="0">
-              <a:buNone/>
-              <a:defRPr sz="1200"/>
-            </a:lvl3pPr>
-            <a:lvl4pPr marL="1371600" indent="0">
-              <a:buNone/>
-              <a:defRPr sz="1000"/>
-            </a:lvl4pPr>
-            <a:lvl5pPr marL="1828800" indent="0">
-              <a:buNone/>
-              <a:defRPr sz="1000"/>
-            </a:lvl5pPr>
-            <a:lvl6pPr marL="2286000" indent="0">
-              <a:buNone/>
-              <a:defRPr sz="1000"/>
-            </a:lvl6pPr>
-            <a:lvl7pPr marL="2743200" indent="0">
-              <a:buNone/>
-              <a:defRPr sz="1000"/>
-            </a:lvl7pPr>
-            <a:lvl8pPr marL="3200400" indent="0">
-              <a:buNone/>
-              <a:defRPr sz="1000"/>
-            </a:lvl8pPr>
-            <a:lvl9pPr marL="3657600" indent="0">
-              <a:buNone/>
-              <a:defRPr sz="1000"/>
-            </a:lvl9pPr>
-          </a:lstStyle>
+          <a:bodyPr vert="eaVert" lIns="45720" tIns="0" rIns="45720" bIns="0"/>
+          <a:lstStyle/>
           <a:p>
             <a:pPr lvl="0"/>
             <a:r>
@@ -616,11 +538,40 @@
               <a:t>单击此处编辑母版文本样式</a:t>
             </a:r>
           </a:p>
+          <a:p>
+            <a:pPr lvl="1"/>
+            <a:r>
+              <a:rPr lang="zh-CN" altLang="en-US"/>
+              <a:t>二级</a:t>
+            </a:r>
+          </a:p>
+          <a:p>
+            <a:pPr lvl="2"/>
+            <a:r>
+              <a:rPr lang="zh-CN" altLang="en-US"/>
+              <a:t>三级</a:t>
+            </a:r>
+          </a:p>
+          <a:p>
+            <a:pPr lvl="3"/>
+            <a:r>
+              <a:rPr lang="zh-CN" altLang="en-US"/>
+              <a:t>四级</a:t>
+            </a:r>
+          </a:p>
+          <a:p>
+            <a:pPr lvl="4"/>
+            <a:r>
+              <a:rPr lang="zh-CN" altLang="en-US"/>
+              <a:t>五级</a:t>
+            </a:r>
+            <a:endParaRPr lang="en-US" dirty="0"/>
+          </a:p>
         </p:txBody>
       </p:sp>
       <p:sp>
         <p:nvSpPr>
-          <p:cNvPr id="5" name="Date Placeholder 4"/>
+          <p:cNvPr id="4" name="Date Placeholder 3"/>
           <p:cNvSpPr>
             <a:spLocks noGrp="1"/>
           </p:cNvSpPr>
@@ -635,7 +586,7 @@
           <a:p>
             <a:fld id="{87E83045-5AE1-40A9-B470-DA75385CFD17}" type="datetimeFigureOut">
               <a:rPr lang="zh-CN" altLang="en-US" smtClean="0"/>
-              <a:t>2020/3/14</a:t>
+              <a:t>2020/3/25</a:t>
             </a:fld>
             <a:endParaRPr lang="zh-CN" altLang="en-US"/>
           </a:p>
@@ -643,7 +594,7 @@
       </p:sp>
       <p:sp>
         <p:nvSpPr>
-          <p:cNvPr id="6" name="Footer Placeholder 5"/>
+          <p:cNvPr id="5" name="Footer Placeholder 4"/>
           <p:cNvSpPr>
             <a:spLocks noGrp="1"/>
           </p:cNvSpPr>
@@ -662,7 +613,7 @@
       </p:sp>
       <p:sp>
         <p:nvSpPr>
-          <p:cNvPr id="7" name="Slide Number Placeholder 6"/>
+          <p:cNvPr id="6" name="Slide Number Placeholder 5"/>
           <p:cNvSpPr>
             <a:spLocks noGrp="1"/>
           </p:cNvSpPr>
@@ -686,7 +637,7 @@
     </p:spTree>
     <p:extLst>
       <p:ext uri="{BB962C8B-B14F-4D97-AF65-F5344CB8AC3E}">
-        <p14:creationId xmlns:p14="http://schemas.microsoft.com/office/powerpoint/2010/main" val="1164102373"/>
+        <p14:creationId xmlns:p14="http://schemas.microsoft.com/office/powerpoint/2010/main" val="736734966"/>
       </p:ext>
     </p:extLst>
   </p:cSld>
@@ -697,8 +648,8 @@
 </file>
 
 <file path=ppt/slideLayouts/slideLayout11.xml><?xml version="1.0" encoding="utf-8"?>
-<p:sldLayout xmlns:a="http://schemas.openxmlformats.org/drawingml/2006/main" xmlns:r="http://schemas.openxmlformats.org/officeDocument/2006/relationships" xmlns:p="http://schemas.openxmlformats.org/presentationml/2006/main" preserve="1">
-  <p:cSld name="标题和描述">
+<p:sldLayout xmlns:a="http://schemas.openxmlformats.org/drawingml/2006/main" xmlns:r="http://schemas.openxmlformats.org/officeDocument/2006/relationships" xmlns:p="http://schemas.openxmlformats.org/presentationml/2006/main" showMasterSp="0" type="vertTitleAndTx" preserve="1">
+  <p:cSld name="竖排标题与文本">
     <p:spTree>
       <p:nvGrpSpPr>
         <p:cNvPr id="1" name=""/>
@@ -713,59 +664,101 @@
           <a:chExt cx="0" cy="0"/>
         </a:xfrm>
       </p:grpSpPr>
-      <p:pic>
-        <p:nvPicPr>
-          <p:cNvPr id="8" name="Picture 7" descr="Droplets-HD-Content-R1d.png"/>
-          <p:cNvPicPr>
-            <a:picLocks noChangeAspect="1"/>
-          </p:cNvPicPr>
+      <p:sp>
+        <p:nvSpPr>
+          <p:cNvPr id="7" name="Rectangle 6"/>
+          <p:cNvSpPr/>
           <p:nvPr/>
-        </p:nvPicPr>
-        <p:blipFill>
-          <a:blip r:embed="rId2">
-            <a:extLst>
-              <a:ext uri="{28A0092B-C50C-407E-A947-70E740481C1C}">
-                <a14:useLocalDpi xmlns:a14="http://schemas.microsoft.com/office/drawing/2010/main" val="0"/>
-              </a:ext>
-            </a:extLst>
-          </a:blip>
-          <a:stretch>
-            <a:fillRect/>
-          </a:stretch>
-        </p:blipFill>
+        </p:nvSpPr>
         <p:spPr>
           <a:xfrm>
-            <a:off x="0" y="0"/>
-            <a:ext cx="12192000" cy="6858000"/>
+            <a:off x="3175" y="6400800"/>
+            <a:ext cx="12188825" cy="457200"/>
           </a:xfrm>
           <a:prstGeom prst="rect">
             <a:avLst/>
           </a:prstGeom>
+          <a:solidFill>
+            <a:schemeClr val="accent2"/>
+          </a:solidFill>
+          <a:ln>
+            <a:noFill/>
+          </a:ln>
         </p:spPr>
-      </p:pic>
-      <p:sp>
-        <p:nvSpPr>
-          <p:cNvPr id="2" name="Title 1"/>
+        <p:style>
+          <a:lnRef idx="2">
+            <a:schemeClr val="accent1">
+              <a:shade val="50000"/>
+            </a:schemeClr>
+          </a:lnRef>
+          <a:fillRef idx="1">
+            <a:schemeClr val="accent1"/>
+          </a:fillRef>
+          <a:effectRef idx="0">
+            <a:schemeClr val="accent1"/>
+          </a:effectRef>
+          <a:fontRef idx="minor">
+            <a:schemeClr val="lt1"/>
+          </a:fontRef>
+        </p:style>
+      </p:sp>
+      <p:sp>
+        <p:nvSpPr>
+          <p:cNvPr id="8" name="Rectangle 7"/>
+          <p:cNvSpPr/>
+          <p:nvPr/>
+        </p:nvSpPr>
+        <p:spPr>
+          <a:xfrm>
+            <a:off x="15" y="6334316"/>
+            <a:ext cx="12188825" cy="64008"/>
+          </a:xfrm>
+          <a:prstGeom prst="rect">
+            <a:avLst/>
+          </a:prstGeom>
+          <a:solidFill>
+            <a:schemeClr val="accent1"/>
+          </a:solidFill>
+          <a:ln>
+            <a:noFill/>
+          </a:ln>
+        </p:spPr>
+        <p:style>
+          <a:lnRef idx="2">
+            <a:schemeClr val="accent1">
+              <a:shade val="50000"/>
+            </a:schemeClr>
+          </a:lnRef>
+          <a:fillRef idx="1">
+            <a:schemeClr val="accent1"/>
+          </a:fillRef>
+          <a:effectRef idx="0">
+            <a:schemeClr val="accent1"/>
+          </a:effectRef>
+          <a:fontRef idx="minor">
+            <a:schemeClr val="lt1"/>
+          </a:fontRef>
+        </p:style>
+      </p:sp>
+      <p:sp>
+        <p:nvSpPr>
+          <p:cNvPr id="2" name="Vertical Title 1"/>
           <p:cNvSpPr>
             <a:spLocks noGrp="1"/>
           </p:cNvSpPr>
           <p:nvPr>
-            <p:ph type="title"/>
+            <p:ph type="title" orient="vert"/>
           </p:nvPr>
         </p:nvSpPr>
         <p:spPr>
           <a:xfrm>
-            <a:off x="913774" y="609599"/>
-            <a:ext cx="10364452" cy="3427245"/>
+            <a:off x="8724900" y="414778"/>
+            <a:ext cx="2628900" cy="5757421"/>
           </a:xfrm>
         </p:spPr>
         <p:txBody>
-          <a:bodyPr anchor="ctr"/>
-          <a:lstStyle>
-            <a:lvl1pPr algn="ctr">
-              <a:defRPr sz="3200"/>
-            </a:lvl1pPr>
-          </a:lstStyle>
+          <a:bodyPr vert="eaVert"/>
+          <a:lstStyle/>
           <a:p>
             <a:r>
               <a:rPr lang="zh-CN" altLang="en-US"/>
@@ -777,60 +770,23 @@
       </p:sp>
       <p:sp>
         <p:nvSpPr>
-          <p:cNvPr id="4" name="Text Placeholder 3"/>
+          <p:cNvPr id="3" name="Vertical Text Placeholder 2"/>
           <p:cNvSpPr>
             <a:spLocks noGrp="1"/>
           </p:cNvSpPr>
           <p:nvPr>
-            <p:ph type="body" sz="half" idx="2"/>
+            <p:ph type="body" orient="vert" idx="1"/>
           </p:nvPr>
         </p:nvSpPr>
         <p:spPr>
           <a:xfrm>
-            <a:off x="913775" y="4204821"/>
-            <a:ext cx="10364452" cy="1586380"/>
+            <a:off x="838200" y="414778"/>
+            <a:ext cx="7734300" cy="5757422"/>
           </a:xfrm>
         </p:spPr>
         <p:txBody>
-          <a:bodyPr anchor="ctr"/>
-          <a:lstStyle>
-            <a:lvl1pPr marL="0" indent="0" algn="ctr">
-              <a:buNone/>
-              <a:defRPr sz="1600"/>
-            </a:lvl1pPr>
-            <a:lvl2pPr marL="457200" indent="0">
-              <a:buNone/>
-              <a:defRPr sz="1400"/>
-            </a:lvl2pPr>
-            <a:lvl3pPr marL="914400" indent="0">
-              <a:buNone/>
-              <a:defRPr sz="1200"/>
-            </a:lvl3pPr>
-            <a:lvl4pPr marL="1371600" indent="0">
-              <a:buNone/>
-              <a:defRPr sz="1000"/>
-            </a:lvl4pPr>
-            <a:lvl5pPr marL="1828800" indent="0">
-              <a:buNone/>
-              <a:defRPr sz="1000"/>
-            </a:lvl5pPr>
-            <a:lvl6pPr marL="2286000" indent="0">
-              <a:buNone/>
-              <a:defRPr sz="1000"/>
-            </a:lvl6pPr>
-            <a:lvl7pPr marL="2743200" indent="0">
-              <a:buNone/>
-              <a:defRPr sz="1000"/>
-            </a:lvl7pPr>
-            <a:lvl8pPr marL="3200400" indent="0">
-              <a:buNone/>
-              <a:defRPr sz="1000"/>
-            </a:lvl8pPr>
-            <a:lvl9pPr marL="3657600" indent="0">
-              <a:buNone/>
-              <a:defRPr sz="1000"/>
-            </a:lvl9pPr>
-          </a:lstStyle>
+          <a:bodyPr vert="eaVert" lIns="45720" tIns="0" rIns="45720" bIns="0"/>
+          <a:lstStyle/>
           <a:p>
             <a:pPr lvl="0"/>
             <a:r>
@@ -838,11 +794,40 @@
               <a:t>单击此处编辑母版文本样式</a:t>
             </a:r>
           </a:p>
+          <a:p>
+            <a:pPr lvl="1"/>
+            <a:r>
+              <a:rPr lang="zh-CN" altLang="en-US"/>
+              <a:t>二级</a:t>
+            </a:r>
+          </a:p>
+          <a:p>
+            <a:pPr lvl="2"/>
+            <a:r>
+              <a:rPr lang="zh-CN" altLang="en-US"/>
+              <a:t>三级</a:t>
+            </a:r>
+          </a:p>
+          <a:p>
+            <a:pPr lvl="3"/>
+            <a:r>
+              <a:rPr lang="zh-CN" altLang="en-US"/>
+              <a:t>四级</a:t>
+            </a:r>
+          </a:p>
+          <a:p>
+            <a:pPr lvl="4"/>
+            <a:r>
+              <a:rPr lang="zh-CN" altLang="en-US"/>
+              <a:t>五级</a:t>
+            </a:r>
+            <a:endParaRPr lang="en-US" dirty="0"/>
+          </a:p>
         </p:txBody>
       </p:sp>
       <p:sp>
         <p:nvSpPr>
-          <p:cNvPr id="5" name="Date Placeholder 4"/>
+          <p:cNvPr id="4" name="Date Placeholder 3"/>
           <p:cNvSpPr>
             <a:spLocks noGrp="1"/>
           </p:cNvSpPr>
@@ -857,7 +842,7 @@
           <a:p>
             <a:fld id="{87E83045-5AE1-40A9-B470-DA75385CFD17}" type="datetimeFigureOut">
               <a:rPr lang="zh-CN" altLang="en-US" smtClean="0"/>
-              <a:t>2020/3/14</a:t>
+              <a:t>2020/3/25</a:t>
             </a:fld>
             <a:endParaRPr lang="zh-CN" altLang="en-US"/>
           </a:p>
@@ -865,7 +850,7 @@
       </p:sp>
       <p:sp>
         <p:nvSpPr>
-          <p:cNvPr id="6" name="Footer Placeholder 5"/>
+          <p:cNvPr id="5" name="Footer Placeholder 4"/>
           <p:cNvSpPr>
             <a:spLocks noGrp="1"/>
           </p:cNvSpPr>
@@ -884,7 +869,7 @@
       </p:sp>
       <p:sp>
         <p:nvSpPr>
-          <p:cNvPr id="7" name="Slide Number Placeholder 6"/>
+          <p:cNvPr id="6" name="Slide Number Placeholder 5"/>
           <p:cNvSpPr>
             <a:spLocks noGrp="1"/>
           </p:cNvSpPr>
@@ -908,7 +893,7 @@
     </p:spTree>
     <p:extLst>
       <p:ext uri="{BB962C8B-B14F-4D97-AF65-F5344CB8AC3E}">
-        <p14:creationId xmlns:p14="http://schemas.microsoft.com/office/powerpoint/2010/main" val="1820613582"/>
+        <p14:creationId xmlns:p14="http://schemas.microsoft.com/office/powerpoint/2010/main" val="111657799"/>
       </p:ext>
     </p:extLst>
   </p:cSld>
@@ -918,9 +903,9 @@
 </p:sldLayout>
 </file>
 
-<file path=ppt/slideLayouts/slideLayout12.xml><?xml version="1.0" encoding="utf-8"?>
-<p:sldLayout xmlns:a="http://schemas.openxmlformats.org/drawingml/2006/main" xmlns:r="http://schemas.openxmlformats.org/officeDocument/2006/relationships" xmlns:p="http://schemas.openxmlformats.org/presentationml/2006/main" preserve="1">
-  <p:cSld name="带描述的引言">
+<file path=ppt/slideLayouts/slideLayout2.xml><?xml version="1.0" encoding="utf-8"?>
+<p:sldLayout xmlns:a="http://schemas.openxmlformats.org/drawingml/2006/main" xmlns:r="http://schemas.openxmlformats.org/officeDocument/2006/relationships" xmlns:p="http://schemas.openxmlformats.org/presentationml/2006/main" type="obj" preserve="1">
+  <p:cSld name="标题和内容">
     <p:spTree>
       <p:nvGrpSpPr>
         <p:cNvPr id="1" name=""/>
@@ -935,36 +920,6 @@
           <a:chExt cx="0" cy="0"/>
         </a:xfrm>
       </p:grpSpPr>
-      <p:pic>
-        <p:nvPicPr>
-          <p:cNvPr id="11" name="Picture 10" descr="Droplets-HD-Content-R1d.png"/>
-          <p:cNvPicPr>
-            <a:picLocks noChangeAspect="1"/>
-          </p:cNvPicPr>
-          <p:nvPr/>
-        </p:nvPicPr>
-        <p:blipFill>
-          <a:blip r:embed="rId2">
-            <a:extLst>
-              <a:ext uri="{28A0092B-C50C-407E-A947-70E740481C1C}">
-                <a14:useLocalDpi xmlns:a14="http://schemas.microsoft.com/office/drawing/2010/main" val="0"/>
-              </a:ext>
-            </a:extLst>
-          </a:blip>
-          <a:stretch>
-            <a:fillRect/>
-          </a:stretch>
-        </p:blipFill>
-        <p:spPr>
-          <a:xfrm>
-            <a:off x="0" y="0"/>
-            <a:ext cx="12192000" cy="6858000"/>
-          </a:xfrm>
-          <a:prstGeom prst="rect">
-            <a:avLst/>
-          </a:prstGeom>
-        </p:spPr>
-      </p:pic>
       <p:sp>
         <p:nvSpPr>
           <p:cNvPr id="2" name="Title 1"/>
@@ -975,17 +930,12 @@
             <p:ph type="title"/>
           </p:nvPr>
         </p:nvSpPr>
-        <p:spPr>
-          <a:xfrm>
-            <a:off x="1446212" y="609600"/>
-            <a:ext cx="9302752" cy="2992904"/>
-          </a:xfrm>
-        </p:spPr>
+        <p:spPr/>
         <p:txBody>
-          <a:bodyPr anchor="ctr"/>
+          <a:bodyPr/>
           <a:lstStyle>
-            <a:lvl1pPr>
-              <a:defRPr sz="3200"/>
+            <a:lvl1pPr marL="0">
+              <a:defRPr/>
             </a:lvl1pPr>
           </a:lstStyle>
           <a:p>
@@ -999,62 +949,18 @@
       </p:sp>
       <p:sp>
         <p:nvSpPr>
-          <p:cNvPr id="12" name="Text Placeholder 3"/>
+          <p:cNvPr id="3" name="Content Placeholder 2"/>
           <p:cNvSpPr>
             <a:spLocks noGrp="1"/>
           </p:cNvSpPr>
           <p:nvPr>
-            <p:ph type="body" sz="half" idx="13"/>
+            <p:ph idx="1"/>
           </p:nvPr>
         </p:nvSpPr>
-        <p:spPr>
-          <a:xfrm>
-            <a:off x="1720644" y="3610032"/>
-            <a:ext cx="8752299" cy="594788"/>
-          </a:xfrm>
-        </p:spPr>
+        <p:spPr/>
         <p:txBody>
-          <a:bodyPr anchor="t">
-            <a:normAutofit/>
-          </a:bodyPr>
-          <a:lstStyle>
-            <a:lvl1pPr marL="0" indent="0">
-              <a:buNone/>
-              <a:defRPr sz="1400"/>
-            </a:lvl1pPr>
-            <a:lvl2pPr marL="457200" indent="0">
-              <a:buNone/>
-              <a:defRPr sz="1400"/>
-            </a:lvl2pPr>
-            <a:lvl3pPr marL="914400" indent="0">
-              <a:buNone/>
-              <a:defRPr sz="1200"/>
-            </a:lvl3pPr>
-            <a:lvl4pPr marL="1371600" indent="0">
-              <a:buNone/>
-              <a:defRPr sz="1000"/>
-            </a:lvl4pPr>
-            <a:lvl5pPr marL="1828800" indent="0">
-              <a:buNone/>
-              <a:defRPr sz="1000"/>
-            </a:lvl5pPr>
-            <a:lvl6pPr marL="2286000" indent="0">
-              <a:buNone/>
-              <a:defRPr sz="1000"/>
-            </a:lvl6pPr>
-            <a:lvl7pPr marL="2743200" indent="0">
-              <a:buNone/>
-              <a:defRPr sz="1000"/>
-            </a:lvl7pPr>
-            <a:lvl8pPr marL="3200400" indent="0">
-              <a:buNone/>
-              <a:defRPr sz="1000"/>
-            </a:lvl8pPr>
-            <a:lvl9pPr marL="3657600" indent="0">
-              <a:buNone/>
-              <a:defRPr sz="1000"/>
-            </a:lvl9pPr>
-          </a:lstStyle>
+          <a:bodyPr/>
+          <a:lstStyle/>
           <a:p>
             <a:pPr lvl="0"/>
             <a:r>
@@ -1062,78 +968,40 @@
               <a:t>单击此处编辑母版文本样式</a:t>
             </a:r>
           </a:p>
+          <a:p>
+            <a:pPr lvl="1"/>
+            <a:r>
+              <a:rPr lang="zh-CN" altLang="en-US"/>
+              <a:t>二级</a:t>
+            </a:r>
+          </a:p>
+          <a:p>
+            <a:pPr lvl="2"/>
+            <a:r>
+              <a:rPr lang="zh-CN" altLang="en-US"/>
+              <a:t>三级</a:t>
+            </a:r>
+          </a:p>
+          <a:p>
+            <a:pPr lvl="3"/>
+            <a:r>
+              <a:rPr lang="zh-CN" altLang="en-US"/>
+              <a:t>四级</a:t>
+            </a:r>
+          </a:p>
+          <a:p>
+            <a:pPr lvl="4"/>
+            <a:r>
+              <a:rPr lang="zh-CN" altLang="en-US"/>
+              <a:t>五级</a:t>
+            </a:r>
+            <a:endParaRPr lang="en-US" dirty="0"/>
+          </a:p>
         </p:txBody>
       </p:sp>
       <p:sp>
         <p:nvSpPr>
-          <p:cNvPr id="4" name="Text Placeholder 3"/>
-          <p:cNvSpPr>
-            <a:spLocks noGrp="1"/>
-          </p:cNvSpPr>
-          <p:nvPr>
-            <p:ph type="body" sz="half" idx="2"/>
-          </p:nvPr>
-        </p:nvSpPr>
-        <p:spPr>
-          <a:xfrm>
-            <a:off x="913774" y="4372796"/>
-            <a:ext cx="10364452" cy="1421053"/>
-          </a:xfrm>
-        </p:spPr>
-        <p:txBody>
-          <a:bodyPr anchor="ctr">
-            <a:normAutofit/>
-          </a:bodyPr>
-          <a:lstStyle>
-            <a:lvl1pPr marL="0" indent="0" algn="ctr">
-              <a:buNone/>
-              <a:defRPr sz="1600"/>
-            </a:lvl1pPr>
-            <a:lvl2pPr marL="457200" indent="0">
-              <a:buNone/>
-              <a:defRPr sz="1400"/>
-            </a:lvl2pPr>
-            <a:lvl3pPr marL="914400" indent="0">
-              <a:buNone/>
-              <a:defRPr sz="1200"/>
-            </a:lvl3pPr>
-            <a:lvl4pPr marL="1371600" indent="0">
-              <a:buNone/>
-              <a:defRPr sz="1000"/>
-            </a:lvl4pPr>
-            <a:lvl5pPr marL="1828800" indent="0">
-              <a:buNone/>
-              <a:defRPr sz="1000"/>
-            </a:lvl5pPr>
-            <a:lvl6pPr marL="2286000" indent="0">
-              <a:buNone/>
-              <a:defRPr sz="1000"/>
-            </a:lvl6pPr>
-            <a:lvl7pPr marL="2743200" indent="0">
-              <a:buNone/>
-              <a:defRPr sz="1000"/>
-            </a:lvl7pPr>
-            <a:lvl8pPr marL="3200400" indent="0">
-              <a:buNone/>
-              <a:defRPr sz="1000"/>
-            </a:lvl8pPr>
-            <a:lvl9pPr marL="3657600" indent="0">
-              <a:buNone/>
-              <a:defRPr sz="1000"/>
-            </a:lvl9pPr>
-          </a:lstStyle>
-          <a:p>
-            <a:pPr lvl="0"/>
-            <a:r>
-              <a:rPr lang="zh-CN" altLang="en-US"/>
-              <a:t>单击此处编辑母版文本样式</a:t>
-            </a:r>
-          </a:p>
-        </p:txBody>
-      </p:sp>
-      <p:sp>
-        <p:nvSpPr>
-          <p:cNvPr id="5" name="Date Placeholder 4"/>
+          <p:cNvPr id="4" name="Date Placeholder 3"/>
           <p:cNvSpPr>
             <a:spLocks noGrp="1"/>
           </p:cNvSpPr>
@@ -1148,7 +1016,7 @@
           <a:p>
             <a:fld id="{87E83045-5AE1-40A9-B470-DA75385CFD17}" type="datetimeFigureOut">
               <a:rPr lang="zh-CN" altLang="en-US" smtClean="0"/>
-              <a:t>2020/3/14</a:t>
+              <a:t>2020/3/25</a:t>
             </a:fld>
             <a:endParaRPr lang="zh-CN" altLang="en-US"/>
           </a:p>
@@ -1156,7 +1024,7 @@
       </p:sp>
       <p:sp>
         <p:nvSpPr>
-          <p:cNvPr id="6" name="Footer Placeholder 5"/>
+          <p:cNvPr id="5" name="Footer Placeholder 4"/>
           <p:cNvSpPr>
             <a:spLocks noGrp="1"/>
           </p:cNvSpPr>
@@ -1175,7 +1043,7 @@
       </p:sp>
       <p:sp>
         <p:nvSpPr>
-          <p:cNvPr id="7" name="Slide Number Placeholder 6"/>
+          <p:cNvPr id="6" name="Slide Number Placeholder 5"/>
           <p:cNvSpPr>
             <a:spLocks noGrp="1"/>
           </p:cNvSpPr>
@@ -1196,242 +1064,10 @@
           </a:p>
         </p:txBody>
       </p:sp>
-      <p:sp>
-        <p:nvSpPr>
-          <p:cNvPr id="13" name="TextBox 12"/>
-          <p:cNvSpPr txBox="1"/>
-          <p:nvPr/>
-        </p:nvSpPr>
-        <p:spPr>
-          <a:xfrm>
-            <a:off x="1001488" y="754166"/>
-            <a:ext cx="609600" cy="584776"/>
-          </a:xfrm>
-          <a:prstGeom prst="rect">
-            <a:avLst/>
-          </a:prstGeom>
-        </p:spPr>
-        <p:txBody>
-          <a:bodyPr vert="horz" lIns="91440" tIns="45720" rIns="91440" bIns="45720" rtlCol="0" anchor="ctr">
-            <a:noAutofit/>
-          </a:bodyPr>
-          <a:lstStyle>
-            <a:lvl1pPr>
-              <a:spcBef>
-                <a:spcPct val="0"/>
-              </a:spcBef>
-              <a:buNone/>
-              <a:defRPr sz="3200" b="0" cap="all">
-                <a:ln w="3175" cmpd="sng">
-                  <a:noFill/>
-                </a:ln>
-                <a:effectLst>
-                  <a:glow rad="38100">
-                    <a:schemeClr val="bg1">
-                      <a:lumMod val="65000"/>
-                      <a:lumOff val="35000"/>
-                      <a:alpha val="40000"/>
-                    </a:schemeClr>
-                  </a:glow>
-                  <a:outerShdw blurRad="28575" dist="38100" dir="14040000" algn="tl" rotWithShape="0">
-                    <a:srgbClr val="000000">
-                      <a:alpha val="25000"/>
-                    </a:srgbClr>
-                  </a:outerShdw>
-                </a:effectLst>
-              </a:defRPr>
-            </a:lvl1pPr>
-            <a:lvl2pPr>
-              <a:defRPr>
-                <a:solidFill>
-                  <a:schemeClr val="tx2"/>
-                </a:solidFill>
-              </a:defRPr>
-            </a:lvl2pPr>
-            <a:lvl3pPr>
-              <a:defRPr>
-                <a:solidFill>
-                  <a:schemeClr val="tx2"/>
-                </a:solidFill>
-              </a:defRPr>
-            </a:lvl3pPr>
-            <a:lvl4pPr>
-              <a:defRPr>
-                <a:solidFill>
-                  <a:schemeClr val="tx2"/>
-                </a:solidFill>
-              </a:defRPr>
-            </a:lvl4pPr>
-            <a:lvl5pPr>
-              <a:defRPr>
-                <a:solidFill>
-                  <a:schemeClr val="tx2"/>
-                </a:solidFill>
-              </a:defRPr>
-            </a:lvl5pPr>
-            <a:lvl6pPr>
-              <a:defRPr>
-                <a:solidFill>
-                  <a:schemeClr val="tx2"/>
-                </a:solidFill>
-              </a:defRPr>
-            </a:lvl6pPr>
-            <a:lvl7pPr>
-              <a:defRPr>
-                <a:solidFill>
-                  <a:schemeClr val="tx2"/>
-                </a:solidFill>
-              </a:defRPr>
-            </a:lvl7pPr>
-            <a:lvl8pPr>
-              <a:defRPr>
-                <a:solidFill>
-                  <a:schemeClr val="tx2"/>
-                </a:solidFill>
-              </a:defRPr>
-            </a:lvl8pPr>
-            <a:lvl9pPr>
-              <a:defRPr>
-                <a:solidFill>
-                  <a:schemeClr val="tx2"/>
-                </a:solidFill>
-              </a:defRPr>
-            </a:lvl9pPr>
-          </a:lstStyle>
-          <a:p>
-            <a:pPr lvl="0"/>
-            <a:r>
-              <a:rPr lang="en-US" sz="8000" dirty="0">
-                <a:solidFill>
-                  <a:schemeClr val="tx1"/>
-                </a:solidFill>
-                <a:effectLst/>
-              </a:rPr>
-              <a:t>“</a:t>
-            </a:r>
-          </a:p>
-        </p:txBody>
-      </p:sp>
-      <p:sp>
-        <p:nvSpPr>
-          <p:cNvPr id="14" name="TextBox 13"/>
-          <p:cNvSpPr txBox="1"/>
-          <p:nvPr/>
-        </p:nvSpPr>
-        <p:spPr>
-          <a:xfrm>
-            <a:off x="10557558" y="2993578"/>
-            <a:ext cx="609600" cy="584776"/>
-          </a:xfrm>
-          <a:prstGeom prst="rect">
-            <a:avLst/>
-          </a:prstGeom>
-        </p:spPr>
-        <p:txBody>
-          <a:bodyPr vert="horz" lIns="91440" tIns="45720" rIns="91440" bIns="45720" rtlCol="0" anchor="ctr">
-            <a:noAutofit/>
-          </a:bodyPr>
-          <a:lstStyle>
-            <a:lvl1pPr>
-              <a:spcBef>
-                <a:spcPct val="0"/>
-              </a:spcBef>
-              <a:buNone/>
-              <a:defRPr sz="3200" b="0" cap="all">
-                <a:ln w="3175" cmpd="sng">
-                  <a:noFill/>
-                </a:ln>
-                <a:effectLst>
-                  <a:glow rad="38100">
-                    <a:schemeClr val="bg1">
-                      <a:lumMod val="65000"/>
-                      <a:lumOff val="35000"/>
-                      <a:alpha val="40000"/>
-                    </a:schemeClr>
-                  </a:glow>
-                  <a:outerShdw blurRad="28575" dist="38100" dir="14040000" algn="tl" rotWithShape="0">
-                    <a:srgbClr val="000000">
-                      <a:alpha val="25000"/>
-                    </a:srgbClr>
-                  </a:outerShdw>
-                </a:effectLst>
-              </a:defRPr>
-            </a:lvl1pPr>
-            <a:lvl2pPr>
-              <a:defRPr>
-                <a:solidFill>
-                  <a:schemeClr val="tx2"/>
-                </a:solidFill>
-              </a:defRPr>
-            </a:lvl2pPr>
-            <a:lvl3pPr>
-              <a:defRPr>
-                <a:solidFill>
-                  <a:schemeClr val="tx2"/>
-                </a:solidFill>
-              </a:defRPr>
-            </a:lvl3pPr>
-            <a:lvl4pPr>
-              <a:defRPr>
-                <a:solidFill>
-                  <a:schemeClr val="tx2"/>
-                </a:solidFill>
-              </a:defRPr>
-            </a:lvl4pPr>
-            <a:lvl5pPr>
-              <a:defRPr>
-                <a:solidFill>
-                  <a:schemeClr val="tx2"/>
-                </a:solidFill>
-              </a:defRPr>
-            </a:lvl5pPr>
-            <a:lvl6pPr>
-              <a:defRPr>
-                <a:solidFill>
-                  <a:schemeClr val="tx2"/>
-                </a:solidFill>
-              </a:defRPr>
-            </a:lvl6pPr>
-            <a:lvl7pPr>
-              <a:defRPr>
-                <a:solidFill>
-                  <a:schemeClr val="tx2"/>
-                </a:solidFill>
-              </a:defRPr>
-            </a:lvl7pPr>
-            <a:lvl8pPr>
-              <a:defRPr>
-                <a:solidFill>
-                  <a:schemeClr val="tx2"/>
-                </a:solidFill>
-              </a:defRPr>
-            </a:lvl8pPr>
-            <a:lvl9pPr>
-              <a:defRPr>
-                <a:solidFill>
-                  <a:schemeClr val="tx2"/>
-                </a:solidFill>
-              </a:defRPr>
-            </a:lvl9pPr>
-          </a:lstStyle>
-          <a:p>
-            <a:pPr lvl="0" algn="r"/>
-            <a:r>
-              <a:rPr lang="en-US" sz="8000" dirty="0">
-                <a:solidFill>
-                  <a:schemeClr val="tx1"/>
-                </a:solidFill>
-                <a:effectLst/>
-              </a:rPr>
-              <a:t>”</a:t>
-            </a:r>
-          </a:p>
-        </p:txBody>
-      </p:sp>
     </p:spTree>
     <p:extLst>
       <p:ext uri="{BB962C8B-B14F-4D97-AF65-F5344CB8AC3E}">
-        <p14:creationId xmlns:p14="http://schemas.microsoft.com/office/powerpoint/2010/main" val="408335780"/>
+        <p14:creationId xmlns:p14="http://schemas.microsoft.com/office/powerpoint/2010/main" val="446246826"/>
       </p:ext>
     </p:extLst>
   </p:cSld>
@@ -1441,9 +1077,17 @@
 </p:sldLayout>
 </file>
 
-<file path=ppt/slideLayouts/slideLayout13.xml><?xml version="1.0" encoding="utf-8"?>
-<p:sldLayout xmlns:a="http://schemas.openxmlformats.org/drawingml/2006/main" xmlns:r="http://schemas.openxmlformats.org/officeDocument/2006/relationships" xmlns:p="http://schemas.openxmlformats.org/presentationml/2006/main" preserve="1">
-  <p:cSld name="名片">
+<file path=ppt/slideLayouts/slideLayout3.xml><?xml version="1.0" encoding="utf-8"?>
+<p:sldLayout xmlns:a="http://schemas.openxmlformats.org/drawingml/2006/main" xmlns:r="http://schemas.openxmlformats.org/officeDocument/2006/relationships" xmlns:p="http://schemas.openxmlformats.org/presentationml/2006/main" showMasterSp="0" type="secHead" preserve="1">
+  <p:cSld name="节标题">
+    <p:bg>
+      <p:bgPr>
+        <a:solidFill>
+          <a:schemeClr val="bg1"/>
+        </a:solidFill>
+        <a:effectLst/>
+      </p:bgPr>
+    </p:bg>
     <p:spTree>
       <p:nvGrpSpPr>
         <p:cNvPr id="1" name=""/>
@@ -1458,36 +1102,82 @@
           <a:chExt cx="0" cy="0"/>
         </a:xfrm>
       </p:grpSpPr>
-      <p:pic>
-        <p:nvPicPr>
-          <p:cNvPr id="8" name="Picture 7" descr="Droplets-HD-Content-R1d.png"/>
-          <p:cNvPicPr>
-            <a:picLocks noChangeAspect="1"/>
-          </p:cNvPicPr>
+      <p:sp>
+        <p:nvSpPr>
+          <p:cNvPr id="7" name="Rectangle 6"/>
+          <p:cNvSpPr/>
           <p:nvPr/>
-        </p:nvPicPr>
-        <p:blipFill>
-          <a:blip r:embed="rId2">
-            <a:extLst>
-              <a:ext uri="{28A0092B-C50C-407E-A947-70E740481C1C}">
-                <a14:useLocalDpi xmlns:a14="http://schemas.microsoft.com/office/drawing/2010/main" val="0"/>
-              </a:ext>
-            </a:extLst>
-          </a:blip>
-          <a:stretch>
-            <a:fillRect/>
-          </a:stretch>
-        </p:blipFill>
+        </p:nvSpPr>
         <p:spPr>
           <a:xfrm>
-            <a:off x="0" y="0"/>
-            <a:ext cx="12192000" cy="6858000"/>
+            <a:off x="3175" y="6400800"/>
+            <a:ext cx="12188825" cy="457200"/>
           </a:xfrm>
           <a:prstGeom prst="rect">
             <a:avLst/>
           </a:prstGeom>
+          <a:solidFill>
+            <a:schemeClr val="accent2"/>
+          </a:solidFill>
+          <a:ln>
+            <a:noFill/>
+          </a:ln>
         </p:spPr>
-      </p:pic>
+        <p:style>
+          <a:lnRef idx="2">
+            <a:schemeClr val="accent1">
+              <a:shade val="50000"/>
+            </a:schemeClr>
+          </a:lnRef>
+          <a:fillRef idx="1">
+            <a:schemeClr val="accent1"/>
+          </a:fillRef>
+          <a:effectRef idx="0">
+            <a:schemeClr val="accent1"/>
+          </a:effectRef>
+          <a:fontRef idx="minor">
+            <a:schemeClr val="lt1"/>
+          </a:fontRef>
+        </p:style>
+      </p:sp>
+      <p:sp>
+        <p:nvSpPr>
+          <p:cNvPr id="8" name="Rectangle 7"/>
+          <p:cNvSpPr/>
+          <p:nvPr/>
+        </p:nvSpPr>
+        <p:spPr>
+          <a:xfrm>
+            <a:off x="15" y="6334316"/>
+            <a:ext cx="12188825" cy="64008"/>
+          </a:xfrm>
+          <a:prstGeom prst="rect">
+            <a:avLst/>
+          </a:prstGeom>
+          <a:solidFill>
+            <a:schemeClr val="accent1"/>
+          </a:solidFill>
+          <a:ln>
+            <a:noFill/>
+          </a:ln>
+        </p:spPr>
+        <p:style>
+          <a:lnRef idx="2">
+            <a:schemeClr val="accent1">
+              <a:shade val="50000"/>
+            </a:schemeClr>
+          </a:lnRef>
+          <a:fillRef idx="1">
+            <a:schemeClr val="accent1"/>
+          </a:fillRef>
+          <a:effectRef idx="0">
+            <a:schemeClr val="accent1"/>
+          </a:effectRef>
+          <a:fontRef idx="minor">
+            <a:schemeClr val="lt1"/>
+          </a:fontRef>
+        </p:style>
+      </p:sp>
       <p:sp>
         <p:nvSpPr>
           <p:cNvPr id="2" name="Title 1"/>
@@ -1500,15 +1190,27 @@
         </p:nvSpPr>
         <p:spPr>
           <a:xfrm>
-            <a:off x="913775" y="2138721"/>
-            <a:ext cx="10364452" cy="2511835"/>
+            <a:off x="1097280" y="758952"/>
+            <a:ext cx="10058400" cy="3566160"/>
           </a:xfrm>
         </p:spPr>
         <p:txBody>
-          <a:bodyPr anchor="b"/>
+          <a:bodyPr anchor="b" anchorCtr="0">
+            <a:normAutofit/>
+          </a:bodyPr>
           <a:lstStyle>
-            <a:lvl1pPr algn="ctr">
-              <a:defRPr sz="3200"/>
+            <a:lvl1pPr>
+              <a:lnSpc>
+                <a:spcPct val="85000"/>
+              </a:lnSpc>
+              <a:defRPr sz="8000" b="0">
+                <a:solidFill>
+                  <a:schemeClr val="tx1">
+                    <a:lumMod val="85000"/>
+                    <a:lumOff val="15000"/>
+                  </a:schemeClr>
+                </a:solidFill>
+              </a:defRPr>
             </a:lvl1pPr>
           </a:lstStyle>
           <a:p>
@@ -1522,58 +1224,113 @@
       </p:sp>
       <p:sp>
         <p:nvSpPr>
-          <p:cNvPr id="4" name="Text Placeholder 3"/>
+          <p:cNvPr id="3" name="Text Placeholder 2"/>
           <p:cNvSpPr>
             <a:spLocks noGrp="1"/>
           </p:cNvSpPr>
           <p:nvPr>
-            <p:ph type="body" sz="half" idx="2"/>
+            <p:ph type="body" idx="1"/>
           </p:nvPr>
         </p:nvSpPr>
         <p:spPr>
           <a:xfrm>
-            <a:off x="913775" y="4662335"/>
-            <a:ext cx="10364452" cy="1140644"/>
+            <a:off x="1097280" y="4453128"/>
+            <a:ext cx="10058400" cy="1143000"/>
           </a:xfrm>
         </p:spPr>
         <p:txBody>
-          <a:bodyPr anchor="t"/>
+          <a:bodyPr lIns="91440" rIns="91440" anchor="t" anchorCtr="0">
+            <a:normAutofit/>
+          </a:bodyPr>
           <a:lstStyle>
-            <a:lvl1pPr marL="0" indent="0" algn="ctr">
+            <a:lvl1pPr marL="0" indent="0">
               <a:buNone/>
-              <a:defRPr sz="1600"/>
+              <a:defRPr sz="2400" cap="all" spc="200" baseline="0">
+                <a:solidFill>
+                  <a:schemeClr val="tx2"/>
+                </a:solidFill>
+                <a:latin typeface="+mj-lt"/>
+              </a:defRPr>
             </a:lvl1pPr>
             <a:lvl2pPr marL="457200" indent="0">
               <a:buNone/>
-              <a:defRPr sz="1400"/>
+              <a:defRPr sz="1800">
+                <a:solidFill>
+                  <a:schemeClr val="tx1">
+                    <a:tint val="75000"/>
+                  </a:schemeClr>
+                </a:solidFill>
+              </a:defRPr>
             </a:lvl2pPr>
             <a:lvl3pPr marL="914400" indent="0">
               <a:buNone/>
-              <a:defRPr sz="1200"/>
+              <a:defRPr sz="1600">
+                <a:solidFill>
+                  <a:schemeClr val="tx1">
+                    <a:tint val="75000"/>
+                  </a:schemeClr>
+                </a:solidFill>
+              </a:defRPr>
             </a:lvl3pPr>
             <a:lvl4pPr marL="1371600" indent="0">
               <a:buNone/>
-              <a:defRPr sz="1000"/>
+              <a:defRPr sz="1400">
+                <a:solidFill>
+                  <a:schemeClr val="tx1">
+                    <a:tint val="75000"/>
+                  </a:schemeClr>
+                </a:solidFill>
+              </a:defRPr>
             </a:lvl4pPr>
             <a:lvl5pPr marL="1828800" indent="0">
               <a:buNone/>
-              <a:defRPr sz="1000"/>
+              <a:defRPr sz="1400">
+                <a:solidFill>
+                  <a:schemeClr val="tx1">
+                    <a:tint val="75000"/>
+                  </a:schemeClr>
+                </a:solidFill>
+              </a:defRPr>
             </a:lvl5pPr>
             <a:lvl6pPr marL="2286000" indent="0">
               <a:buNone/>
-              <a:defRPr sz="1000"/>
+              <a:defRPr sz="1400">
+                <a:solidFill>
+                  <a:schemeClr val="tx1">
+                    <a:tint val="75000"/>
+                  </a:schemeClr>
+                </a:solidFill>
+              </a:defRPr>
             </a:lvl6pPr>
             <a:lvl7pPr marL="2743200" indent="0">
               <a:buNone/>
-              <a:defRPr sz="1000"/>
+              <a:defRPr sz="1400">
+                <a:solidFill>
+                  <a:schemeClr val="tx1">
+                    <a:tint val="75000"/>
+                  </a:schemeClr>
+                </a:solidFill>
+              </a:defRPr>
             </a:lvl7pPr>
             <a:lvl8pPr marL="3200400" indent="0">
               <a:buNone/>
-              <a:defRPr sz="1000"/>
+              <a:defRPr sz="1400">
+                <a:solidFill>
+                  <a:schemeClr val="tx1">
+                    <a:tint val="75000"/>
+                  </a:schemeClr>
+                </a:solidFill>
+              </a:defRPr>
             </a:lvl8pPr>
             <a:lvl9pPr marL="3657600" indent="0">
               <a:buNone/>
-              <a:defRPr sz="1000"/>
+              <a:defRPr sz="1400">
+                <a:solidFill>
+                  <a:schemeClr val="tx1">
+                    <a:tint val="75000"/>
+                  </a:schemeClr>
+                </a:solidFill>
+              </a:defRPr>
             </a:lvl9pPr>
           </a:lstStyle>
           <a:p>
@@ -1587,7 +1344,7 @@
       </p:sp>
       <p:sp>
         <p:nvSpPr>
-          <p:cNvPr id="5" name="Date Placeholder 4"/>
+          <p:cNvPr id="4" name="Date Placeholder 3"/>
           <p:cNvSpPr>
             <a:spLocks noGrp="1"/>
           </p:cNvSpPr>
@@ -1602,7 +1359,7 @@
           <a:p>
             <a:fld id="{87E83045-5AE1-40A9-B470-DA75385CFD17}" type="datetimeFigureOut">
               <a:rPr lang="zh-CN" altLang="en-US" smtClean="0"/>
-              <a:t>2020/3/14</a:t>
+              <a:t>2020/3/25</a:t>
             </a:fld>
             <a:endParaRPr lang="zh-CN" altLang="en-US"/>
           </a:p>
@@ -1610,7 +1367,7 @@
       </p:sp>
       <p:sp>
         <p:nvSpPr>
-          <p:cNvPr id="6" name="Footer Placeholder 5"/>
+          <p:cNvPr id="5" name="Footer Placeholder 4"/>
           <p:cNvSpPr>
             <a:spLocks noGrp="1"/>
           </p:cNvSpPr>
@@ -1629,7 +1386,7 @@
       </p:sp>
       <p:sp>
         <p:nvSpPr>
-          <p:cNvPr id="7" name="Slide Number Placeholder 6"/>
+          <p:cNvPr id="6" name="Slide Number Placeholder 5"/>
           <p:cNvSpPr>
             <a:spLocks noGrp="1"/>
           </p:cNvSpPr>
@@ -1650,10 +1407,48 @@
           </a:p>
         </p:txBody>
       </p:sp>
+      <p:cxnSp>
+        <p:nvCxnSpPr>
+          <p:cNvPr id="9" name="Straight Connector 8"/>
+          <p:cNvCxnSpPr/>
+          <p:nvPr/>
+        </p:nvCxnSpPr>
+        <p:spPr>
+          <a:xfrm>
+            <a:off x="1207658" y="4343400"/>
+            <a:ext cx="9875520" cy="0"/>
+          </a:xfrm>
+          <a:prstGeom prst="line">
+            <a:avLst/>
+          </a:prstGeom>
+          <a:ln w="6350">
+            <a:solidFill>
+              <a:schemeClr val="tx1">
+                <a:lumMod val="50000"/>
+                <a:lumOff val="50000"/>
+              </a:schemeClr>
+            </a:solidFill>
+          </a:ln>
+        </p:spPr>
+        <p:style>
+          <a:lnRef idx="1">
+            <a:schemeClr val="accent1"/>
+          </a:lnRef>
+          <a:fillRef idx="0">
+            <a:schemeClr val="accent1"/>
+          </a:fillRef>
+          <a:effectRef idx="0">
+            <a:schemeClr val="accent1"/>
+          </a:effectRef>
+          <a:fontRef idx="minor">
+            <a:schemeClr val="tx1"/>
+          </a:fontRef>
+        </p:style>
+      </p:cxnSp>
     </p:spTree>
     <p:extLst>
       <p:ext uri="{BB962C8B-B14F-4D97-AF65-F5344CB8AC3E}">
-        <p14:creationId xmlns:p14="http://schemas.microsoft.com/office/powerpoint/2010/main" val="2344311357"/>
+        <p14:creationId xmlns:p14="http://schemas.microsoft.com/office/powerpoint/2010/main" val="1396500001"/>
       </p:ext>
     </p:extLst>
   </p:cSld>
@@ -1663,9 +1458,9 @@
 </p:sldLayout>
 </file>
 
-<file path=ppt/slideLayouts/slideLayout14.xml><?xml version="1.0" encoding="utf-8"?>
-<p:sldLayout xmlns:a="http://schemas.openxmlformats.org/drawingml/2006/main" xmlns:r="http://schemas.openxmlformats.org/officeDocument/2006/relationships" xmlns:p="http://schemas.openxmlformats.org/presentationml/2006/main" preserve="1">
-  <p:cSld name="3 栏">
+<file path=ppt/slideLayouts/slideLayout4.xml><?xml version="1.0" encoding="utf-8"?>
+<p:sldLayout xmlns:a="http://schemas.openxmlformats.org/drawingml/2006/main" xmlns:r="http://schemas.openxmlformats.org/officeDocument/2006/relationships" xmlns:p="http://schemas.openxmlformats.org/presentationml/2006/main" type="twoObj" preserve="1">
+  <p:cSld name="两栏内容">
     <p:spTree>
       <p:nvGrpSpPr>
         <p:cNvPr id="1" name=""/>
@@ -1680,39 +1475,9 @@
           <a:chExt cx="0" cy="0"/>
         </a:xfrm>
       </p:grpSpPr>
-      <p:pic>
-        <p:nvPicPr>
-          <p:cNvPr id="13" name="Picture 12" descr="Droplets-HD-Content-R1d.png"/>
-          <p:cNvPicPr>
-            <a:picLocks noChangeAspect="1"/>
-          </p:cNvPicPr>
-          <p:nvPr/>
-        </p:nvPicPr>
-        <p:blipFill>
-          <a:blip r:embed="rId2">
-            <a:extLst>
-              <a:ext uri="{28A0092B-C50C-407E-A947-70E740481C1C}">
-                <a14:useLocalDpi xmlns:a14="http://schemas.microsoft.com/office/drawing/2010/main" val="0"/>
-              </a:ext>
-            </a:extLst>
-          </a:blip>
-          <a:stretch>
-            <a:fillRect/>
-          </a:stretch>
-        </p:blipFill>
-        <p:spPr>
-          <a:xfrm>
-            <a:off x="0" y="0"/>
-            <a:ext cx="12192000" cy="6858000"/>
-          </a:xfrm>
-          <a:prstGeom prst="rect">
-            <a:avLst/>
-          </a:prstGeom>
-        </p:spPr>
-      </p:pic>
-      <p:sp>
-        <p:nvSpPr>
-          <p:cNvPr id="15" name="Title 1"/>
+      <p:sp>
+        <p:nvSpPr>
+          <p:cNvPr id="8" name="Title 7"/>
           <p:cNvSpPr>
             <a:spLocks noGrp="1"/>
           </p:cNvSpPr>
@@ -1722,8 +1487,8 @@
         </p:nvSpPr>
         <p:spPr>
           <a:xfrm>
-            <a:off x="913774" y="609600"/>
-            <a:ext cx="10364452" cy="1605094"/>
+            <a:off x="1097280" y="286603"/>
+            <a:ext cx="10058400" cy="1450757"/>
           </a:xfrm>
         </p:spPr>
         <p:txBody>
@@ -1740,7 +1505,244 @@
       </p:sp>
       <p:sp>
         <p:nvSpPr>
-          <p:cNvPr id="7" name="Text Placeholder 2"/>
+          <p:cNvPr id="3" name="Content Placeholder 2"/>
+          <p:cNvSpPr>
+            <a:spLocks noGrp="1"/>
+          </p:cNvSpPr>
+          <p:nvPr>
+            <p:ph sz="half" idx="1"/>
+          </p:nvPr>
+        </p:nvSpPr>
+        <p:spPr>
+          <a:xfrm>
+            <a:off x="1097279" y="1845734"/>
+            <a:ext cx="4937760" cy="4023360"/>
+          </a:xfrm>
+        </p:spPr>
+        <p:txBody>
+          <a:bodyPr/>
+          <a:lstStyle/>
+          <a:p>
+            <a:pPr lvl="0"/>
+            <a:r>
+              <a:rPr lang="zh-CN" altLang="en-US"/>
+              <a:t>单击此处编辑母版文本样式</a:t>
+            </a:r>
+          </a:p>
+          <a:p>
+            <a:pPr lvl="1"/>
+            <a:r>
+              <a:rPr lang="zh-CN" altLang="en-US"/>
+              <a:t>二级</a:t>
+            </a:r>
+          </a:p>
+          <a:p>
+            <a:pPr lvl="2"/>
+            <a:r>
+              <a:rPr lang="zh-CN" altLang="en-US"/>
+              <a:t>三级</a:t>
+            </a:r>
+          </a:p>
+          <a:p>
+            <a:pPr lvl="3"/>
+            <a:r>
+              <a:rPr lang="zh-CN" altLang="en-US"/>
+              <a:t>四级</a:t>
+            </a:r>
+          </a:p>
+          <a:p>
+            <a:pPr lvl="4"/>
+            <a:r>
+              <a:rPr lang="zh-CN" altLang="en-US"/>
+              <a:t>五级</a:t>
+            </a:r>
+            <a:endParaRPr lang="en-US" dirty="0"/>
+          </a:p>
+        </p:txBody>
+      </p:sp>
+      <p:sp>
+        <p:nvSpPr>
+          <p:cNvPr id="4" name="Content Placeholder 3"/>
+          <p:cNvSpPr>
+            <a:spLocks noGrp="1"/>
+          </p:cNvSpPr>
+          <p:nvPr>
+            <p:ph sz="half" idx="2"/>
+          </p:nvPr>
+        </p:nvSpPr>
+        <p:spPr>
+          <a:xfrm>
+            <a:off x="6217920" y="1845735"/>
+            <a:ext cx="4937760" cy="4023360"/>
+          </a:xfrm>
+        </p:spPr>
+        <p:txBody>
+          <a:bodyPr/>
+          <a:lstStyle/>
+          <a:p>
+            <a:pPr lvl="0"/>
+            <a:r>
+              <a:rPr lang="zh-CN" altLang="en-US"/>
+              <a:t>单击此处编辑母版文本样式</a:t>
+            </a:r>
+          </a:p>
+          <a:p>
+            <a:pPr lvl="1"/>
+            <a:r>
+              <a:rPr lang="zh-CN" altLang="en-US"/>
+              <a:t>二级</a:t>
+            </a:r>
+          </a:p>
+          <a:p>
+            <a:pPr lvl="2"/>
+            <a:r>
+              <a:rPr lang="zh-CN" altLang="en-US"/>
+              <a:t>三级</a:t>
+            </a:r>
+          </a:p>
+          <a:p>
+            <a:pPr lvl="3"/>
+            <a:r>
+              <a:rPr lang="zh-CN" altLang="en-US"/>
+              <a:t>四级</a:t>
+            </a:r>
+          </a:p>
+          <a:p>
+            <a:pPr lvl="4"/>
+            <a:r>
+              <a:rPr lang="zh-CN" altLang="en-US"/>
+              <a:t>五级</a:t>
+            </a:r>
+            <a:endParaRPr lang="en-US" dirty="0"/>
+          </a:p>
+        </p:txBody>
+      </p:sp>
+      <p:sp>
+        <p:nvSpPr>
+          <p:cNvPr id="5" name="Date Placeholder 4"/>
+          <p:cNvSpPr>
+            <a:spLocks noGrp="1"/>
+          </p:cNvSpPr>
+          <p:nvPr>
+            <p:ph type="dt" sz="half" idx="10"/>
+          </p:nvPr>
+        </p:nvSpPr>
+        <p:spPr/>
+        <p:txBody>
+          <a:bodyPr/>
+          <a:lstStyle/>
+          <a:p>
+            <a:fld id="{87E83045-5AE1-40A9-B470-DA75385CFD17}" type="datetimeFigureOut">
+              <a:rPr lang="zh-CN" altLang="en-US" smtClean="0"/>
+              <a:t>2020/3/25</a:t>
+            </a:fld>
+            <a:endParaRPr lang="zh-CN" altLang="en-US"/>
+          </a:p>
+        </p:txBody>
+      </p:sp>
+      <p:sp>
+        <p:nvSpPr>
+          <p:cNvPr id="6" name="Footer Placeholder 5"/>
+          <p:cNvSpPr>
+            <a:spLocks noGrp="1"/>
+          </p:cNvSpPr>
+          <p:nvPr>
+            <p:ph type="ftr" sz="quarter" idx="11"/>
+          </p:nvPr>
+        </p:nvSpPr>
+        <p:spPr/>
+        <p:txBody>
+          <a:bodyPr/>
+          <a:lstStyle/>
+          <a:p>
+            <a:endParaRPr lang="zh-CN" altLang="en-US"/>
+          </a:p>
+        </p:txBody>
+      </p:sp>
+      <p:sp>
+        <p:nvSpPr>
+          <p:cNvPr id="7" name="Slide Number Placeholder 6"/>
+          <p:cNvSpPr>
+            <a:spLocks noGrp="1"/>
+          </p:cNvSpPr>
+          <p:nvPr>
+            <p:ph type="sldNum" sz="quarter" idx="12"/>
+          </p:nvPr>
+        </p:nvSpPr>
+        <p:spPr/>
+        <p:txBody>
+          <a:bodyPr/>
+          <a:lstStyle/>
+          <a:p>
+            <a:fld id="{406C5D9F-F78A-4593-846B-AB3E9756E40E}" type="slidenum">
+              <a:rPr lang="zh-CN" altLang="en-US" smtClean="0"/>
+              <a:t>‹#›</a:t>
+            </a:fld>
+            <a:endParaRPr lang="zh-CN" altLang="en-US"/>
+          </a:p>
+        </p:txBody>
+      </p:sp>
+    </p:spTree>
+    <p:extLst>
+      <p:ext uri="{BB962C8B-B14F-4D97-AF65-F5344CB8AC3E}">
+        <p14:creationId xmlns:p14="http://schemas.microsoft.com/office/powerpoint/2010/main" val="837798676"/>
+      </p:ext>
+    </p:extLst>
+  </p:cSld>
+  <p:clrMapOvr>
+    <a:masterClrMapping/>
+  </p:clrMapOvr>
+</p:sldLayout>
+</file>
+
+<file path=ppt/slideLayouts/slideLayout5.xml><?xml version="1.0" encoding="utf-8"?>
+<p:sldLayout xmlns:a="http://schemas.openxmlformats.org/drawingml/2006/main" xmlns:r="http://schemas.openxmlformats.org/officeDocument/2006/relationships" xmlns:p="http://schemas.openxmlformats.org/presentationml/2006/main" type="twoTxTwoObj" preserve="1">
+  <p:cSld name="比较">
+    <p:spTree>
+      <p:nvGrpSpPr>
+        <p:cNvPr id="1" name=""/>
+        <p:cNvGrpSpPr/>
+        <p:nvPr/>
+      </p:nvGrpSpPr>
+      <p:grpSpPr>
+        <a:xfrm>
+          <a:off x="0" y="0"/>
+          <a:ext cx="0" cy="0"/>
+          <a:chOff x="0" y="0"/>
+          <a:chExt cx="0" cy="0"/>
+        </a:xfrm>
+      </p:grpSpPr>
+      <p:sp>
+        <p:nvSpPr>
+          <p:cNvPr id="10" name="Title 9"/>
+          <p:cNvSpPr>
+            <a:spLocks noGrp="1"/>
+          </p:cNvSpPr>
+          <p:nvPr>
+            <p:ph type="title"/>
+          </p:nvPr>
+        </p:nvSpPr>
+        <p:spPr>
+          <a:xfrm>
+            <a:off x="1097280" y="286603"/>
+            <a:ext cx="10058400" cy="1450757"/>
+          </a:xfrm>
+        </p:spPr>
+        <p:txBody>
+          <a:bodyPr/>
+          <a:lstStyle/>
+          <a:p>
+            <a:r>
+              <a:rPr lang="zh-CN" altLang="en-US"/>
+              <a:t>单击此处编辑母版标题样式</a:t>
+            </a:r>
+            <a:endParaRPr lang="en-US" dirty="0"/>
+          </a:p>
+        </p:txBody>
+      </p:sp>
+      <p:sp>
+        <p:nvSpPr>
+          <p:cNvPr id="3" name="Text Placeholder 2"/>
           <p:cNvSpPr>
             <a:spLocks noGrp="1"/>
           </p:cNvSpPr>
@@ -1750,23 +1752,20 @@
         </p:nvSpPr>
         <p:spPr>
           <a:xfrm>
-            <a:off x="913774" y="2367093"/>
-            <a:ext cx="3298976" cy="576262"/>
+            <a:off x="1097280" y="1846052"/>
+            <a:ext cx="4937760" cy="736282"/>
           </a:xfrm>
         </p:spPr>
         <p:txBody>
-          <a:bodyPr anchor="b">
-            <a:noAutofit/>
+          <a:bodyPr lIns="91440" rIns="91440" anchor="ctr">
+            <a:normAutofit/>
           </a:bodyPr>
           <a:lstStyle>
-            <a:lvl1pPr marL="0" indent="0" algn="ctr">
-              <a:lnSpc>
-                <a:spcPct val="85000"/>
-              </a:lnSpc>
+            <a:lvl1pPr marL="0" indent="0">
               <a:buNone/>
-              <a:defRPr sz="2400" b="0">
+              <a:defRPr sz="2000" b="0" cap="all" baseline="0">
                 <a:solidFill>
-                  <a:schemeClr val="tx1"/>
+                  <a:schemeClr val="tx2"/>
                 </a:solidFill>
               </a:defRPr>
             </a:lvl1pPr>
@@ -1814,62 +1813,23 @@
       </p:sp>
       <p:sp>
         <p:nvSpPr>
-          <p:cNvPr id="8" name="Text Placeholder 3"/>
+          <p:cNvPr id="4" name="Content Placeholder 3"/>
           <p:cNvSpPr>
             <a:spLocks noGrp="1"/>
           </p:cNvSpPr>
           <p:nvPr>
-            <p:ph type="body" sz="half" idx="15"/>
+            <p:ph sz="half" idx="2"/>
           </p:nvPr>
         </p:nvSpPr>
         <p:spPr>
           <a:xfrm>
-            <a:off x="913774" y="2943355"/>
-            <a:ext cx="3298976" cy="2847845"/>
+            <a:off x="1097280" y="2582334"/>
+            <a:ext cx="4937760" cy="3378200"/>
           </a:xfrm>
         </p:spPr>
         <p:txBody>
-          <a:bodyPr anchor="t">
-            <a:normAutofit/>
-          </a:bodyPr>
-          <a:lstStyle>
-            <a:lvl1pPr marL="0" indent="0" algn="ctr">
-              <a:buNone/>
-              <a:defRPr sz="1400"/>
-            </a:lvl1pPr>
-            <a:lvl2pPr marL="457200" indent="0">
-              <a:buNone/>
-              <a:defRPr sz="1200"/>
-            </a:lvl2pPr>
-            <a:lvl3pPr marL="914400" indent="0">
-              <a:buNone/>
-              <a:defRPr sz="1000"/>
-            </a:lvl3pPr>
-            <a:lvl4pPr marL="1371600" indent="0">
-              <a:buNone/>
-              <a:defRPr sz="900"/>
-            </a:lvl4pPr>
-            <a:lvl5pPr marL="1828800" indent="0">
-              <a:buNone/>
-              <a:defRPr sz="900"/>
-            </a:lvl5pPr>
-            <a:lvl6pPr marL="2286000" indent="0">
-              <a:buNone/>
-              <a:defRPr sz="900"/>
-            </a:lvl6pPr>
-            <a:lvl7pPr marL="2743200" indent="0">
-              <a:buNone/>
-              <a:defRPr sz="900"/>
-            </a:lvl7pPr>
-            <a:lvl8pPr marL="3200400" indent="0">
-              <a:buNone/>
-              <a:defRPr sz="900"/>
-            </a:lvl8pPr>
-            <a:lvl9pPr marL="3657600" indent="0">
-              <a:buNone/>
-              <a:defRPr sz="900"/>
-            </a:lvl9pPr>
-          </a:lstStyle>
+          <a:bodyPr/>
+          <a:lstStyle/>
           <a:p>
             <a:pPr lvl="0"/>
             <a:r>
@@ -1877,11 +1837,40 @@
               <a:t>单击此处编辑母版文本样式</a:t>
             </a:r>
           </a:p>
+          <a:p>
+            <a:pPr lvl="1"/>
+            <a:r>
+              <a:rPr lang="zh-CN" altLang="en-US"/>
+              <a:t>二级</a:t>
+            </a:r>
+          </a:p>
+          <a:p>
+            <a:pPr lvl="2"/>
+            <a:r>
+              <a:rPr lang="zh-CN" altLang="en-US"/>
+              <a:t>三级</a:t>
+            </a:r>
+          </a:p>
+          <a:p>
+            <a:pPr lvl="3"/>
+            <a:r>
+              <a:rPr lang="zh-CN" altLang="en-US"/>
+              <a:t>四级</a:t>
+            </a:r>
+          </a:p>
+          <a:p>
+            <a:pPr lvl="4"/>
+            <a:r>
+              <a:rPr lang="zh-CN" altLang="en-US"/>
+              <a:t>五级</a:t>
+            </a:r>
+            <a:endParaRPr lang="en-US" dirty="0"/>
+          </a:p>
         </p:txBody>
       </p:sp>
       <p:sp>
         <p:nvSpPr>
-          <p:cNvPr id="9" name="Text Placeholder 4"/>
+          <p:cNvPr id="5" name="Text Placeholder 4"/>
           <p:cNvSpPr>
             <a:spLocks noGrp="1"/>
           </p:cNvSpPr>
@@ -1891,23 +1880,20 @@
         </p:nvSpPr>
         <p:spPr>
           <a:xfrm>
-            <a:off x="4452389" y="2367093"/>
-            <a:ext cx="3291521" cy="576262"/>
+            <a:off x="6217920" y="1846052"/>
+            <a:ext cx="4937760" cy="736282"/>
           </a:xfrm>
         </p:spPr>
         <p:txBody>
-          <a:bodyPr anchor="b">
-            <a:noAutofit/>
+          <a:bodyPr lIns="91440" rIns="91440" anchor="ctr">
+            <a:normAutofit/>
           </a:bodyPr>
           <a:lstStyle>
-            <a:lvl1pPr marL="0" indent="0" algn="ctr">
-              <a:lnSpc>
-                <a:spcPct val="85000"/>
-              </a:lnSpc>
+            <a:lvl1pPr marL="0" indent="0">
               <a:buNone/>
-              <a:defRPr sz="2400" b="0">
+              <a:defRPr sz="2000" b="0" cap="all" baseline="0">
                 <a:solidFill>
-                  <a:schemeClr val="tx1"/>
+                  <a:schemeClr val="tx2"/>
                 </a:solidFill>
               </a:defRPr>
             </a:lvl1pPr>
@@ -1955,28 +1941,652 @@
       </p:sp>
       <p:sp>
         <p:nvSpPr>
-          <p:cNvPr id="10" name="Text Placeholder 3"/>
+          <p:cNvPr id="6" name="Content Placeholder 5"/>
           <p:cNvSpPr>
             <a:spLocks noGrp="1"/>
           </p:cNvSpPr>
           <p:nvPr>
-            <p:ph type="body" sz="half" idx="16"/>
+            <p:ph sz="quarter" idx="4"/>
           </p:nvPr>
         </p:nvSpPr>
         <p:spPr>
           <a:xfrm>
-            <a:off x="4441348" y="2943355"/>
-            <a:ext cx="3303351" cy="2847845"/>
+            <a:off x="6217920" y="2582334"/>
+            <a:ext cx="4937760" cy="3378200"/>
           </a:xfrm>
         </p:spPr>
         <p:txBody>
-          <a:bodyPr anchor="t">
+          <a:bodyPr/>
+          <a:lstStyle/>
+          <a:p>
+            <a:pPr lvl="0"/>
+            <a:r>
+              <a:rPr lang="zh-CN" altLang="en-US"/>
+              <a:t>单击此处编辑母版文本样式</a:t>
+            </a:r>
+          </a:p>
+          <a:p>
+            <a:pPr lvl="1"/>
+            <a:r>
+              <a:rPr lang="zh-CN" altLang="en-US"/>
+              <a:t>二级</a:t>
+            </a:r>
+          </a:p>
+          <a:p>
+            <a:pPr lvl="2"/>
+            <a:r>
+              <a:rPr lang="zh-CN" altLang="en-US"/>
+              <a:t>三级</a:t>
+            </a:r>
+          </a:p>
+          <a:p>
+            <a:pPr lvl="3"/>
+            <a:r>
+              <a:rPr lang="zh-CN" altLang="en-US"/>
+              <a:t>四级</a:t>
+            </a:r>
+          </a:p>
+          <a:p>
+            <a:pPr lvl="4"/>
+            <a:r>
+              <a:rPr lang="zh-CN" altLang="en-US"/>
+              <a:t>五级</a:t>
+            </a:r>
+            <a:endParaRPr lang="en-US" dirty="0"/>
+          </a:p>
+        </p:txBody>
+      </p:sp>
+      <p:sp>
+        <p:nvSpPr>
+          <p:cNvPr id="7" name="Date Placeholder 6"/>
+          <p:cNvSpPr>
+            <a:spLocks noGrp="1"/>
+          </p:cNvSpPr>
+          <p:nvPr>
+            <p:ph type="dt" sz="half" idx="10"/>
+          </p:nvPr>
+        </p:nvSpPr>
+        <p:spPr/>
+        <p:txBody>
+          <a:bodyPr/>
+          <a:lstStyle/>
+          <a:p>
+            <a:fld id="{87E83045-5AE1-40A9-B470-DA75385CFD17}" type="datetimeFigureOut">
+              <a:rPr lang="zh-CN" altLang="en-US" smtClean="0"/>
+              <a:t>2020/3/25</a:t>
+            </a:fld>
+            <a:endParaRPr lang="zh-CN" altLang="en-US"/>
+          </a:p>
+        </p:txBody>
+      </p:sp>
+      <p:sp>
+        <p:nvSpPr>
+          <p:cNvPr id="8" name="Footer Placeholder 7"/>
+          <p:cNvSpPr>
+            <a:spLocks noGrp="1"/>
+          </p:cNvSpPr>
+          <p:nvPr>
+            <p:ph type="ftr" sz="quarter" idx="11"/>
+          </p:nvPr>
+        </p:nvSpPr>
+        <p:spPr/>
+        <p:txBody>
+          <a:bodyPr/>
+          <a:lstStyle/>
+          <a:p>
+            <a:endParaRPr lang="zh-CN" altLang="en-US"/>
+          </a:p>
+        </p:txBody>
+      </p:sp>
+      <p:sp>
+        <p:nvSpPr>
+          <p:cNvPr id="9" name="Slide Number Placeholder 8"/>
+          <p:cNvSpPr>
+            <a:spLocks noGrp="1"/>
+          </p:cNvSpPr>
+          <p:nvPr>
+            <p:ph type="sldNum" sz="quarter" idx="12"/>
+          </p:nvPr>
+        </p:nvSpPr>
+        <p:spPr/>
+        <p:txBody>
+          <a:bodyPr/>
+          <a:lstStyle/>
+          <a:p>
+            <a:fld id="{406C5D9F-F78A-4593-846B-AB3E9756E40E}" type="slidenum">
+              <a:rPr lang="zh-CN" altLang="en-US" smtClean="0"/>
+              <a:t>‹#›</a:t>
+            </a:fld>
+            <a:endParaRPr lang="zh-CN" altLang="en-US"/>
+          </a:p>
+        </p:txBody>
+      </p:sp>
+    </p:spTree>
+    <p:extLst>
+      <p:ext uri="{BB962C8B-B14F-4D97-AF65-F5344CB8AC3E}">
+        <p14:creationId xmlns:p14="http://schemas.microsoft.com/office/powerpoint/2010/main" val="2737329792"/>
+      </p:ext>
+    </p:extLst>
+  </p:cSld>
+  <p:clrMapOvr>
+    <a:masterClrMapping/>
+  </p:clrMapOvr>
+</p:sldLayout>
+</file>
+
+<file path=ppt/slideLayouts/slideLayout6.xml><?xml version="1.0" encoding="utf-8"?>
+<p:sldLayout xmlns:a="http://schemas.openxmlformats.org/drawingml/2006/main" xmlns:r="http://schemas.openxmlformats.org/officeDocument/2006/relationships" xmlns:p="http://schemas.openxmlformats.org/presentationml/2006/main" type="titleOnly" preserve="1">
+  <p:cSld name="仅标题">
+    <p:spTree>
+      <p:nvGrpSpPr>
+        <p:cNvPr id="1" name=""/>
+        <p:cNvGrpSpPr/>
+        <p:nvPr/>
+      </p:nvGrpSpPr>
+      <p:grpSpPr>
+        <a:xfrm>
+          <a:off x="0" y="0"/>
+          <a:ext cx="0" cy="0"/>
+          <a:chOff x="0" y="0"/>
+          <a:chExt cx="0" cy="0"/>
+        </a:xfrm>
+      </p:grpSpPr>
+      <p:sp>
+        <p:nvSpPr>
+          <p:cNvPr id="2" name="Title 1"/>
+          <p:cNvSpPr>
+            <a:spLocks noGrp="1"/>
+          </p:cNvSpPr>
+          <p:nvPr>
+            <p:ph type="title"/>
+          </p:nvPr>
+        </p:nvSpPr>
+        <p:spPr/>
+        <p:txBody>
+          <a:bodyPr/>
+          <a:lstStyle/>
+          <a:p>
+            <a:r>
+              <a:rPr lang="zh-CN" altLang="en-US"/>
+              <a:t>单击此处编辑母版标题样式</a:t>
+            </a:r>
+            <a:endParaRPr lang="en-US" dirty="0"/>
+          </a:p>
+        </p:txBody>
+      </p:sp>
+      <p:sp>
+        <p:nvSpPr>
+          <p:cNvPr id="3" name="Date Placeholder 2"/>
+          <p:cNvSpPr>
+            <a:spLocks noGrp="1"/>
+          </p:cNvSpPr>
+          <p:nvPr>
+            <p:ph type="dt" sz="half" idx="10"/>
+          </p:nvPr>
+        </p:nvSpPr>
+        <p:spPr/>
+        <p:txBody>
+          <a:bodyPr/>
+          <a:lstStyle/>
+          <a:p>
+            <a:fld id="{87E83045-5AE1-40A9-B470-DA75385CFD17}" type="datetimeFigureOut">
+              <a:rPr lang="zh-CN" altLang="en-US" smtClean="0"/>
+              <a:t>2020/3/25</a:t>
+            </a:fld>
+            <a:endParaRPr lang="zh-CN" altLang="en-US"/>
+          </a:p>
+        </p:txBody>
+      </p:sp>
+      <p:sp>
+        <p:nvSpPr>
+          <p:cNvPr id="4" name="Footer Placeholder 3"/>
+          <p:cNvSpPr>
+            <a:spLocks noGrp="1"/>
+          </p:cNvSpPr>
+          <p:nvPr>
+            <p:ph type="ftr" sz="quarter" idx="11"/>
+          </p:nvPr>
+        </p:nvSpPr>
+        <p:spPr/>
+        <p:txBody>
+          <a:bodyPr/>
+          <a:lstStyle/>
+          <a:p>
+            <a:endParaRPr lang="zh-CN" altLang="en-US"/>
+          </a:p>
+        </p:txBody>
+      </p:sp>
+      <p:sp>
+        <p:nvSpPr>
+          <p:cNvPr id="5" name="Slide Number Placeholder 4"/>
+          <p:cNvSpPr>
+            <a:spLocks noGrp="1"/>
+          </p:cNvSpPr>
+          <p:nvPr>
+            <p:ph type="sldNum" sz="quarter" idx="12"/>
+          </p:nvPr>
+        </p:nvSpPr>
+        <p:spPr/>
+        <p:txBody>
+          <a:bodyPr/>
+          <a:lstStyle/>
+          <a:p>
+            <a:fld id="{406C5D9F-F78A-4593-846B-AB3E9756E40E}" type="slidenum">
+              <a:rPr lang="zh-CN" altLang="en-US" smtClean="0"/>
+              <a:t>‹#›</a:t>
+            </a:fld>
+            <a:endParaRPr lang="zh-CN" altLang="en-US"/>
+          </a:p>
+        </p:txBody>
+      </p:sp>
+    </p:spTree>
+    <p:extLst>
+      <p:ext uri="{BB962C8B-B14F-4D97-AF65-F5344CB8AC3E}">
+        <p14:creationId xmlns:p14="http://schemas.microsoft.com/office/powerpoint/2010/main" val="3623006752"/>
+      </p:ext>
+    </p:extLst>
+  </p:cSld>
+  <p:clrMapOvr>
+    <a:masterClrMapping/>
+  </p:clrMapOvr>
+</p:sldLayout>
+</file>
+
+<file path=ppt/slideLayouts/slideLayout7.xml><?xml version="1.0" encoding="utf-8"?>
+<p:sldLayout xmlns:a="http://schemas.openxmlformats.org/drawingml/2006/main" xmlns:r="http://schemas.openxmlformats.org/officeDocument/2006/relationships" xmlns:p="http://schemas.openxmlformats.org/presentationml/2006/main" showMasterSp="0" type="blank" preserve="1">
+  <p:cSld name="空白">
+    <p:spTree>
+      <p:nvGrpSpPr>
+        <p:cNvPr id="1" name=""/>
+        <p:cNvGrpSpPr/>
+        <p:nvPr/>
+      </p:nvGrpSpPr>
+      <p:grpSpPr>
+        <a:xfrm>
+          <a:off x="0" y="0"/>
+          <a:ext cx="0" cy="0"/>
+          <a:chOff x="0" y="0"/>
+          <a:chExt cx="0" cy="0"/>
+        </a:xfrm>
+      </p:grpSpPr>
+      <p:sp>
+        <p:nvSpPr>
+          <p:cNvPr id="5" name="Rectangle 4"/>
+          <p:cNvSpPr/>
+          <p:nvPr/>
+        </p:nvSpPr>
+        <p:spPr>
+          <a:xfrm>
+            <a:off x="3175" y="6400800"/>
+            <a:ext cx="12188825" cy="457200"/>
+          </a:xfrm>
+          <a:prstGeom prst="rect">
+            <a:avLst/>
+          </a:prstGeom>
+          <a:solidFill>
+            <a:schemeClr val="accent2"/>
+          </a:solidFill>
+          <a:ln>
+            <a:noFill/>
+          </a:ln>
+        </p:spPr>
+        <p:style>
+          <a:lnRef idx="2">
+            <a:schemeClr val="accent1">
+              <a:shade val="50000"/>
+            </a:schemeClr>
+          </a:lnRef>
+          <a:fillRef idx="1">
+            <a:schemeClr val="accent1"/>
+          </a:fillRef>
+          <a:effectRef idx="0">
+            <a:schemeClr val="accent1"/>
+          </a:effectRef>
+          <a:fontRef idx="minor">
+            <a:schemeClr val="lt1"/>
+          </a:fontRef>
+        </p:style>
+      </p:sp>
+      <p:sp>
+        <p:nvSpPr>
+          <p:cNvPr id="6" name="Rectangle 5"/>
+          <p:cNvSpPr/>
+          <p:nvPr/>
+        </p:nvSpPr>
+        <p:spPr>
+          <a:xfrm>
+            <a:off x="15" y="6334316"/>
+            <a:ext cx="12188825" cy="64008"/>
+          </a:xfrm>
+          <a:prstGeom prst="rect">
+            <a:avLst/>
+          </a:prstGeom>
+          <a:solidFill>
+            <a:schemeClr val="accent1"/>
+          </a:solidFill>
+          <a:ln>
+            <a:noFill/>
+          </a:ln>
+        </p:spPr>
+        <p:style>
+          <a:lnRef idx="2">
+            <a:schemeClr val="accent1">
+              <a:shade val="50000"/>
+            </a:schemeClr>
+          </a:lnRef>
+          <a:fillRef idx="1">
+            <a:schemeClr val="accent1"/>
+          </a:fillRef>
+          <a:effectRef idx="0">
+            <a:schemeClr val="accent1"/>
+          </a:effectRef>
+          <a:fontRef idx="minor">
+            <a:schemeClr val="lt1"/>
+          </a:fontRef>
+        </p:style>
+      </p:sp>
+      <p:sp>
+        <p:nvSpPr>
+          <p:cNvPr id="7" name="Date Placeholder 6"/>
+          <p:cNvSpPr>
+            <a:spLocks noGrp="1"/>
+          </p:cNvSpPr>
+          <p:nvPr>
+            <p:ph type="dt" sz="half" idx="10"/>
+          </p:nvPr>
+        </p:nvSpPr>
+        <p:spPr/>
+        <p:txBody>
+          <a:bodyPr/>
+          <a:lstStyle/>
+          <a:p>
+            <a:fld id="{87E83045-5AE1-40A9-B470-DA75385CFD17}" type="datetimeFigureOut">
+              <a:rPr lang="zh-CN" altLang="en-US" smtClean="0"/>
+              <a:t>2020/3/25</a:t>
+            </a:fld>
+            <a:endParaRPr lang="zh-CN" altLang="en-US"/>
+          </a:p>
+        </p:txBody>
+      </p:sp>
+      <p:sp>
+        <p:nvSpPr>
+          <p:cNvPr id="8" name="Footer Placeholder 7"/>
+          <p:cNvSpPr>
+            <a:spLocks noGrp="1"/>
+          </p:cNvSpPr>
+          <p:nvPr>
+            <p:ph type="ftr" sz="quarter" idx="11"/>
+          </p:nvPr>
+        </p:nvSpPr>
+        <p:spPr/>
+        <p:txBody>
+          <a:bodyPr/>
+          <a:lstStyle>
+            <a:lvl1pPr>
+              <a:defRPr>
+                <a:solidFill>
+                  <a:srgbClr val="FFFFFF"/>
+                </a:solidFill>
+              </a:defRPr>
+            </a:lvl1pPr>
+          </a:lstStyle>
+          <a:p>
+            <a:endParaRPr lang="zh-CN" altLang="en-US"/>
+          </a:p>
+        </p:txBody>
+      </p:sp>
+      <p:sp>
+        <p:nvSpPr>
+          <p:cNvPr id="9" name="Slide Number Placeholder 8"/>
+          <p:cNvSpPr>
+            <a:spLocks noGrp="1"/>
+          </p:cNvSpPr>
+          <p:nvPr>
+            <p:ph type="sldNum" sz="quarter" idx="12"/>
+          </p:nvPr>
+        </p:nvSpPr>
+        <p:spPr/>
+        <p:txBody>
+          <a:bodyPr/>
+          <a:lstStyle/>
+          <a:p>
+            <a:fld id="{406C5D9F-F78A-4593-846B-AB3E9756E40E}" type="slidenum">
+              <a:rPr lang="zh-CN" altLang="en-US" smtClean="0"/>
+              <a:t>‹#›</a:t>
+            </a:fld>
+            <a:endParaRPr lang="zh-CN" altLang="en-US"/>
+          </a:p>
+        </p:txBody>
+      </p:sp>
+    </p:spTree>
+    <p:extLst>
+      <p:ext uri="{BB962C8B-B14F-4D97-AF65-F5344CB8AC3E}">
+        <p14:creationId xmlns:p14="http://schemas.microsoft.com/office/powerpoint/2010/main" val="771140653"/>
+      </p:ext>
+    </p:extLst>
+  </p:cSld>
+  <p:clrMapOvr>
+    <a:masterClrMapping/>
+  </p:clrMapOvr>
+</p:sldLayout>
+</file>
+
+<file path=ppt/slideLayouts/slideLayout8.xml><?xml version="1.0" encoding="utf-8"?>
+<p:sldLayout xmlns:a="http://schemas.openxmlformats.org/drawingml/2006/main" xmlns:r="http://schemas.openxmlformats.org/officeDocument/2006/relationships" xmlns:p="http://schemas.openxmlformats.org/presentationml/2006/main" showMasterSp="0" type="objTx" preserve="1">
+  <p:cSld name="内容与标题">
+    <p:spTree>
+      <p:nvGrpSpPr>
+        <p:cNvPr id="1" name=""/>
+        <p:cNvGrpSpPr/>
+        <p:nvPr/>
+      </p:nvGrpSpPr>
+      <p:grpSpPr>
+        <a:xfrm>
+          <a:off x="0" y="0"/>
+          <a:ext cx="0" cy="0"/>
+          <a:chOff x="0" y="0"/>
+          <a:chExt cx="0" cy="0"/>
+        </a:xfrm>
+      </p:grpSpPr>
+      <p:sp>
+        <p:nvSpPr>
+          <p:cNvPr id="8" name="Rectangle 7"/>
+          <p:cNvSpPr/>
+          <p:nvPr/>
+        </p:nvSpPr>
+        <p:spPr>
+          <a:xfrm>
+            <a:off x="16" y="0"/>
+            <a:ext cx="4050791" cy="6858000"/>
+          </a:xfrm>
+          <a:prstGeom prst="rect">
+            <a:avLst/>
+          </a:prstGeom>
+          <a:solidFill>
+            <a:schemeClr val="accent2"/>
+          </a:solidFill>
+          <a:ln>
+            <a:noFill/>
+          </a:ln>
+        </p:spPr>
+        <p:style>
+          <a:lnRef idx="2">
+            <a:schemeClr val="accent1">
+              <a:shade val="50000"/>
+            </a:schemeClr>
+          </a:lnRef>
+          <a:fillRef idx="1">
+            <a:schemeClr val="accent1"/>
+          </a:fillRef>
+          <a:effectRef idx="0">
+            <a:schemeClr val="accent1"/>
+          </a:effectRef>
+          <a:fontRef idx="minor">
+            <a:schemeClr val="lt1"/>
+          </a:fontRef>
+        </p:style>
+      </p:sp>
+      <p:sp>
+        <p:nvSpPr>
+          <p:cNvPr id="9" name="Rectangle 8"/>
+          <p:cNvSpPr/>
+          <p:nvPr/>
+        </p:nvSpPr>
+        <p:spPr>
+          <a:xfrm>
+            <a:off x="4040071" y="0"/>
+            <a:ext cx="64008" cy="6858000"/>
+          </a:xfrm>
+          <a:prstGeom prst="rect">
+            <a:avLst/>
+          </a:prstGeom>
+          <a:solidFill>
+            <a:schemeClr val="accent1"/>
+          </a:solidFill>
+          <a:ln>
+            <a:noFill/>
+          </a:ln>
+        </p:spPr>
+        <p:style>
+          <a:lnRef idx="2">
+            <a:schemeClr val="accent1">
+              <a:shade val="50000"/>
+            </a:schemeClr>
+          </a:lnRef>
+          <a:fillRef idx="1">
+            <a:schemeClr val="accent1"/>
+          </a:fillRef>
+          <a:effectRef idx="0">
+            <a:schemeClr val="accent1"/>
+          </a:effectRef>
+          <a:fontRef idx="minor">
+            <a:schemeClr val="lt1"/>
+          </a:fontRef>
+        </p:style>
+      </p:sp>
+      <p:sp>
+        <p:nvSpPr>
+          <p:cNvPr id="2" name="Title 1"/>
+          <p:cNvSpPr>
+            <a:spLocks noGrp="1"/>
+          </p:cNvSpPr>
+          <p:nvPr>
+            <p:ph type="title"/>
+          </p:nvPr>
+        </p:nvSpPr>
+        <p:spPr>
+          <a:xfrm>
+            <a:off x="457200" y="594359"/>
+            <a:ext cx="3200400" cy="2286000"/>
+          </a:xfrm>
+        </p:spPr>
+        <p:txBody>
+          <a:bodyPr anchor="b">
             <a:normAutofit/>
           </a:bodyPr>
           <a:lstStyle>
-            <a:lvl1pPr marL="0" indent="0" algn="ctr">
+            <a:lvl1pPr>
+              <a:defRPr sz="3600" b="0">
+                <a:solidFill>
+                  <a:srgbClr val="FFFFFF"/>
+                </a:solidFill>
+              </a:defRPr>
+            </a:lvl1pPr>
+          </a:lstStyle>
+          <a:p>
+            <a:r>
+              <a:rPr lang="zh-CN" altLang="en-US"/>
+              <a:t>单击此处编辑母版标题样式</a:t>
+            </a:r>
+            <a:endParaRPr lang="en-US" dirty="0"/>
+          </a:p>
+        </p:txBody>
+      </p:sp>
+      <p:sp>
+        <p:nvSpPr>
+          <p:cNvPr id="3" name="Content Placeholder 2"/>
+          <p:cNvSpPr>
+            <a:spLocks noGrp="1"/>
+          </p:cNvSpPr>
+          <p:nvPr>
+            <p:ph idx="1"/>
+          </p:nvPr>
+        </p:nvSpPr>
+        <p:spPr>
+          <a:xfrm>
+            <a:off x="4800600" y="731520"/>
+            <a:ext cx="6492240" cy="5257800"/>
+          </a:xfrm>
+        </p:spPr>
+        <p:txBody>
+          <a:bodyPr/>
+          <a:lstStyle/>
+          <a:p>
+            <a:pPr lvl="0"/>
+            <a:r>
+              <a:rPr lang="zh-CN" altLang="en-US"/>
+              <a:t>单击此处编辑母版文本样式</a:t>
+            </a:r>
+          </a:p>
+          <a:p>
+            <a:pPr lvl="1"/>
+            <a:r>
+              <a:rPr lang="zh-CN" altLang="en-US"/>
+              <a:t>二级</a:t>
+            </a:r>
+          </a:p>
+          <a:p>
+            <a:pPr lvl="2"/>
+            <a:r>
+              <a:rPr lang="zh-CN" altLang="en-US"/>
+              <a:t>三级</a:t>
+            </a:r>
+          </a:p>
+          <a:p>
+            <a:pPr lvl="3"/>
+            <a:r>
+              <a:rPr lang="zh-CN" altLang="en-US"/>
+              <a:t>四级</a:t>
+            </a:r>
+          </a:p>
+          <a:p>
+            <a:pPr lvl="4"/>
+            <a:r>
+              <a:rPr lang="zh-CN" altLang="en-US"/>
+              <a:t>五级</a:t>
+            </a:r>
+            <a:endParaRPr lang="en-US" dirty="0"/>
+          </a:p>
+        </p:txBody>
+      </p:sp>
+      <p:sp>
+        <p:nvSpPr>
+          <p:cNvPr id="4" name="Text Placeholder 3"/>
+          <p:cNvSpPr>
+            <a:spLocks noGrp="1"/>
+          </p:cNvSpPr>
+          <p:nvPr>
+            <p:ph type="body" sz="half" idx="2"/>
+          </p:nvPr>
+        </p:nvSpPr>
+        <p:spPr>
+          <a:xfrm>
+            <a:off x="457200" y="2926080"/>
+            <a:ext cx="3200400" cy="3379124"/>
+          </a:xfrm>
+        </p:spPr>
+        <p:txBody>
+          <a:bodyPr lIns="91440" rIns="91440">
+            <a:normAutofit/>
+          </a:bodyPr>
+          <a:lstStyle>
+            <a:lvl1pPr marL="0" indent="0">
               <a:buNone/>
-              <a:defRPr sz="1400"/>
+              <a:defRPr sz="1500">
+                <a:solidFill>
+                  <a:srgbClr val="FFFFFF"/>
+                </a:solidFill>
+              </a:defRPr>
             </a:lvl1pPr>
             <a:lvl2pPr marL="457200" indent="0">
               <a:buNone/>
@@ -2022,102 +2632,352 @@
       </p:sp>
       <p:sp>
         <p:nvSpPr>
-          <p:cNvPr id="11" name="Text Placeholder 4"/>
+          <p:cNvPr id="5" name="Date Placeholder 4"/>
           <p:cNvSpPr>
             <a:spLocks noGrp="1"/>
           </p:cNvSpPr>
           <p:nvPr>
-            <p:ph type="body" sz="quarter" idx="13"/>
+            <p:ph type="dt" sz="half" idx="10"/>
           </p:nvPr>
         </p:nvSpPr>
         <p:spPr>
           <a:xfrm>
-            <a:off x="7973298" y="2367093"/>
-            <a:ext cx="3304928" cy="576262"/>
+            <a:off x="465512" y="6459785"/>
+            <a:ext cx="2618510" cy="365125"/>
           </a:xfrm>
         </p:spPr>
         <p:txBody>
-          <a:bodyPr anchor="b">
+          <a:bodyPr/>
+          <a:lstStyle>
+            <a:lvl1pPr algn="l">
+              <a:defRPr/>
+            </a:lvl1pPr>
+          </a:lstStyle>
+          <a:p>
+            <a:fld id="{87E83045-5AE1-40A9-B470-DA75385CFD17}" type="datetimeFigureOut">
+              <a:rPr lang="zh-CN" altLang="en-US" smtClean="0"/>
+              <a:t>2020/3/25</a:t>
+            </a:fld>
+            <a:endParaRPr lang="zh-CN" altLang="en-US"/>
+          </a:p>
+        </p:txBody>
+      </p:sp>
+      <p:sp>
+        <p:nvSpPr>
+          <p:cNvPr id="6" name="Footer Placeholder 5"/>
+          <p:cNvSpPr>
+            <a:spLocks noGrp="1"/>
+          </p:cNvSpPr>
+          <p:nvPr>
+            <p:ph type="ftr" sz="quarter" idx="11"/>
+          </p:nvPr>
+        </p:nvSpPr>
+        <p:spPr>
+          <a:xfrm>
+            <a:off x="4800600" y="6459785"/>
+            <a:ext cx="4648200" cy="365125"/>
+          </a:xfrm>
+        </p:spPr>
+        <p:txBody>
+          <a:bodyPr/>
+          <a:lstStyle>
+            <a:lvl1pPr algn="l">
+              <a:defRPr>
+                <a:solidFill>
+                  <a:schemeClr val="tx2"/>
+                </a:solidFill>
+              </a:defRPr>
+            </a:lvl1pPr>
+          </a:lstStyle>
+          <a:p>
+            <a:endParaRPr lang="zh-CN" altLang="en-US"/>
+          </a:p>
+        </p:txBody>
+      </p:sp>
+      <p:sp>
+        <p:nvSpPr>
+          <p:cNvPr id="7" name="Slide Number Placeholder 6"/>
+          <p:cNvSpPr>
+            <a:spLocks noGrp="1"/>
+          </p:cNvSpPr>
+          <p:nvPr>
+            <p:ph type="sldNum" sz="quarter" idx="12"/>
+          </p:nvPr>
+        </p:nvSpPr>
+        <p:spPr/>
+        <p:txBody>
+          <a:bodyPr/>
+          <a:lstStyle>
+            <a:lvl1pPr>
+              <a:defRPr>
+                <a:solidFill>
+                  <a:schemeClr val="tx2"/>
+                </a:solidFill>
+              </a:defRPr>
+            </a:lvl1pPr>
+          </a:lstStyle>
+          <a:p>
+            <a:fld id="{406C5D9F-F78A-4593-846B-AB3E9756E40E}" type="slidenum">
+              <a:rPr lang="zh-CN" altLang="en-US" smtClean="0"/>
+              <a:t>‹#›</a:t>
+            </a:fld>
+            <a:endParaRPr lang="zh-CN" altLang="en-US"/>
+          </a:p>
+        </p:txBody>
+      </p:sp>
+    </p:spTree>
+    <p:extLst>
+      <p:ext uri="{BB962C8B-B14F-4D97-AF65-F5344CB8AC3E}">
+        <p14:creationId xmlns:p14="http://schemas.microsoft.com/office/powerpoint/2010/main" val="20669787"/>
+      </p:ext>
+    </p:extLst>
+  </p:cSld>
+  <p:clrMapOvr>
+    <a:masterClrMapping/>
+  </p:clrMapOvr>
+</p:sldLayout>
+</file>
+
+<file path=ppt/slideLayouts/slideLayout9.xml><?xml version="1.0" encoding="utf-8"?>
+<p:sldLayout xmlns:a="http://schemas.openxmlformats.org/drawingml/2006/main" xmlns:r="http://schemas.openxmlformats.org/officeDocument/2006/relationships" xmlns:p="http://schemas.openxmlformats.org/presentationml/2006/main" showMasterSp="0" type="picTx" preserve="1">
+  <p:cSld name="图片与标题">
+    <p:spTree>
+      <p:nvGrpSpPr>
+        <p:cNvPr id="1" name=""/>
+        <p:cNvGrpSpPr/>
+        <p:nvPr/>
+      </p:nvGrpSpPr>
+      <p:grpSpPr>
+        <a:xfrm>
+          <a:off x="0" y="0"/>
+          <a:ext cx="0" cy="0"/>
+          <a:chOff x="0" y="0"/>
+          <a:chExt cx="0" cy="0"/>
+        </a:xfrm>
+      </p:grpSpPr>
+      <p:sp>
+        <p:nvSpPr>
+          <p:cNvPr id="8" name="Rectangle 7"/>
+          <p:cNvSpPr/>
+          <p:nvPr/>
+        </p:nvSpPr>
+        <p:spPr>
+          <a:xfrm>
+            <a:off x="0" y="4953000"/>
+            <a:ext cx="12188825" cy="1905000"/>
+          </a:xfrm>
+          <a:prstGeom prst="rect">
+            <a:avLst/>
+          </a:prstGeom>
+          <a:solidFill>
+            <a:schemeClr val="accent2"/>
+          </a:solidFill>
+          <a:ln>
+            <a:noFill/>
+          </a:ln>
+        </p:spPr>
+        <p:style>
+          <a:lnRef idx="2">
+            <a:schemeClr val="accent1">
+              <a:shade val="50000"/>
+            </a:schemeClr>
+          </a:lnRef>
+          <a:fillRef idx="1">
+            <a:schemeClr val="accent1"/>
+          </a:fillRef>
+          <a:effectRef idx="0">
+            <a:schemeClr val="accent1"/>
+          </a:effectRef>
+          <a:fontRef idx="minor">
+            <a:schemeClr val="lt1"/>
+          </a:fontRef>
+        </p:style>
+      </p:sp>
+      <p:sp>
+        <p:nvSpPr>
+          <p:cNvPr id="9" name="Rectangle 8"/>
+          <p:cNvSpPr/>
+          <p:nvPr/>
+        </p:nvSpPr>
+        <p:spPr>
+          <a:xfrm>
+            <a:off x="15" y="4915076"/>
+            <a:ext cx="12188825" cy="64008"/>
+          </a:xfrm>
+          <a:prstGeom prst="rect">
+            <a:avLst/>
+          </a:prstGeom>
+          <a:solidFill>
+            <a:schemeClr val="accent1"/>
+          </a:solidFill>
+          <a:ln>
+            <a:noFill/>
+          </a:ln>
+        </p:spPr>
+        <p:style>
+          <a:lnRef idx="2">
+            <a:schemeClr val="accent1">
+              <a:shade val="50000"/>
+            </a:schemeClr>
+          </a:lnRef>
+          <a:fillRef idx="1">
+            <a:schemeClr val="accent1"/>
+          </a:fillRef>
+          <a:effectRef idx="0">
+            <a:schemeClr val="accent1"/>
+          </a:effectRef>
+          <a:fontRef idx="minor">
+            <a:schemeClr val="lt1"/>
+          </a:fontRef>
+        </p:style>
+      </p:sp>
+      <p:sp>
+        <p:nvSpPr>
+          <p:cNvPr id="2" name="Title 1"/>
+          <p:cNvSpPr>
+            <a:spLocks noGrp="1"/>
+          </p:cNvSpPr>
+          <p:nvPr>
+            <p:ph type="title"/>
+          </p:nvPr>
+        </p:nvSpPr>
+        <p:spPr>
+          <a:xfrm>
+            <a:off x="1097280" y="5074920"/>
+            <a:ext cx="10113264" cy="822960"/>
+          </a:xfrm>
+        </p:spPr>
+        <p:txBody>
+          <a:bodyPr lIns="91440" tIns="0" rIns="91440" bIns="0" anchor="b">
             <a:noAutofit/>
           </a:bodyPr>
           <a:lstStyle>
-            <a:lvl1pPr marL="0" indent="0" algn="ctr">
-              <a:lnSpc>
-                <a:spcPct val="85000"/>
-              </a:lnSpc>
+            <a:lvl1pPr>
+              <a:defRPr sz="3600" b="0">
+                <a:solidFill>
+                  <a:srgbClr val="FFFFFF"/>
+                </a:solidFill>
+              </a:defRPr>
+            </a:lvl1pPr>
+          </a:lstStyle>
+          <a:p>
+            <a:r>
+              <a:rPr lang="zh-CN" altLang="en-US"/>
+              <a:t>单击此处编辑母版标题样式</a:t>
+            </a:r>
+            <a:endParaRPr lang="en-US" dirty="0"/>
+          </a:p>
+        </p:txBody>
+      </p:sp>
+      <p:sp>
+        <p:nvSpPr>
+          <p:cNvPr id="3" name="Picture Placeholder 2"/>
+          <p:cNvSpPr>
+            <a:spLocks noGrp="1" noChangeAspect="1"/>
+          </p:cNvSpPr>
+          <p:nvPr>
+            <p:ph type="pic" idx="1"/>
+          </p:nvPr>
+        </p:nvSpPr>
+        <p:spPr>
+          <a:xfrm>
+            <a:off x="15" y="0"/>
+            <a:ext cx="12191985" cy="4915076"/>
+          </a:xfrm>
+          <a:blipFill>
+            <a:blip r:embed="rId2"/>
+            <a:stretch>
+              <a:fillRect/>
+            </a:stretch>
+          </a:blipFill>
+        </p:spPr>
+        <p:txBody>
+          <a:bodyPr lIns="457200" tIns="457200" anchor="t"/>
+          <a:lstStyle>
+            <a:lvl1pPr marL="0" indent="0">
               <a:buNone/>
-              <a:defRPr sz="2400" b="0">
+              <a:defRPr sz="3200">
                 <a:solidFill>
-                  <a:schemeClr val="tx1"/>
+                  <a:schemeClr val="bg1"/>
                 </a:solidFill>
               </a:defRPr>
             </a:lvl1pPr>
             <a:lvl2pPr marL="457200" indent="0">
               <a:buNone/>
-              <a:defRPr sz="2000" b="1"/>
+              <a:defRPr sz="2800"/>
             </a:lvl2pPr>
             <a:lvl3pPr marL="914400" indent="0">
               <a:buNone/>
-              <a:defRPr sz="1800" b="1"/>
+              <a:defRPr sz="2400"/>
             </a:lvl3pPr>
             <a:lvl4pPr marL="1371600" indent="0">
               <a:buNone/>
-              <a:defRPr sz="1600" b="1"/>
+              <a:defRPr sz="2000"/>
             </a:lvl4pPr>
             <a:lvl5pPr marL="1828800" indent="0">
               <a:buNone/>
-              <a:defRPr sz="1600" b="1"/>
+              <a:defRPr sz="2000"/>
             </a:lvl5pPr>
             <a:lvl6pPr marL="2286000" indent="0">
               <a:buNone/>
-              <a:defRPr sz="1600" b="1"/>
+              <a:defRPr sz="2000"/>
             </a:lvl6pPr>
             <a:lvl7pPr marL="2743200" indent="0">
               <a:buNone/>
-              <a:defRPr sz="1600" b="1"/>
+              <a:defRPr sz="2000"/>
             </a:lvl7pPr>
             <a:lvl8pPr marL="3200400" indent="0">
               <a:buNone/>
-              <a:defRPr sz="1600" b="1"/>
+              <a:defRPr sz="2000"/>
             </a:lvl8pPr>
             <a:lvl9pPr marL="3657600" indent="0">
               <a:buNone/>
-              <a:defRPr sz="1600" b="1"/>
+              <a:defRPr sz="2000"/>
             </a:lvl9pPr>
           </a:lstStyle>
           <a:p>
-            <a:pPr lvl="0"/>
             <a:r>
               <a:rPr lang="zh-CN" altLang="en-US"/>
-              <a:t>单击此处编辑母版文本样式</a:t>
-            </a:r>
+              <a:t>单击图标添加图片</a:t>
+            </a:r>
+            <a:endParaRPr lang="en-US" dirty="0"/>
           </a:p>
         </p:txBody>
       </p:sp>
       <p:sp>
         <p:nvSpPr>
-          <p:cNvPr id="12" name="Text Placeholder 3"/>
+          <p:cNvPr id="4" name="Text Placeholder 3"/>
           <p:cNvSpPr>
             <a:spLocks noGrp="1"/>
           </p:cNvSpPr>
           <p:nvPr>
-            <p:ph type="body" sz="half" idx="17"/>
+            <p:ph type="body" sz="half" idx="2"/>
           </p:nvPr>
         </p:nvSpPr>
         <p:spPr>
           <a:xfrm>
-            <a:off x="7973298" y="2943355"/>
-            <a:ext cx="3304928" cy="2847845"/>
+            <a:off x="1097280" y="5907023"/>
+            <a:ext cx="10113264" cy="594360"/>
           </a:xfrm>
         </p:spPr>
         <p:txBody>
-          <a:bodyPr anchor="t">
+          <a:bodyPr lIns="91440" tIns="0" rIns="91440" bIns="0">
             <a:normAutofit/>
           </a:bodyPr>
           <a:lstStyle>
-            <a:lvl1pPr marL="0" indent="0" algn="ctr">
+            <a:lvl1pPr marL="0" indent="0">
+              <a:spcBef>
+                <a:spcPts val="0"/>
+              </a:spcBef>
+              <a:spcAft>
+                <a:spcPts val="600"/>
+              </a:spcAft>
               <a:buNone/>
-              <a:defRPr sz="1400"/>
+              <a:defRPr sz="1500">
+                <a:solidFill>
+                  <a:srgbClr val="FFFFFF"/>
+                </a:solidFill>
+              </a:defRPr>
             </a:lvl1pPr>
             <a:lvl2pPr marL="457200" indent="0">
               <a:buNone/>
@@ -2163,2204 +3023,6 @@
       </p:sp>
       <p:sp>
         <p:nvSpPr>
-          <p:cNvPr id="3" name="Date Placeholder 2"/>
-          <p:cNvSpPr>
-            <a:spLocks noGrp="1"/>
-          </p:cNvSpPr>
-          <p:nvPr>
-            <p:ph type="dt" sz="half" idx="10"/>
-          </p:nvPr>
-        </p:nvSpPr>
-        <p:spPr/>
-        <p:txBody>
-          <a:bodyPr/>
-          <a:lstStyle/>
-          <a:p>
-            <a:fld id="{87E83045-5AE1-40A9-B470-DA75385CFD17}" type="datetimeFigureOut">
-              <a:rPr lang="zh-CN" altLang="en-US" smtClean="0"/>
-              <a:t>2020/3/14</a:t>
-            </a:fld>
-            <a:endParaRPr lang="zh-CN" altLang="en-US"/>
-          </a:p>
-        </p:txBody>
-      </p:sp>
-      <p:sp>
-        <p:nvSpPr>
-          <p:cNvPr id="4" name="Footer Placeholder 3"/>
-          <p:cNvSpPr>
-            <a:spLocks noGrp="1"/>
-          </p:cNvSpPr>
-          <p:nvPr>
-            <p:ph type="ftr" sz="quarter" idx="11"/>
-          </p:nvPr>
-        </p:nvSpPr>
-        <p:spPr/>
-        <p:txBody>
-          <a:bodyPr/>
-          <a:lstStyle/>
-          <a:p>
-            <a:endParaRPr lang="zh-CN" altLang="en-US"/>
-          </a:p>
-        </p:txBody>
-      </p:sp>
-      <p:sp>
-        <p:nvSpPr>
-          <p:cNvPr id="5" name="Slide Number Placeholder 4"/>
-          <p:cNvSpPr>
-            <a:spLocks noGrp="1"/>
-          </p:cNvSpPr>
-          <p:nvPr>
-            <p:ph type="sldNum" sz="quarter" idx="12"/>
-          </p:nvPr>
-        </p:nvSpPr>
-        <p:spPr/>
-        <p:txBody>
-          <a:bodyPr/>
-          <a:lstStyle/>
-          <a:p>
-            <a:fld id="{406C5D9F-F78A-4593-846B-AB3E9756E40E}" type="slidenum">
-              <a:rPr lang="zh-CN" altLang="en-US" smtClean="0"/>
-              <a:t>‹#›</a:t>
-            </a:fld>
-            <a:endParaRPr lang="zh-CN" altLang="en-US"/>
-          </a:p>
-        </p:txBody>
-      </p:sp>
-    </p:spTree>
-    <p:extLst>
-      <p:ext uri="{BB962C8B-B14F-4D97-AF65-F5344CB8AC3E}">
-        <p14:creationId xmlns:p14="http://schemas.microsoft.com/office/powerpoint/2010/main" val="24229391"/>
-      </p:ext>
-    </p:extLst>
-  </p:cSld>
-  <p:clrMapOvr>
-    <a:masterClrMapping/>
-  </p:clrMapOvr>
-</p:sldLayout>
-</file>
-
-<file path=ppt/slideLayouts/slideLayout15.xml><?xml version="1.0" encoding="utf-8"?>
-<p:sldLayout xmlns:a="http://schemas.openxmlformats.org/drawingml/2006/main" xmlns:r="http://schemas.openxmlformats.org/officeDocument/2006/relationships" xmlns:p="http://schemas.openxmlformats.org/presentationml/2006/main" preserve="1">
-  <p:cSld name="3 图片栏">
-    <p:spTree>
-      <p:nvGrpSpPr>
-        <p:cNvPr id="1" name=""/>
-        <p:cNvGrpSpPr/>
-        <p:nvPr/>
-      </p:nvGrpSpPr>
-      <p:grpSpPr>
-        <a:xfrm>
-          <a:off x="0" y="0"/>
-          <a:ext cx="0" cy="0"/>
-          <a:chOff x="0" y="0"/>
-          <a:chExt cx="0" cy="0"/>
-        </a:xfrm>
-      </p:grpSpPr>
-      <p:pic>
-        <p:nvPicPr>
-          <p:cNvPr id="16" name="Picture 15" descr="Droplets-HD-Content-R1d.png"/>
-          <p:cNvPicPr>
-            <a:picLocks noChangeAspect="1"/>
-          </p:cNvPicPr>
-          <p:nvPr/>
-        </p:nvPicPr>
-        <p:blipFill>
-          <a:blip r:embed="rId2">
-            <a:extLst>
-              <a:ext uri="{28A0092B-C50C-407E-A947-70E740481C1C}">
-                <a14:useLocalDpi xmlns:a14="http://schemas.microsoft.com/office/drawing/2010/main" val="0"/>
-              </a:ext>
-            </a:extLst>
-          </a:blip>
-          <a:stretch>
-            <a:fillRect/>
-          </a:stretch>
-        </p:blipFill>
-        <p:spPr>
-          <a:xfrm>
-            <a:off x="0" y="0"/>
-            <a:ext cx="12192000" cy="6858000"/>
-          </a:xfrm>
-          <a:prstGeom prst="rect">
-            <a:avLst/>
-          </a:prstGeom>
-        </p:spPr>
-      </p:pic>
-      <p:sp>
-        <p:nvSpPr>
-          <p:cNvPr id="30" name="Title 1"/>
-          <p:cNvSpPr>
-            <a:spLocks noGrp="1"/>
-          </p:cNvSpPr>
-          <p:nvPr>
-            <p:ph type="title"/>
-          </p:nvPr>
-        </p:nvSpPr>
-        <p:spPr>
-          <a:xfrm>
-            <a:off x="913774" y="610772"/>
-            <a:ext cx="10364452" cy="1603922"/>
-          </a:xfrm>
-        </p:spPr>
-        <p:txBody>
-          <a:bodyPr/>
-          <a:lstStyle/>
-          <a:p>
-            <a:r>
-              <a:rPr lang="zh-CN" altLang="en-US"/>
-              <a:t>单击此处编辑母版标题样式</a:t>
-            </a:r>
-            <a:endParaRPr lang="en-US" dirty="0"/>
-          </a:p>
-        </p:txBody>
-      </p:sp>
-      <p:sp>
-        <p:nvSpPr>
-          <p:cNvPr id="19" name="Text Placeholder 2"/>
-          <p:cNvSpPr>
-            <a:spLocks noGrp="1"/>
-          </p:cNvSpPr>
-          <p:nvPr>
-            <p:ph type="body" idx="1"/>
-          </p:nvPr>
-        </p:nvSpPr>
-        <p:spPr>
-          <a:xfrm>
-            <a:off x="913774" y="4204820"/>
-            <a:ext cx="3296409" cy="576262"/>
-          </a:xfrm>
-        </p:spPr>
-        <p:txBody>
-          <a:bodyPr anchor="b">
-            <a:noAutofit/>
-          </a:bodyPr>
-          <a:lstStyle>
-            <a:lvl1pPr marL="0" indent="0" algn="ctr">
-              <a:lnSpc>
-                <a:spcPct val="85000"/>
-              </a:lnSpc>
-              <a:buNone/>
-              <a:defRPr sz="2200" b="0">
-                <a:solidFill>
-                  <a:schemeClr val="tx1"/>
-                </a:solidFill>
-              </a:defRPr>
-            </a:lvl1pPr>
-            <a:lvl2pPr marL="457200" indent="0">
-              <a:buNone/>
-              <a:defRPr sz="2000" b="1"/>
-            </a:lvl2pPr>
-            <a:lvl3pPr marL="914400" indent="0">
-              <a:buNone/>
-              <a:defRPr sz="1800" b="1"/>
-            </a:lvl3pPr>
-            <a:lvl4pPr marL="1371600" indent="0">
-              <a:buNone/>
-              <a:defRPr sz="1600" b="1"/>
-            </a:lvl4pPr>
-            <a:lvl5pPr marL="1828800" indent="0">
-              <a:buNone/>
-              <a:defRPr sz="1600" b="1"/>
-            </a:lvl5pPr>
-            <a:lvl6pPr marL="2286000" indent="0">
-              <a:buNone/>
-              <a:defRPr sz="1600" b="1"/>
-            </a:lvl6pPr>
-            <a:lvl7pPr marL="2743200" indent="0">
-              <a:buNone/>
-              <a:defRPr sz="1600" b="1"/>
-            </a:lvl7pPr>
-            <a:lvl8pPr marL="3200400" indent="0">
-              <a:buNone/>
-              <a:defRPr sz="1600" b="1"/>
-            </a:lvl8pPr>
-            <a:lvl9pPr marL="3657600" indent="0">
-              <a:buNone/>
-              <a:defRPr sz="1600" b="1"/>
-            </a:lvl9pPr>
-          </a:lstStyle>
-          <a:p>
-            <a:pPr lvl="0"/>
-            <a:r>
-              <a:rPr lang="zh-CN" altLang="en-US"/>
-              <a:t>单击此处编辑母版文本样式</a:t>
-            </a:r>
-          </a:p>
-        </p:txBody>
-      </p:sp>
-      <p:sp>
-        <p:nvSpPr>
-          <p:cNvPr id="20" name="Picture Placeholder 2"/>
-          <p:cNvSpPr>
-            <a:spLocks noGrp="1" noChangeAspect="1"/>
-          </p:cNvSpPr>
-          <p:nvPr>
-            <p:ph type="pic" idx="15"/>
-          </p:nvPr>
-        </p:nvSpPr>
-        <p:spPr>
-          <a:xfrm>
-            <a:off x="913774" y="2367093"/>
-            <a:ext cx="3296409" cy="1524000"/>
-          </a:xfrm>
-          <a:prstGeom prst="roundRect">
-            <a:avLst>
-              <a:gd name="adj" fmla="val 9363"/>
-            </a:avLst>
-          </a:prstGeom>
-          <a:noFill/>
-          <a:ln w="82550" cap="sq">
-            <a:solidFill>
-              <a:srgbClr val="EAEAEA"/>
-            </a:solidFill>
-            <a:miter lim="800000"/>
-          </a:ln>
-          <a:effectLst/>
-          <a:scene3d>
-            <a:camera prst="orthographicFront"/>
-            <a:lightRig rig="threePt" dir="t">
-              <a:rot lat="0" lon="0" rev="2700000"/>
-            </a:lightRig>
-          </a:scene3d>
-          <a:sp3d contourW="6350">
-            <a:bevelT h="38100"/>
-            <a:contourClr>
-              <a:srgbClr val="C0C0C0"/>
-            </a:contourClr>
-          </a:sp3d>
-        </p:spPr>
-        <p:txBody>
-          <a:bodyPr anchor="t">
-            <a:normAutofit/>
-          </a:bodyPr>
-          <a:lstStyle>
-            <a:lvl1pPr marL="0" indent="0" algn="ctr">
-              <a:buNone/>
-              <a:defRPr sz="1600"/>
-            </a:lvl1pPr>
-            <a:lvl2pPr marL="457200" indent="0">
-              <a:buNone/>
-              <a:defRPr sz="1600"/>
-            </a:lvl2pPr>
-            <a:lvl3pPr marL="914400" indent="0">
-              <a:buNone/>
-              <a:defRPr sz="1600"/>
-            </a:lvl3pPr>
-            <a:lvl4pPr marL="1371600" indent="0">
-              <a:buNone/>
-              <a:defRPr sz="1600"/>
-            </a:lvl4pPr>
-            <a:lvl5pPr marL="1828800" indent="0">
-              <a:buNone/>
-              <a:defRPr sz="1600"/>
-            </a:lvl5pPr>
-            <a:lvl6pPr marL="2286000" indent="0">
-              <a:buNone/>
-              <a:defRPr sz="1600"/>
-            </a:lvl6pPr>
-            <a:lvl7pPr marL="2743200" indent="0">
-              <a:buNone/>
-              <a:defRPr sz="1600"/>
-            </a:lvl7pPr>
-            <a:lvl8pPr marL="3200400" indent="0">
-              <a:buNone/>
-              <a:defRPr sz="1600"/>
-            </a:lvl8pPr>
-            <a:lvl9pPr marL="3657600" indent="0">
-              <a:buNone/>
-              <a:defRPr sz="1600"/>
-            </a:lvl9pPr>
-          </a:lstStyle>
-          <a:p>
-            <a:r>
-              <a:rPr lang="zh-CN" altLang="en-US"/>
-              <a:t>单击图标添加图片</a:t>
-            </a:r>
-            <a:endParaRPr lang="en-US" dirty="0"/>
-          </a:p>
-        </p:txBody>
-      </p:sp>
-      <p:sp>
-        <p:nvSpPr>
-          <p:cNvPr id="21" name="Text Placeholder 3"/>
-          <p:cNvSpPr>
-            <a:spLocks noGrp="1"/>
-          </p:cNvSpPr>
-          <p:nvPr>
-            <p:ph type="body" sz="half" idx="18"/>
-          </p:nvPr>
-        </p:nvSpPr>
-        <p:spPr>
-          <a:xfrm>
-            <a:off x="913774" y="4781082"/>
-            <a:ext cx="3296409" cy="1010118"/>
-          </a:xfrm>
-        </p:spPr>
-        <p:txBody>
-          <a:bodyPr anchor="t">
-            <a:normAutofit/>
-          </a:bodyPr>
-          <a:lstStyle>
-            <a:lvl1pPr marL="0" indent="0" algn="ctr">
-              <a:buNone/>
-              <a:defRPr sz="1400"/>
-            </a:lvl1pPr>
-            <a:lvl2pPr marL="457200" indent="0">
-              <a:buNone/>
-              <a:defRPr sz="1200"/>
-            </a:lvl2pPr>
-            <a:lvl3pPr marL="914400" indent="0">
-              <a:buNone/>
-              <a:defRPr sz="1000"/>
-            </a:lvl3pPr>
-            <a:lvl4pPr marL="1371600" indent="0">
-              <a:buNone/>
-              <a:defRPr sz="900"/>
-            </a:lvl4pPr>
-            <a:lvl5pPr marL="1828800" indent="0">
-              <a:buNone/>
-              <a:defRPr sz="900"/>
-            </a:lvl5pPr>
-            <a:lvl6pPr marL="2286000" indent="0">
-              <a:buNone/>
-              <a:defRPr sz="900"/>
-            </a:lvl6pPr>
-            <a:lvl7pPr marL="2743200" indent="0">
-              <a:buNone/>
-              <a:defRPr sz="900"/>
-            </a:lvl7pPr>
-            <a:lvl8pPr marL="3200400" indent="0">
-              <a:buNone/>
-              <a:defRPr sz="900"/>
-            </a:lvl8pPr>
-            <a:lvl9pPr marL="3657600" indent="0">
-              <a:buNone/>
-              <a:defRPr sz="900"/>
-            </a:lvl9pPr>
-          </a:lstStyle>
-          <a:p>
-            <a:pPr lvl="0"/>
-            <a:r>
-              <a:rPr lang="zh-CN" altLang="en-US"/>
-              <a:t>单击此处编辑母版文本样式</a:t>
-            </a:r>
-          </a:p>
-        </p:txBody>
-      </p:sp>
-      <p:sp>
-        <p:nvSpPr>
-          <p:cNvPr id="22" name="Text Placeholder 4"/>
-          <p:cNvSpPr>
-            <a:spLocks noGrp="1"/>
-          </p:cNvSpPr>
-          <p:nvPr>
-            <p:ph type="body" sz="quarter" idx="3"/>
-          </p:nvPr>
-        </p:nvSpPr>
-        <p:spPr>
-          <a:xfrm>
-            <a:off x="4442759" y="4204820"/>
-            <a:ext cx="3301828" cy="576262"/>
-          </a:xfrm>
-        </p:spPr>
-        <p:txBody>
-          <a:bodyPr anchor="b">
-            <a:noAutofit/>
-          </a:bodyPr>
-          <a:lstStyle>
-            <a:lvl1pPr marL="0" indent="0" algn="ctr">
-              <a:lnSpc>
-                <a:spcPct val="85000"/>
-              </a:lnSpc>
-              <a:buNone/>
-              <a:defRPr sz="2200" b="0">
-                <a:solidFill>
-                  <a:schemeClr val="tx1"/>
-                </a:solidFill>
-              </a:defRPr>
-            </a:lvl1pPr>
-            <a:lvl2pPr marL="457200" indent="0">
-              <a:buNone/>
-              <a:defRPr sz="2000" b="1"/>
-            </a:lvl2pPr>
-            <a:lvl3pPr marL="914400" indent="0">
-              <a:buNone/>
-              <a:defRPr sz="1800" b="1"/>
-            </a:lvl3pPr>
-            <a:lvl4pPr marL="1371600" indent="0">
-              <a:buNone/>
-              <a:defRPr sz="1600" b="1"/>
-            </a:lvl4pPr>
-            <a:lvl5pPr marL="1828800" indent="0">
-              <a:buNone/>
-              <a:defRPr sz="1600" b="1"/>
-            </a:lvl5pPr>
-            <a:lvl6pPr marL="2286000" indent="0">
-              <a:buNone/>
-              <a:defRPr sz="1600" b="1"/>
-            </a:lvl6pPr>
-            <a:lvl7pPr marL="2743200" indent="0">
-              <a:buNone/>
-              <a:defRPr sz="1600" b="1"/>
-            </a:lvl7pPr>
-            <a:lvl8pPr marL="3200400" indent="0">
-              <a:buNone/>
-              <a:defRPr sz="1600" b="1"/>
-            </a:lvl8pPr>
-            <a:lvl9pPr marL="3657600" indent="0">
-              <a:buNone/>
-              <a:defRPr sz="1600" b="1"/>
-            </a:lvl9pPr>
-          </a:lstStyle>
-          <a:p>
-            <a:pPr lvl="0"/>
-            <a:r>
-              <a:rPr lang="zh-CN" altLang="en-US"/>
-              <a:t>单击此处编辑母版文本样式</a:t>
-            </a:r>
-          </a:p>
-        </p:txBody>
-      </p:sp>
-      <p:sp>
-        <p:nvSpPr>
-          <p:cNvPr id="23" name="Picture Placeholder 2"/>
-          <p:cNvSpPr>
-            <a:spLocks noGrp="1" noChangeAspect="1"/>
-          </p:cNvSpPr>
-          <p:nvPr>
-            <p:ph type="pic" idx="21"/>
-          </p:nvPr>
-        </p:nvSpPr>
-        <p:spPr>
-          <a:xfrm>
-            <a:off x="4441348" y="2367093"/>
-            <a:ext cx="3303352" cy="1524000"/>
-          </a:xfrm>
-          <a:prstGeom prst="roundRect">
-            <a:avLst>
-              <a:gd name="adj" fmla="val 8841"/>
-            </a:avLst>
-          </a:prstGeom>
-          <a:noFill/>
-          <a:ln w="82550" cap="sq">
-            <a:solidFill>
-              <a:srgbClr val="EAEAEA"/>
-            </a:solidFill>
-            <a:miter lim="800000"/>
-          </a:ln>
-          <a:effectLst/>
-          <a:scene3d>
-            <a:camera prst="orthographicFront"/>
-            <a:lightRig rig="threePt" dir="t">
-              <a:rot lat="0" lon="0" rev="2700000"/>
-            </a:lightRig>
-          </a:scene3d>
-          <a:sp3d contourW="6350">
-            <a:bevelT h="38100"/>
-            <a:contourClr>
-              <a:srgbClr val="C0C0C0"/>
-            </a:contourClr>
-          </a:sp3d>
-        </p:spPr>
-        <p:txBody>
-          <a:bodyPr anchor="t">
-            <a:normAutofit/>
-          </a:bodyPr>
-          <a:lstStyle>
-            <a:lvl1pPr marL="0" indent="0" algn="ctr">
-              <a:buNone/>
-              <a:defRPr sz="1600"/>
-            </a:lvl1pPr>
-            <a:lvl2pPr marL="457200" indent="0">
-              <a:buNone/>
-              <a:defRPr sz="1600"/>
-            </a:lvl2pPr>
-            <a:lvl3pPr marL="914400" indent="0">
-              <a:buNone/>
-              <a:defRPr sz="1600"/>
-            </a:lvl3pPr>
-            <a:lvl4pPr marL="1371600" indent="0">
-              <a:buNone/>
-              <a:defRPr sz="1600"/>
-            </a:lvl4pPr>
-            <a:lvl5pPr marL="1828800" indent="0">
-              <a:buNone/>
-              <a:defRPr sz="1600"/>
-            </a:lvl5pPr>
-            <a:lvl6pPr marL="2286000" indent="0">
-              <a:buNone/>
-              <a:defRPr sz="1600"/>
-            </a:lvl6pPr>
-            <a:lvl7pPr marL="2743200" indent="0">
-              <a:buNone/>
-              <a:defRPr sz="1600"/>
-            </a:lvl7pPr>
-            <a:lvl8pPr marL="3200400" indent="0">
-              <a:buNone/>
-              <a:defRPr sz="1600"/>
-            </a:lvl8pPr>
-            <a:lvl9pPr marL="3657600" indent="0">
-              <a:buNone/>
-              <a:defRPr sz="1600"/>
-            </a:lvl9pPr>
-          </a:lstStyle>
-          <a:p>
-            <a:r>
-              <a:rPr lang="zh-CN" altLang="en-US"/>
-              <a:t>单击图标添加图片</a:t>
-            </a:r>
-            <a:endParaRPr lang="en-US" dirty="0"/>
-          </a:p>
-        </p:txBody>
-      </p:sp>
-      <p:sp>
-        <p:nvSpPr>
-          <p:cNvPr id="24" name="Text Placeholder 3"/>
-          <p:cNvSpPr>
-            <a:spLocks noGrp="1"/>
-          </p:cNvSpPr>
-          <p:nvPr>
-            <p:ph type="body" sz="half" idx="19"/>
-          </p:nvPr>
-        </p:nvSpPr>
-        <p:spPr>
-          <a:xfrm>
-            <a:off x="4441348" y="4781080"/>
-            <a:ext cx="3303352" cy="1010119"/>
-          </a:xfrm>
-        </p:spPr>
-        <p:txBody>
-          <a:bodyPr anchor="t">
-            <a:normAutofit/>
-          </a:bodyPr>
-          <a:lstStyle>
-            <a:lvl1pPr marL="0" indent="0" algn="ctr">
-              <a:buNone/>
-              <a:defRPr sz="1400"/>
-            </a:lvl1pPr>
-            <a:lvl2pPr marL="457200" indent="0">
-              <a:buNone/>
-              <a:defRPr sz="1200"/>
-            </a:lvl2pPr>
-            <a:lvl3pPr marL="914400" indent="0">
-              <a:buNone/>
-              <a:defRPr sz="1000"/>
-            </a:lvl3pPr>
-            <a:lvl4pPr marL="1371600" indent="0">
-              <a:buNone/>
-              <a:defRPr sz="900"/>
-            </a:lvl4pPr>
-            <a:lvl5pPr marL="1828800" indent="0">
-              <a:buNone/>
-              <a:defRPr sz="900"/>
-            </a:lvl5pPr>
-            <a:lvl6pPr marL="2286000" indent="0">
-              <a:buNone/>
-              <a:defRPr sz="900"/>
-            </a:lvl6pPr>
-            <a:lvl7pPr marL="2743200" indent="0">
-              <a:buNone/>
-              <a:defRPr sz="900"/>
-            </a:lvl7pPr>
-            <a:lvl8pPr marL="3200400" indent="0">
-              <a:buNone/>
-              <a:defRPr sz="900"/>
-            </a:lvl8pPr>
-            <a:lvl9pPr marL="3657600" indent="0">
-              <a:buNone/>
-              <a:defRPr sz="900"/>
-            </a:lvl9pPr>
-          </a:lstStyle>
-          <a:p>
-            <a:pPr lvl="0"/>
-            <a:r>
-              <a:rPr lang="zh-CN" altLang="en-US"/>
-              <a:t>单击此处编辑母版文本样式</a:t>
-            </a:r>
-          </a:p>
-        </p:txBody>
-      </p:sp>
-      <p:sp>
-        <p:nvSpPr>
-          <p:cNvPr id="25" name="Text Placeholder 4"/>
-          <p:cNvSpPr>
-            <a:spLocks noGrp="1"/>
-          </p:cNvSpPr>
-          <p:nvPr>
-            <p:ph type="body" sz="quarter" idx="13"/>
-          </p:nvPr>
-        </p:nvSpPr>
-        <p:spPr>
-          <a:xfrm>
-            <a:off x="7973298" y="4204820"/>
-            <a:ext cx="3300681" cy="576262"/>
-          </a:xfrm>
-        </p:spPr>
-        <p:txBody>
-          <a:bodyPr anchor="b">
-            <a:noAutofit/>
-          </a:bodyPr>
-          <a:lstStyle>
-            <a:lvl1pPr marL="0" indent="0" algn="ctr">
-              <a:lnSpc>
-                <a:spcPct val="85000"/>
-              </a:lnSpc>
-              <a:buNone/>
-              <a:defRPr sz="2200" b="0">
-                <a:solidFill>
-                  <a:schemeClr val="tx1"/>
-                </a:solidFill>
-              </a:defRPr>
-            </a:lvl1pPr>
-            <a:lvl2pPr marL="457200" indent="0">
-              <a:buNone/>
-              <a:defRPr sz="2000" b="1"/>
-            </a:lvl2pPr>
-            <a:lvl3pPr marL="914400" indent="0">
-              <a:buNone/>
-              <a:defRPr sz="1800" b="1"/>
-            </a:lvl3pPr>
-            <a:lvl4pPr marL="1371600" indent="0">
-              <a:buNone/>
-              <a:defRPr sz="1600" b="1"/>
-            </a:lvl4pPr>
-            <a:lvl5pPr marL="1828800" indent="0">
-              <a:buNone/>
-              <a:defRPr sz="1600" b="1"/>
-            </a:lvl5pPr>
-            <a:lvl6pPr marL="2286000" indent="0">
-              <a:buNone/>
-              <a:defRPr sz="1600" b="1"/>
-            </a:lvl6pPr>
-            <a:lvl7pPr marL="2743200" indent="0">
-              <a:buNone/>
-              <a:defRPr sz="1600" b="1"/>
-            </a:lvl7pPr>
-            <a:lvl8pPr marL="3200400" indent="0">
-              <a:buNone/>
-              <a:defRPr sz="1600" b="1"/>
-            </a:lvl8pPr>
-            <a:lvl9pPr marL="3657600" indent="0">
-              <a:buNone/>
-              <a:defRPr sz="1600" b="1"/>
-            </a:lvl9pPr>
-          </a:lstStyle>
-          <a:p>
-            <a:pPr lvl="0"/>
-            <a:r>
-              <a:rPr lang="zh-CN" altLang="en-US"/>
-              <a:t>单击此处编辑母版文本样式</a:t>
-            </a:r>
-          </a:p>
-        </p:txBody>
-      </p:sp>
-      <p:sp>
-        <p:nvSpPr>
-          <p:cNvPr id="26" name="Picture Placeholder 2"/>
-          <p:cNvSpPr>
-            <a:spLocks noGrp="1" noChangeAspect="1"/>
-          </p:cNvSpPr>
-          <p:nvPr>
-            <p:ph type="pic" idx="22"/>
-          </p:nvPr>
-        </p:nvSpPr>
-        <p:spPr>
-          <a:xfrm>
-            <a:off x="7973298" y="2367093"/>
-            <a:ext cx="3304928" cy="1524000"/>
-          </a:xfrm>
-          <a:prstGeom prst="roundRect">
-            <a:avLst>
-              <a:gd name="adj" fmla="val 8841"/>
-            </a:avLst>
-          </a:prstGeom>
-          <a:noFill/>
-          <a:ln w="82550" cap="sq">
-            <a:solidFill>
-              <a:srgbClr val="EAEAEA"/>
-            </a:solidFill>
-            <a:miter lim="800000"/>
-          </a:ln>
-          <a:effectLst/>
-          <a:scene3d>
-            <a:camera prst="orthographicFront"/>
-            <a:lightRig rig="threePt" dir="t">
-              <a:rot lat="0" lon="0" rev="2700000"/>
-            </a:lightRig>
-          </a:scene3d>
-          <a:sp3d contourW="6350">
-            <a:bevelT h="38100"/>
-            <a:contourClr>
-              <a:srgbClr val="C0C0C0"/>
-            </a:contourClr>
-          </a:sp3d>
-        </p:spPr>
-        <p:txBody>
-          <a:bodyPr anchor="t">
-            <a:normAutofit/>
-          </a:bodyPr>
-          <a:lstStyle>
-            <a:lvl1pPr marL="0" indent="0" algn="ctr">
-              <a:buNone/>
-              <a:defRPr sz="1600"/>
-            </a:lvl1pPr>
-            <a:lvl2pPr marL="457200" indent="0">
-              <a:buNone/>
-              <a:defRPr sz="1600"/>
-            </a:lvl2pPr>
-            <a:lvl3pPr marL="914400" indent="0">
-              <a:buNone/>
-              <a:defRPr sz="1600"/>
-            </a:lvl3pPr>
-            <a:lvl4pPr marL="1371600" indent="0">
-              <a:buNone/>
-              <a:defRPr sz="1600"/>
-            </a:lvl4pPr>
-            <a:lvl5pPr marL="1828800" indent="0">
-              <a:buNone/>
-              <a:defRPr sz="1600"/>
-            </a:lvl5pPr>
-            <a:lvl6pPr marL="2286000" indent="0">
-              <a:buNone/>
-              <a:defRPr sz="1600"/>
-            </a:lvl6pPr>
-            <a:lvl7pPr marL="2743200" indent="0">
-              <a:buNone/>
-              <a:defRPr sz="1600"/>
-            </a:lvl7pPr>
-            <a:lvl8pPr marL="3200400" indent="0">
-              <a:buNone/>
-              <a:defRPr sz="1600"/>
-            </a:lvl8pPr>
-            <a:lvl9pPr marL="3657600" indent="0">
-              <a:buNone/>
-              <a:defRPr sz="1600"/>
-            </a:lvl9pPr>
-          </a:lstStyle>
-          <a:p>
-            <a:r>
-              <a:rPr lang="zh-CN" altLang="en-US"/>
-              <a:t>单击图标添加图片</a:t>
-            </a:r>
-            <a:endParaRPr lang="en-US" dirty="0"/>
-          </a:p>
-        </p:txBody>
-      </p:sp>
-      <p:sp>
-        <p:nvSpPr>
-          <p:cNvPr id="27" name="Text Placeholder 3"/>
-          <p:cNvSpPr>
-            <a:spLocks noGrp="1"/>
-          </p:cNvSpPr>
-          <p:nvPr>
-            <p:ph type="body" sz="half" idx="20"/>
-          </p:nvPr>
-        </p:nvSpPr>
-        <p:spPr>
-          <a:xfrm>
-            <a:off x="7973173" y="4781078"/>
-            <a:ext cx="3305053" cy="1010121"/>
-          </a:xfrm>
-        </p:spPr>
-        <p:txBody>
-          <a:bodyPr anchor="t">
-            <a:normAutofit/>
-          </a:bodyPr>
-          <a:lstStyle>
-            <a:lvl1pPr marL="0" indent="0" algn="ctr">
-              <a:buNone/>
-              <a:defRPr sz="1400"/>
-            </a:lvl1pPr>
-            <a:lvl2pPr marL="457200" indent="0">
-              <a:buNone/>
-              <a:defRPr sz="1200"/>
-            </a:lvl2pPr>
-            <a:lvl3pPr marL="914400" indent="0">
-              <a:buNone/>
-              <a:defRPr sz="1000"/>
-            </a:lvl3pPr>
-            <a:lvl4pPr marL="1371600" indent="0">
-              <a:buNone/>
-              <a:defRPr sz="900"/>
-            </a:lvl4pPr>
-            <a:lvl5pPr marL="1828800" indent="0">
-              <a:buNone/>
-              <a:defRPr sz="900"/>
-            </a:lvl5pPr>
-            <a:lvl6pPr marL="2286000" indent="0">
-              <a:buNone/>
-              <a:defRPr sz="900"/>
-            </a:lvl6pPr>
-            <a:lvl7pPr marL="2743200" indent="0">
-              <a:buNone/>
-              <a:defRPr sz="900"/>
-            </a:lvl7pPr>
-            <a:lvl8pPr marL="3200400" indent="0">
-              <a:buNone/>
-              <a:defRPr sz="900"/>
-            </a:lvl8pPr>
-            <a:lvl9pPr marL="3657600" indent="0">
-              <a:buNone/>
-              <a:defRPr sz="900"/>
-            </a:lvl9pPr>
-          </a:lstStyle>
-          <a:p>
-            <a:pPr lvl="0"/>
-            <a:r>
-              <a:rPr lang="zh-CN" altLang="en-US"/>
-              <a:t>单击此处编辑母版文本样式</a:t>
-            </a:r>
-          </a:p>
-        </p:txBody>
-      </p:sp>
-      <p:sp>
-        <p:nvSpPr>
-          <p:cNvPr id="3" name="Date Placeholder 2"/>
-          <p:cNvSpPr>
-            <a:spLocks noGrp="1"/>
-          </p:cNvSpPr>
-          <p:nvPr>
-            <p:ph type="dt" sz="half" idx="10"/>
-          </p:nvPr>
-        </p:nvSpPr>
-        <p:spPr/>
-        <p:txBody>
-          <a:bodyPr/>
-          <a:lstStyle/>
-          <a:p>
-            <a:fld id="{87E83045-5AE1-40A9-B470-DA75385CFD17}" type="datetimeFigureOut">
-              <a:rPr lang="zh-CN" altLang="en-US" smtClean="0"/>
-              <a:t>2020/3/14</a:t>
-            </a:fld>
-            <a:endParaRPr lang="zh-CN" altLang="en-US"/>
-          </a:p>
-        </p:txBody>
-      </p:sp>
-      <p:sp>
-        <p:nvSpPr>
-          <p:cNvPr id="4" name="Footer Placeholder 3"/>
-          <p:cNvSpPr>
-            <a:spLocks noGrp="1"/>
-          </p:cNvSpPr>
-          <p:nvPr>
-            <p:ph type="ftr" sz="quarter" idx="11"/>
-          </p:nvPr>
-        </p:nvSpPr>
-        <p:spPr/>
-        <p:txBody>
-          <a:bodyPr/>
-          <a:lstStyle/>
-          <a:p>
-            <a:endParaRPr lang="zh-CN" altLang="en-US"/>
-          </a:p>
-        </p:txBody>
-      </p:sp>
-      <p:sp>
-        <p:nvSpPr>
-          <p:cNvPr id="5" name="Slide Number Placeholder 4"/>
-          <p:cNvSpPr>
-            <a:spLocks noGrp="1"/>
-          </p:cNvSpPr>
-          <p:nvPr>
-            <p:ph type="sldNum" sz="quarter" idx="12"/>
-          </p:nvPr>
-        </p:nvSpPr>
-        <p:spPr/>
-        <p:txBody>
-          <a:bodyPr/>
-          <a:lstStyle/>
-          <a:p>
-            <a:fld id="{406C5D9F-F78A-4593-846B-AB3E9756E40E}" type="slidenum">
-              <a:rPr lang="zh-CN" altLang="en-US" smtClean="0"/>
-              <a:t>‹#›</a:t>
-            </a:fld>
-            <a:endParaRPr lang="zh-CN" altLang="en-US"/>
-          </a:p>
-        </p:txBody>
-      </p:sp>
-    </p:spTree>
-    <p:extLst>
-      <p:ext uri="{BB962C8B-B14F-4D97-AF65-F5344CB8AC3E}">
-        <p14:creationId xmlns:p14="http://schemas.microsoft.com/office/powerpoint/2010/main" val="1221963183"/>
-      </p:ext>
-    </p:extLst>
-  </p:cSld>
-  <p:clrMapOvr>
-    <a:masterClrMapping/>
-  </p:clrMapOvr>
-</p:sldLayout>
-</file>
-
-<file path=ppt/slideLayouts/slideLayout16.xml><?xml version="1.0" encoding="utf-8"?>
-<p:sldLayout xmlns:a="http://schemas.openxmlformats.org/drawingml/2006/main" xmlns:r="http://schemas.openxmlformats.org/officeDocument/2006/relationships" xmlns:p="http://schemas.openxmlformats.org/presentationml/2006/main" type="vertTx" preserve="1">
-  <p:cSld name="标题和竖排文字">
-    <p:spTree>
-      <p:nvGrpSpPr>
-        <p:cNvPr id="1" name=""/>
-        <p:cNvGrpSpPr/>
-        <p:nvPr/>
-      </p:nvGrpSpPr>
-      <p:grpSpPr>
-        <a:xfrm>
-          <a:off x="0" y="0"/>
-          <a:ext cx="0" cy="0"/>
-          <a:chOff x="0" y="0"/>
-          <a:chExt cx="0" cy="0"/>
-        </a:xfrm>
-      </p:grpSpPr>
-      <p:pic>
-        <p:nvPicPr>
-          <p:cNvPr id="8" name="Picture 7" descr="Droplets-HD-Content-R1d.png"/>
-          <p:cNvPicPr>
-            <a:picLocks noChangeAspect="1"/>
-          </p:cNvPicPr>
-          <p:nvPr/>
-        </p:nvPicPr>
-        <p:blipFill>
-          <a:blip r:embed="rId2">
-            <a:extLst>
-              <a:ext uri="{28A0092B-C50C-407E-A947-70E740481C1C}">
-                <a14:useLocalDpi xmlns:a14="http://schemas.microsoft.com/office/drawing/2010/main" val="0"/>
-              </a:ext>
-            </a:extLst>
-          </a:blip>
-          <a:stretch>
-            <a:fillRect/>
-          </a:stretch>
-        </p:blipFill>
-        <p:spPr>
-          <a:xfrm>
-            <a:off x="0" y="0"/>
-            <a:ext cx="12192000" cy="6858000"/>
-          </a:xfrm>
-          <a:prstGeom prst="rect">
-            <a:avLst/>
-          </a:prstGeom>
-        </p:spPr>
-      </p:pic>
-      <p:sp>
-        <p:nvSpPr>
-          <p:cNvPr id="2" name="Title 1"/>
-          <p:cNvSpPr>
-            <a:spLocks noGrp="1"/>
-          </p:cNvSpPr>
-          <p:nvPr>
-            <p:ph type="title"/>
-          </p:nvPr>
-        </p:nvSpPr>
-        <p:spPr/>
-        <p:txBody>
-          <a:bodyPr/>
-          <a:lstStyle/>
-          <a:p>
-            <a:r>
-              <a:rPr lang="zh-CN" altLang="en-US"/>
-              <a:t>单击此处编辑母版标题样式</a:t>
-            </a:r>
-            <a:endParaRPr lang="en-US" dirty="0"/>
-          </a:p>
-        </p:txBody>
-      </p:sp>
-      <p:sp>
-        <p:nvSpPr>
-          <p:cNvPr id="11" name="Vertical Text Placeholder 2"/>
-          <p:cNvSpPr>
-            <a:spLocks noGrp="1"/>
-          </p:cNvSpPr>
-          <p:nvPr>
-            <p:ph type="body" orient="vert" sz="quarter" idx="13"/>
-          </p:nvPr>
-        </p:nvSpPr>
-        <p:spPr>
-          <a:xfrm>
-            <a:off x="913775" y="2367093"/>
-            <a:ext cx="10364452" cy="3424107"/>
-          </a:xfrm>
-        </p:spPr>
-        <p:txBody>
-          <a:bodyPr vert="eaVert"/>
-          <a:lstStyle/>
-          <a:p>
-            <a:pPr lvl="0"/>
-            <a:r>
-              <a:rPr lang="zh-CN" altLang="en-US"/>
-              <a:t>单击此处编辑母版文本样式</a:t>
-            </a:r>
-          </a:p>
-          <a:p>
-            <a:pPr lvl="1"/>
-            <a:r>
-              <a:rPr lang="zh-CN" altLang="en-US"/>
-              <a:t>二级</a:t>
-            </a:r>
-          </a:p>
-          <a:p>
-            <a:pPr lvl="2"/>
-            <a:r>
-              <a:rPr lang="zh-CN" altLang="en-US"/>
-              <a:t>三级</a:t>
-            </a:r>
-          </a:p>
-          <a:p>
-            <a:pPr lvl="3"/>
-            <a:r>
-              <a:rPr lang="zh-CN" altLang="en-US"/>
-              <a:t>四级</a:t>
-            </a:r>
-          </a:p>
-          <a:p>
-            <a:pPr lvl="4"/>
-            <a:r>
-              <a:rPr lang="zh-CN" altLang="en-US"/>
-              <a:t>五级</a:t>
-            </a:r>
-            <a:endParaRPr lang="en-US" dirty="0"/>
-          </a:p>
-        </p:txBody>
-      </p:sp>
-      <p:sp>
-        <p:nvSpPr>
-          <p:cNvPr id="4" name="Date Placeholder 3"/>
-          <p:cNvSpPr>
-            <a:spLocks noGrp="1"/>
-          </p:cNvSpPr>
-          <p:nvPr>
-            <p:ph type="dt" sz="half" idx="10"/>
-          </p:nvPr>
-        </p:nvSpPr>
-        <p:spPr/>
-        <p:txBody>
-          <a:bodyPr/>
-          <a:lstStyle/>
-          <a:p>
-            <a:fld id="{87E83045-5AE1-40A9-B470-DA75385CFD17}" type="datetimeFigureOut">
-              <a:rPr lang="zh-CN" altLang="en-US" smtClean="0"/>
-              <a:t>2020/3/14</a:t>
-            </a:fld>
-            <a:endParaRPr lang="zh-CN" altLang="en-US"/>
-          </a:p>
-        </p:txBody>
-      </p:sp>
-      <p:sp>
-        <p:nvSpPr>
-          <p:cNvPr id="5" name="Footer Placeholder 4"/>
-          <p:cNvSpPr>
-            <a:spLocks noGrp="1"/>
-          </p:cNvSpPr>
-          <p:nvPr>
-            <p:ph type="ftr" sz="quarter" idx="11"/>
-          </p:nvPr>
-        </p:nvSpPr>
-        <p:spPr/>
-        <p:txBody>
-          <a:bodyPr/>
-          <a:lstStyle/>
-          <a:p>
-            <a:endParaRPr lang="zh-CN" altLang="en-US"/>
-          </a:p>
-        </p:txBody>
-      </p:sp>
-      <p:sp>
-        <p:nvSpPr>
-          <p:cNvPr id="6" name="Slide Number Placeholder 5"/>
-          <p:cNvSpPr>
-            <a:spLocks noGrp="1"/>
-          </p:cNvSpPr>
-          <p:nvPr>
-            <p:ph type="sldNum" sz="quarter" idx="12"/>
-          </p:nvPr>
-        </p:nvSpPr>
-        <p:spPr/>
-        <p:txBody>
-          <a:bodyPr/>
-          <a:lstStyle/>
-          <a:p>
-            <a:fld id="{406C5D9F-F78A-4593-846B-AB3E9756E40E}" type="slidenum">
-              <a:rPr lang="zh-CN" altLang="en-US" smtClean="0"/>
-              <a:t>‹#›</a:t>
-            </a:fld>
-            <a:endParaRPr lang="zh-CN" altLang="en-US"/>
-          </a:p>
-        </p:txBody>
-      </p:sp>
-    </p:spTree>
-    <p:extLst>
-      <p:ext uri="{BB962C8B-B14F-4D97-AF65-F5344CB8AC3E}">
-        <p14:creationId xmlns:p14="http://schemas.microsoft.com/office/powerpoint/2010/main" val="3172677614"/>
-      </p:ext>
-    </p:extLst>
-  </p:cSld>
-  <p:clrMapOvr>
-    <a:masterClrMapping/>
-  </p:clrMapOvr>
-</p:sldLayout>
-</file>
-
-<file path=ppt/slideLayouts/slideLayout17.xml><?xml version="1.0" encoding="utf-8"?>
-<p:sldLayout xmlns:a="http://schemas.openxmlformats.org/drawingml/2006/main" xmlns:r="http://schemas.openxmlformats.org/officeDocument/2006/relationships" xmlns:p="http://schemas.openxmlformats.org/presentationml/2006/main" type="vertTitleAndTx" preserve="1">
-  <p:cSld name="竖排标题与文本">
-    <p:spTree>
-      <p:nvGrpSpPr>
-        <p:cNvPr id="1" name=""/>
-        <p:cNvGrpSpPr/>
-        <p:nvPr/>
-      </p:nvGrpSpPr>
-      <p:grpSpPr>
-        <a:xfrm>
-          <a:off x="0" y="0"/>
-          <a:ext cx="0" cy="0"/>
-          <a:chOff x="0" y="0"/>
-          <a:chExt cx="0" cy="0"/>
-        </a:xfrm>
-      </p:grpSpPr>
-      <p:pic>
-        <p:nvPicPr>
-          <p:cNvPr id="9" name="Picture 8" descr="Droplets-HD-Content-R1d.png"/>
-          <p:cNvPicPr>
-            <a:picLocks noChangeAspect="1"/>
-          </p:cNvPicPr>
-          <p:nvPr/>
-        </p:nvPicPr>
-        <p:blipFill>
-          <a:blip r:embed="rId2">
-            <a:extLst>
-              <a:ext uri="{28A0092B-C50C-407E-A947-70E740481C1C}">
-                <a14:useLocalDpi xmlns:a14="http://schemas.microsoft.com/office/drawing/2010/main" val="0"/>
-              </a:ext>
-            </a:extLst>
-          </a:blip>
-          <a:stretch>
-            <a:fillRect/>
-          </a:stretch>
-        </p:blipFill>
-        <p:spPr>
-          <a:xfrm>
-            <a:off x="0" y="0"/>
-            <a:ext cx="12192000" cy="6858000"/>
-          </a:xfrm>
-          <a:prstGeom prst="rect">
-            <a:avLst/>
-          </a:prstGeom>
-        </p:spPr>
-      </p:pic>
-      <p:sp>
-        <p:nvSpPr>
-          <p:cNvPr id="2" name="Vertical Title 1"/>
-          <p:cNvSpPr>
-            <a:spLocks noGrp="1"/>
-          </p:cNvSpPr>
-          <p:nvPr>
-            <p:ph type="title" orient="vert"/>
-          </p:nvPr>
-        </p:nvSpPr>
-        <p:spPr>
-          <a:xfrm>
-            <a:off x="8724900" y="609601"/>
-            <a:ext cx="2553326" cy="5181599"/>
-          </a:xfrm>
-        </p:spPr>
-        <p:txBody>
-          <a:bodyPr vert="eaVert"/>
-          <a:lstStyle>
-            <a:lvl1pPr algn="l">
-              <a:defRPr/>
-            </a:lvl1pPr>
-          </a:lstStyle>
-          <a:p>
-            <a:r>
-              <a:rPr lang="zh-CN" altLang="en-US"/>
-              <a:t>单击此处编辑母版标题样式</a:t>
-            </a:r>
-            <a:endParaRPr lang="en-US" dirty="0"/>
-          </a:p>
-        </p:txBody>
-      </p:sp>
-      <p:sp>
-        <p:nvSpPr>
-          <p:cNvPr id="8" name="Vertical Text Placeholder 2"/>
-          <p:cNvSpPr>
-            <a:spLocks noGrp="1"/>
-          </p:cNvSpPr>
-          <p:nvPr>
-            <p:ph type="body" orient="vert" sz="quarter" idx="13"/>
-          </p:nvPr>
-        </p:nvSpPr>
-        <p:spPr>
-          <a:xfrm>
-            <a:off x="913775" y="609601"/>
-            <a:ext cx="7658724" cy="5181599"/>
-          </a:xfrm>
-        </p:spPr>
-        <p:txBody>
-          <a:bodyPr vert="eaVert"/>
-          <a:lstStyle/>
-          <a:p>
-            <a:pPr lvl="0"/>
-            <a:r>
-              <a:rPr lang="zh-CN" altLang="en-US"/>
-              <a:t>单击此处编辑母版文本样式</a:t>
-            </a:r>
-          </a:p>
-          <a:p>
-            <a:pPr lvl="1"/>
-            <a:r>
-              <a:rPr lang="zh-CN" altLang="en-US"/>
-              <a:t>二级</a:t>
-            </a:r>
-          </a:p>
-          <a:p>
-            <a:pPr lvl="2"/>
-            <a:r>
-              <a:rPr lang="zh-CN" altLang="en-US"/>
-              <a:t>三级</a:t>
-            </a:r>
-          </a:p>
-          <a:p>
-            <a:pPr lvl="3"/>
-            <a:r>
-              <a:rPr lang="zh-CN" altLang="en-US"/>
-              <a:t>四级</a:t>
-            </a:r>
-          </a:p>
-          <a:p>
-            <a:pPr lvl="4"/>
-            <a:r>
-              <a:rPr lang="zh-CN" altLang="en-US"/>
-              <a:t>五级</a:t>
-            </a:r>
-            <a:endParaRPr lang="en-US" dirty="0"/>
-          </a:p>
-        </p:txBody>
-      </p:sp>
-      <p:sp>
-        <p:nvSpPr>
-          <p:cNvPr id="4" name="Date Placeholder 3"/>
-          <p:cNvSpPr>
-            <a:spLocks noGrp="1"/>
-          </p:cNvSpPr>
-          <p:nvPr>
-            <p:ph type="dt" sz="half" idx="10"/>
-          </p:nvPr>
-        </p:nvSpPr>
-        <p:spPr/>
-        <p:txBody>
-          <a:bodyPr/>
-          <a:lstStyle/>
-          <a:p>
-            <a:fld id="{87E83045-5AE1-40A9-B470-DA75385CFD17}" type="datetimeFigureOut">
-              <a:rPr lang="zh-CN" altLang="en-US" smtClean="0"/>
-              <a:t>2020/3/14</a:t>
-            </a:fld>
-            <a:endParaRPr lang="zh-CN" altLang="en-US"/>
-          </a:p>
-        </p:txBody>
-      </p:sp>
-      <p:sp>
-        <p:nvSpPr>
-          <p:cNvPr id="5" name="Footer Placeholder 4"/>
-          <p:cNvSpPr>
-            <a:spLocks noGrp="1"/>
-          </p:cNvSpPr>
-          <p:nvPr>
-            <p:ph type="ftr" sz="quarter" idx="11"/>
-          </p:nvPr>
-        </p:nvSpPr>
-        <p:spPr/>
-        <p:txBody>
-          <a:bodyPr/>
-          <a:lstStyle/>
-          <a:p>
-            <a:endParaRPr lang="zh-CN" altLang="en-US"/>
-          </a:p>
-        </p:txBody>
-      </p:sp>
-      <p:sp>
-        <p:nvSpPr>
-          <p:cNvPr id="6" name="Slide Number Placeholder 5"/>
-          <p:cNvSpPr>
-            <a:spLocks noGrp="1"/>
-          </p:cNvSpPr>
-          <p:nvPr>
-            <p:ph type="sldNum" sz="quarter" idx="12"/>
-          </p:nvPr>
-        </p:nvSpPr>
-        <p:spPr/>
-        <p:txBody>
-          <a:bodyPr/>
-          <a:lstStyle/>
-          <a:p>
-            <a:fld id="{406C5D9F-F78A-4593-846B-AB3E9756E40E}" type="slidenum">
-              <a:rPr lang="zh-CN" altLang="en-US" smtClean="0"/>
-              <a:t>‹#›</a:t>
-            </a:fld>
-            <a:endParaRPr lang="zh-CN" altLang="en-US"/>
-          </a:p>
-        </p:txBody>
-      </p:sp>
-    </p:spTree>
-    <p:extLst>
-      <p:ext uri="{BB962C8B-B14F-4D97-AF65-F5344CB8AC3E}">
-        <p14:creationId xmlns:p14="http://schemas.microsoft.com/office/powerpoint/2010/main" val="3029392093"/>
-      </p:ext>
-    </p:extLst>
-  </p:cSld>
-  <p:clrMapOvr>
-    <a:masterClrMapping/>
-  </p:clrMapOvr>
-</p:sldLayout>
-</file>
-
-<file path=ppt/slideLayouts/slideLayout18.xml><?xml version="1.0" encoding="utf-8"?>
-<p:sldLayout xmlns:a="http://schemas.openxmlformats.org/drawingml/2006/main" xmlns:r="http://schemas.openxmlformats.org/officeDocument/2006/relationships" xmlns:p="http://schemas.openxmlformats.org/presentationml/2006/main" type="obj">
-  <p:cSld name="1_标题和内容">
-    <p:spTree>
-      <p:nvGrpSpPr>
-        <p:cNvPr id="1" name=""/>
-        <p:cNvGrpSpPr/>
-        <p:nvPr/>
-      </p:nvGrpSpPr>
-      <p:grpSpPr>
-        <a:xfrm>
-          <a:off x="0" y="0"/>
-          <a:ext cx="0" cy="0"/>
-          <a:chOff x="0" y="0"/>
-          <a:chExt cx="0" cy="0"/>
-        </a:xfrm>
-      </p:grpSpPr>
-      <p:sp>
-        <p:nvSpPr>
-          <p:cNvPr id="2" name="Title 1"/>
-          <p:cNvSpPr>
-            <a:spLocks noGrp="1"/>
-          </p:cNvSpPr>
-          <p:nvPr>
-            <p:ph type="title"/>
-          </p:nvPr>
-        </p:nvSpPr>
-        <p:spPr/>
-        <p:txBody>
-          <a:bodyPr/>
-          <a:lstStyle/>
-          <a:p>
-            <a:r>
-              <a:rPr lang="zh-CN" altLang="en-US"/>
-              <a:t>单击此处编辑母版标题样式</a:t>
-            </a:r>
-            <a:endParaRPr lang="en-US" dirty="0"/>
-          </a:p>
-        </p:txBody>
-      </p:sp>
-      <p:sp>
-        <p:nvSpPr>
-          <p:cNvPr id="3" name="Content Placeholder 2"/>
-          <p:cNvSpPr>
-            <a:spLocks noGrp="1"/>
-          </p:cNvSpPr>
-          <p:nvPr>
-            <p:ph idx="1"/>
-          </p:nvPr>
-        </p:nvSpPr>
-        <p:spPr>
-          <a:xfrm>
-            <a:off x="1154954" y="2603500"/>
-            <a:ext cx="8825659" cy="3416300"/>
-          </a:xfrm>
-        </p:spPr>
-        <p:txBody>
-          <a:bodyPr/>
-          <a:lstStyle/>
-          <a:p>
-            <a:pPr lvl="0"/>
-            <a:r>
-              <a:rPr lang="zh-CN" altLang="en-US"/>
-              <a:t>单击此处编辑母版文本样式</a:t>
-            </a:r>
-          </a:p>
-          <a:p>
-            <a:pPr lvl="1"/>
-            <a:r>
-              <a:rPr lang="zh-CN" altLang="en-US"/>
-              <a:t>二级</a:t>
-            </a:r>
-          </a:p>
-          <a:p>
-            <a:pPr lvl="2"/>
-            <a:r>
-              <a:rPr lang="zh-CN" altLang="en-US"/>
-              <a:t>三级</a:t>
-            </a:r>
-          </a:p>
-          <a:p>
-            <a:pPr lvl="3"/>
-            <a:r>
-              <a:rPr lang="zh-CN" altLang="en-US"/>
-              <a:t>四级</a:t>
-            </a:r>
-          </a:p>
-          <a:p>
-            <a:pPr lvl="4"/>
-            <a:r>
-              <a:rPr lang="zh-CN" altLang="en-US"/>
-              <a:t>五级</a:t>
-            </a:r>
-            <a:endParaRPr lang="en-US" dirty="0"/>
-          </a:p>
-        </p:txBody>
-      </p:sp>
-      <p:sp>
-        <p:nvSpPr>
-          <p:cNvPr id="4" name="Date Placeholder 3"/>
-          <p:cNvSpPr>
-            <a:spLocks noGrp="1"/>
-          </p:cNvSpPr>
-          <p:nvPr>
-            <p:ph type="dt" sz="half" idx="10"/>
-          </p:nvPr>
-        </p:nvSpPr>
-        <p:spPr/>
-        <p:txBody>
-          <a:bodyPr/>
-          <a:lstStyle/>
-          <a:p>
-            <a:fld id="{87E83045-5AE1-40A9-B470-DA75385CFD17}" type="datetimeFigureOut">
-              <a:rPr lang="zh-CN" altLang="en-US" smtClean="0"/>
-              <a:t>2020/3/14</a:t>
-            </a:fld>
-            <a:endParaRPr lang="zh-CN" altLang="en-US"/>
-          </a:p>
-        </p:txBody>
-      </p:sp>
-      <p:sp>
-        <p:nvSpPr>
-          <p:cNvPr id="5" name="Footer Placeholder 4"/>
-          <p:cNvSpPr>
-            <a:spLocks noGrp="1"/>
-          </p:cNvSpPr>
-          <p:nvPr>
-            <p:ph type="ftr" sz="quarter" idx="11"/>
-          </p:nvPr>
-        </p:nvSpPr>
-        <p:spPr/>
-        <p:txBody>
-          <a:bodyPr/>
-          <a:lstStyle/>
-          <a:p>
-            <a:endParaRPr lang="zh-CN" altLang="en-US"/>
-          </a:p>
-        </p:txBody>
-      </p:sp>
-      <p:sp>
-        <p:nvSpPr>
-          <p:cNvPr id="6" name="Slide Number Placeholder 5"/>
-          <p:cNvSpPr>
-            <a:spLocks noGrp="1"/>
-          </p:cNvSpPr>
-          <p:nvPr>
-            <p:ph type="sldNum" sz="quarter" idx="12"/>
-          </p:nvPr>
-        </p:nvSpPr>
-        <p:spPr/>
-        <p:txBody>
-          <a:bodyPr/>
-          <a:lstStyle/>
-          <a:p>
-            <a:fld id="{406C5D9F-F78A-4593-846B-AB3E9756E40E}" type="slidenum">
-              <a:rPr lang="zh-CN" altLang="en-US" smtClean="0"/>
-              <a:t>‹#›</a:t>
-            </a:fld>
-            <a:endParaRPr lang="zh-CN" altLang="en-US"/>
-          </a:p>
-        </p:txBody>
-      </p:sp>
-    </p:spTree>
-    <p:extLst>
-      <p:ext uri="{BB962C8B-B14F-4D97-AF65-F5344CB8AC3E}">
-        <p14:creationId xmlns:p14="http://schemas.microsoft.com/office/powerpoint/2010/main" val="3961011891"/>
-      </p:ext>
-    </p:extLst>
-  </p:cSld>
-  <p:clrMapOvr>
-    <a:masterClrMapping/>
-  </p:clrMapOvr>
-</p:sldLayout>
-</file>
-
-<file path=ppt/slideLayouts/slideLayout2.xml><?xml version="1.0" encoding="utf-8"?>
-<p:sldLayout xmlns:a="http://schemas.openxmlformats.org/drawingml/2006/main" xmlns:r="http://schemas.openxmlformats.org/officeDocument/2006/relationships" xmlns:p="http://schemas.openxmlformats.org/presentationml/2006/main" type="obj" preserve="1">
-  <p:cSld name="标题和内容">
-    <p:spTree>
-      <p:nvGrpSpPr>
-        <p:cNvPr id="1" name=""/>
-        <p:cNvGrpSpPr/>
-        <p:nvPr/>
-      </p:nvGrpSpPr>
-      <p:grpSpPr>
-        <a:xfrm>
-          <a:off x="0" y="0"/>
-          <a:ext cx="0" cy="0"/>
-          <a:chOff x="0" y="0"/>
-          <a:chExt cx="0" cy="0"/>
-        </a:xfrm>
-      </p:grpSpPr>
-      <p:pic>
-        <p:nvPicPr>
-          <p:cNvPr id="3" name="Picture 2" descr="Droplets-HD-Content-R1d.png"/>
-          <p:cNvPicPr>
-            <a:picLocks noChangeAspect="1"/>
-          </p:cNvPicPr>
-          <p:nvPr/>
-        </p:nvPicPr>
-        <p:blipFill>
-          <a:blip r:embed="rId2">
-            <a:extLst>
-              <a:ext uri="{28A0092B-C50C-407E-A947-70E740481C1C}">
-                <a14:useLocalDpi xmlns:a14="http://schemas.microsoft.com/office/drawing/2010/main" val="0"/>
-              </a:ext>
-            </a:extLst>
-          </a:blip>
-          <a:stretch>
-            <a:fillRect/>
-          </a:stretch>
-        </p:blipFill>
-        <p:spPr>
-          <a:xfrm>
-            <a:off x="0" y="0"/>
-            <a:ext cx="12192000" cy="6858000"/>
-          </a:xfrm>
-          <a:prstGeom prst="rect">
-            <a:avLst/>
-          </a:prstGeom>
-        </p:spPr>
-      </p:pic>
-      <p:sp>
-        <p:nvSpPr>
-          <p:cNvPr id="2" name="Title 1"/>
-          <p:cNvSpPr>
-            <a:spLocks noGrp="1"/>
-          </p:cNvSpPr>
-          <p:nvPr>
-            <p:ph type="title"/>
-          </p:nvPr>
-        </p:nvSpPr>
-        <p:spPr/>
-        <p:txBody>
-          <a:bodyPr/>
-          <a:lstStyle/>
-          <a:p>
-            <a:r>
-              <a:rPr lang="zh-CN" altLang="en-US"/>
-              <a:t>单击此处编辑母版标题样式</a:t>
-            </a:r>
-            <a:endParaRPr lang="en-US" dirty="0"/>
-          </a:p>
-        </p:txBody>
-      </p:sp>
-      <p:sp>
-        <p:nvSpPr>
-          <p:cNvPr id="12" name="Content Placeholder 2"/>
-          <p:cNvSpPr>
-            <a:spLocks noGrp="1"/>
-          </p:cNvSpPr>
-          <p:nvPr>
-            <p:ph sz="quarter" idx="13"/>
-          </p:nvPr>
-        </p:nvSpPr>
-        <p:spPr>
-          <a:xfrm>
-            <a:off x="913774" y="2367092"/>
-            <a:ext cx="10363826" cy="3424107"/>
-          </a:xfrm>
-        </p:spPr>
-        <p:txBody>
-          <a:bodyPr/>
-          <a:lstStyle/>
-          <a:p>
-            <a:pPr lvl="0"/>
-            <a:r>
-              <a:rPr lang="zh-CN" altLang="en-US"/>
-              <a:t>单击此处编辑母版文本样式</a:t>
-            </a:r>
-          </a:p>
-          <a:p>
-            <a:pPr lvl="1"/>
-            <a:r>
-              <a:rPr lang="zh-CN" altLang="en-US"/>
-              <a:t>二级</a:t>
-            </a:r>
-          </a:p>
-          <a:p>
-            <a:pPr lvl="2"/>
-            <a:r>
-              <a:rPr lang="zh-CN" altLang="en-US"/>
-              <a:t>三级</a:t>
-            </a:r>
-          </a:p>
-          <a:p>
-            <a:pPr lvl="3"/>
-            <a:r>
-              <a:rPr lang="zh-CN" altLang="en-US"/>
-              <a:t>四级</a:t>
-            </a:r>
-          </a:p>
-          <a:p>
-            <a:pPr lvl="4"/>
-            <a:r>
-              <a:rPr lang="zh-CN" altLang="en-US"/>
-              <a:t>五级</a:t>
-            </a:r>
-            <a:endParaRPr lang="en-US" dirty="0"/>
-          </a:p>
-        </p:txBody>
-      </p:sp>
-      <p:sp>
-        <p:nvSpPr>
-          <p:cNvPr id="4" name="Date Placeholder 3"/>
-          <p:cNvSpPr>
-            <a:spLocks noGrp="1"/>
-          </p:cNvSpPr>
-          <p:nvPr>
-            <p:ph type="dt" sz="half" idx="10"/>
-          </p:nvPr>
-        </p:nvSpPr>
-        <p:spPr/>
-        <p:txBody>
-          <a:bodyPr/>
-          <a:lstStyle/>
-          <a:p>
-            <a:fld id="{87E83045-5AE1-40A9-B470-DA75385CFD17}" type="datetimeFigureOut">
-              <a:rPr lang="zh-CN" altLang="en-US" smtClean="0"/>
-              <a:t>2020/3/14</a:t>
-            </a:fld>
-            <a:endParaRPr lang="zh-CN" altLang="en-US"/>
-          </a:p>
-        </p:txBody>
-      </p:sp>
-      <p:sp>
-        <p:nvSpPr>
-          <p:cNvPr id="5" name="Footer Placeholder 4"/>
-          <p:cNvSpPr>
-            <a:spLocks noGrp="1"/>
-          </p:cNvSpPr>
-          <p:nvPr>
-            <p:ph type="ftr" sz="quarter" idx="11"/>
-          </p:nvPr>
-        </p:nvSpPr>
-        <p:spPr/>
-        <p:txBody>
-          <a:bodyPr/>
-          <a:lstStyle/>
-          <a:p>
-            <a:endParaRPr lang="zh-CN" altLang="en-US"/>
-          </a:p>
-        </p:txBody>
-      </p:sp>
-      <p:sp>
-        <p:nvSpPr>
-          <p:cNvPr id="6" name="Slide Number Placeholder 5"/>
-          <p:cNvSpPr>
-            <a:spLocks noGrp="1"/>
-          </p:cNvSpPr>
-          <p:nvPr>
-            <p:ph type="sldNum" sz="quarter" idx="12"/>
-          </p:nvPr>
-        </p:nvSpPr>
-        <p:spPr/>
-        <p:txBody>
-          <a:bodyPr/>
-          <a:lstStyle/>
-          <a:p>
-            <a:fld id="{406C5D9F-F78A-4593-846B-AB3E9756E40E}" type="slidenum">
-              <a:rPr lang="zh-CN" altLang="en-US" smtClean="0"/>
-              <a:t>‹#›</a:t>
-            </a:fld>
-            <a:endParaRPr lang="zh-CN" altLang="en-US"/>
-          </a:p>
-        </p:txBody>
-      </p:sp>
-    </p:spTree>
-    <p:extLst>
-      <p:ext uri="{BB962C8B-B14F-4D97-AF65-F5344CB8AC3E}">
-        <p14:creationId xmlns:p14="http://schemas.microsoft.com/office/powerpoint/2010/main" val="1369856924"/>
-      </p:ext>
-    </p:extLst>
-  </p:cSld>
-  <p:clrMapOvr>
-    <a:masterClrMapping/>
-  </p:clrMapOvr>
-</p:sldLayout>
-</file>
-
-<file path=ppt/slideLayouts/slideLayout3.xml><?xml version="1.0" encoding="utf-8"?>
-<p:sldLayout xmlns:a="http://schemas.openxmlformats.org/drawingml/2006/main" xmlns:r="http://schemas.openxmlformats.org/officeDocument/2006/relationships" xmlns:p="http://schemas.openxmlformats.org/presentationml/2006/main" type="secHead" preserve="1">
-  <p:cSld name="节标题">
-    <p:spTree>
-      <p:nvGrpSpPr>
-        <p:cNvPr id="1" name=""/>
-        <p:cNvGrpSpPr/>
-        <p:nvPr/>
-      </p:nvGrpSpPr>
-      <p:grpSpPr>
-        <a:xfrm>
-          <a:off x="0" y="0"/>
-          <a:ext cx="0" cy="0"/>
-          <a:chOff x="0" y="0"/>
-          <a:chExt cx="0" cy="0"/>
-        </a:xfrm>
-      </p:grpSpPr>
-      <p:pic>
-        <p:nvPicPr>
-          <p:cNvPr id="9" name="Picture 8" descr="Droplets-HD-Content-R1d.png"/>
-          <p:cNvPicPr>
-            <a:picLocks noChangeAspect="1"/>
-          </p:cNvPicPr>
-          <p:nvPr/>
-        </p:nvPicPr>
-        <p:blipFill>
-          <a:blip r:embed="rId2">
-            <a:extLst>
-              <a:ext uri="{28A0092B-C50C-407E-A947-70E740481C1C}">
-                <a14:useLocalDpi xmlns:a14="http://schemas.microsoft.com/office/drawing/2010/main" val="0"/>
-              </a:ext>
-            </a:extLst>
-          </a:blip>
-          <a:stretch>
-            <a:fillRect/>
-          </a:stretch>
-        </p:blipFill>
-        <p:spPr>
-          <a:xfrm>
-            <a:off x="0" y="0"/>
-            <a:ext cx="12192000" cy="6858000"/>
-          </a:xfrm>
-          <a:prstGeom prst="rect">
-            <a:avLst/>
-          </a:prstGeom>
-        </p:spPr>
-      </p:pic>
-      <p:sp>
-        <p:nvSpPr>
-          <p:cNvPr id="2" name="Title 1"/>
-          <p:cNvSpPr>
-            <a:spLocks noGrp="1"/>
-          </p:cNvSpPr>
-          <p:nvPr>
-            <p:ph type="title"/>
-          </p:nvPr>
-        </p:nvSpPr>
-        <p:spPr>
-          <a:xfrm>
-            <a:off x="913774" y="828563"/>
-            <a:ext cx="10351752" cy="2736819"/>
-          </a:xfrm>
-        </p:spPr>
-        <p:txBody>
-          <a:bodyPr anchor="b">
-            <a:normAutofit/>
-          </a:bodyPr>
-          <a:lstStyle>
-            <a:lvl1pPr>
-              <a:defRPr sz="4000"/>
-            </a:lvl1pPr>
-          </a:lstStyle>
-          <a:p>
-            <a:r>
-              <a:rPr lang="zh-CN" altLang="en-US"/>
-              <a:t>单击此处编辑母版标题样式</a:t>
-            </a:r>
-            <a:endParaRPr lang="en-US" dirty="0"/>
-          </a:p>
-        </p:txBody>
-      </p:sp>
-      <p:sp>
-        <p:nvSpPr>
-          <p:cNvPr id="3" name="Text Placeholder 2"/>
-          <p:cNvSpPr>
-            <a:spLocks noGrp="1"/>
-          </p:cNvSpPr>
-          <p:nvPr>
-            <p:ph type="body" idx="1"/>
-          </p:nvPr>
-        </p:nvSpPr>
-        <p:spPr>
-          <a:xfrm>
-            <a:off x="913774" y="3657457"/>
-            <a:ext cx="10351752" cy="1368183"/>
-          </a:xfrm>
-        </p:spPr>
-        <p:txBody>
-          <a:bodyPr>
-            <a:normAutofit/>
-          </a:bodyPr>
-          <a:lstStyle>
-            <a:lvl1pPr marL="0" indent="0" algn="ctr">
-              <a:buNone/>
-              <a:defRPr sz="2000">
-                <a:solidFill>
-                  <a:schemeClr val="bg1">
-                    <a:lumMod val="50000"/>
-                  </a:schemeClr>
-                </a:solidFill>
-              </a:defRPr>
-            </a:lvl1pPr>
-            <a:lvl2pPr marL="457200" indent="0">
-              <a:buNone/>
-              <a:defRPr sz="2000">
-                <a:solidFill>
-                  <a:schemeClr val="tx1">
-                    <a:tint val="75000"/>
-                  </a:schemeClr>
-                </a:solidFill>
-              </a:defRPr>
-            </a:lvl2pPr>
-            <a:lvl3pPr marL="914400" indent="0">
-              <a:buNone/>
-              <a:defRPr sz="1800">
-                <a:solidFill>
-                  <a:schemeClr val="tx1">
-                    <a:tint val="75000"/>
-                  </a:schemeClr>
-                </a:solidFill>
-              </a:defRPr>
-            </a:lvl3pPr>
-            <a:lvl4pPr marL="1371600" indent="0">
-              <a:buNone/>
-              <a:defRPr sz="1600">
-                <a:solidFill>
-                  <a:schemeClr val="tx1">
-                    <a:tint val="75000"/>
-                  </a:schemeClr>
-                </a:solidFill>
-              </a:defRPr>
-            </a:lvl4pPr>
-            <a:lvl5pPr marL="1828800" indent="0">
-              <a:buNone/>
-              <a:defRPr sz="1600">
-                <a:solidFill>
-                  <a:schemeClr val="tx1">
-                    <a:tint val="75000"/>
-                  </a:schemeClr>
-                </a:solidFill>
-              </a:defRPr>
-            </a:lvl5pPr>
-            <a:lvl6pPr marL="2286000" indent="0">
-              <a:buNone/>
-              <a:defRPr sz="1600">
-                <a:solidFill>
-                  <a:schemeClr val="tx1">
-                    <a:tint val="75000"/>
-                  </a:schemeClr>
-                </a:solidFill>
-              </a:defRPr>
-            </a:lvl6pPr>
-            <a:lvl7pPr marL="2743200" indent="0">
-              <a:buNone/>
-              <a:defRPr sz="1600">
-                <a:solidFill>
-                  <a:schemeClr val="tx1">
-                    <a:tint val="75000"/>
-                  </a:schemeClr>
-                </a:solidFill>
-              </a:defRPr>
-            </a:lvl7pPr>
-            <a:lvl8pPr marL="3200400" indent="0">
-              <a:buNone/>
-              <a:defRPr sz="1600">
-                <a:solidFill>
-                  <a:schemeClr val="tx1">
-                    <a:tint val="75000"/>
-                  </a:schemeClr>
-                </a:solidFill>
-              </a:defRPr>
-            </a:lvl8pPr>
-            <a:lvl9pPr marL="3657600" indent="0">
-              <a:buNone/>
-              <a:defRPr sz="1600">
-                <a:solidFill>
-                  <a:schemeClr val="tx1">
-                    <a:tint val="75000"/>
-                  </a:schemeClr>
-                </a:solidFill>
-              </a:defRPr>
-            </a:lvl9pPr>
-          </a:lstStyle>
-          <a:p>
-            <a:pPr lvl="0"/>
-            <a:r>
-              <a:rPr lang="zh-CN" altLang="en-US"/>
-              <a:t>单击此处编辑母版文本样式</a:t>
-            </a:r>
-          </a:p>
-        </p:txBody>
-      </p:sp>
-      <p:sp>
-        <p:nvSpPr>
-          <p:cNvPr id="4" name="Date Placeholder 3"/>
-          <p:cNvSpPr>
-            <a:spLocks noGrp="1"/>
-          </p:cNvSpPr>
-          <p:nvPr>
-            <p:ph type="dt" sz="half" idx="10"/>
-          </p:nvPr>
-        </p:nvSpPr>
-        <p:spPr/>
-        <p:txBody>
-          <a:bodyPr/>
-          <a:lstStyle/>
-          <a:p>
-            <a:fld id="{87E83045-5AE1-40A9-B470-DA75385CFD17}" type="datetimeFigureOut">
-              <a:rPr lang="zh-CN" altLang="en-US" smtClean="0"/>
-              <a:t>2020/3/14</a:t>
-            </a:fld>
-            <a:endParaRPr lang="zh-CN" altLang="en-US"/>
-          </a:p>
-        </p:txBody>
-      </p:sp>
-      <p:sp>
-        <p:nvSpPr>
-          <p:cNvPr id="5" name="Footer Placeholder 4"/>
-          <p:cNvSpPr>
-            <a:spLocks noGrp="1"/>
-          </p:cNvSpPr>
-          <p:nvPr>
-            <p:ph type="ftr" sz="quarter" idx="11"/>
-          </p:nvPr>
-        </p:nvSpPr>
-        <p:spPr/>
-        <p:txBody>
-          <a:bodyPr/>
-          <a:lstStyle/>
-          <a:p>
-            <a:endParaRPr lang="zh-CN" altLang="en-US"/>
-          </a:p>
-        </p:txBody>
-      </p:sp>
-      <p:sp>
-        <p:nvSpPr>
-          <p:cNvPr id="6" name="Slide Number Placeholder 5"/>
-          <p:cNvSpPr>
-            <a:spLocks noGrp="1"/>
-          </p:cNvSpPr>
-          <p:nvPr>
-            <p:ph type="sldNum" sz="quarter" idx="12"/>
-          </p:nvPr>
-        </p:nvSpPr>
-        <p:spPr/>
-        <p:txBody>
-          <a:bodyPr/>
-          <a:lstStyle/>
-          <a:p>
-            <a:fld id="{406C5D9F-F78A-4593-846B-AB3E9756E40E}" type="slidenum">
-              <a:rPr lang="zh-CN" altLang="en-US" smtClean="0"/>
-              <a:t>‹#›</a:t>
-            </a:fld>
-            <a:endParaRPr lang="zh-CN" altLang="en-US"/>
-          </a:p>
-        </p:txBody>
-      </p:sp>
-    </p:spTree>
-    <p:extLst>
-      <p:ext uri="{BB962C8B-B14F-4D97-AF65-F5344CB8AC3E}">
-        <p14:creationId xmlns:p14="http://schemas.microsoft.com/office/powerpoint/2010/main" val="457274869"/>
-      </p:ext>
-    </p:extLst>
-  </p:cSld>
-  <p:clrMapOvr>
-    <a:masterClrMapping/>
-  </p:clrMapOvr>
-</p:sldLayout>
-</file>
-
-<file path=ppt/slideLayouts/slideLayout4.xml><?xml version="1.0" encoding="utf-8"?>
-<p:sldLayout xmlns:a="http://schemas.openxmlformats.org/drawingml/2006/main" xmlns:r="http://schemas.openxmlformats.org/officeDocument/2006/relationships" xmlns:p="http://schemas.openxmlformats.org/presentationml/2006/main" type="twoObj" preserve="1">
-  <p:cSld name="两栏内容">
-    <p:spTree>
-      <p:nvGrpSpPr>
-        <p:cNvPr id="1" name=""/>
-        <p:cNvGrpSpPr/>
-        <p:nvPr/>
-      </p:nvGrpSpPr>
-      <p:grpSpPr>
-        <a:xfrm>
-          <a:off x="0" y="0"/>
-          <a:ext cx="0" cy="0"/>
-          <a:chOff x="0" y="0"/>
-          <a:chExt cx="0" cy="0"/>
-        </a:xfrm>
-      </p:grpSpPr>
-      <p:pic>
-        <p:nvPicPr>
-          <p:cNvPr id="10" name="Picture 9" descr="Droplets-HD-Content-R1d.png"/>
-          <p:cNvPicPr>
-            <a:picLocks noChangeAspect="1"/>
-          </p:cNvPicPr>
-          <p:nvPr/>
-        </p:nvPicPr>
-        <p:blipFill>
-          <a:blip r:embed="rId2">
-            <a:extLst>
-              <a:ext uri="{28A0092B-C50C-407E-A947-70E740481C1C}">
-                <a14:useLocalDpi xmlns:a14="http://schemas.microsoft.com/office/drawing/2010/main" val="0"/>
-              </a:ext>
-            </a:extLst>
-          </a:blip>
-          <a:stretch>
-            <a:fillRect/>
-          </a:stretch>
-        </p:blipFill>
-        <p:spPr>
-          <a:xfrm>
-            <a:off x="0" y="0"/>
-            <a:ext cx="12192000" cy="6858000"/>
-          </a:xfrm>
-          <a:prstGeom prst="rect">
-            <a:avLst/>
-          </a:prstGeom>
-        </p:spPr>
-      </p:pic>
-      <p:sp>
-        <p:nvSpPr>
-          <p:cNvPr id="14" name="Title 1"/>
-          <p:cNvSpPr>
-            <a:spLocks noGrp="1"/>
-          </p:cNvSpPr>
-          <p:nvPr>
-            <p:ph type="title"/>
-          </p:nvPr>
-        </p:nvSpPr>
-        <p:spPr>
-          <a:xfrm>
-            <a:off x="913775" y="618517"/>
-            <a:ext cx="10364451" cy="1596177"/>
-          </a:xfrm>
-        </p:spPr>
-        <p:txBody>
-          <a:bodyPr/>
-          <a:lstStyle/>
-          <a:p>
-            <a:r>
-              <a:rPr lang="zh-CN" altLang="en-US"/>
-              <a:t>单击此处编辑母版标题样式</a:t>
-            </a:r>
-            <a:endParaRPr lang="en-US" dirty="0"/>
-          </a:p>
-        </p:txBody>
-      </p:sp>
-      <p:sp>
-        <p:nvSpPr>
-          <p:cNvPr id="12" name="Content Placeholder 2"/>
-          <p:cNvSpPr>
-            <a:spLocks noGrp="1"/>
-          </p:cNvSpPr>
-          <p:nvPr>
-            <p:ph sz="quarter" idx="13"/>
-          </p:nvPr>
-        </p:nvSpPr>
-        <p:spPr>
-          <a:xfrm>
-            <a:off x="913774" y="2367092"/>
-            <a:ext cx="5106026" cy="3424107"/>
-          </a:xfrm>
-        </p:spPr>
-        <p:txBody>
-          <a:bodyPr/>
-          <a:lstStyle/>
-          <a:p>
-            <a:pPr lvl="0"/>
-            <a:r>
-              <a:rPr lang="zh-CN" altLang="en-US"/>
-              <a:t>单击此处编辑母版文本样式</a:t>
-            </a:r>
-          </a:p>
-          <a:p>
-            <a:pPr lvl="1"/>
-            <a:r>
-              <a:rPr lang="zh-CN" altLang="en-US"/>
-              <a:t>二级</a:t>
-            </a:r>
-          </a:p>
-          <a:p>
-            <a:pPr lvl="2"/>
-            <a:r>
-              <a:rPr lang="zh-CN" altLang="en-US"/>
-              <a:t>三级</a:t>
-            </a:r>
-          </a:p>
-          <a:p>
-            <a:pPr lvl="3"/>
-            <a:r>
-              <a:rPr lang="zh-CN" altLang="en-US"/>
-              <a:t>四级</a:t>
-            </a:r>
-          </a:p>
-          <a:p>
-            <a:pPr lvl="4"/>
-            <a:r>
-              <a:rPr lang="zh-CN" altLang="en-US"/>
-              <a:t>五级</a:t>
-            </a:r>
-            <a:endParaRPr lang="en-US" dirty="0"/>
-          </a:p>
-        </p:txBody>
-      </p:sp>
-      <p:sp>
-        <p:nvSpPr>
-          <p:cNvPr id="13" name="Content Placeholder 3"/>
-          <p:cNvSpPr>
-            <a:spLocks noGrp="1"/>
-          </p:cNvSpPr>
-          <p:nvPr>
-            <p:ph sz="quarter" idx="14"/>
-          </p:nvPr>
-        </p:nvSpPr>
-        <p:spPr>
-          <a:xfrm>
-            <a:off x="6172200" y="2367092"/>
-            <a:ext cx="5105400" cy="3424107"/>
-          </a:xfrm>
-        </p:spPr>
-        <p:txBody>
-          <a:bodyPr/>
-          <a:lstStyle/>
-          <a:p>
-            <a:pPr lvl="0"/>
-            <a:r>
-              <a:rPr lang="zh-CN" altLang="en-US"/>
-              <a:t>单击此处编辑母版文本样式</a:t>
-            </a:r>
-          </a:p>
-          <a:p>
-            <a:pPr lvl="1"/>
-            <a:r>
-              <a:rPr lang="zh-CN" altLang="en-US"/>
-              <a:t>二级</a:t>
-            </a:r>
-          </a:p>
-          <a:p>
-            <a:pPr lvl="2"/>
-            <a:r>
-              <a:rPr lang="zh-CN" altLang="en-US"/>
-              <a:t>三级</a:t>
-            </a:r>
-          </a:p>
-          <a:p>
-            <a:pPr lvl="3"/>
-            <a:r>
-              <a:rPr lang="zh-CN" altLang="en-US"/>
-              <a:t>四级</a:t>
-            </a:r>
-          </a:p>
-          <a:p>
-            <a:pPr lvl="4"/>
-            <a:r>
-              <a:rPr lang="zh-CN" altLang="en-US"/>
-              <a:t>五级</a:t>
-            </a:r>
-            <a:endParaRPr lang="en-US" dirty="0"/>
-          </a:p>
-        </p:txBody>
-      </p:sp>
-      <p:sp>
-        <p:nvSpPr>
           <p:cNvPr id="5" name="Date Placeholder 4"/>
           <p:cNvSpPr>
             <a:spLocks noGrp="1"/>
@@ -4376,7 +3038,7 @@
           <a:p>
             <a:fld id="{87E83045-5AE1-40A9-B470-DA75385CFD17}" type="datetimeFigureOut">
               <a:rPr lang="zh-CN" altLang="en-US" smtClean="0"/>
-              <a:t>2020/3/14</a:t>
+              <a:t>2020/3/25</a:t>
             </a:fld>
             <a:endParaRPr lang="zh-CN" altLang="en-US"/>
           </a:p>
@@ -4427,1286 +3089,7 @@
     </p:spTree>
     <p:extLst>
       <p:ext uri="{BB962C8B-B14F-4D97-AF65-F5344CB8AC3E}">
-        <p14:creationId xmlns:p14="http://schemas.microsoft.com/office/powerpoint/2010/main" val="3980900086"/>
-      </p:ext>
-    </p:extLst>
-  </p:cSld>
-  <p:clrMapOvr>
-    <a:masterClrMapping/>
-  </p:clrMapOvr>
-</p:sldLayout>
-</file>
-
-<file path=ppt/slideLayouts/slideLayout5.xml><?xml version="1.0" encoding="utf-8"?>
-<p:sldLayout xmlns:a="http://schemas.openxmlformats.org/drawingml/2006/main" xmlns:r="http://schemas.openxmlformats.org/officeDocument/2006/relationships" xmlns:p="http://schemas.openxmlformats.org/presentationml/2006/main" type="twoTxTwoObj" preserve="1">
-  <p:cSld name="比较">
-    <p:spTree>
-      <p:nvGrpSpPr>
-        <p:cNvPr id="1" name=""/>
-        <p:cNvGrpSpPr/>
-        <p:nvPr/>
-      </p:nvGrpSpPr>
-      <p:grpSpPr>
-        <a:xfrm>
-          <a:off x="0" y="0"/>
-          <a:ext cx="0" cy="0"/>
-          <a:chOff x="0" y="0"/>
-          <a:chExt cx="0" cy="0"/>
-        </a:xfrm>
-      </p:grpSpPr>
-      <p:pic>
-        <p:nvPicPr>
-          <p:cNvPr id="15" name="Picture 14" descr="Droplets-HD-Content-R1d.png"/>
-          <p:cNvPicPr>
-            <a:picLocks noChangeAspect="1"/>
-          </p:cNvPicPr>
-          <p:nvPr/>
-        </p:nvPicPr>
-        <p:blipFill>
-          <a:blip r:embed="rId2">
-            <a:extLst>
-              <a:ext uri="{28A0092B-C50C-407E-A947-70E740481C1C}">
-                <a14:useLocalDpi xmlns:a14="http://schemas.microsoft.com/office/drawing/2010/main" val="0"/>
-              </a:ext>
-            </a:extLst>
-          </a:blip>
-          <a:stretch>
-            <a:fillRect/>
-          </a:stretch>
-        </p:blipFill>
-        <p:spPr>
-          <a:xfrm>
-            <a:off x="0" y="0"/>
-            <a:ext cx="12192000" cy="6858000"/>
-          </a:xfrm>
-          <a:prstGeom prst="rect">
-            <a:avLst/>
-          </a:prstGeom>
-        </p:spPr>
-      </p:pic>
-      <p:sp>
-        <p:nvSpPr>
-          <p:cNvPr id="14" name="Title 1"/>
-          <p:cNvSpPr>
-            <a:spLocks noGrp="1"/>
-          </p:cNvSpPr>
-          <p:nvPr>
-            <p:ph type="title"/>
-          </p:nvPr>
-        </p:nvSpPr>
-        <p:spPr>
-          <a:xfrm>
-            <a:off x="913775" y="618517"/>
-            <a:ext cx="10364451" cy="1596177"/>
-          </a:xfrm>
-        </p:spPr>
-        <p:txBody>
-          <a:bodyPr/>
-          <a:lstStyle/>
-          <a:p>
-            <a:r>
-              <a:rPr lang="zh-CN" altLang="en-US"/>
-              <a:t>单击此处编辑母版标题样式</a:t>
-            </a:r>
-            <a:endParaRPr lang="en-US" dirty="0"/>
-          </a:p>
-        </p:txBody>
-      </p:sp>
-      <p:sp>
-        <p:nvSpPr>
-          <p:cNvPr id="3" name="Text Placeholder 2"/>
-          <p:cNvSpPr>
-            <a:spLocks noGrp="1"/>
-          </p:cNvSpPr>
-          <p:nvPr>
-            <p:ph type="body" idx="1"/>
-          </p:nvPr>
-        </p:nvSpPr>
-        <p:spPr>
-          <a:xfrm>
-            <a:off x="1146328" y="2371018"/>
-            <a:ext cx="4873474" cy="679994"/>
-          </a:xfrm>
-        </p:spPr>
-        <p:txBody>
-          <a:bodyPr anchor="b">
-            <a:noAutofit/>
-          </a:bodyPr>
-          <a:lstStyle>
-            <a:lvl1pPr marL="0" indent="0">
-              <a:lnSpc>
-                <a:spcPct val="85000"/>
-              </a:lnSpc>
-              <a:buNone/>
-              <a:defRPr sz="2600" b="0">
-                <a:solidFill>
-                  <a:schemeClr val="tx1"/>
-                </a:solidFill>
-              </a:defRPr>
-            </a:lvl1pPr>
-            <a:lvl2pPr marL="457200" indent="0">
-              <a:buNone/>
-              <a:defRPr sz="2000" b="1"/>
-            </a:lvl2pPr>
-            <a:lvl3pPr marL="914400" indent="0">
-              <a:buNone/>
-              <a:defRPr sz="1800" b="1"/>
-            </a:lvl3pPr>
-            <a:lvl4pPr marL="1371600" indent="0">
-              <a:buNone/>
-              <a:defRPr sz="1600" b="1"/>
-            </a:lvl4pPr>
-            <a:lvl5pPr marL="1828800" indent="0">
-              <a:buNone/>
-              <a:defRPr sz="1600" b="1"/>
-            </a:lvl5pPr>
-            <a:lvl6pPr marL="2286000" indent="0">
-              <a:buNone/>
-              <a:defRPr sz="1600" b="1"/>
-            </a:lvl6pPr>
-            <a:lvl7pPr marL="2743200" indent="0">
-              <a:buNone/>
-              <a:defRPr sz="1600" b="1"/>
-            </a:lvl7pPr>
-            <a:lvl8pPr marL="3200400" indent="0">
-              <a:buNone/>
-              <a:defRPr sz="1600" b="1"/>
-            </a:lvl8pPr>
-            <a:lvl9pPr marL="3657600" indent="0">
-              <a:buNone/>
-              <a:defRPr sz="1600" b="1"/>
-            </a:lvl9pPr>
-          </a:lstStyle>
-          <a:p>
-            <a:pPr lvl="0"/>
-            <a:r>
-              <a:rPr lang="zh-CN" altLang="en-US"/>
-              <a:t>单击此处编辑母版文本样式</a:t>
-            </a:r>
-          </a:p>
-        </p:txBody>
-      </p:sp>
-      <p:sp>
-        <p:nvSpPr>
-          <p:cNvPr id="12" name="Content Placeholder 3"/>
-          <p:cNvSpPr>
-            <a:spLocks noGrp="1"/>
-          </p:cNvSpPr>
-          <p:nvPr>
-            <p:ph sz="quarter" idx="13"/>
-          </p:nvPr>
-        </p:nvSpPr>
-        <p:spPr>
-          <a:xfrm>
-            <a:off x="913774" y="3051012"/>
-            <a:ext cx="5106027" cy="2740187"/>
-          </a:xfrm>
-        </p:spPr>
-        <p:txBody>
-          <a:bodyPr/>
-          <a:lstStyle/>
-          <a:p>
-            <a:pPr lvl="0"/>
-            <a:r>
-              <a:rPr lang="zh-CN" altLang="en-US"/>
-              <a:t>单击此处编辑母版文本样式</a:t>
-            </a:r>
-          </a:p>
-          <a:p>
-            <a:pPr lvl="1"/>
-            <a:r>
-              <a:rPr lang="zh-CN" altLang="en-US"/>
-              <a:t>二级</a:t>
-            </a:r>
-          </a:p>
-          <a:p>
-            <a:pPr lvl="2"/>
-            <a:r>
-              <a:rPr lang="zh-CN" altLang="en-US"/>
-              <a:t>三级</a:t>
-            </a:r>
-          </a:p>
-          <a:p>
-            <a:pPr lvl="3"/>
-            <a:r>
-              <a:rPr lang="zh-CN" altLang="en-US"/>
-              <a:t>四级</a:t>
-            </a:r>
-          </a:p>
-          <a:p>
-            <a:pPr lvl="4"/>
-            <a:r>
-              <a:rPr lang="zh-CN" altLang="en-US"/>
-              <a:t>五级</a:t>
-            </a:r>
-            <a:endParaRPr lang="en-US" dirty="0"/>
-          </a:p>
-        </p:txBody>
-      </p:sp>
-      <p:sp>
-        <p:nvSpPr>
-          <p:cNvPr id="5" name="Text Placeholder 4"/>
-          <p:cNvSpPr>
-            <a:spLocks noGrp="1"/>
-          </p:cNvSpPr>
-          <p:nvPr>
-            <p:ph type="body" sz="quarter" idx="3"/>
-          </p:nvPr>
-        </p:nvSpPr>
-        <p:spPr>
-          <a:xfrm>
-            <a:off x="6396423" y="2371018"/>
-            <a:ext cx="4881804" cy="679994"/>
-          </a:xfrm>
-        </p:spPr>
-        <p:txBody>
-          <a:bodyPr anchor="b">
-            <a:noAutofit/>
-          </a:bodyPr>
-          <a:lstStyle>
-            <a:lvl1pPr marL="0" indent="0">
-              <a:lnSpc>
-                <a:spcPct val="85000"/>
-              </a:lnSpc>
-              <a:buNone/>
-              <a:defRPr sz="2600" b="0">
-                <a:solidFill>
-                  <a:schemeClr val="tx1"/>
-                </a:solidFill>
-              </a:defRPr>
-            </a:lvl1pPr>
-            <a:lvl2pPr marL="457200" indent="0">
-              <a:buNone/>
-              <a:defRPr sz="2000" b="1"/>
-            </a:lvl2pPr>
-            <a:lvl3pPr marL="914400" indent="0">
-              <a:buNone/>
-              <a:defRPr sz="1800" b="1"/>
-            </a:lvl3pPr>
-            <a:lvl4pPr marL="1371600" indent="0">
-              <a:buNone/>
-              <a:defRPr sz="1600" b="1"/>
-            </a:lvl4pPr>
-            <a:lvl5pPr marL="1828800" indent="0">
-              <a:buNone/>
-              <a:defRPr sz="1600" b="1"/>
-            </a:lvl5pPr>
-            <a:lvl6pPr marL="2286000" indent="0">
-              <a:buNone/>
-              <a:defRPr sz="1600" b="1"/>
-            </a:lvl6pPr>
-            <a:lvl7pPr marL="2743200" indent="0">
-              <a:buNone/>
-              <a:defRPr sz="1600" b="1"/>
-            </a:lvl7pPr>
-            <a:lvl8pPr marL="3200400" indent="0">
-              <a:buNone/>
-              <a:defRPr sz="1600" b="1"/>
-            </a:lvl8pPr>
-            <a:lvl9pPr marL="3657600" indent="0">
-              <a:buNone/>
-              <a:defRPr sz="1600" b="1"/>
-            </a:lvl9pPr>
-          </a:lstStyle>
-          <a:p>
-            <a:pPr lvl="0"/>
-            <a:r>
-              <a:rPr lang="zh-CN" altLang="en-US"/>
-              <a:t>单击此处编辑母版文本样式</a:t>
-            </a:r>
-          </a:p>
-        </p:txBody>
-      </p:sp>
-      <p:sp>
-        <p:nvSpPr>
-          <p:cNvPr id="13" name="Content Placeholder 5"/>
-          <p:cNvSpPr>
-            <a:spLocks noGrp="1"/>
-          </p:cNvSpPr>
-          <p:nvPr>
-            <p:ph sz="quarter" idx="14"/>
-          </p:nvPr>
-        </p:nvSpPr>
-        <p:spPr>
-          <a:xfrm>
-            <a:off x="6172200" y="3051012"/>
-            <a:ext cx="5105401" cy="2740187"/>
-          </a:xfrm>
-        </p:spPr>
-        <p:txBody>
-          <a:bodyPr/>
-          <a:lstStyle/>
-          <a:p>
-            <a:pPr lvl="0"/>
-            <a:r>
-              <a:rPr lang="zh-CN" altLang="en-US"/>
-              <a:t>单击此处编辑母版文本样式</a:t>
-            </a:r>
-          </a:p>
-          <a:p>
-            <a:pPr lvl="1"/>
-            <a:r>
-              <a:rPr lang="zh-CN" altLang="en-US"/>
-              <a:t>二级</a:t>
-            </a:r>
-          </a:p>
-          <a:p>
-            <a:pPr lvl="2"/>
-            <a:r>
-              <a:rPr lang="zh-CN" altLang="en-US"/>
-              <a:t>三级</a:t>
-            </a:r>
-          </a:p>
-          <a:p>
-            <a:pPr lvl="3"/>
-            <a:r>
-              <a:rPr lang="zh-CN" altLang="en-US"/>
-              <a:t>四级</a:t>
-            </a:r>
-          </a:p>
-          <a:p>
-            <a:pPr lvl="4"/>
-            <a:r>
-              <a:rPr lang="zh-CN" altLang="en-US"/>
-              <a:t>五级</a:t>
-            </a:r>
-            <a:endParaRPr lang="en-US" dirty="0"/>
-          </a:p>
-        </p:txBody>
-      </p:sp>
-      <p:sp>
-        <p:nvSpPr>
-          <p:cNvPr id="7" name="Date Placeholder 6"/>
-          <p:cNvSpPr>
-            <a:spLocks noGrp="1"/>
-          </p:cNvSpPr>
-          <p:nvPr>
-            <p:ph type="dt" sz="half" idx="10"/>
-          </p:nvPr>
-        </p:nvSpPr>
-        <p:spPr/>
-        <p:txBody>
-          <a:bodyPr/>
-          <a:lstStyle/>
-          <a:p>
-            <a:fld id="{87E83045-5AE1-40A9-B470-DA75385CFD17}" type="datetimeFigureOut">
-              <a:rPr lang="zh-CN" altLang="en-US" smtClean="0"/>
-              <a:t>2020/3/14</a:t>
-            </a:fld>
-            <a:endParaRPr lang="zh-CN" altLang="en-US"/>
-          </a:p>
-        </p:txBody>
-      </p:sp>
-      <p:sp>
-        <p:nvSpPr>
-          <p:cNvPr id="8" name="Footer Placeholder 7"/>
-          <p:cNvSpPr>
-            <a:spLocks noGrp="1"/>
-          </p:cNvSpPr>
-          <p:nvPr>
-            <p:ph type="ftr" sz="quarter" idx="11"/>
-          </p:nvPr>
-        </p:nvSpPr>
-        <p:spPr/>
-        <p:txBody>
-          <a:bodyPr/>
-          <a:lstStyle/>
-          <a:p>
-            <a:endParaRPr lang="zh-CN" altLang="en-US"/>
-          </a:p>
-        </p:txBody>
-      </p:sp>
-      <p:sp>
-        <p:nvSpPr>
-          <p:cNvPr id="9" name="Slide Number Placeholder 8"/>
-          <p:cNvSpPr>
-            <a:spLocks noGrp="1"/>
-          </p:cNvSpPr>
-          <p:nvPr>
-            <p:ph type="sldNum" sz="quarter" idx="12"/>
-          </p:nvPr>
-        </p:nvSpPr>
-        <p:spPr/>
-        <p:txBody>
-          <a:bodyPr/>
-          <a:lstStyle/>
-          <a:p>
-            <a:fld id="{406C5D9F-F78A-4593-846B-AB3E9756E40E}" type="slidenum">
-              <a:rPr lang="zh-CN" altLang="en-US" smtClean="0"/>
-              <a:t>‹#›</a:t>
-            </a:fld>
-            <a:endParaRPr lang="zh-CN" altLang="en-US"/>
-          </a:p>
-        </p:txBody>
-      </p:sp>
-    </p:spTree>
-    <p:extLst>
-      <p:ext uri="{BB962C8B-B14F-4D97-AF65-F5344CB8AC3E}">
-        <p14:creationId xmlns:p14="http://schemas.microsoft.com/office/powerpoint/2010/main" val="3606902546"/>
-      </p:ext>
-    </p:extLst>
-  </p:cSld>
-  <p:clrMapOvr>
-    <a:masterClrMapping/>
-  </p:clrMapOvr>
-</p:sldLayout>
-</file>
-
-<file path=ppt/slideLayouts/slideLayout6.xml><?xml version="1.0" encoding="utf-8"?>
-<p:sldLayout xmlns:a="http://schemas.openxmlformats.org/drawingml/2006/main" xmlns:r="http://schemas.openxmlformats.org/officeDocument/2006/relationships" xmlns:p="http://schemas.openxmlformats.org/presentationml/2006/main" type="titleOnly" preserve="1">
-  <p:cSld name="仅标题">
-    <p:spTree>
-      <p:nvGrpSpPr>
-        <p:cNvPr id="1" name=""/>
-        <p:cNvGrpSpPr/>
-        <p:nvPr/>
-      </p:nvGrpSpPr>
-      <p:grpSpPr>
-        <a:xfrm>
-          <a:off x="0" y="0"/>
-          <a:ext cx="0" cy="0"/>
-          <a:chOff x="0" y="0"/>
-          <a:chExt cx="0" cy="0"/>
-        </a:xfrm>
-      </p:grpSpPr>
-      <p:pic>
-        <p:nvPicPr>
-          <p:cNvPr id="8" name="Picture 7" descr="Droplets-HD-Content-R1d.png"/>
-          <p:cNvPicPr>
-            <a:picLocks noChangeAspect="1"/>
-          </p:cNvPicPr>
-          <p:nvPr/>
-        </p:nvPicPr>
-        <p:blipFill>
-          <a:blip r:embed="rId2">
-            <a:extLst>
-              <a:ext uri="{28A0092B-C50C-407E-A947-70E740481C1C}">
-                <a14:useLocalDpi xmlns:a14="http://schemas.microsoft.com/office/drawing/2010/main" val="0"/>
-              </a:ext>
-            </a:extLst>
-          </a:blip>
-          <a:stretch>
-            <a:fillRect/>
-          </a:stretch>
-        </p:blipFill>
-        <p:spPr>
-          <a:xfrm>
-            <a:off x="0" y="0"/>
-            <a:ext cx="12192000" cy="6858000"/>
-          </a:xfrm>
-          <a:prstGeom prst="rect">
-            <a:avLst/>
-          </a:prstGeom>
-        </p:spPr>
-      </p:pic>
-      <p:sp>
-        <p:nvSpPr>
-          <p:cNvPr id="2" name="Title 1"/>
-          <p:cNvSpPr>
-            <a:spLocks noGrp="1"/>
-          </p:cNvSpPr>
-          <p:nvPr>
-            <p:ph type="title"/>
-          </p:nvPr>
-        </p:nvSpPr>
-        <p:spPr/>
-        <p:txBody>
-          <a:bodyPr/>
-          <a:lstStyle/>
-          <a:p>
-            <a:r>
-              <a:rPr lang="zh-CN" altLang="en-US"/>
-              <a:t>单击此处编辑母版标题样式</a:t>
-            </a:r>
-            <a:endParaRPr lang="en-US" dirty="0"/>
-          </a:p>
-        </p:txBody>
-      </p:sp>
-      <p:sp>
-        <p:nvSpPr>
-          <p:cNvPr id="3" name="Date Placeholder 2"/>
-          <p:cNvSpPr>
-            <a:spLocks noGrp="1"/>
-          </p:cNvSpPr>
-          <p:nvPr>
-            <p:ph type="dt" sz="half" idx="10"/>
-          </p:nvPr>
-        </p:nvSpPr>
-        <p:spPr/>
-        <p:txBody>
-          <a:bodyPr/>
-          <a:lstStyle/>
-          <a:p>
-            <a:fld id="{87E83045-5AE1-40A9-B470-DA75385CFD17}" type="datetimeFigureOut">
-              <a:rPr lang="zh-CN" altLang="en-US" smtClean="0"/>
-              <a:t>2020/3/14</a:t>
-            </a:fld>
-            <a:endParaRPr lang="zh-CN" altLang="en-US"/>
-          </a:p>
-        </p:txBody>
-      </p:sp>
-      <p:sp>
-        <p:nvSpPr>
-          <p:cNvPr id="4" name="Footer Placeholder 3"/>
-          <p:cNvSpPr>
-            <a:spLocks noGrp="1"/>
-          </p:cNvSpPr>
-          <p:nvPr>
-            <p:ph type="ftr" sz="quarter" idx="11"/>
-          </p:nvPr>
-        </p:nvSpPr>
-        <p:spPr/>
-        <p:txBody>
-          <a:bodyPr/>
-          <a:lstStyle/>
-          <a:p>
-            <a:endParaRPr lang="zh-CN" altLang="en-US"/>
-          </a:p>
-        </p:txBody>
-      </p:sp>
-      <p:sp>
-        <p:nvSpPr>
-          <p:cNvPr id="5" name="Slide Number Placeholder 4"/>
-          <p:cNvSpPr>
-            <a:spLocks noGrp="1"/>
-          </p:cNvSpPr>
-          <p:nvPr>
-            <p:ph type="sldNum" sz="quarter" idx="12"/>
-          </p:nvPr>
-        </p:nvSpPr>
-        <p:spPr/>
-        <p:txBody>
-          <a:bodyPr/>
-          <a:lstStyle/>
-          <a:p>
-            <a:fld id="{406C5D9F-F78A-4593-846B-AB3E9756E40E}" type="slidenum">
-              <a:rPr lang="zh-CN" altLang="en-US" smtClean="0"/>
-              <a:t>‹#›</a:t>
-            </a:fld>
-            <a:endParaRPr lang="zh-CN" altLang="en-US"/>
-          </a:p>
-        </p:txBody>
-      </p:sp>
-    </p:spTree>
-    <p:extLst>
-      <p:ext uri="{BB962C8B-B14F-4D97-AF65-F5344CB8AC3E}">
-        <p14:creationId xmlns:p14="http://schemas.microsoft.com/office/powerpoint/2010/main" val="1783170934"/>
-      </p:ext>
-    </p:extLst>
-  </p:cSld>
-  <p:clrMapOvr>
-    <a:masterClrMapping/>
-  </p:clrMapOvr>
-</p:sldLayout>
-</file>
-
-<file path=ppt/slideLayouts/slideLayout7.xml><?xml version="1.0" encoding="utf-8"?>
-<p:sldLayout xmlns:a="http://schemas.openxmlformats.org/drawingml/2006/main" xmlns:r="http://schemas.openxmlformats.org/officeDocument/2006/relationships" xmlns:p="http://schemas.openxmlformats.org/presentationml/2006/main" type="blank" preserve="1">
-  <p:cSld name="空白">
-    <p:spTree>
-      <p:nvGrpSpPr>
-        <p:cNvPr id="1" name=""/>
-        <p:cNvGrpSpPr/>
-        <p:nvPr/>
-      </p:nvGrpSpPr>
-      <p:grpSpPr>
-        <a:xfrm>
-          <a:off x="0" y="0"/>
-          <a:ext cx="0" cy="0"/>
-          <a:chOff x="0" y="0"/>
-          <a:chExt cx="0" cy="0"/>
-        </a:xfrm>
-      </p:grpSpPr>
-      <p:pic>
-        <p:nvPicPr>
-          <p:cNvPr id="7" name="Picture 6" descr="Droplets-HD-Content-R1d.png"/>
-          <p:cNvPicPr>
-            <a:picLocks noChangeAspect="1"/>
-          </p:cNvPicPr>
-          <p:nvPr/>
-        </p:nvPicPr>
-        <p:blipFill>
-          <a:blip r:embed="rId2">
-            <a:extLst>
-              <a:ext uri="{28A0092B-C50C-407E-A947-70E740481C1C}">
-                <a14:useLocalDpi xmlns:a14="http://schemas.microsoft.com/office/drawing/2010/main" val="0"/>
-              </a:ext>
-            </a:extLst>
-          </a:blip>
-          <a:stretch>
-            <a:fillRect/>
-          </a:stretch>
-        </p:blipFill>
-        <p:spPr>
-          <a:xfrm>
-            <a:off x="0" y="0"/>
-            <a:ext cx="12192000" cy="6858000"/>
-          </a:xfrm>
-          <a:prstGeom prst="rect">
-            <a:avLst/>
-          </a:prstGeom>
-        </p:spPr>
-      </p:pic>
-      <p:sp>
-        <p:nvSpPr>
-          <p:cNvPr id="2" name="Date Placeholder 1"/>
-          <p:cNvSpPr>
-            <a:spLocks noGrp="1"/>
-          </p:cNvSpPr>
-          <p:nvPr>
-            <p:ph type="dt" sz="half" idx="10"/>
-          </p:nvPr>
-        </p:nvSpPr>
-        <p:spPr/>
-        <p:txBody>
-          <a:bodyPr/>
-          <a:lstStyle/>
-          <a:p>
-            <a:fld id="{87E83045-5AE1-40A9-B470-DA75385CFD17}" type="datetimeFigureOut">
-              <a:rPr lang="zh-CN" altLang="en-US" smtClean="0"/>
-              <a:t>2020/3/14</a:t>
-            </a:fld>
-            <a:endParaRPr lang="zh-CN" altLang="en-US"/>
-          </a:p>
-        </p:txBody>
-      </p:sp>
-      <p:sp>
-        <p:nvSpPr>
-          <p:cNvPr id="3" name="Footer Placeholder 2"/>
-          <p:cNvSpPr>
-            <a:spLocks noGrp="1"/>
-          </p:cNvSpPr>
-          <p:nvPr>
-            <p:ph type="ftr" sz="quarter" idx="11"/>
-          </p:nvPr>
-        </p:nvSpPr>
-        <p:spPr/>
-        <p:txBody>
-          <a:bodyPr/>
-          <a:lstStyle/>
-          <a:p>
-            <a:endParaRPr lang="zh-CN" altLang="en-US"/>
-          </a:p>
-        </p:txBody>
-      </p:sp>
-      <p:sp>
-        <p:nvSpPr>
-          <p:cNvPr id="4" name="Slide Number Placeholder 3"/>
-          <p:cNvSpPr>
-            <a:spLocks noGrp="1"/>
-          </p:cNvSpPr>
-          <p:nvPr>
-            <p:ph type="sldNum" sz="quarter" idx="12"/>
-          </p:nvPr>
-        </p:nvSpPr>
-        <p:spPr/>
-        <p:txBody>
-          <a:bodyPr/>
-          <a:lstStyle/>
-          <a:p>
-            <a:fld id="{406C5D9F-F78A-4593-846B-AB3E9756E40E}" type="slidenum">
-              <a:rPr lang="zh-CN" altLang="en-US" smtClean="0"/>
-              <a:t>‹#›</a:t>
-            </a:fld>
-            <a:endParaRPr lang="zh-CN" altLang="en-US"/>
-          </a:p>
-        </p:txBody>
-      </p:sp>
-    </p:spTree>
-    <p:extLst>
-      <p:ext uri="{BB962C8B-B14F-4D97-AF65-F5344CB8AC3E}">
-        <p14:creationId xmlns:p14="http://schemas.microsoft.com/office/powerpoint/2010/main" val="1490884975"/>
-      </p:ext>
-    </p:extLst>
-  </p:cSld>
-  <p:clrMapOvr>
-    <a:masterClrMapping/>
-  </p:clrMapOvr>
-</p:sldLayout>
-</file>
-
-<file path=ppt/slideLayouts/slideLayout8.xml><?xml version="1.0" encoding="utf-8"?>
-<p:sldLayout xmlns:a="http://schemas.openxmlformats.org/drawingml/2006/main" xmlns:r="http://schemas.openxmlformats.org/officeDocument/2006/relationships" xmlns:p="http://schemas.openxmlformats.org/presentationml/2006/main" type="objTx" preserve="1">
-  <p:cSld name="内容与标题">
-    <p:spTree>
-      <p:nvGrpSpPr>
-        <p:cNvPr id="1" name=""/>
-        <p:cNvGrpSpPr/>
-        <p:nvPr/>
-      </p:nvGrpSpPr>
-      <p:grpSpPr>
-        <a:xfrm>
-          <a:off x="0" y="0"/>
-          <a:ext cx="0" cy="0"/>
-          <a:chOff x="0" y="0"/>
-          <a:chExt cx="0" cy="0"/>
-        </a:xfrm>
-      </p:grpSpPr>
-      <p:pic>
-        <p:nvPicPr>
-          <p:cNvPr id="11" name="Picture 10" descr="Droplets-HD-Content-R1d.png"/>
-          <p:cNvPicPr>
-            <a:picLocks noChangeAspect="1"/>
-          </p:cNvPicPr>
-          <p:nvPr/>
-        </p:nvPicPr>
-        <p:blipFill>
-          <a:blip r:embed="rId2">
-            <a:extLst>
-              <a:ext uri="{28A0092B-C50C-407E-A947-70E740481C1C}">
-                <a14:useLocalDpi xmlns:a14="http://schemas.microsoft.com/office/drawing/2010/main" val="0"/>
-              </a:ext>
-            </a:extLst>
-          </a:blip>
-          <a:stretch>
-            <a:fillRect/>
-          </a:stretch>
-        </p:blipFill>
-        <p:spPr>
-          <a:xfrm>
-            <a:off x="0" y="0"/>
-            <a:ext cx="12192000" cy="6858000"/>
-          </a:xfrm>
-          <a:prstGeom prst="rect">
-            <a:avLst/>
-          </a:prstGeom>
-        </p:spPr>
-      </p:pic>
-      <p:sp>
-        <p:nvSpPr>
-          <p:cNvPr id="2" name="Title 1"/>
-          <p:cNvSpPr>
-            <a:spLocks noGrp="1"/>
-          </p:cNvSpPr>
-          <p:nvPr>
-            <p:ph type="title"/>
-          </p:nvPr>
-        </p:nvSpPr>
-        <p:spPr>
-          <a:xfrm>
-            <a:off x="913775" y="609600"/>
-            <a:ext cx="3935688" cy="2023252"/>
-          </a:xfrm>
-        </p:spPr>
-        <p:txBody>
-          <a:bodyPr anchor="b"/>
-          <a:lstStyle>
-            <a:lvl1pPr algn="ctr">
-              <a:defRPr sz="3200"/>
-            </a:lvl1pPr>
-          </a:lstStyle>
-          <a:p>
-            <a:r>
-              <a:rPr lang="zh-CN" altLang="en-US"/>
-              <a:t>单击此处编辑母版标题样式</a:t>
-            </a:r>
-            <a:endParaRPr lang="en-US" dirty="0"/>
-          </a:p>
-        </p:txBody>
-      </p:sp>
-      <p:sp>
-        <p:nvSpPr>
-          <p:cNvPr id="10" name="Content Placeholder 2"/>
-          <p:cNvSpPr>
-            <a:spLocks noGrp="1"/>
-          </p:cNvSpPr>
-          <p:nvPr>
-            <p:ph sz="quarter" idx="13"/>
-          </p:nvPr>
-        </p:nvSpPr>
-        <p:spPr>
-          <a:xfrm>
-            <a:off x="5078062" y="609600"/>
-            <a:ext cx="6200163" cy="5181599"/>
-          </a:xfrm>
-        </p:spPr>
-        <p:txBody>
-          <a:bodyPr/>
-          <a:lstStyle/>
-          <a:p>
-            <a:pPr lvl="0"/>
-            <a:r>
-              <a:rPr lang="zh-CN" altLang="en-US"/>
-              <a:t>单击此处编辑母版文本样式</a:t>
-            </a:r>
-          </a:p>
-          <a:p>
-            <a:pPr lvl="1"/>
-            <a:r>
-              <a:rPr lang="zh-CN" altLang="en-US"/>
-              <a:t>二级</a:t>
-            </a:r>
-          </a:p>
-          <a:p>
-            <a:pPr lvl="2"/>
-            <a:r>
-              <a:rPr lang="zh-CN" altLang="en-US"/>
-              <a:t>三级</a:t>
-            </a:r>
-          </a:p>
-          <a:p>
-            <a:pPr lvl="3"/>
-            <a:r>
-              <a:rPr lang="zh-CN" altLang="en-US"/>
-              <a:t>四级</a:t>
-            </a:r>
-          </a:p>
-          <a:p>
-            <a:pPr lvl="4"/>
-            <a:r>
-              <a:rPr lang="zh-CN" altLang="en-US"/>
-              <a:t>五级</a:t>
-            </a:r>
-            <a:endParaRPr lang="en-US" dirty="0"/>
-          </a:p>
-        </p:txBody>
-      </p:sp>
-      <p:sp>
-        <p:nvSpPr>
-          <p:cNvPr id="4" name="Text Placeholder 3"/>
-          <p:cNvSpPr>
-            <a:spLocks noGrp="1"/>
-          </p:cNvSpPr>
-          <p:nvPr>
-            <p:ph type="body" sz="half" idx="2"/>
-          </p:nvPr>
-        </p:nvSpPr>
-        <p:spPr>
-          <a:xfrm>
-            <a:off x="913774" y="2632852"/>
-            <a:ext cx="3935689" cy="3158348"/>
-          </a:xfrm>
-        </p:spPr>
-        <p:txBody>
-          <a:bodyPr/>
-          <a:lstStyle>
-            <a:lvl1pPr marL="0" indent="0" algn="ctr">
-              <a:buNone/>
-              <a:defRPr sz="1600"/>
-            </a:lvl1pPr>
-            <a:lvl2pPr marL="457200" indent="0">
-              <a:buNone/>
-              <a:defRPr sz="1400"/>
-            </a:lvl2pPr>
-            <a:lvl3pPr marL="914400" indent="0">
-              <a:buNone/>
-              <a:defRPr sz="1200"/>
-            </a:lvl3pPr>
-            <a:lvl4pPr marL="1371600" indent="0">
-              <a:buNone/>
-              <a:defRPr sz="1000"/>
-            </a:lvl4pPr>
-            <a:lvl5pPr marL="1828800" indent="0">
-              <a:buNone/>
-              <a:defRPr sz="1000"/>
-            </a:lvl5pPr>
-            <a:lvl6pPr marL="2286000" indent="0">
-              <a:buNone/>
-              <a:defRPr sz="1000"/>
-            </a:lvl6pPr>
-            <a:lvl7pPr marL="2743200" indent="0">
-              <a:buNone/>
-              <a:defRPr sz="1000"/>
-            </a:lvl7pPr>
-            <a:lvl8pPr marL="3200400" indent="0">
-              <a:buNone/>
-              <a:defRPr sz="1000"/>
-            </a:lvl8pPr>
-            <a:lvl9pPr marL="3657600" indent="0">
-              <a:buNone/>
-              <a:defRPr sz="1000"/>
-            </a:lvl9pPr>
-          </a:lstStyle>
-          <a:p>
-            <a:pPr lvl="0"/>
-            <a:r>
-              <a:rPr lang="zh-CN" altLang="en-US"/>
-              <a:t>单击此处编辑母版文本样式</a:t>
-            </a:r>
-          </a:p>
-        </p:txBody>
-      </p:sp>
-      <p:sp>
-        <p:nvSpPr>
-          <p:cNvPr id="5" name="Date Placeholder 4"/>
-          <p:cNvSpPr>
-            <a:spLocks noGrp="1"/>
-          </p:cNvSpPr>
-          <p:nvPr>
-            <p:ph type="dt" sz="half" idx="10"/>
-          </p:nvPr>
-        </p:nvSpPr>
-        <p:spPr/>
-        <p:txBody>
-          <a:bodyPr/>
-          <a:lstStyle/>
-          <a:p>
-            <a:fld id="{87E83045-5AE1-40A9-B470-DA75385CFD17}" type="datetimeFigureOut">
-              <a:rPr lang="zh-CN" altLang="en-US" smtClean="0"/>
-              <a:t>2020/3/14</a:t>
-            </a:fld>
-            <a:endParaRPr lang="zh-CN" altLang="en-US"/>
-          </a:p>
-        </p:txBody>
-      </p:sp>
-      <p:sp>
-        <p:nvSpPr>
-          <p:cNvPr id="6" name="Footer Placeholder 5"/>
-          <p:cNvSpPr>
-            <a:spLocks noGrp="1"/>
-          </p:cNvSpPr>
-          <p:nvPr>
-            <p:ph type="ftr" sz="quarter" idx="11"/>
-          </p:nvPr>
-        </p:nvSpPr>
-        <p:spPr/>
-        <p:txBody>
-          <a:bodyPr/>
-          <a:lstStyle/>
-          <a:p>
-            <a:endParaRPr lang="zh-CN" altLang="en-US"/>
-          </a:p>
-        </p:txBody>
-      </p:sp>
-      <p:sp>
-        <p:nvSpPr>
-          <p:cNvPr id="7" name="Slide Number Placeholder 6"/>
-          <p:cNvSpPr>
-            <a:spLocks noGrp="1"/>
-          </p:cNvSpPr>
-          <p:nvPr>
-            <p:ph type="sldNum" sz="quarter" idx="12"/>
-          </p:nvPr>
-        </p:nvSpPr>
-        <p:spPr/>
-        <p:txBody>
-          <a:bodyPr/>
-          <a:lstStyle/>
-          <a:p>
-            <a:fld id="{406C5D9F-F78A-4593-846B-AB3E9756E40E}" type="slidenum">
-              <a:rPr lang="zh-CN" altLang="en-US" smtClean="0"/>
-              <a:t>‹#›</a:t>
-            </a:fld>
-            <a:endParaRPr lang="zh-CN" altLang="en-US"/>
-          </a:p>
-        </p:txBody>
-      </p:sp>
-    </p:spTree>
-    <p:extLst>
-      <p:ext uri="{BB962C8B-B14F-4D97-AF65-F5344CB8AC3E}">
-        <p14:creationId xmlns:p14="http://schemas.microsoft.com/office/powerpoint/2010/main" val="1675792072"/>
-      </p:ext>
-    </p:extLst>
-  </p:cSld>
-  <p:clrMapOvr>
-    <a:masterClrMapping/>
-  </p:clrMapOvr>
-</p:sldLayout>
-</file>
-
-<file path=ppt/slideLayouts/slideLayout9.xml><?xml version="1.0" encoding="utf-8"?>
-<p:sldLayout xmlns:a="http://schemas.openxmlformats.org/drawingml/2006/main" xmlns:r="http://schemas.openxmlformats.org/officeDocument/2006/relationships" xmlns:p="http://schemas.openxmlformats.org/presentationml/2006/main" type="picTx" preserve="1">
-  <p:cSld name="图片与标题">
-    <p:spTree>
-      <p:nvGrpSpPr>
-        <p:cNvPr id="1" name=""/>
-        <p:cNvGrpSpPr/>
-        <p:nvPr/>
-      </p:nvGrpSpPr>
-      <p:grpSpPr>
-        <a:xfrm>
-          <a:off x="0" y="0"/>
-          <a:ext cx="0" cy="0"/>
-          <a:chOff x="0" y="0"/>
-          <a:chExt cx="0" cy="0"/>
-        </a:xfrm>
-      </p:grpSpPr>
-      <p:pic>
-        <p:nvPicPr>
-          <p:cNvPr id="10" name="Picture 9" descr="Droplets-HD-Content-R1d.png"/>
-          <p:cNvPicPr>
-            <a:picLocks noChangeAspect="1"/>
-          </p:cNvPicPr>
-          <p:nvPr/>
-        </p:nvPicPr>
-        <p:blipFill>
-          <a:blip r:embed="rId2">
-            <a:extLst>
-              <a:ext uri="{28A0092B-C50C-407E-A947-70E740481C1C}">
-                <a14:useLocalDpi xmlns:a14="http://schemas.microsoft.com/office/drawing/2010/main" val="0"/>
-              </a:ext>
-            </a:extLst>
-          </a:blip>
-          <a:stretch>
-            <a:fillRect/>
-          </a:stretch>
-        </p:blipFill>
-        <p:spPr>
-          <a:xfrm>
-            <a:off x="0" y="0"/>
-            <a:ext cx="12192000" cy="6858000"/>
-          </a:xfrm>
-          <a:prstGeom prst="rect">
-            <a:avLst/>
-          </a:prstGeom>
-        </p:spPr>
-      </p:pic>
-      <p:sp>
-        <p:nvSpPr>
-          <p:cNvPr id="2" name="Title 1"/>
-          <p:cNvSpPr>
-            <a:spLocks noGrp="1"/>
-          </p:cNvSpPr>
-          <p:nvPr>
-            <p:ph type="title"/>
-          </p:nvPr>
-        </p:nvSpPr>
-        <p:spPr>
-          <a:xfrm>
-            <a:off x="913774" y="609600"/>
-            <a:ext cx="5934969" cy="2023254"/>
-          </a:xfrm>
-        </p:spPr>
-        <p:txBody>
-          <a:bodyPr anchor="b"/>
-          <a:lstStyle>
-            <a:lvl1pPr algn="ctr">
-              <a:defRPr sz="3200"/>
-            </a:lvl1pPr>
-          </a:lstStyle>
-          <a:p>
-            <a:r>
-              <a:rPr lang="zh-CN" altLang="en-US"/>
-              <a:t>单击此处编辑母版标题样式</a:t>
-            </a:r>
-            <a:endParaRPr lang="en-US" dirty="0"/>
-          </a:p>
-        </p:txBody>
-      </p:sp>
-      <p:sp>
-        <p:nvSpPr>
-          <p:cNvPr id="3" name="Picture Placeholder 2"/>
-          <p:cNvSpPr>
-            <a:spLocks noGrp="1" noChangeAspect="1"/>
-          </p:cNvSpPr>
-          <p:nvPr>
-            <p:ph type="pic" idx="1"/>
-          </p:nvPr>
-        </p:nvSpPr>
-        <p:spPr>
-          <a:xfrm>
-            <a:off x="7424803" y="609601"/>
-            <a:ext cx="3255358" cy="5181600"/>
-          </a:xfrm>
-          <a:prstGeom prst="roundRect">
-            <a:avLst>
-              <a:gd name="adj" fmla="val 4943"/>
-            </a:avLst>
-          </a:prstGeom>
-          <a:noFill/>
-          <a:ln w="82550" cap="sq">
-            <a:solidFill>
-              <a:srgbClr val="EAEAEA"/>
-            </a:solidFill>
-            <a:miter lim="800000"/>
-          </a:ln>
-          <a:effectLst/>
-          <a:scene3d>
-            <a:camera prst="orthographicFront"/>
-            <a:lightRig rig="threePt" dir="t">
-              <a:rot lat="0" lon="0" rev="2700000"/>
-            </a:lightRig>
-          </a:scene3d>
-          <a:sp3d contourW="6350">
-            <a:bevelT h="38100"/>
-            <a:contourClr>
-              <a:srgbClr val="C0C0C0"/>
-            </a:contourClr>
-          </a:sp3d>
-        </p:spPr>
-        <p:txBody>
-          <a:bodyPr anchor="t"/>
-          <a:lstStyle>
-            <a:lvl1pPr marL="0" indent="0">
-              <a:buNone/>
-              <a:defRPr sz="3200"/>
-            </a:lvl1pPr>
-            <a:lvl2pPr marL="457200" indent="0">
-              <a:buNone/>
-              <a:defRPr sz="2800"/>
-            </a:lvl2pPr>
-            <a:lvl3pPr marL="914400" indent="0">
-              <a:buNone/>
-              <a:defRPr sz="2400"/>
-            </a:lvl3pPr>
-            <a:lvl4pPr marL="1371600" indent="0">
-              <a:buNone/>
-              <a:defRPr sz="2000"/>
-            </a:lvl4pPr>
-            <a:lvl5pPr marL="1828800" indent="0">
-              <a:buNone/>
-              <a:defRPr sz="2000"/>
-            </a:lvl5pPr>
-            <a:lvl6pPr marL="2286000" indent="0">
-              <a:buNone/>
-              <a:defRPr sz="2000"/>
-            </a:lvl6pPr>
-            <a:lvl7pPr marL="2743200" indent="0">
-              <a:buNone/>
-              <a:defRPr sz="2000"/>
-            </a:lvl7pPr>
-            <a:lvl8pPr marL="3200400" indent="0">
-              <a:buNone/>
-              <a:defRPr sz="2000"/>
-            </a:lvl8pPr>
-            <a:lvl9pPr marL="3657600" indent="0">
-              <a:buNone/>
-              <a:defRPr sz="2000"/>
-            </a:lvl9pPr>
-          </a:lstStyle>
-          <a:p>
-            <a:r>
-              <a:rPr lang="zh-CN" altLang="en-US"/>
-              <a:t>单击图标添加图片</a:t>
-            </a:r>
-            <a:endParaRPr lang="en-US" dirty="0"/>
-          </a:p>
-        </p:txBody>
-      </p:sp>
-      <p:sp>
-        <p:nvSpPr>
-          <p:cNvPr id="4" name="Text Placeholder 3"/>
-          <p:cNvSpPr>
-            <a:spLocks noGrp="1"/>
-          </p:cNvSpPr>
-          <p:nvPr>
-            <p:ph type="body" sz="half" idx="2"/>
-          </p:nvPr>
-        </p:nvSpPr>
-        <p:spPr>
-          <a:xfrm>
-            <a:off x="913794" y="2632852"/>
-            <a:ext cx="5934949" cy="3158347"/>
-          </a:xfrm>
-        </p:spPr>
-        <p:txBody>
-          <a:bodyPr/>
-          <a:lstStyle>
-            <a:lvl1pPr marL="0" indent="0" algn="ctr">
-              <a:buNone/>
-              <a:defRPr sz="1600"/>
-            </a:lvl1pPr>
-            <a:lvl2pPr marL="457200" indent="0">
-              <a:buNone/>
-              <a:defRPr sz="1400"/>
-            </a:lvl2pPr>
-            <a:lvl3pPr marL="914400" indent="0">
-              <a:buNone/>
-              <a:defRPr sz="1200"/>
-            </a:lvl3pPr>
-            <a:lvl4pPr marL="1371600" indent="0">
-              <a:buNone/>
-              <a:defRPr sz="1000"/>
-            </a:lvl4pPr>
-            <a:lvl5pPr marL="1828800" indent="0">
-              <a:buNone/>
-              <a:defRPr sz="1000"/>
-            </a:lvl5pPr>
-            <a:lvl6pPr marL="2286000" indent="0">
-              <a:buNone/>
-              <a:defRPr sz="1000"/>
-            </a:lvl6pPr>
-            <a:lvl7pPr marL="2743200" indent="0">
-              <a:buNone/>
-              <a:defRPr sz="1000"/>
-            </a:lvl7pPr>
-            <a:lvl8pPr marL="3200400" indent="0">
-              <a:buNone/>
-              <a:defRPr sz="1000"/>
-            </a:lvl8pPr>
-            <a:lvl9pPr marL="3657600" indent="0">
-              <a:buNone/>
-              <a:defRPr sz="1000"/>
-            </a:lvl9pPr>
-          </a:lstStyle>
-          <a:p>
-            <a:pPr lvl="0"/>
-            <a:r>
-              <a:rPr lang="zh-CN" altLang="en-US"/>
-              <a:t>单击此处编辑母版文本样式</a:t>
-            </a:r>
-          </a:p>
-        </p:txBody>
-      </p:sp>
-      <p:sp>
-        <p:nvSpPr>
-          <p:cNvPr id="5" name="Date Placeholder 4"/>
-          <p:cNvSpPr>
-            <a:spLocks noGrp="1"/>
-          </p:cNvSpPr>
-          <p:nvPr>
-            <p:ph type="dt" sz="half" idx="10"/>
-          </p:nvPr>
-        </p:nvSpPr>
-        <p:spPr/>
-        <p:txBody>
-          <a:bodyPr/>
-          <a:lstStyle/>
-          <a:p>
-            <a:fld id="{87E83045-5AE1-40A9-B470-DA75385CFD17}" type="datetimeFigureOut">
-              <a:rPr lang="zh-CN" altLang="en-US" smtClean="0"/>
-              <a:t>2020/3/14</a:t>
-            </a:fld>
-            <a:endParaRPr lang="zh-CN" altLang="en-US"/>
-          </a:p>
-        </p:txBody>
-      </p:sp>
-      <p:sp>
-        <p:nvSpPr>
-          <p:cNvPr id="6" name="Footer Placeholder 5"/>
-          <p:cNvSpPr>
-            <a:spLocks noGrp="1"/>
-          </p:cNvSpPr>
-          <p:nvPr>
-            <p:ph type="ftr" sz="quarter" idx="11"/>
-          </p:nvPr>
-        </p:nvSpPr>
-        <p:spPr/>
-        <p:txBody>
-          <a:bodyPr/>
-          <a:lstStyle/>
-          <a:p>
-            <a:endParaRPr lang="zh-CN" altLang="en-US"/>
-          </a:p>
-        </p:txBody>
-      </p:sp>
-      <p:sp>
-        <p:nvSpPr>
-          <p:cNvPr id="7" name="Slide Number Placeholder 6"/>
-          <p:cNvSpPr>
-            <a:spLocks noGrp="1"/>
-          </p:cNvSpPr>
-          <p:nvPr>
-            <p:ph type="sldNum" sz="quarter" idx="12"/>
-          </p:nvPr>
-        </p:nvSpPr>
-        <p:spPr/>
-        <p:txBody>
-          <a:bodyPr/>
-          <a:lstStyle/>
-          <a:p>
-            <a:fld id="{406C5D9F-F78A-4593-846B-AB3E9756E40E}" type="slidenum">
-              <a:rPr lang="zh-CN" altLang="en-US" smtClean="0"/>
-              <a:t>‹#›</a:t>
-            </a:fld>
-            <a:endParaRPr lang="zh-CN" altLang="en-US"/>
-          </a:p>
-        </p:txBody>
-      </p:sp>
-    </p:spTree>
-    <p:extLst>
-      <p:ext uri="{BB962C8B-B14F-4D97-AF65-F5344CB8AC3E}">
-        <p14:creationId xmlns:p14="http://schemas.microsoft.com/office/powerpoint/2010/main" val="3574005475"/>
+        <p14:creationId xmlns:p14="http://schemas.microsoft.com/office/powerpoint/2010/main" val="2539520876"/>
       </p:ext>
     </p:extLst>
   </p:cSld>
@@ -5720,7 +3103,7 @@
 <p:sldMaster xmlns:a="http://schemas.openxmlformats.org/drawingml/2006/main" xmlns:r="http://schemas.openxmlformats.org/officeDocument/2006/relationships" xmlns:p="http://schemas.openxmlformats.org/presentationml/2006/main">
   <p:cSld>
     <p:bg>
-      <p:bgRef idx="1002">
+      <p:bgRef idx="1001">
         <a:schemeClr val="bg1"/>
       </p:bgRef>
     </p:bg>
@@ -5738,48 +3121,82 @@
           <a:chExt cx="0" cy="0"/>
         </a:xfrm>
       </p:grpSpPr>
-      <p:pic>
-        <p:nvPicPr>
-          <p:cNvPr id="1026" name="Picture 2" descr="\\DROBO-FS\QuickDrops\JB\PPTX NG\Droplets\LightingOverlay.png"/>
-          <p:cNvPicPr>
-            <a:picLocks noChangeAspect="1" noChangeArrowheads="1"/>
-          </p:cNvPicPr>
+      <p:sp>
+        <p:nvSpPr>
+          <p:cNvPr id="7" name="Rectangle 6"/>
+          <p:cNvSpPr/>
           <p:nvPr/>
-        </p:nvPicPr>
-        <p:blipFill>
-          <a:blip r:embed="rId20">
-            <a:alphaModFix/>
-            <a:extLst>
-              <a:ext uri="{28A0092B-C50C-407E-A947-70E740481C1C}">
-                <a14:useLocalDpi xmlns:a14="http://schemas.microsoft.com/office/drawing/2010/main" val="0"/>
-              </a:ext>
-            </a:extLst>
-          </a:blip>
-          <a:srcRect/>
-          <a:stretch>
-            <a:fillRect/>
-          </a:stretch>
-        </p:blipFill>
-        <p:spPr bwMode="auto">
+        </p:nvSpPr>
+        <p:spPr>
           <a:xfrm>
-            <a:off x="0" y="-1"/>
-            <a:ext cx="12192003" cy="6858001"/>
+            <a:off x="1" y="6400800"/>
+            <a:ext cx="12192000" cy="457200"/>
           </a:xfrm>
           <a:prstGeom prst="rect">
             <a:avLst/>
           </a:prstGeom>
-          <a:noFill/>
-          <a:extLst>
-            <a:ext uri="{909E8E84-426E-40DD-AFC4-6F175D3DCCD1}">
-              <a14:hiddenFill xmlns:a14="http://schemas.microsoft.com/office/drawing/2010/main">
-                <a:solidFill>
-                  <a:srgbClr val="FFFFFF"/>
-                </a:solidFill>
-              </a14:hiddenFill>
-            </a:ext>
-          </a:extLst>
+          <a:solidFill>
+            <a:schemeClr val="accent2"/>
+          </a:solidFill>
+          <a:ln>
+            <a:noFill/>
+          </a:ln>
         </p:spPr>
-      </p:pic>
+        <p:style>
+          <a:lnRef idx="2">
+            <a:schemeClr val="accent1">
+              <a:shade val="50000"/>
+            </a:schemeClr>
+          </a:lnRef>
+          <a:fillRef idx="1">
+            <a:schemeClr val="accent1"/>
+          </a:fillRef>
+          <a:effectRef idx="0">
+            <a:schemeClr val="accent1"/>
+          </a:effectRef>
+          <a:fontRef idx="minor">
+            <a:schemeClr val="lt1"/>
+          </a:fontRef>
+        </p:style>
+      </p:sp>
+      <p:sp>
+        <p:nvSpPr>
+          <p:cNvPr id="9" name="Rectangle 8"/>
+          <p:cNvSpPr/>
+          <p:nvPr/>
+        </p:nvSpPr>
+        <p:spPr>
+          <a:xfrm>
+            <a:off x="0" y="6334316"/>
+            <a:ext cx="12192001" cy="65998"/>
+          </a:xfrm>
+          <a:prstGeom prst="rect">
+            <a:avLst/>
+          </a:prstGeom>
+          <a:solidFill>
+            <a:schemeClr val="accent1"/>
+          </a:solidFill>
+          <a:ln>
+            <a:noFill/>
+          </a:ln>
+        </p:spPr>
+        <p:style>
+          <a:lnRef idx="2">
+            <a:schemeClr val="accent1">
+              <a:shade val="50000"/>
+            </a:schemeClr>
+          </a:lnRef>
+          <a:fillRef idx="1">
+            <a:schemeClr val="accent1"/>
+          </a:fillRef>
+          <a:effectRef idx="0">
+            <a:schemeClr val="accent1"/>
+          </a:effectRef>
+          <a:fontRef idx="minor">
+            <a:schemeClr val="lt1"/>
+          </a:fontRef>
+        </p:style>
+      </p:sp>
       <p:sp>
         <p:nvSpPr>
           <p:cNvPr id="2" name="Title Placeholder 1"/>
@@ -5792,15 +3209,15 @@
         </p:nvSpPr>
         <p:spPr>
           <a:xfrm>
-            <a:off x="913775" y="618517"/>
-            <a:ext cx="10364451" cy="1596177"/>
+            <a:off x="1097280" y="286603"/>
+            <a:ext cx="10058400" cy="1450757"/>
           </a:xfrm>
           <a:prstGeom prst="rect">
             <a:avLst/>
           </a:prstGeom>
         </p:spPr>
         <p:txBody>
-          <a:bodyPr vert="horz" lIns="91440" tIns="45720" rIns="91440" bIns="45720" rtlCol="0" anchor="ctr">
+          <a:bodyPr vert="horz" lIns="91440" tIns="45720" rIns="91440" bIns="45720" rtlCol="0" anchor="b">
             <a:normAutofit/>
           </a:bodyPr>
           <a:lstStyle/>
@@ -5825,15 +3242,15 @@
         </p:nvSpPr>
         <p:spPr>
           <a:xfrm>
-            <a:off x="913775" y="2367093"/>
-            <a:ext cx="10364452" cy="3424107"/>
+            <a:off x="1097280" y="1845734"/>
+            <a:ext cx="10058400" cy="4023360"/>
           </a:xfrm>
           <a:prstGeom prst="rect">
             <a:avLst/>
           </a:prstGeom>
         </p:spPr>
         <p:txBody>
-          <a:bodyPr vert="horz" lIns="91440" tIns="45720" rIns="91440" bIns="45720" rtlCol="0">
+          <a:bodyPr vert="horz" lIns="0" tIns="45720" rIns="0" bIns="45720" rtlCol="0">
             <a:normAutofit/>
           </a:bodyPr>
           <a:lstStyle/>
@@ -5887,8 +3304,82 @@
         </p:nvSpPr>
         <p:spPr>
           <a:xfrm>
-            <a:off x="7678737" y="5883275"/>
-            <a:ext cx="2743200" cy="365125"/>
+            <a:off x="1097280" y="6459785"/>
+            <a:ext cx="2472271" cy="365125"/>
+          </a:xfrm>
+          <a:prstGeom prst="rect">
+            <a:avLst/>
+          </a:prstGeom>
+        </p:spPr>
+        <p:txBody>
+          <a:bodyPr vert="horz" lIns="91440" tIns="45720" rIns="91440" bIns="45720" rtlCol="0" anchor="ctr"/>
+          <a:lstStyle>
+            <a:lvl1pPr algn="l">
+              <a:defRPr sz="900">
+                <a:solidFill>
+                  <a:srgbClr val="FFFFFF"/>
+                </a:solidFill>
+              </a:defRPr>
+            </a:lvl1pPr>
+          </a:lstStyle>
+          <a:p>
+            <a:fld id="{87E83045-5AE1-40A9-B470-DA75385CFD17}" type="datetimeFigureOut">
+              <a:rPr lang="zh-CN" altLang="en-US" smtClean="0"/>
+              <a:t>2020/3/25</a:t>
+            </a:fld>
+            <a:endParaRPr lang="zh-CN" altLang="en-US"/>
+          </a:p>
+        </p:txBody>
+      </p:sp>
+      <p:sp>
+        <p:nvSpPr>
+          <p:cNvPr id="5" name="Footer Placeholder 4"/>
+          <p:cNvSpPr>
+            <a:spLocks noGrp="1"/>
+          </p:cNvSpPr>
+          <p:nvPr>
+            <p:ph type="ftr" sz="quarter" idx="3"/>
+          </p:nvPr>
+        </p:nvSpPr>
+        <p:spPr>
+          <a:xfrm>
+            <a:off x="3686185" y="6459785"/>
+            <a:ext cx="4822804" cy="365125"/>
+          </a:xfrm>
+          <a:prstGeom prst="rect">
+            <a:avLst/>
+          </a:prstGeom>
+        </p:spPr>
+        <p:txBody>
+          <a:bodyPr vert="horz" lIns="91440" tIns="45720" rIns="91440" bIns="45720" rtlCol="0" anchor="ctr"/>
+          <a:lstStyle>
+            <a:lvl1pPr algn="ctr">
+              <a:defRPr sz="900" cap="all" baseline="0">
+                <a:solidFill>
+                  <a:srgbClr val="FFFFFF"/>
+                </a:solidFill>
+              </a:defRPr>
+            </a:lvl1pPr>
+          </a:lstStyle>
+          <a:p>
+            <a:endParaRPr lang="zh-CN" altLang="en-US"/>
+          </a:p>
+        </p:txBody>
+      </p:sp>
+      <p:sp>
+        <p:nvSpPr>
+          <p:cNvPr id="6" name="Slide Number Placeholder 5"/>
+          <p:cNvSpPr>
+            <a:spLocks noGrp="1"/>
+          </p:cNvSpPr>
+          <p:nvPr>
+            <p:ph type="sldNum" sz="quarter" idx="4"/>
+          </p:nvPr>
+        </p:nvSpPr>
+        <p:spPr>
+          <a:xfrm>
+            <a:off x="9900458" y="6459785"/>
+            <a:ext cx="1312025" cy="365125"/>
           </a:xfrm>
           <a:prstGeom prst="rect">
             <a:avLst/>
@@ -5898,83 +3389,9 @@
           <a:bodyPr vert="horz" lIns="91440" tIns="45720" rIns="91440" bIns="45720" rtlCol="0" anchor="ctr"/>
           <a:lstStyle>
             <a:lvl1pPr algn="r">
-              <a:defRPr sz="1000">
+              <a:defRPr sz="1050">
                 <a:solidFill>
-                  <a:schemeClr val="tx1"/>
-                </a:solidFill>
-              </a:defRPr>
-            </a:lvl1pPr>
-          </a:lstStyle>
-          <a:p>
-            <a:fld id="{87E83045-5AE1-40A9-B470-DA75385CFD17}" type="datetimeFigureOut">
-              <a:rPr lang="zh-CN" altLang="en-US" smtClean="0"/>
-              <a:t>2020/3/14</a:t>
-            </a:fld>
-            <a:endParaRPr lang="zh-CN" altLang="en-US"/>
-          </a:p>
-        </p:txBody>
-      </p:sp>
-      <p:sp>
-        <p:nvSpPr>
-          <p:cNvPr id="5" name="Footer Placeholder 4"/>
-          <p:cNvSpPr>
-            <a:spLocks noGrp="1"/>
-          </p:cNvSpPr>
-          <p:nvPr>
-            <p:ph type="ftr" sz="quarter" idx="3"/>
-          </p:nvPr>
-        </p:nvSpPr>
-        <p:spPr>
-          <a:xfrm>
-            <a:off x="913774" y="5883275"/>
-            <a:ext cx="6672887" cy="365125"/>
-          </a:xfrm>
-          <a:prstGeom prst="rect">
-            <a:avLst/>
-          </a:prstGeom>
-        </p:spPr>
-        <p:txBody>
-          <a:bodyPr vert="horz" lIns="91440" tIns="45720" rIns="91440" bIns="45720" rtlCol="0" anchor="ctr"/>
-          <a:lstStyle>
-            <a:lvl1pPr algn="l">
-              <a:defRPr sz="1000">
-                <a:solidFill>
-                  <a:schemeClr val="tx1"/>
-                </a:solidFill>
-              </a:defRPr>
-            </a:lvl1pPr>
-          </a:lstStyle>
-          <a:p>
-            <a:endParaRPr lang="zh-CN" altLang="en-US"/>
-          </a:p>
-        </p:txBody>
-      </p:sp>
-      <p:sp>
-        <p:nvSpPr>
-          <p:cNvPr id="6" name="Slide Number Placeholder 5"/>
-          <p:cNvSpPr>
-            <a:spLocks noGrp="1"/>
-          </p:cNvSpPr>
-          <p:nvPr>
-            <p:ph type="sldNum" sz="quarter" idx="4"/>
-          </p:nvPr>
-        </p:nvSpPr>
-        <p:spPr>
-          <a:xfrm>
-            <a:off x="10514011" y="5883275"/>
-            <a:ext cx="764215" cy="365125"/>
-          </a:xfrm>
-          <a:prstGeom prst="rect">
-            <a:avLst/>
-          </a:prstGeom>
-        </p:spPr>
-        <p:txBody>
-          <a:bodyPr vert="horz" lIns="91440" tIns="45720" rIns="91440" bIns="45720" rtlCol="0" anchor="ctr"/>
-          <a:lstStyle>
-            <a:lvl1pPr algn="r">
-              <a:defRPr sz="1000">
-                <a:solidFill>
-                  <a:schemeClr val="tx1"/>
+                  <a:srgbClr val="FFFFFF"/>
                 </a:solidFill>
               </a:defRPr>
             </a:lvl1pPr>
@@ -5988,49 +3405,82 @@
           </a:p>
         </p:txBody>
       </p:sp>
+      <p:cxnSp>
+        <p:nvCxnSpPr>
+          <p:cNvPr id="10" name="Straight Connector 9"/>
+          <p:cNvCxnSpPr/>
+          <p:nvPr/>
+        </p:nvCxnSpPr>
+        <p:spPr>
+          <a:xfrm>
+            <a:off x="1193532" y="1737845"/>
+            <a:ext cx="9966960" cy="0"/>
+          </a:xfrm>
+          <a:prstGeom prst="line">
+            <a:avLst/>
+          </a:prstGeom>
+          <a:ln w="6350">
+            <a:solidFill>
+              <a:schemeClr val="tx1">
+                <a:lumMod val="50000"/>
+                <a:lumOff val="50000"/>
+              </a:schemeClr>
+            </a:solidFill>
+          </a:ln>
+        </p:spPr>
+        <p:style>
+          <a:lnRef idx="1">
+            <a:schemeClr val="accent1"/>
+          </a:lnRef>
+          <a:fillRef idx="0">
+            <a:schemeClr val="accent1"/>
+          </a:fillRef>
+          <a:effectRef idx="0">
+            <a:schemeClr val="accent1"/>
+          </a:effectRef>
+          <a:fontRef idx="minor">
+            <a:schemeClr val="tx1"/>
+          </a:fontRef>
+        </p:style>
+      </p:cxnSp>
     </p:spTree>
     <p:extLst>
       <p:ext uri="{BB962C8B-B14F-4D97-AF65-F5344CB8AC3E}">
-        <p14:creationId xmlns:p14="http://schemas.microsoft.com/office/powerpoint/2010/main" val="3928284781"/>
+        <p14:creationId xmlns:p14="http://schemas.microsoft.com/office/powerpoint/2010/main" val="2360813407"/>
       </p:ext>
     </p:extLst>
   </p:cSld>
   <p:clrMap bg1="lt1" tx1="dk1" bg2="lt2" tx2="dk2" accent1="accent1" accent2="accent2" accent3="accent3" accent4="accent4" accent5="accent5" accent6="accent6" hlink="hlink" folHlink="folHlink"/>
   <p:sldLayoutIdLst>
-    <p:sldLayoutId id="2147483804" r:id="rId1"/>
-    <p:sldLayoutId id="2147483805" r:id="rId2"/>
-    <p:sldLayoutId id="2147483806" r:id="rId3"/>
-    <p:sldLayoutId id="2147483807" r:id="rId4"/>
-    <p:sldLayoutId id="2147483808" r:id="rId5"/>
-    <p:sldLayoutId id="2147483809" r:id="rId6"/>
-    <p:sldLayoutId id="2147483810" r:id="rId7"/>
-    <p:sldLayoutId id="2147483811" r:id="rId8"/>
-    <p:sldLayoutId id="2147483812" r:id="rId9"/>
-    <p:sldLayoutId id="2147483813" r:id="rId10"/>
-    <p:sldLayoutId id="2147483814" r:id="rId11"/>
-    <p:sldLayoutId id="2147483815" r:id="rId12"/>
-    <p:sldLayoutId id="2147483816" r:id="rId13"/>
-    <p:sldLayoutId id="2147483817" r:id="rId14"/>
-    <p:sldLayoutId id="2147483818" r:id="rId15"/>
-    <p:sldLayoutId id="2147483819" r:id="rId16"/>
-    <p:sldLayoutId id="2147483820" r:id="rId17"/>
-    <p:sldLayoutId id="2147483821" r:id="rId18"/>
+    <p:sldLayoutId id="2147483860" r:id="rId1"/>
+    <p:sldLayoutId id="2147483861" r:id="rId2"/>
+    <p:sldLayoutId id="2147483862" r:id="rId3"/>
+    <p:sldLayoutId id="2147483863" r:id="rId4"/>
+    <p:sldLayoutId id="2147483864" r:id="rId5"/>
+    <p:sldLayoutId id="2147483865" r:id="rId6"/>
+    <p:sldLayoutId id="2147483866" r:id="rId7"/>
+    <p:sldLayoutId id="2147483867" r:id="rId8"/>
+    <p:sldLayoutId id="2147483868" r:id="rId9"/>
+    <p:sldLayoutId id="2147483869" r:id="rId10"/>
+    <p:sldLayoutId id="2147483870" r:id="rId11"/>
   </p:sldLayoutIdLst>
   <p:txStyles>
     <p:titleStyle>
-      <a:lvl1pPr algn="ctr" defTabSz="914400" rtl="0" eaLnBrk="1" latinLnBrk="0" hangingPunct="1">
+      <a:lvl1pPr algn="l" defTabSz="914400" rtl="0" eaLnBrk="1" latinLnBrk="0" hangingPunct="1">
         <a:lnSpc>
-          <a:spcPct val="90000"/>
+          <a:spcPct val="85000"/>
         </a:lnSpc>
         <a:spcBef>
           <a:spcPct val="0"/>
         </a:spcBef>
         <a:buNone/>
-        <a:defRPr sz="3600" kern="1200" cap="all" baseline="0">
+        <a:defRPr sz="4800" kern="1200" spc="-50" baseline="0">
           <a:solidFill>
-            <a:schemeClr val="tx1"/>
+            <a:schemeClr val="tx1">
+              <a:lumMod val="75000"/>
+              <a:lumOff val="25000"/>
+            </a:schemeClr>
           </a:solidFill>
-          <a:effectLst/>
           <a:latin typeface="+mj-lt"/>
           <a:ea typeface="+mj-ea"/>
           <a:cs typeface="+mj-cs"/>
@@ -6038,199 +3488,245 @@
       </a:lvl1pPr>
     </p:titleStyle>
     <p:bodyStyle>
-      <a:lvl1pPr marL="228600" indent="-228600" algn="l" defTabSz="914400" rtl="0" eaLnBrk="1" latinLnBrk="0" hangingPunct="1">
+      <a:lvl1pPr marL="91440" indent="-91440" algn="l" defTabSz="914400" rtl="0" eaLnBrk="1" latinLnBrk="0" hangingPunct="1">
         <a:lnSpc>
-          <a:spcPct val="120000"/>
+          <a:spcPct val="90000"/>
         </a:lnSpc>
         <a:spcBef>
-          <a:spcPts val="1000"/>
+          <a:spcPts val="1200"/>
         </a:spcBef>
+        <a:spcAft>
+          <a:spcPts val="200"/>
+        </a:spcAft>
         <a:buClr>
-          <a:schemeClr val="tx1"/>
+          <a:schemeClr val="accent1"/>
         </a:buClr>
-        <a:buFont typeface="Arial" panose="020B0604020202020204" pitchFamily="34" charset="0"/>
-        <a:buChar char="•"/>
-        <a:defRPr sz="2000" kern="1200" cap="all" baseline="0">
+        <a:buSzPct val="100000"/>
+        <a:buFont typeface="Calibri" panose="020F0502020204030204" pitchFamily="34" charset="0"/>
+        <a:buChar char=" "/>
+        <a:defRPr sz="2000" kern="1200">
           <a:solidFill>
-            <a:schemeClr val="tx1"/>
+            <a:schemeClr val="tx1">
+              <a:lumMod val="75000"/>
+              <a:lumOff val="25000"/>
+            </a:schemeClr>
           </a:solidFill>
-          <a:effectLst/>
           <a:latin typeface="+mn-lt"/>
           <a:ea typeface="+mn-ea"/>
           <a:cs typeface="+mn-cs"/>
         </a:defRPr>
       </a:lvl1pPr>
-      <a:lvl2pPr marL="685800" indent="-228600" algn="l" defTabSz="914400" rtl="0" eaLnBrk="1" latinLnBrk="0" hangingPunct="1">
+      <a:lvl2pPr marL="384048" indent="-182880" algn="l" defTabSz="914400" rtl="0" eaLnBrk="1" latinLnBrk="0" hangingPunct="1">
         <a:lnSpc>
-          <a:spcPct val="120000"/>
+          <a:spcPct val="90000"/>
         </a:lnSpc>
         <a:spcBef>
-          <a:spcPts val="500"/>
+          <a:spcPts val="200"/>
         </a:spcBef>
+        <a:spcAft>
+          <a:spcPts val="400"/>
+        </a:spcAft>
         <a:buClr>
-          <a:schemeClr val="tx1"/>
+          <a:schemeClr val="accent1"/>
         </a:buClr>
-        <a:buFont typeface="Arial" panose="020B0604020202020204" pitchFamily="34" charset="0"/>
-        <a:buChar char="•"/>
-        <a:defRPr sz="1800" kern="1200" cap="all" baseline="0">
+        <a:buFont typeface="Calibri" pitchFamily="34" charset="0"/>
+        <a:buChar char="◦"/>
+        <a:defRPr sz="1800" kern="1200">
           <a:solidFill>
-            <a:schemeClr val="tx1"/>
+            <a:schemeClr val="tx1">
+              <a:lumMod val="75000"/>
+              <a:lumOff val="25000"/>
+            </a:schemeClr>
           </a:solidFill>
-          <a:effectLst/>
           <a:latin typeface="+mn-lt"/>
           <a:ea typeface="+mn-ea"/>
           <a:cs typeface="+mn-cs"/>
         </a:defRPr>
       </a:lvl2pPr>
-      <a:lvl3pPr marL="1143000" indent="-228600" algn="l" defTabSz="914400" rtl="0" eaLnBrk="1" latinLnBrk="0" hangingPunct="1">
+      <a:lvl3pPr marL="566928" indent="-182880" algn="l" defTabSz="914400" rtl="0" eaLnBrk="1" latinLnBrk="0" hangingPunct="1">
         <a:lnSpc>
-          <a:spcPct val="120000"/>
+          <a:spcPct val="90000"/>
         </a:lnSpc>
         <a:spcBef>
-          <a:spcPts val="500"/>
+          <a:spcPts val="200"/>
         </a:spcBef>
+        <a:spcAft>
+          <a:spcPts val="400"/>
+        </a:spcAft>
         <a:buClr>
-          <a:schemeClr val="tx1"/>
+          <a:schemeClr val="accent1"/>
         </a:buClr>
-        <a:buFont typeface="Arial" panose="020B0604020202020204" pitchFamily="34" charset="0"/>
-        <a:buChar char="•"/>
-        <a:defRPr sz="1600" kern="1200" cap="all" baseline="0">
+        <a:buFont typeface="Calibri" pitchFamily="34" charset="0"/>
+        <a:buChar char="◦"/>
+        <a:defRPr sz="1400" kern="1200">
           <a:solidFill>
-            <a:schemeClr val="tx1"/>
+            <a:schemeClr val="tx1">
+              <a:lumMod val="75000"/>
+              <a:lumOff val="25000"/>
+            </a:schemeClr>
           </a:solidFill>
-          <a:effectLst/>
           <a:latin typeface="+mn-lt"/>
           <a:ea typeface="+mn-ea"/>
           <a:cs typeface="+mn-cs"/>
         </a:defRPr>
       </a:lvl3pPr>
-      <a:lvl4pPr marL="1600200" indent="-228600" algn="l" defTabSz="914400" rtl="0" eaLnBrk="1" latinLnBrk="0" hangingPunct="1">
+      <a:lvl4pPr marL="749808" indent="-182880" algn="l" defTabSz="914400" rtl="0" eaLnBrk="1" latinLnBrk="0" hangingPunct="1">
         <a:lnSpc>
-          <a:spcPct val="120000"/>
+          <a:spcPct val="90000"/>
         </a:lnSpc>
         <a:spcBef>
-          <a:spcPts val="500"/>
+          <a:spcPts val="200"/>
         </a:spcBef>
+        <a:spcAft>
+          <a:spcPts val="400"/>
+        </a:spcAft>
         <a:buClr>
-          <a:schemeClr val="tx1"/>
+          <a:schemeClr val="accent1"/>
         </a:buClr>
-        <a:buFont typeface="Arial" panose="020B0604020202020204" pitchFamily="34" charset="0"/>
-        <a:buChar char="•"/>
-        <a:defRPr sz="1400" kern="1200" cap="all" baseline="0">
+        <a:buFont typeface="Calibri" pitchFamily="34" charset="0"/>
+        <a:buChar char="◦"/>
+        <a:defRPr sz="1400" kern="1200">
           <a:solidFill>
-            <a:schemeClr val="tx1"/>
+            <a:schemeClr val="tx1">
+              <a:lumMod val="75000"/>
+              <a:lumOff val="25000"/>
+            </a:schemeClr>
           </a:solidFill>
-          <a:effectLst/>
           <a:latin typeface="+mn-lt"/>
           <a:ea typeface="+mn-ea"/>
           <a:cs typeface="+mn-cs"/>
         </a:defRPr>
       </a:lvl4pPr>
-      <a:lvl5pPr marL="2057400" indent="-228600" algn="l" defTabSz="914400" rtl="0" eaLnBrk="1" latinLnBrk="0" hangingPunct="1">
+      <a:lvl5pPr marL="932688" indent="-182880" algn="l" defTabSz="914400" rtl="0" eaLnBrk="1" latinLnBrk="0" hangingPunct="1">
         <a:lnSpc>
-          <a:spcPct val="120000"/>
+          <a:spcPct val="90000"/>
         </a:lnSpc>
         <a:spcBef>
-          <a:spcPts val="500"/>
+          <a:spcPts val="200"/>
         </a:spcBef>
+        <a:spcAft>
+          <a:spcPts val="400"/>
+        </a:spcAft>
         <a:buClr>
-          <a:schemeClr val="tx1"/>
+          <a:schemeClr val="accent1"/>
         </a:buClr>
-        <a:buFont typeface="Arial" panose="020B0604020202020204" pitchFamily="34" charset="0"/>
-        <a:buChar char="•"/>
-        <a:defRPr sz="1400" kern="1200" cap="all" baseline="0">
+        <a:buFont typeface="Calibri" pitchFamily="34" charset="0"/>
+        <a:buChar char="◦"/>
+        <a:defRPr sz="1400" kern="1200">
           <a:solidFill>
-            <a:schemeClr val="tx1"/>
+            <a:schemeClr val="tx1">
+              <a:lumMod val="75000"/>
+              <a:lumOff val="25000"/>
+            </a:schemeClr>
           </a:solidFill>
-          <a:effectLst/>
           <a:latin typeface="+mn-lt"/>
           <a:ea typeface="+mn-ea"/>
           <a:cs typeface="+mn-cs"/>
         </a:defRPr>
       </a:lvl5pPr>
-      <a:lvl6pPr marL="2514600" indent="-228600" algn="l" defTabSz="914400" rtl="0" eaLnBrk="1" latinLnBrk="0" hangingPunct="1">
+      <a:lvl6pPr marL="1100000" indent="-228600" algn="l" defTabSz="914400" rtl="0" eaLnBrk="1" latinLnBrk="0" hangingPunct="1">
         <a:lnSpc>
-          <a:spcPct val="120000"/>
+          <a:spcPct val="90000"/>
         </a:lnSpc>
         <a:spcBef>
-          <a:spcPts val="500"/>
+          <a:spcPts val="200"/>
         </a:spcBef>
+        <a:spcAft>
+          <a:spcPts val="400"/>
+        </a:spcAft>
         <a:buClr>
-          <a:schemeClr val="tx1"/>
+          <a:schemeClr val="accent1"/>
         </a:buClr>
-        <a:buFont typeface="Arial" panose="020B0604020202020204" pitchFamily="34" charset="0"/>
-        <a:buChar char="•"/>
-        <a:defRPr sz="1400" kern="1200" cap="all" baseline="0">
+        <a:buFont typeface="Calibri" pitchFamily="34" charset="0"/>
+        <a:buChar char="◦"/>
+        <a:defRPr sz="1400" kern="1200">
           <a:solidFill>
-            <a:schemeClr val="tx1"/>
+            <a:schemeClr val="tx1">
+              <a:lumMod val="75000"/>
+              <a:lumOff val="25000"/>
+            </a:schemeClr>
           </a:solidFill>
-          <a:effectLst/>
           <a:latin typeface="+mn-lt"/>
           <a:ea typeface="+mn-ea"/>
           <a:cs typeface="+mn-cs"/>
         </a:defRPr>
       </a:lvl6pPr>
-      <a:lvl7pPr marL="2971800" indent="-228600" algn="l" defTabSz="914400" rtl="0" eaLnBrk="1" latinLnBrk="0" hangingPunct="1">
+      <a:lvl7pPr marL="1300000" indent="-228600" algn="l" defTabSz="914400" rtl="0" eaLnBrk="1" latinLnBrk="0" hangingPunct="1">
         <a:lnSpc>
-          <a:spcPct val="120000"/>
+          <a:spcPct val="90000"/>
         </a:lnSpc>
         <a:spcBef>
-          <a:spcPts val="500"/>
+          <a:spcPts val="200"/>
         </a:spcBef>
+        <a:spcAft>
+          <a:spcPts val="400"/>
+        </a:spcAft>
         <a:buClr>
-          <a:schemeClr val="tx1"/>
+          <a:schemeClr val="accent1"/>
         </a:buClr>
-        <a:buFont typeface="Arial" panose="020B0604020202020204" pitchFamily="34" charset="0"/>
-        <a:buChar char="•"/>
-        <a:defRPr sz="1400" kern="1200" cap="all" baseline="0">
+        <a:buFont typeface="Calibri" pitchFamily="34" charset="0"/>
+        <a:buChar char="◦"/>
+        <a:defRPr sz="1400" kern="1200">
           <a:solidFill>
-            <a:schemeClr val="tx1"/>
+            <a:schemeClr val="tx1">
+              <a:lumMod val="75000"/>
+              <a:lumOff val="25000"/>
+            </a:schemeClr>
           </a:solidFill>
-          <a:effectLst/>
           <a:latin typeface="+mn-lt"/>
           <a:ea typeface="+mn-ea"/>
           <a:cs typeface="+mn-cs"/>
         </a:defRPr>
       </a:lvl7pPr>
-      <a:lvl8pPr marL="3429000" indent="-228600" algn="l" defTabSz="914400" rtl="0" eaLnBrk="1" latinLnBrk="0" hangingPunct="1">
+      <a:lvl8pPr marL="1500000" indent="-228600" algn="l" defTabSz="914400" rtl="0" eaLnBrk="1" latinLnBrk="0" hangingPunct="1">
         <a:lnSpc>
-          <a:spcPct val="120000"/>
+          <a:spcPct val="90000"/>
         </a:lnSpc>
         <a:spcBef>
-          <a:spcPts val="500"/>
+          <a:spcPts val="200"/>
         </a:spcBef>
+        <a:spcAft>
+          <a:spcPts val="400"/>
+        </a:spcAft>
         <a:buClr>
-          <a:schemeClr val="tx1"/>
+          <a:schemeClr val="accent1"/>
         </a:buClr>
-        <a:buFont typeface="Arial" panose="020B0604020202020204" pitchFamily="34" charset="0"/>
-        <a:buChar char="•"/>
-        <a:defRPr sz="1400" kern="1200" cap="all" baseline="0">
+        <a:buFont typeface="Calibri" pitchFamily="34" charset="0"/>
+        <a:buChar char="◦"/>
+        <a:defRPr sz="1400" kern="1200">
           <a:solidFill>
-            <a:schemeClr val="tx1"/>
+            <a:schemeClr val="tx1">
+              <a:lumMod val="75000"/>
+              <a:lumOff val="25000"/>
+            </a:schemeClr>
           </a:solidFill>
-          <a:effectLst/>
           <a:latin typeface="+mn-lt"/>
           <a:ea typeface="+mn-ea"/>
           <a:cs typeface="+mn-cs"/>
         </a:defRPr>
       </a:lvl8pPr>
-      <a:lvl9pPr marL="3886200" indent="-228600" algn="l" defTabSz="914400" rtl="0" eaLnBrk="1" latinLnBrk="0" hangingPunct="1">
+      <a:lvl9pPr marL="1700000" indent="-228600" algn="l" defTabSz="914400" rtl="0" eaLnBrk="1" latinLnBrk="0" hangingPunct="1">
         <a:lnSpc>
-          <a:spcPct val="120000"/>
+          <a:spcPct val="90000"/>
         </a:lnSpc>
         <a:spcBef>
-          <a:spcPts val="500"/>
+          <a:spcPts val="200"/>
         </a:spcBef>
+        <a:spcAft>
+          <a:spcPts val="400"/>
+        </a:spcAft>
         <a:buClr>
-          <a:schemeClr val="tx1"/>
+          <a:schemeClr val="accent1"/>
         </a:buClr>
-        <a:buFont typeface="Arial" panose="020B0604020202020204" pitchFamily="34" charset="0"/>
-        <a:buChar char="•"/>
-        <a:defRPr sz="1400" kern="1200" cap="all" baseline="0">
+        <a:buFont typeface="Calibri" pitchFamily="34" charset="0"/>
+        <a:buChar char="◦"/>
+        <a:defRPr sz="1400" kern="1200">
           <a:solidFill>
-            <a:schemeClr val="tx1"/>
+            <a:schemeClr val="tx1">
+              <a:lumMod val="75000"/>
+              <a:lumOff val="25000"/>
+            </a:schemeClr>
           </a:solidFill>
-          <a:effectLst/>
           <a:latin typeface="+mn-lt"/>
           <a:ea typeface="+mn-ea"/>
           <a:cs typeface="+mn-cs"/>
@@ -6634,8 +4130,8 @@
         </p:nvSpPr>
         <p:spPr>
           <a:xfrm>
-            <a:off x="913774" y="281166"/>
-            <a:ext cx="10364451" cy="1596177"/>
+            <a:off x="913774" y="541541"/>
+            <a:ext cx="10364451" cy="1113863"/>
           </a:xfrm>
         </p:spPr>
         <p:txBody>
@@ -6675,13 +4171,13 @@
         </p:nvSpPr>
         <p:spPr>
           <a:xfrm>
-            <a:off x="838200" y="1544716"/>
+            <a:off x="838199" y="1877343"/>
             <a:ext cx="10515600" cy="4856084"/>
           </a:xfrm>
         </p:spPr>
         <p:txBody>
           <a:bodyPr>
-            <a:normAutofit fontScale="92500" lnSpcReduction="10000"/>
+            <a:normAutofit lnSpcReduction="10000"/>
           </a:bodyPr>
           <a:lstStyle/>
           <a:p>
@@ -6954,7 +4450,12 @@
             <p:ph type="title"/>
           </p:nvPr>
         </p:nvSpPr>
-        <p:spPr/>
+        <p:spPr>
+          <a:xfrm>
+            <a:off x="1066800" y="816753"/>
+            <a:ext cx="10058400" cy="947247"/>
+          </a:xfrm>
+        </p:spPr>
         <p:txBody>
           <a:bodyPr/>
           <a:lstStyle/>
@@ -6998,7 +4499,7 @@
         </p:spPr>
         <p:txBody>
           <a:bodyPr>
-            <a:normAutofit fontScale="85000" lnSpcReduction="20000"/>
+            <a:normAutofit fontScale="92500" lnSpcReduction="10000"/>
           </a:bodyPr>
           <a:lstStyle/>
           <a:p>
@@ -7071,14 +4572,14 @@
               <a:buNone/>
             </a:pPr>
             <a:r>
-              <a:rPr lang="en-US" altLang="zh-CN" dirty="0"/>
-              <a:t>     </a:t>
-            </a:r>
-            <a:r>
-              <a:rPr lang="zh-CN" altLang="en-US" sz="1900" dirty="0"/>
+              <a:rPr lang="en-US" altLang="zh-CN" sz="1700" dirty="0"/>
+              <a:t>          </a:t>
+            </a:r>
+            <a:r>
+              <a:rPr lang="zh-CN" altLang="en-US" sz="1700" dirty="0"/>
               <a:t>注意：删除一条不存在的数据时，会获取数据所在区间的共享间隙锁；删除的数据存在则会加排他锁</a:t>
             </a:r>
-            <a:endParaRPr lang="en-US" altLang="zh-CN" sz="1900" dirty="0"/>
+            <a:endParaRPr lang="en-US" altLang="zh-CN" sz="1700" dirty="0"/>
           </a:p>
           <a:p>
             <a:r>
@@ -7357,13 +4858,13 @@
         </p:nvSpPr>
         <p:spPr>
           <a:xfrm>
-            <a:off x="838200" y="1500326"/>
-            <a:ext cx="10515600" cy="4992549"/>
+            <a:off x="838199" y="1865451"/>
+            <a:ext cx="10515600" cy="4826793"/>
           </a:xfrm>
         </p:spPr>
         <p:txBody>
           <a:bodyPr>
-            <a:normAutofit fontScale="92500" lnSpcReduction="20000"/>
+            <a:normAutofit/>
           </a:bodyPr>
           <a:lstStyle/>
           <a:p>
@@ -7717,7 +5218,7 @@
         </p:spPr>
         <p:txBody>
           <a:bodyPr>
-            <a:normAutofit lnSpcReduction="10000"/>
+            <a:normAutofit/>
           </a:bodyPr>
           <a:lstStyle/>
           <a:p>
@@ -7930,7 +5431,7 @@
         <p:spPr/>
         <p:txBody>
           <a:bodyPr>
-            <a:normAutofit fontScale="92500" lnSpcReduction="10000"/>
+            <a:normAutofit/>
           </a:bodyPr>
           <a:lstStyle/>
           <a:p>
@@ -8107,7 +5608,7 @@
         <p:spPr/>
         <p:txBody>
           <a:bodyPr>
-            <a:normAutofit fontScale="85000" lnSpcReduction="10000"/>
+            <a:normAutofit/>
           </a:bodyPr>
           <a:lstStyle/>
           <a:p>
@@ -8271,7 +5772,7 @@
         <p:spPr/>
         <p:txBody>
           <a:bodyPr>
-            <a:normAutofit fontScale="77500" lnSpcReduction="20000"/>
+            <a:normAutofit/>
           </a:bodyPr>
           <a:lstStyle/>
           <a:p>
@@ -8505,7 +6006,7 @@
         <p:spPr/>
         <p:txBody>
           <a:bodyPr>
-            <a:normAutofit fontScale="85000" lnSpcReduction="20000"/>
+            <a:normAutofit/>
           </a:bodyPr>
           <a:lstStyle/>
           <a:p>
@@ -8828,7 +6329,7 @@
         <p:spPr/>
         <p:txBody>
           <a:bodyPr>
-            <a:normAutofit fontScale="77500" lnSpcReduction="20000"/>
+            <a:normAutofit/>
           </a:bodyPr>
           <a:lstStyle/>
           <a:p>
@@ -9121,13 +6622,13 @@
             <a:spLocks noGrp="1"/>
           </p:cNvSpPr>
           <p:nvPr>
-            <p:ph type="title"/>
+            <p:ph type="title" idx="4294967295"/>
           </p:nvPr>
         </p:nvSpPr>
         <p:spPr>
           <a:xfrm>
-            <a:off x="0" y="63285"/>
-            <a:ext cx="10515600" cy="504887"/>
+            <a:off x="0" y="266306"/>
+            <a:ext cx="10515600" cy="504825"/>
           </a:xfrm>
         </p:spPr>
         <p:txBody>
@@ -9200,7 +6701,7 @@
         </p:nvSpPr>
         <p:spPr>
           <a:xfrm>
-            <a:off x="843379" y="1455938"/>
+            <a:off x="727969" y="1548472"/>
             <a:ext cx="10515600" cy="2862322"/>
           </a:xfrm>
           <a:prstGeom prst="rect">
@@ -9685,13 +7186,13 @@
             <a:spLocks noGrp="1"/>
           </p:cNvSpPr>
           <p:nvPr>
-            <p:ph type="title"/>
+            <p:ph type="title" idx="4294967295"/>
           </p:nvPr>
         </p:nvSpPr>
         <p:spPr>
           <a:xfrm>
-            <a:off x="0" y="63285"/>
-            <a:ext cx="10515600" cy="504887"/>
+            <a:off x="0" y="322741"/>
+            <a:ext cx="10515600" cy="504825"/>
           </a:xfrm>
         </p:spPr>
         <p:txBody>
@@ -9721,7 +7222,7 @@
         </p:nvSpPr>
         <p:spPr>
           <a:xfrm>
-            <a:off x="727969" y="827566"/>
+            <a:off x="727969" y="942975"/>
             <a:ext cx="5805996" cy="461665"/>
           </a:xfrm>
           <a:prstGeom prst="rect">
@@ -9764,7 +7265,7 @@
         </p:nvSpPr>
         <p:spPr>
           <a:xfrm>
-            <a:off x="838200" y="1543658"/>
+            <a:off x="727969" y="1520049"/>
             <a:ext cx="10515600" cy="4247317"/>
           </a:xfrm>
           <a:prstGeom prst="rect">
@@ -9996,7 +7497,7 @@
         </p:blipFill>
         <p:spPr>
           <a:xfrm>
-            <a:off x="4814194" y="4145964"/>
+            <a:off x="4741476" y="3915145"/>
             <a:ext cx="6722555" cy="2361368"/>
           </a:xfrm>
           <a:prstGeom prst="rect">
@@ -10168,13 +7669,13 @@
             <a:spLocks noGrp="1"/>
           </p:cNvSpPr>
           <p:nvPr>
-            <p:ph type="title"/>
+            <p:ph type="title" idx="4294967295"/>
           </p:nvPr>
         </p:nvSpPr>
         <p:spPr>
           <a:xfrm>
-            <a:off x="0" y="63285"/>
-            <a:ext cx="10515600" cy="504887"/>
+            <a:off x="-79899" y="275208"/>
+            <a:ext cx="10515600" cy="504825"/>
           </a:xfrm>
         </p:spPr>
         <p:txBody>
@@ -10247,7 +7748,7 @@
         </p:nvSpPr>
         <p:spPr>
           <a:xfrm>
-            <a:off x="727969" y="1438183"/>
+            <a:off x="727969" y="1289231"/>
             <a:ext cx="10515600" cy="3139321"/>
           </a:xfrm>
           <a:prstGeom prst="rect">
@@ -10430,7 +7931,7 @@
         </p:blipFill>
         <p:spPr>
           <a:xfrm>
-            <a:off x="4625267" y="2432482"/>
+            <a:off x="4572001" y="2157274"/>
             <a:ext cx="7412854" cy="4150310"/>
           </a:xfrm>
           <a:prstGeom prst="rect">
@@ -10602,13 +8103,13 @@
             <a:spLocks noGrp="1"/>
           </p:cNvSpPr>
           <p:nvPr>
-            <p:ph type="title"/>
+            <p:ph type="title" idx="4294967295"/>
           </p:nvPr>
         </p:nvSpPr>
         <p:spPr>
           <a:xfrm>
-            <a:off x="0" y="63285"/>
-            <a:ext cx="10515600" cy="504887"/>
+            <a:off x="-73241" y="241355"/>
+            <a:ext cx="10515600" cy="504825"/>
           </a:xfrm>
         </p:spPr>
         <p:txBody>
@@ -10638,7 +8139,7 @@
         </p:nvSpPr>
         <p:spPr>
           <a:xfrm>
-            <a:off x="727969" y="827566"/>
+            <a:off x="727969" y="703274"/>
             <a:ext cx="5805996" cy="461665"/>
           </a:xfrm>
           <a:prstGeom prst="rect">
@@ -10681,7 +8182,7 @@
         </p:nvSpPr>
         <p:spPr>
           <a:xfrm>
-            <a:off x="843379" y="1455938"/>
+            <a:off x="790111" y="1154087"/>
             <a:ext cx="4341180" cy="4524315"/>
           </a:xfrm>
           <a:prstGeom prst="rect">
@@ -10900,7 +8401,7 @@
         </p:nvSpPr>
         <p:spPr>
           <a:xfrm>
-            <a:off x="1219200" y="5934086"/>
+            <a:off x="1219200" y="5703264"/>
             <a:ext cx="3048000" cy="646331"/>
           </a:xfrm>
           <a:prstGeom prst="rect">
@@ -10958,7 +8459,7 @@
         </p:nvSpPr>
         <p:spPr>
           <a:xfrm>
-            <a:off x="5646199" y="1455938"/>
+            <a:off x="5646199" y="1100824"/>
             <a:ext cx="6359433" cy="4524315"/>
           </a:xfrm>
           <a:prstGeom prst="rect">
@@ -11196,7 +8697,7 @@
         </p:nvSpPr>
         <p:spPr>
           <a:xfrm>
-            <a:off x="5646199" y="5920133"/>
+            <a:off x="5646199" y="5369720"/>
             <a:ext cx="6359433" cy="646331"/>
           </a:xfrm>
           <a:prstGeom prst="rect">
@@ -11583,13 +9084,13 @@
             <a:spLocks noGrp="1"/>
           </p:cNvSpPr>
           <p:nvPr>
-            <p:ph type="title"/>
+            <p:ph type="title" idx="4294967295"/>
           </p:nvPr>
         </p:nvSpPr>
         <p:spPr>
           <a:xfrm>
-            <a:off x="0" y="63285"/>
-            <a:ext cx="10515600" cy="504887"/>
+            <a:off x="0" y="205861"/>
+            <a:ext cx="10515600" cy="504825"/>
           </a:xfrm>
         </p:spPr>
         <p:txBody>
@@ -12144,13 +9645,13 @@
             <a:spLocks noGrp="1"/>
           </p:cNvSpPr>
           <p:nvPr>
-            <p:ph type="title"/>
+            <p:ph type="title" idx="4294967295"/>
           </p:nvPr>
         </p:nvSpPr>
         <p:spPr>
           <a:xfrm>
-            <a:off x="0" y="63285"/>
-            <a:ext cx="10515600" cy="504887"/>
+            <a:off x="0" y="244175"/>
+            <a:ext cx="10515600" cy="504825"/>
           </a:xfrm>
         </p:spPr>
         <p:txBody>
@@ -12361,7 +9862,7 @@
         </p:nvSpPr>
         <p:spPr>
           <a:xfrm>
-            <a:off x="6205492" y="1944209"/>
+            <a:off x="5332519" y="1566074"/>
             <a:ext cx="3956532" cy="646331"/>
           </a:xfrm>
           <a:prstGeom prst="rect">
@@ -12431,7 +9932,7 @@
         </p:nvSpPr>
         <p:spPr>
           <a:xfrm>
-            <a:off x="6205492" y="2783853"/>
+            <a:off x="5442011" y="2383148"/>
             <a:ext cx="4403324" cy="646331"/>
           </a:xfrm>
           <a:prstGeom prst="rect">
@@ -12474,7 +9975,7 @@
         </p:nvSpPr>
         <p:spPr>
           <a:xfrm>
-            <a:off x="6205492" y="3781911"/>
+            <a:off x="5332519" y="3200222"/>
             <a:ext cx="4649030" cy="369332"/>
           </a:xfrm>
           <a:prstGeom prst="rect">
@@ -12529,7 +10030,7 @@
         </p:nvSpPr>
         <p:spPr>
           <a:xfrm>
-            <a:off x="6205492" y="4305501"/>
+            <a:off x="5442011" y="3740297"/>
             <a:ext cx="5823751" cy="2308324"/>
           </a:xfrm>
           <a:prstGeom prst="rect">
@@ -13058,13 +10559,13 @@
             <a:spLocks noGrp="1"/>
           </p:cNvSpPr>
           <p:nvPr>
-            <p:ph type="title"/>
+            <p:ph type="title" idx="4294967295"/>
           </p:nvPr>
         </p:nvSpPr>
         <p:spPr>
           <a:xfrm>
-            <a:off x="0" y="63285"/>
-            <a:ext cx="10515600" cy="504887"/>
+            <a:off x="0" y="212759"/>
+            <a:ext cx="10515600" cy="504825"/>
           </a:xfrm>
         </p:spPr>
         <p:txBody>
@@ -13662,13 +11163,13 @@
             <a:spLocks noGrp="1"/>
           </p:cNvSpPr>
           <p:nvPr>
-            <p:ph type="title"/>
+            <p:ph type="title" idx="4294967295"/>
           </p:nvPr>
         </p:nvSpPr>
         <p:spPr>
           <a:xfrm>
-            <a:off x="0" y="63285"/>
-            <a:ext cx="10515600" cy="504887"/>
+            <a:off x="0" y="239387"/>
+            <a:ext cx="10515600" cy="504825"/>
           </a:xfrm>
         </p:spPr>
         <p:txBody>
@@ -14003,7 +11504,7 @@
         </p:nvSpPr>
         <p:spPr>
           <a:xfrm>
-            <a:off x="7105000" y="4342868"/>
+            <a:off x="7096122" y="3970005"/>
             <a:ext cx="3662371" cy="1200329"/>
           </a:xfrm>
           <a:prstGeom prst="rect">
@@ -14073,7 +11574,7 @@
         </p:nvSpPr>
         <p:spPr>
           <a:xfrm>
-            <a:off x="6285391" y="5406501"/>
+            <a:off x="6285391" y="5069144"/>
             <a:ext cx="5458546" cy="1477328"/>
           </a:xfrm>
           <a:prstGeom prst="rect">
@@ -14672,13 +12173,13 @@
             <a:spLocks noGrp="1"/>
           </p:cNvSpPr>
           <p:nvPr>
-            <p:ph type="title"/>
+            <p:ph type="title" idx="4294967295"/>
           </p:nvPr>
         </p:nvSpPr>
         <p:spPr>
           <a:xfrm>
-            <a:off x="0" y="63285"/>
-            <a:ext cx="10515600" cy="504887"/>
+            <a:off x="0" y="278353"/>
+            <a:ext cx="10515600" cy="504825"/>
           </a:xfrm>
         </p:spPr>
         <p:txBody>
@@ -14936,7 +12437,7 @@
         </p:nvSpPr>
         <p:spPr>
           <a:xfrm>
-            <a:off x="843379" y="4663398"/>
+            <a:off x="843379" y="4619008"/>
             <a:ext cx="4802819" cy="2031325"/>
           </a:xfrm>
           <a:prstGeom prst="rect">
@@ -15061,7 +12562,7 @@
         </p:nvSpPr>
         <p:spPr>
           <a:xfrm>
-            <a:off x="6095999" y="4663398"/>
+            <a:off x="6095999" y="4627886"/>
             <a:ext cx="4802819" cy="2031325"/>
           </a:xfrm>
           <a:prstGeom prst="rect">
@@ -15550,13 +13051,13 @@
             <a:spLocks noGrp="1"/>
           </p:cNvSpPr>
           <p:nvPr>
-            <p:ph type="title"/>
+            <p:ph type="title" idx="4294967295"/>
           </p:nvPr>
         </p:nvSpPr>
         <p:spPr>
           <a:xfrm>
-            <a:off x="0" y="63285"/>
-            <a:ext cx="10515600" cy="504887"/>
+            <a:off x="0" y="262571"/>
+            <a:ext cx="10515600" cy="504825"/>
           </a:xfrm>
         </p:spPr>
         <p:txBody>
@@ -15629,7 +13130,7 @@
         </p:nvSpPr>
         <p:spPr>
           <a:xfrm>
-            <a:off x="843379" y="1455938"/>
+            <a:off x="843379" y="1313890"/>
             <a:ext cx="7741328" cy="5355312"/>
           </a:xfrm>
           <a:prstGeom prst="rect">
@@ -15892,7 +13393,7 @@
         </p:nvSpPr>
         <p:spPr>
           <a:xfrm>
-            <a:off x="8584707" y="5202315"/>
+            <a:off x="8584707" y="5140169"/>
             <a:ext cx="2056973" cy="1200329"/>
           </a:xfrm>
           <a:prstGeom prst="rect">
@@ -16075,13 +13576,13 @@
             <a:spLocks noGrp="1"/>
           </p:cNvSpPr>
           <p:nvPr>
-            <p:ph type="title"/>
+            <p:ph type="title" idx="4294967295"/>
           </p:nvPr>
         </p:nvSpPr>
         <p:spPr>
           <a:xfrm>
-            <a:off x="0" y="63285"/>
-            <a:ext cx="10515600" cy="504887"/>
+            <a:off x="0" y="208214"/>
+            <a:ext cx="10515600" cy="504825"/>
           </a:xfrm>
         </p:spPr>
         <p:txBody>
@@ -17348,7 +14849,7 @@
         <p:spPr/>
         <p:txBody>
           <a:bodyPr>
-            <a:normAutofit fontScale="77500" lnSpcReduction="20000"/>
+            <a:normAutofit/>
           </a:bodyPr>
           <a:lstStyle/>
           <a:p>
@@ -17518,7 +15019,7 @@
         </p:blipFill>
         <p:spPr>
           <a:xfrm>
-            <a:off x="4972844" y="3616325"/>
+            <a:off x="5530850" y="3162300"/>
             <a:ext cx="1190625" cy="1390650"/>
           </a:xfrm>
           <a:prstGeom prst="rect">
@@ -17825,13 +15326,13 @@
             <a:spLocks noGrp="1"/>
           </p:cNvSpPr>
           <p:nvPr>
-            <p:ph type="title"/>
+            <p:ph type="title" idx="4294967295"/>
           </p:nvPr>
         </p:nvSpPr>
         <p:spPr>
           <a:xfrm>
-            <a:off x="838199" y="-69669"/>
-            <a:ext cx="10364451" cy="1596177"/>
+            <a:off x="0" y="229869"/>
+            <a:ext cx="10364788" cy="990208"/>
           </a:xfrm>
         </p:spPr>
         <p:txBody>
@@ -17867,7 +15368,7 @@
         </p:nvSpPr>
         <p:spPr>
           <a:xfrm>
-            <a:off x="838199" y="1526508"/>
+            <a:off x="838199" y="1171403"/>
             <a:ext cx="7484165" cy="5262979"/>
           </a:xfrm>
           <a:prstGeom prst="rect">
@@ -18154,7 +15655,7 @@
         </p:nvSpPr>
         <p:spPr>
           <a:xfrm>
-            <a:off x="5466553" y="5753143"/>
+            <a:off x="5466553" y="5362524"/>
             <a:ext cx="3792857" cy="1200329"/>
           </a:xfrm>
           <a:prstGeom prst="rect">
@@ -18219,6 +15720,282 @@
   <p:clrMapOvr>
     <a:masterClrMapping/>
   </p:clrMapOvr>
+  <p:timing>
+    <p:tnLst>
+      <p:par>
+        <p:cTn id="1" dur="indefinite" restart="never" nodeType="tmRoot">
+          <p:childTnLst>
+            <p:seq concurrent="1" nextAc="seek">
+              <p:cTn id="2" dur="indefinite" nodeType="mainSeq">
+                <p:childTnLst>
+                  <p:par>
+                    <p:cTn id="3" fill="hold">
+                      <p:stCondLst>
+                        <p:cond delay="indefinite"/>
+                      </p:stCondLst>
+                      <p:childTnLst>
+                        <p:par>
+                          <p:cTn id="4" fill="hold">
+                            <p:stCondLst>
+                              <p:cond delay="0"/>
+                            </p:stCondLst>
+                            <p:childTnLst>
+                              <p:par>
+                                <p:cTn id="5" presetID="2" presetClass="entr" presetSubtype="4" fill="hold" grpId="0" nodeType="clickEffect">
+                                  <p:stCondLst>
+                                    <p:cond delay="0"/>
+                                  </p:stCondLst>
+                                  <p:childTnLst>
+                                    <p:set>
+                                      <p:cBhvr>
+                                        <p:cTn id="6" dur="1" fill="hold">
+                                          <p:stCondLst>
+                                            <p:cond delay="0"/>
+                                          </p:stCondLst>
+                                        </p:cTn>
+                                        <p:tgtEl>
+                                          <p:spTgt spid="18"/>
+                                        </p:tgtEl>
+                                        <p:attrNameLst>
+                                          <p:attrName>style.visibility</p:attrName>
+                                        </p:attrNameLst>
+                                      </p:cBhvr>
+                                      <p:to>
+                                        <p:strVal val="visible"/>
+                                      </p:to>
+                                    </p:set>
+                                    <p:anim calcmode="lin" valueType="num">
+                                      <p:cBhvr additive="base">
+                                        <p:cTn id="7" dur="500" fill="hold"/>
+                                        <p:tgtEl>
+                                          <p:spTgt spid="18"/>
+                                        </p:tgtEl>
+                                        <p:attrNameLst>
+                                          <p:attrName>ppt_x</p:attrName>
+                                        </p:attrNameLst>
+                                      </p:cBhvr>
+                                      <p:tavLst>
+                                        <p:tav tm="0">
+                                          <p:val>
+                                            <p:strVal val="#ppt_x"/>
+                                          </p:val>
+                                        </p:tav>
+                                        <p:tav tm="100000">
+                                          <p:val>
+                                            <p:strVal val="#ppt_x"/>
+                                          </p:val>
+                                        </p:tav>
+                                      </p:tavLst>
+                                    </p:anim>
+                                    <p:anim calcmode="lin" valueType="num">
+                                      <p:cBhvr additive="base">
+                                        <p:cTn id="8" dur="500" fill="hold"/>
+                                        <p:tgtEl>
+                                          <p:spTgt spid="18"/>
+                                        </p:tgtEl>
+                                        <p:attrNameLst>
+                                          <p:attrName>ppt_y</p:attrName>
+                                        </p:attrNameLst>
+                                      </p:cBhvr>
+                                      <p:tavLst>
+                                        <p:tav tm="0">
+                                          <p:val>
+                                            <p:strVal val="1+#ppt_h/2"/>
+                                          </p:val>
+                                        </p:tav>
+                                        <p:tav tm="100000">
+                                          <p:val>
+                                            <p:strVal val="#ppt_y"/>
+                                          </p:val>
+                                        </p:tav>
+                                      </p:tavLst>
+                                    </p:anim>
+                                  </p:childTnLst>
+                                </p:cTn>
+                              </p:par>
+                            </p:childTnLst>
+                          </p:cTn>
+                        </p:par>
+                      </p:childTnLst>
+                    </p:cTn>
+                  </p:par>
+                  <p:par>
+                    <p:cTn id="9" fill="hold">
+                      <p:stCondLst>
+                        <p:cond delay="indefinite"/>
+                      </p:stCondLst>
+                      <p:childTnLst>
+                        <p:par>
+                          <p:cTn id="10" fill="hold">
+                            <p:stCondLst>
+                              <p:cond delay="0"/>
+                            </p:stCondLst>
+                            <p:childTnLst>
+                              <p:par>
+                                <p:cTn id="11" presetID="42" presetClass="entr" presetSubtype="0" fill="hold" nodeType="clickEffect">
+                                  <p:stCondLst>
+                                    <p:cond delay="0"/>
+                                  </p:stCondLst>
+                                  <p:childTnLst>
+                                    <p:set>
+                                      <p:cBhvr>
+                                        <p:cTn id="12" dur="1" fill="hold">
+                                          <p:stCondLst>
+                                            <p:cond delay="0"/>
+                                          </p:stCondLst>
+                                        </p:cTn>
+                                        <p:tgtEl>
+                                          <p:spTgt spid="13"/>
+                                        </p:tgtEl>
+                                        <p:attrNameLst>
+                                          <p:attrName>style.visibility</p:attrName>
+                                        </p:attrNameLst>
+                                      </p:cBhvr>
+                                      <p:to>
+                                        <p:strVal val="visible"/>
+                                      </p:to>
+                                    </p:set>
+                                    <p:animEffect transition="in" filter="fade">
+                                      <p:cBhvr>
+                                        <p:cTn id="13" dur="1000"/>
+                                        <p:tgtEl>
+                                          <p:spTgt spid="13"/>
+                                        </p:tgtEl>
+                                      </p:cBhvr>
+                                    </p:animEffect>
+                                    <p:anim calcmode="lin" valueType="num">
+                                      <p:cBhvr>
+                                        <p:cTn id="14" dur="1000" fill="hold"/>
+                                        <p:tgtEl>
+                                          <p:spTgt spid="13"/>
+                                        </p:tgtEl>
+                                        <p:attrNameLst>
+                                          <p:attrName>ppt_x</p:attrName>
+                                        </p:attrNameLst>
+                                      </p:cBhvr>
+                                      <p:tavLst>
+                                        <p:tav tm="0">
+                                          <p:val>
+                                            <p:strVal val="#ppt_x"/>
+                                          </p:val>
+                                        </p:tav>
+                                        <p:tav tm="100000">
+                                          <p:val>
+                                            <p:strVal val="#ppt_x"/>
+                                          </p:val>
+                                        </p:tav>
+                                      </p:tavLst>
+                                    </p:anim>
+                                    <p:anim calcmode="lin" valueType="num">
+                                      <p:cBhvr>
+                                        <p:cTn id="15" dur="1000" fill="hold"/>
+                                        <p:tgtEl>
+                                          <p:spTgt spid="13"/>
+                                        </p:tgtEl>
+                                        <p:attrNameLst>
+                                          <p:attrName>ppt_y</p:attrName>
+                                        </p:attrNameLst>
+                                      </p:cBhvr>
+                                      <p:tavLst>
+                                        <p:tav tm="0">
+                                          <p:val>
+                                            <p:strVal val="#ppt_y+.1"/>
+                                          </p:val>
+                                        </p:tav>
+                                        <p:tav tm="100000">
+                                          <p:val>
+                                            <p:strVal val="#ppt_y"/>
+                                          </p:val>
+                                        </p:tav>
+                                      </p:tavLst>
+                                    </p:anim>
+                                  </p:childTnLst>
+                                </p:cTn>
+                              </p:par>
+                            </p:childTnLst>
+                          </p:cTn>
+                        </p:par>
+                      </p:childTnLst>
+                    </p:cTn>
+                  </p:par>
+                  <p:par>
+                    <p:cTn id="16" fill="hold">
+                      <p:stCondLst>
+                        <p:cond delay="indefinite"/>
+                      </p:stCondLst>
+                      <p:childTnLst>
+                        <p:par>
+                          <p:cTn id="17" fill="hold">
+                            <p:stCondLst>
+                              <p:cond delay="0"/>
+                            </p:stCondLst>
+                            <p:childTnLst>
+                              <p:par>
+                                <p:cTn id="18" presetID="16" presetClass="entr" presetSubtype="21" fill="hold" nodeType="clickEffect">
+                                  <p:stCondLst>
+                                    <p:cond delay="0"/>
+                                  </p:stCondLst>
+                                  <p:childTnLst>
+                                    <p:set>
+                                      <p:cBhvr>
+                                        <p:cTn id="19" dur="1" fill="hold">
+                                          <p:stCondLst>
+                                            <p:cond delay="0"/>
+                                          </p:stCondLst>
+                                        </p:cTn>
+                                        <p:tgtEl>
+                                          <p:spTgt spid="17"/>
+                                        </p:tgtEl>
+                                        <p:attrNameLst>
+                                          <p:attrName>style.visibility</p:attrName>
+                                        </p:attrNameLst>
+                                      </p:cBhvr>
+                                      <p:to>
+                                        <p:strVal val="visible"/>
+                                      </p:to>
+                                    </p:set>
+                                    <p:animEffect transition="in" filter="barn(inVertical)">
+                                      <p:cBhvr>
+                                        <p:cTn id="20" dur="500"/>
+                                        <p:tgtEl>
+                                          <p:spTgt spid="17"/>
+                                        </p:tgtEl>
+                                      </p:cBhvr>
+                                    </p:animEffect>
+                                  </p:childTnLst>
+                                </p:cTn>
+                              </p:par>
+                            </p:childTnLst>
+                          </p:cTn>
+                        </p:par>
+                      </p:childTnLst>
+                    </p:cTn>
+                  </p:par>
+                </p:childTnLst>
+              </p:cTn>
+              <p:prevCondLst>
+                <p:cond evt="onPrev" delay="0">
+                  <p:tgtEl>
+                    <p:sldTgt/>
+                  </p:tgtEl>
+                </p:cond>
+              </p:prevCondLst>
+              <p:nextCondLst>
+                <p:cond evt="onNext" delay="0">
+                  <p:tgtEl>
+                    <p:sldTgt/>
+                  </p:tgtEl>
+                </p:cond>
+              </p:nextCondLst>
+            </p:seq>
+          </p:childTnLst>
+        </p:cTn>
+      </p:par>
+    </p:tnLst>
+    <p:bldLst>
+      <p:bldP spid="18" grpId="0"/>
+    </p:bldLst>
+  </p:timing>
 </p:sld>
 </file>
 
@@ -19344,7 +17121,7 @@
         </p:spPr>
         <p:txBody>
           <a:bodyPr>
-            <a:normAutofit lnSpcReduction="10000"/>
+            <a:normAutofit/>
           </a:bodyPr>
           <a:lstStyle/>
           <a:p>
@@ -19352,50 +17129,86 @@
               <a:buNone/>
             </a:pPr>
             <a:r>
-              <a:rPr lang="zh-CN" altLang="en-US" dirty="0"/>
+              <a:rPr lang="zh-CN" altLang="en-US" dirty="0">
+                <a:solidFill>
+                  <a:schemeClr val="tx1"/>
+                </a:solidFill>
+              </a:rPr>
               <a:t>客户端 （发起请求）</a:t>
             </a:r>
-            <a:endParaRPr lang="en-US" altLang="zh-CN" dirty="0"/>
+            <a:endParaRPr lang="en-US" altLang="zh-CN" dirty="0">
+              <a:solidFill>
+                <a:schemeClr val="tx1"/>
+              </a:solidFill>
+            </a:endParaRPr>
           </a:p>
           <a:p>
             <a:pPr marL="0" indent="0">
               <a:buNone/>
             </a:pPr>
-            <a:endParaRPr lang="en-US" altLang="zh-CN" dirty="0"/>
+            <a:endParaRPr lang="en-US" altLang="zh-CN" dirty="0">
+              <a:solidFill>
+                <a:schemeClr val="tx1"/>
+              </a:solidFill>
+            </a:endParaRPr>
           </a:p>
           <a:p>
             <a:pPr marL="0" indent="0">
               <a:buNone/>
             </a:pPr>
-            <a:endParaRPr lang="en-US" altLang="zh-CN" dirty="0"/>
+            <a:endParaRPr lang="en-US" altLang="zh-CN" dirty="0">
+              <a:solidFill>
+                <a:schemeClr val="tx1"/>
+              </a:solidFill>
+            </a:endParaRPr>
           </a:p>
           <a:p>
             <a:pPr marL="0" indent="0">
               <a:buNone/>
             </a:pPr>
-            <a:endParaRPr lang="en-US" altLang="zh-CN" dirty="0"/>
+            <a:endParaRPr lang="en-US" altLang="zh-CN" dirty="0">
+              <a:solidFill>
+                <a:schemeClr val="tx1"/>
+              </a:solidFill>
+            </a:endParaRPr>
           </a:p>
           <a:p>
             <a:pPr marL="0" indent="0">
               <a:buNone/>
             </a:pPr>
-            <a:endParaRPr lang="en-US" altLang="zh-CN" dirty="0"/>
+            <a:endParaRPr lang="en-US" altLang="zh-CN" dirty="0">
+              <a:solidFill>
+                <a:schemeClr val="tx1"/>
+              </a:solidFill>
+            </a:endParaRPr>
           </a:p>
           <a:p>
             <a:pPr marL="0" indent="0">
               <a:buNone/>
             </a:pPr>
-            <a:endParaRPr lang="en-US" altLang="zh-CN" dirty="0"/>
+            <a:endParaRPr lang="en-US" altLang="zh-CN" dirty="0">
+              <a:solidFill>
+                <a:schemeClr val="tx1"/>
+              </a:solidFill>
+            </a:endParaRPr>
           </a:p>
           <a:p>
             <a:pPr marL="0" indent="0">
               <a:buNone/>
             </a:pPr>
             <a:r>
-              <a:rPr lang="zh-CN" altLang="en-US" dirty="0"/>
+              <a:rPr lang="zh-CN" altLang="en-US" dirty="0">
+                <a:solidFill>
+                  <a:schemeClr val="tx1"/>
+                </a:solidFill>
+              </a:rPr>
               <a:t>接收响应</a:t>
             </a:r>
-            <a:endParaRPr lang="en-US" altLang="zh-CN" dirty="0"/>
+            <a:endParaRPr lang="en-US" altLang="zh-CN" dirty="0">
+              <a:solidFill>
+                <a:schemeClr val="tx1"/>
+              </a:solidFill>
+            </a:endParaRPr>
           </a:p>
         </p:txBody>
       </p:sp>
@@ -19751,14 +17564,14 @@
           </a:ln>
         </p:spPr>
         <p:style>
-          <a:lnRef idx="1">
-            <a:schemeClr val="accent1"/>
+          <a:lnRef idx="2">
+            <a:schemeClr val="accent4"/>
           </a:lnRef>
           <a:fillRef idx="0">
-            <a:schemeClr val="accent1"/>
+            <a:schemeClr val="accent4"/>
           </a:fillRef>
-          <a:effectRef idx="0">
-            <a:schemeClr val="accent1"/>
+          <a:effectRef idx="1">
+            <a:schemeClr val="accent4"/>
           </a:effectRef>
           <a:fontRef idx="minor">
             <a:schemeClr val="tx1"/>
@@ -19790,14 +17603,14 @@
           </a:ln>
         </p:spPr>
         <p:style>
-          <a:lnRef idx="1">
-            <a:schemeClr val="accent1"/>
+          <a:lnRef idx="2">
+            <a:schemeClr val="accent4"/>
           </a:lnRef>
           <a:fillRef idx="0">
-            <a:schemeClr val="accent1"/>
+            <a:schemeClr val="accent4"/>
           </a:fillRef>
-          <a:effectRef idx="0">
-            <a:schemeClr val="accent1"/>
+          <a:effectRef idx="1">
+            <a:schemeClr val="accent4"/>
           </a:effectRef>
           <a:fontRef idx="minor">
             <a:schemeClr val="tx1"/>
@@ -20940,49 +18753,49 @@
 </file>
 
 <file path=ppt/theme/theme1.xml><?xml version="1.0" encoding="utf-8"?>
-<a:theme xmlns:a="http://schemas.openxmlformats.org/drawingml/2006/main" name="水滴">
+<a:theme xmlns:a="http://schemas.openxmlformats.org/drawingml/2006/main" name="回顾">
   <a:themeElements>
-    <a:clrScheme name="水滴">
+    <a:clrScheme name="回顾">
       <a:dk1>
-        <a:sysClr val="windowText" lastClr="000000"/>
+        <a:srgbClr val="000000"/>
       </a:dk1>
       <a:lt1>
         <a:sysClr val="window" lastClr="FFFFFF"/>
       </a:lt1>
       <a:dk2>
-        <a:srgbClr val="355071"/>
+        <a:srgbClr val="637052"/>
       </a:dk2>
       <a:lt2>
-        <a:srgbClr val="AABED7"/>
+        <a:srgbClr val="CCDDEA"/>
       </a:lt2>
       <a:accent1>
-        <a:srgbClr val="2FA3EE"/>
+        <a:srgbClr val="E48312"/>
       </a:accent1>
       <a:accent2>
-        <a:srgbClr val="4BCAAD"/>
+        <a:srgbClr val="BD582C"/>
       </a:accent2>
       <a:accent3>
-        <a:srgbClr val="86C157"/>
+        <a:srgbClr val="865640"/>
       </a:accent3>
       <a:accent4>
-        <a:srgbClr val="D99C3F"/>
+        <a:srgbClr val="9B8357"/>
       </a:accent4>
       <a:accent5>
-        <a:srgbClr val="CE6633"/>
+        <a:srgbClr val="C2BC80"/>
       </a:accent5>
       <a:accent6>
-        <a:srgbClr val="A35DD1"/>
+        <a:srgbClr val="94A088"/>
       </a:accent6>
       <a:hlink>
-        <a:srgbClr val="56BCFE"/>
+        <a:srgbClr val="2998E3"/>
       </a:hlink>
       <a:folHlink>
-        <a:srgbClr val="97C5E3"/>
+        <a:srgbClr val="8C8C8C"/>
       </a:folHlink>
     </a:clrScheme>
-    <a:fontScheme name="水滴">
+    <a:fontScheme name="回顾">
       <a:majorFont>
-        <a:latin typeface="Tw Cen MT" panose="020B0602020104020603"/>
+        <a:latin typeface="Calibri Light" panose="020F0302020204030204"/>
         <a:ea typeface=""/>
         <a:cs typeface=""/>
         <a:font script="Jpan" typeface="ＭＳ Ｐゴシック"/>
@@ -21017,7 +18830,7 @@
         <a:font script="Geor" typeface="Sylfaen"/>
       </a:majorFont>
       <a:minorFont>
-        <a:latin typeface="Tw Cen MT" panose="020B0602020104020603"/>
+        <a:latin typeface="Calibri" panose="020F0502020204030204"/>
         <a:ea typeface=""/>
         <a:cs typeface=""/>
         <a:font script="Jpan" typeface="ＭＳ Ｐゴシック"/>
@@ -21052,52 +18865,76 @@
         <a:font script="Geor" typeface="Sylfaen"/>
       </a:minorFont>
     </a:fontScheme>
-    <a:fmtScheme name="水滴">
+    <a:fmtScheme name="回顾">
       <a:fillStyleLst>
         <a:solidFill>
           <a:schemeClr val="phClr"/>
-        </a:solidFill>
-        <a:solidFill>
-          <a:schemeClr val="phClr">
-            <a:tint val="69000"/>
-            <a:satMod val="105000"/>
-            <a:lumMod val="110000"/>
-          </a:schemeClr>
         </a:solidFill>
         <a:gradFill rotWithShape="1">
           <a:gsLst>
             <a:gs pos="0">
               <a:schemeClr val="phClr">
-                <a:tint val="94000"/>
-                <a:satMod val="100000"/>
-                <a:lumMod val="108000"/>
+                <a:tint val="65000"/>
+                <a:shade val="92000"/>
+                <a:satMod val="130000"/>
               </a:schemeClr>
             </a:gs>
-            <a:gs pos="50000">
+            <a:gs pos="45000">
               <a:schemeClr val="phClr">
-                <a:tint val="98000"/>
-                <a:shade val="100000"/>
-                <a:satMod val="100000"/>
-                <a:lumMod val="100000"/>
+                <a:tint val="60000"/>
+                <a:shade val="99000"/>
+                <a:satMod val="120000"/>
               </a:schemeClr>
             </a:gs>
             <a:gs pos="100000">
               <a:schemeClr val="phClr">
-                <a:shade val="72000"/>
-                <a:satMod val="120000"/>
-                <a:lumMod val="100000"/>
+                <a:tint val="55000"/>
+                <a:satMod val="140000"/>
               </a:schemeClr>
             </a:gs>
           </a:gsLst>
-          <a:lin ang="5400000" scaled="0"/>
+          <a:path path="circle">
+            <a:fillToRect l="100000" t="100000" r="100000" b="100000"/>
+          </a:path>
+        </a:gradFill>
+        <a:gradFill rotWithShape="1">
+          <a:gsLst>
+            <a:gs pos="0">
+              <a:schemeClr val="phClr">
+                <a:shade val="85000"/>
+                <a:satMod val="130000"/>
+              </a:schemeClr>
+            </a:gs>
+            <a:gs pos="34000">
+              <a:schemeClr val="phClr">
+                <a:shade val="87000"/>
+                <a:satMod val="125000"/>
+              </a:schemeClr>
+            </a:gs>
+            <a:gs pos="70000">
+              <a:schemeClr val="phClr">
+                <a:tint val="100000"/>
+                <a:shade val="90000"/>
+                <a:satMod val="130000"/>
+              </a:schemeClr>
+            </a:gs>
+            <a:gs pos="100000">
+              <a:schemeClr val="phClr">
+                <a:tint val="100000"/>
+                <a:shade val="100000"/>
+                <a:satMod val="110000"/>
+              </a:schemeClr>
+            </a:gs>
+          </a:gsLst>
+          <a:path path="circle">
+            <a:fillToRect l="100000" t="100000" r="100000" b="100000"/>
+          </a:path>
         </a:gradFill>
       </a:fillStyleLst>
       <a:lnStyleLst>
-        <a:ln w="9525" cap="flat" cmpd="sng" algn="ctr">
+        <a:ln w="12700" cap="flat" cmpd="sng" algn="ctr">
           <a:solidFill>
-            <a:schemeClr val="phClr">
-              <a:shade val="60000"/>
-            </a:schemeClr>
+            <a:schemeClr val="phClr"/>
           </a:solidFill>
           <a:prstDash val="solid"/>
         </a:ln>
@@ -21107,7 +18944,7 @@
           </a:solidFill>
           <a:prstDash val="solid"/>
         </a:ln>
-        <a:ln w="22225" cap="flat" cmpd="sng" algn="ctr">
+        <a:ln w="25400" cap="flat" cmpd="sng" algn="ctr">
           <a:solidFill>
             <a:schemeClr val="phClr"/>
           </a:solidFill>
@@ -21120,18 +18957,18 @@
         </a:effectStyle>
         <a:effectStyle>
           <a:effectLst>
-            <a:outerShdw blurRad="50800" dist="25400" dir="5400000" rotWithShape="0">
+            <a:outerShdw blurRad="38100" dist="25400" dir="2700000" algn="br" rotWithShape="0">
               <a:srgbClr val="000000">
-                <a:alpha val="28000"/>
+                <a:alpha val="60000"/>
               </a:srgbClr>
             </a:outerShdw>
           </a:effectLst>
         </a:effectStyle>
         <a:effectStyle>
           <a:effectLst>
-            <a:outerShdw blurRad="63500" dist="25400" dir="5400000" algn="ctr" rotWithShape="0">
+            <a:outerShdw blurRad="44450" dist="25400" dir="2700000" algn="br" rotWithShape="0">
               <a:srgbClr val="000000">
-                <a:alpha val="69000"/>
+                <a:alpha val="60000"/>
               </a:srgbClr>
             </a:outerShdw>
           </a:effectLst>
@@ -21139,12 +18976,12 @@
             <a:camera prst="orthographicFront">
               <a:rot lat="0" lon="0" rev="0"/>
             </a:camera>
-            <a:lightRig rig="balanced" dir="t">
-              <a:rot lat="0" lon="0" rev="1200000"/>
+            <a:lightRig rig="threePt" dir="t">
+              <a:rot lat="0" lon="0" rev="19800000"/>
             </a:lightRig>
           </a:scene3d>
-          <a:sp3d prstMaterial="plastic">
-            <a:bevelT w="25400" h="25400"/>
+          <a:sp3d prstMaterial="flat">
+            <a:bevelT w="25400" h="31750"/>
           </a:sp3d>
         </a:effectStyle>
       </a:effectStyleLst>
@@ -21152,43 +18989,38 @@
         <a:solidFill>
           <a:schemeClr val="phClr"/>
         </a:solidFill>
+        <a:solidFill>
+          <a:schemeClr val="phClr">
+            <a:tint val="90000"/>
+            <a:shade val="97000"/>
+            <a:satMod val="130000"/>
+          </a:schemeClr>
+        </a:solidFill>
         <a:gradFill rotWithShape="1">
           <a:gsLst>
             <a:gs pos="0">
               <a:schemeClr val="phClr">
-                <a:tint val="90000"/>
-                <a:lumMod val="110000"/>
+                <a:tint val="96000"/>
+                <a:shade val="99000"/>
+                <a:satMod val="140000"/>
+              </a:schemeClr>
+            </a:gs>
+            <a:gs pos="65000">
+              <a:schemeClr val="phClr">
+                <a:tint val="100000"/>
+                <a:shade val="80000"/>
+                <a:satMod val="130000"/>
               </a:schemeClr>
             </a:gs>
             <a:gs pos="100000">
               <a:schemeClr val="phClr">
-                <a:shade val="64000"/>
-                <a:lumMod val="88000"/>
+                <a:tint val="100000"/>
+                <a:shade val="48000"/>
+                <a:satMod val="120000"/>
               </a:schemeClr>
             </a:gs>
           </a:gsLst>
-          <a:lin ang="5400000" scaled="0"/>
-        </a:gradFill>
-        <a:gradFill rotWithShape="1">
-          <a:gsLst>
-            <a:gs pos="0">
-              <a:schemeClr val="phClr">
-                <a:tint val="84000"/>
-                <a:shade val="100000"/>
-                <a:hueMod val="130000"/>
-                <a:satMod val="150000"/>
-                <a:lumMod val="112000"/>
-              </a:schemeClr>
-            </a:gs>
-            <a:gs pos="100000">
-              <a:schemeClr val="phClr">
-                <a:shade val="92000"/>
-                <a:satMod val="140000"/>
-                <a:lumMod val="110000"/>
-              </a:schemeClr>
-            </a:gs>
-          </a:gsLst>
-          <a:lin ang="5400000" scaled="0"/>
+          <a:lin ang="16200000" scaled="0"/>
         </a:gradFill>
       </a:bgFillStyleLst>
     </a:fmtScheme>
@@ -21197,7 +19029,7 @@
   <a:extraClrSchemeLst/>
   <a:extLst>
     <a:ext uri="{05A4C25C-085E-4340-85A3-A5531E510DB2}">
-      <thm15:themeFamily xmlns:thm15="http://schemas.microsoft.com/office/thememl/2012/main" name="Droplet" id="{8984A317-299A-4E50-B45D-BFC9EDE2337A}" vid="{A633B6A3-9E7F-4C10-9C98-2517A3134361}"/>
+      <thm15:themeFamily xmlns:thm15="http://schemas.microsoft.com/office/thememl/2012/main" name="Retrospect" id="{5F128B03-DCCA-4EEB-AB3B-CF2899314A46}" vid="{3F1AAB62-24C6-49D2-8E01-B56FAC9A3DCD}"/>
     </a:ext>
   </a:extLst>
 </a:theme>

--- a/mysql分享.pptx
+++ b/mysql分享.pptx
@@ -1,42 +1,41 @@
 
 <file path=ppt/presentation.xml><?xml version="1.0" encoding="utf-8"?>
-<p:presentation xmlns:a="http://schemas.openxmlformats.org/drawingml/2006/main" xmlns:r="http://schemas.openxmlformats.org/officeDocument/2006/relationships" xmlns:p="http://schemas.openxmlformats.org/presentationml/2006/main" saveSubsetFonts="1">
+<p:presentation xmlns:a="http://schemas.openxmlformats.org/drawingml/2006/main" xmlns:r="http://schemas.openxmlformats.org/officeDocument/2006/relationships" xmlns:p="http://schemas.openxmlformats.org/presentationml/2006/main">
   <p:sldMasterIdLst>
-    <p:sldMasterId id="2147483859" r:id="rId1"/>
+    <p:sldMasterId id="2147483648" r:id="rId1"/>
   </p:sldMasterIdLst>
   <p:sldIdLst>
-    <p:sldId id="256" r:id="rId2"/>
-    <p:sldId id="257" r:id="rId3"/>
-    <p:sldId id="258" r:id="rId4"/>
-    <p:sldId id="259" r:id="rId5"/>
-    <p:sldId id="281" r:id="rId6"/>
-    <p:sldId id="313" r:id="rId7"/>
-    <p:sldId id="277" r:id="rId8"/>
-    <p:sldId id="261" r:id="rId9"/>
-    <p:sldId id="279" r:id="rId10"/>
-    <p:sldId id="262" r:id="rId11"/>
-    <p:sldId id="282" r:id="rId12"/>
-    <p:sldId id="283" r:id="rId13"/>
-    <p:sldId id="300" r:id="rId14"/>
-    <p:sldId id="299" r:id="rId15"/>
-    <p:sldId id="284" r:id="rId16"/>
-    <p:sldId id="265" r:id="rId17"/>
-    <p:sldId id="285" r:id="rId18"/>
-    <p:sldId id="288" r:id="rId19"/>
-    <p:sldId id="287" r:id="rId20"/>
-    <p:sldId id="286" r:id="rId21"/>
-    <p:sldId id="311" r:id="rId22"/>
-    <p:sldId id="266" r:id="rId23"/>
-    <p:sldId id="301" r:id="rId24"/>
-    <p:sldId id="302" r:id="rId25"/>
-    <p:sldId id="303" r:id="rId26"/>
-    <p:sldId id="308" r:id="rId27"/>
-    <p:sldId id="309" r:id="rId28"/>
-    <p:sldId id="310" r:id="rId29"/>
-    <p:sldId id="305" r:id="rId30"/>
-    <p:sldId id="304" r:id="rId31"/>
-    <p:sldId id="306" r:id="rId32"/>
-    <p:sldId id="312" r:id="rId33"/>
+    <p:sldId id="256" r:id="rId3"/>
+    <p:sldId id="257" r:id="rId4"/>
+    <p:sldId id="258" r:id="rId5"/>
+    <p:sldId id="259" r:id="rId6"/>
+    <p:sldId id="281" r:id="rId7"/>
+    <p:sldId id="313" r:id="rId8"/>
+    <p:sldId id="277" r:id="rId9"/>
+    <p:sldId id="261" r:id="rId10"/>
+    <p:sldId id="279" r:id="rId11"/>
+    <p:sldId id="262" r:id="rId12"/>
+    <p:sldId id="282" r:id="rId13"/>
+    <p:sldId id="283" r:id="rId14"/>
+    <p:sldId id="284" r:id="rId15"/>
+    <p:sldId id="265" r:id="rId16"/>
+    <p:sldId id="285" r:id="rId17"/>
+    <p:sldId id="288" r:id="rId18"/>
+    <p:sldId id="287" r:id="rId19"/>
+    <p:sldId id="286" r:id="rId20"/>
+    <p:sldId id="311" r:id="rId21"/>
+    <p:sldId id="266" r:id="rId22"/>
+    <p:sldId id="301" r:id="rId23"/>
+    <p:sldId id="302" r:id="rId24"/>
+    <p:sldId id="303" r:id="rId25"/>
+    <p:sldId id="308" r:id="rId26"/>
+    <p:sldId id="309" r:id="rId27"/>
+    <p:sldId id="310" r:id="rId28"/>
+    <p:sldId id="305" r:id="rId29"/>
+    <p:sldId id="304" r:id="rId30"/>
+    <p:sldId id="306" r:id="rId31"/>
+    <p:sldId id="312" r:id="rId32"/>
+    <p:sldId id="349" r:id="rId33"/>
     <p:sldId id="276" r:id="rId34"/>
     <p:sldId id="296" r:id="rId35"/>
     <p:sldId id="294" r:id="rId36"/>
@@ -144,16 +143,11 @@
       </a:defRPr>
     </a:lvl9pPr>
   </p:defaultTextStyle>
-  <p:extLst>
-    <p:ext uri="{EFAFB233-063F-42B5-8137-9DF3F51BA10A}">
-      <p15:sldGuideLst xmlns:p15="http://schemas.microsoft.com/office/powerpoint/2012/main"/>
-    </p:ext>
-  </p:extLst>
 </p:presentation>
 </file>
 
 <file path=ppt/slideLayouts/slideLayout1.xml><?xml version="1.0" encoding="utf-8"?>
-<p:sldLayout xmlns:a="http://schemas.openxmlformats.org/drawingml/2006/main" xmlns:r="http://schemas.openxmlformats.org/officeDocument/2006/relationships" xmlns:p="http://schemas.openxmlformats.org/presentationml/2006/main" showMasterSp="0" type="title" preserve="1">
+<p:sldLayout xmlns:a="http://schemas.openxmlformats.org/drawingml/2006/main" xmlns:r="http://schemas.openxmlformats.org/officeDocument/2006/relationships" xmlns:p="http://schemas.openxmlformats.org/presentationml/2006/main" type="title" preserve="1" showMasterSp="0">
   <p:cSld name="标题幻灯片">
     <p:spTree>
       <p:nvGrpSpPr>
@@ -378,7 +372,6 @@
           <a:p>
             <a:fld id="{87E83045-5AE1-40A9-B470-DA75385CFD17}" type="datetimeFigureOut">
               <a:rPr lang="zh-CN" altLang="en-US" smtClean="0"/>
-              <a:t>2020/3/25</a:t>
             </a:fld>
             <a:endParaRPr lang="zh-CN" altLang="en-US"/>
           </a:p>
@@ -420,7 +413,6 @@
           <a:p>
             <a:fld id="{406C5D9F-F78A-4593-846B-AB3E9756E40E}" type="slidenum">
               <a:rPr lang="zh-CN" altLang="en-US" smtClean="0"/>
-              <a:t>‹#›</a:t>
             </a:fld>
             <a:endParaRPr lang="zh-CN" altLang="en-US"/>
           </a:p>
@@ -465,11 +457,6 @@
         </p:style>
       </p:cxnSp>
     </p:spTree>
-    <p:extLst>
-      <p:ext uri="{BB962C8B-B14F-4D97-AF65-F5344CB8AC3E}">
-        <p14:creationId xmlns:p14="http://schemas.microsoft.com/office/powerpoint/2010/main" val="102829996"/>
-      </p:ext>
-    </p:extLst>
   </p:cSld>
   <p:clrMapOvr>
     <a:masterClrMapping/>
@@ -537,6 +524,7 @@
               <a:rPr lang="zh-CN" altLang="en-US"/>
               <a:t>单击此处编辑母版文本样式</a:t>
             </a:r>
+            <a:endParaRPr lang="zh-CN" altLang="en-US"/>
           </a:p>
           <a:p>
             <a:pPr lvl="1"/>
@@ -544,6 +532,7 @@
               <a:rPr lang="zh-CN" altLang="en-US"/>
               <a:t>二级</a:t>
             </a:r>
+            <a:endParaRPr lang="zh-CN" altLang="en-US"/>
           </a:p>
           <a:p>
             <a:pPr lvl="2"/>
@@ -551,6 +540,7 @@
               <a:rPr lang="zh-CN" altLang="en-US"/>
               <a:t>三级</a:t>
             </a:r>
+            <a:endParaRPr lang="zh-CN" altLang="en-US"/>
           </a:p>
           <a:p>
             <a:pPr lvl="3"/>
@@ -558,6 +548,7 @@
               <a:rPr lang="zh-CN" altLang="en-US"/>
               <a:t>四级</a:t>
             </a:r>
+            <a:endParaRPr lang="zh-CN" altLang="en-US"/>
           </a:p>
           <a:p>
             <a:pPr lvl="4"/>
@@ -586,7 +577,6 @@
           <a:p>
             <a:fld id="{87E83045-5AE1-40A9-B470-DA75385CFD17}" type="datetimeFigureOut">
               <a:rPr lang="zh-CN" altLang="en-US" smtClean="0"/>
-              <a:t>2020/3/25</a:t>
             </a:fld>
             <a:endParaRPr lang="zh-CN" altLang="en-US"/>
           </a:p>
@@ -628,18 +618,12 @@
           <a:p>
             <a:fld id="{406C5D9F-F78A-4593-846B-AB3E9756E40E}" type="slidenum">
               <a:rPr lang="zh-CN" altLang="en-US" smtClean="0"/>
-              <a:t>‹#›</a:t>
             </a:fld>
             <a:endParaRPr lang="zh-CN" altLang="en-US"/>
           </a:p>
         </p:txBody>
       </p:sp>
     </p:spTree>
-    <p:extLst>
-      <p:ext uri="{BB962C8B-B14F-4D97-AF65-F5344CB8AC3E}">
-        <p14:creationId xmlns:p14="http://schemas.microsoft.com/office/powerpoint/2010/main" val="736734966"/>
-      </p:ext>
-    </p:extLst>
   </p:cSld>
   <p:clrMapOvr>
     <a:masterClrMapping/>
@@ -648,7 +632,7 @@
 </file>
 
 <file path=ppt/slideLayouts/slideLayout11.xml><?xml version="1.0" encoding="utf-8"?>
-<p:sldLayout xmlns:a="http://schemas.openxmlformats.org/drawingml/2006/main" xmlns:r="http://schemas.openxmlformats.org/officeDocument/2006/relationships" xmlns:p="http://schemas.openxmlformats.org/presentationml/2006/main" showMasterSp="0" type="vertTitleAndTx" preserve="1">
+<p:sldLayout xmlns:a="http://schemas.openxmlformats.org/drawingml/2006/main" xmlns:r="http://schemas.openxmlformats.org/officeDocument/2006/relationships" xmlns:p="http://schemas.openxmlformats.org/presentationml/2006/main" type="vertTitleAndTx" preserve="1" showMasterSp="0">
   <p:cSld name="竖排标题与文本">
     <p:spTree>
       <p:nvGrpSpPr>
@@ -793,6 +777,7 @@
               <a:rPr lang="zh-CN" altLang="en-US"/>
               <a:t>单击此处编辑母版文本样式</a:t>
             </a:r>
+            <a:endParaRPr lang="zh-CN" altLang="en-US"/>
           </a:p>
           <a:p>
             <a:pPr lvl="1"/>
@@ -800,6 +785,7 @@
               <a:rPr lang="zh-CN" altLang="en-US"/>
               <a:t>二级</a:t>
             </a:r>
+            <a:endParaRPr lang="zh-CN" altLang="en-US"/>
           </a:p>
           <a:p>
             <a:pPr lvl="2"/>
@@ -807,6 +793,7 @@
               <a:rPr lang="zh-CN" altLang="en-US"/>
               <a:t>三级</a:t>
             </a:r>
+            <a:endParaRPr lang="zh-CN" altLang="en-US"/>
           </a:p>
           <a:p>
             <a:pPr lvl="3"/>
@@ -814,6 +801,7 @@
               <a:rPr lang="zh-CN" altLang="en-US"/>
               <a:t>四级</a:t>
             </a:r>
+            <a:endParaRPr lang="zh-CN" altLang="en-US"/>
           </a:p>
           <a:p>
             <a:pPr lvl="4"/>
@@ -842,7 +830,6 @@
           <a:p>
             <a:fld id="{87E83045-5AE1-40A9-B470-DA75385CFD17}" type="datetimeFigureOut">
               <a:rPr lang="zh-CN" altLang="en-US" smtClean="0"/>
-              <a:t>2020/3/25</a:t>
             </a:fld>
             <a:endParaRPr lang="zh-CN" altLang="en-US"/>
           </a:p>
@@ -884,18 +871,12 @@
           <a:p>
             <a:fld id="{406C5D9F-F78A-4593-846B-AB3E9756E40E}" type="slidenum">
               <a:rPr lang="zh-CN" altLang="en-US" smtClean="0"/>
-              <a:t>‹#›</a:t>
             </a:fld>
             <a:endParaRPr lang="zh-CN" altLang="en-US"/>
           </a:p>
         </p:txBody>
       </p:sp>
     </p:spTree>
-    <p:extLst>
-      <p:ext uri="{BB962C8B-B14F-4D97-AF65-F5344CB8AC3E}">
-        <p14:creationId xmlns:p14="http://schemas.microsoft.com/office/powerpoint/2010/main" val="111657799"/>
-      </p:ext>
-    </p:extLst>
   </p:cSld>
   <p:clrMapOvr>
     <a:masterClrMapping/>
@@ -967,6 +948,7 @@
               <a:rPr lang="zh-CN" altLang="en-US"/>
               <a:t>单击此处编辑母版文本样式</a:t>
             </a:r>
+            <a:endParaRPr lang="zh-CN" altLang="en-US"/>
           </a:p>
           <a:p>
             <a:pPr lvl="1"/>
@@ -974,6 +956,7 @@
               <a:rPr lang="zh-CN" altLang="en-US"/>
               <a:t>二级</a:t>
             </a:r>
+            <a:endParaRPr lang="zh-CN" altLang="en-US"/>
           </a:p>
           <a:p>
             <a:pPr lvl="2"/>
@@ -981,6 +964,7 @@
               <a:rPr lang="zh-CN" altLang="en-US"/>
               <a:t>三级</a:t>
             </a:r>
+            <a:endParaRPr lang="zh-CN" altLang="en-US"/>
           </a:p>
           <a:p>
             <a:pPr lvl="3"/>
@@ -988,6 +972,7 @@
               <a:rPr lang="zh-CN" altLang="en-US"/>
               <a:t>四级</a:t>
             </a:r>
+            <a:endParaRPr lang="zh-CN" altLang="en-US"/>
           </a:p>
           <a:p>
             <a:pPr lvl="4"/>
@@ -1016,7 +1001,6 @@
           <a:p>
             <a:fld id="{87E83045-5AE1-40A9-B470-DA75385CFD17}" type="datetimeFigureOut">
               <a:rPr lang="zh-CN" altLang="en-US" smtClean="0"/>
-              <a:t>2020/3/25</a:t>
             </a:fld>
             <a:endParaRPr lang="zh-CN" altLang="en-US"/>
           </a:p>
@@ -1058,18 +1042,12 @@
           <a:p>
             <a:fld id="{406C5D9F-F78A-4593-846B-AB3E9756E40E}" type="slidenum">
               <a:rPr lang="zh-CN" altLang="en-US" smtClean="0"/>
-              <a:t>‹#›</a:t>
             </a:fld>
             <a:endParaRPr lang="zh-CN" altLang="en-US"/>
           </a:p>
         </p:txBody>
       </p:sp>
     </p:spTree>
-    <p:extLst>
-      <p:ext uri="{BB962C8B-B14F-4D97-AF65-F5344CB8AC3E}">
-        <p14:creationId xmlns:p14="http://schemas.microsoft.com/office/powerpoint/2010/main" val="446246826"/>
-      </p:ext>
-    </p:extLst>
   </p:cSld>
   <p:clrMapOvr>
     <a:masterClrMapping/>
@@ -1078,7 +1056,7 @@
 </file>
 
 <file path=ppt/slideLayouts/slideLayout3.xml><?xml version="1.0" encoding="utf-8"?>
-<p:sldLayout xmlns:a="http://schemas.openxmlformats.org/drawingml/2006/main" xmlns:r="http://schemas.openxmlformats.org/officeDocument/2006/relationships" xmlns:p="http://schemas.openxmlformats.org/presentationml/2006/main" showMasterSp="0" type="secHead" preserve="1">
+<p:sldLayout xmlns:a="http://schemas.openxmlformats.org/drawingml/2006/main" xmlns:r="http://schemas.openxmlformats.org/officeDocument/2006/relationships" xmlns:p="http://schemas.openxmlformats.org/presentationml/2006/main" type="secHead" preserve="1" showMasterSp="0">
   <p:cSld name="节标题">
     <p:bg>
       <p:bgPr>
@@ -1339,6 +1317,7 @@
               <a:rPr lang="zh-CN" altLang="en-US"/>
               <a:t>单击此处编辑母版文本样式</a:t>
             </a:r>
+            <a:endParaRPr lang="zh-CN" altLang="en-US"/>
           </a:p>
         </p:txBody>
       </p:sp>
@@ -1359,7 +1338,6 @@
           <a:p>
             <a:fld id="{87E83045-5AE1-40A9-B470-DA75385CFD17}" type="datetimeFigureOut">
               <a:rPr lang="zh-CN" altLang="en-US" smtClean="0"/>
-              <a:t>2020/3/25</a:t>
             </a:fld>
             <a:endParaRPr lang="zh-CN" altLang="en-US"/>
           </a:p>
@@ -1401,7 +1379,6 @@
           <a:p>
             <a:fld id="{406C5D9F-F78A-4593-846B-AB3E9756E40E}" type="slidenum">
               <a:rPr lang="zh-CN" altLang="en-US" smtClean="0"/>
-              <a:t>‹#›</a:t>
             </a:fld>
             <a:endParaRPr lang="zh-CN" altLang="en-US"/>
           </a:p>
@@ -1446,11 +1423,6 @@
         </p:style>
       </p:cxnSp>
     </p:spTree>
-    <p:extLst>
-      <p:ext uri="{BB962C8B-B14F-4D97-AF65-F5344CB8AC3E}">
-        <p14:creationId xmlns:p14="http://schemas.microsoft.com/office/powerpoint/2010/main" val="1396500001"/>
-      </p:ext>
-    </p:extLst>
   </p:cSld>
   <p:clrMapOvr>
     <a:masterClrMapping/>
@@ -1528,6 +1500,7 @@
               <a:rPr lang="zh-CN" altLang="en-US"/>
               <a:t>单击此处编辑母版文本样式</a:t>
             </a:r>
+            <a:endParaRPr lang="zh-CN" altLang="en-US"/>
           </a:p>
           <a:p>
             <a:pPr lvl="1"/>
@@ -1535,6 +1508,7 @@
               <a:rPr lang="zh-CN" altLang="en-US"/>
               <a:t>二级</a:t>
             </a:r>
+            <a:endParaRPr lang="zh-CN" altLang="en-US"/>
           </a:p>
           <a:p>
             <a:pPr lvl="2"/>
@@ -1542,6 +1516,7 @@
               <a:rPr lang="zh-CN" altLang="en-US"/>
               <a:t>三级</a:t>
             </a:r>
+            <a:endParaRPr lang="zh-CN" altLang="en-US"/>
           </a:p>
           <a:p>
             <a:pPr lvl="3"/>
@@ -1549,6 +1524,7 @@
               <a:rPr lang="zh-CN" altLang="en-US"/>
               <a:t>四级</a:t>
             </a:r>
+            <a:endParaRPr lang="zh-CN" altLang="en-US"/>
           </a:p>
           <a:p>
             <a:pPr lvl="4"/>
@@ -1585,6 +1561,7 @@
               <a:rPr lang="zh-CN" altLang="en-US"/>
               <a:t>单击此处编辑母版文本样式</a:t>
             </a:r>
+            <a:endParaRPr lang="zh-CN" altLang="en-US"/>
           </a:p>
           <a:p>
             <a:pPr lvl="1"/>
@@ -1592,6 +1569,7 @@
               <a:rPr lang="zh-CN" altLang="en-US"/>
               <a:t>二级</a:t>
             </a:r>
+            <a:endParaRPr lang="zh-CN" altLang="en-US"/>
           </a:p>
           <a:p>
             <a:pPr lvl="2"/>
@@ -1599,6 +1577,7 @@
               <a:rPr lang="zh-CN" altLang="en-US"/>
               <a:t>三级</a:t>
             </a:r>
+            <a:endParaRPr lang="zh-CN" altLang="en-US"/>
           </a:p>
           <a:p>
             <a:pPr lvl="3"/>
@@ -1606,6 +1585,7 @@
               <a:rPr lang="zh-CN" altLang="en-US"/>
               <a:t>四级</a:t>
             </a:r>
+            <a:endParaRPr lang="zh-CN" altLang="en-US"/>
           </a:p>
           <a:p>
             <a:pPr lvl="4"/>
@@ -1634,7 +1614,6 @@
           <a:p>
             <a:fld id="{87E83045-5AE1-40A9-B470-DA75385CFD17}" type="datetimeFigureOut">
               <a:rPr lang="zh-CN" altLang="en-US" smtClean="0"/>
-              <a:t>2020/3/25</a:t>
             </a:fld>
             <a:endParaRPr lang="zh-CN" altLang="en-US"/>
           </a:p>
@@ -1676,18 +1655,12 @@
           <a:p>
             <a:fld id="{406C5D9F-F78A-4593-846B-AB3E9756E40E}" type="slidenum">
               <a:rPr lang="zh-CN" altLang="en-US" smtClean="0"/>
-              <a:t>‹#›</a:t>
             </a:fld>
             <a:endParaRPr lang="zh-CN" altLang="en-US"/>
           </a:p>
         </p:txBody>
       </p:sp>
     </p:spTree>
-    <p:extLst>
-      <p:ext uri="{BB962C8B-B14F-4D97-AF65-F5344CB8AC3E}">
-        <p14:creationId xmlns:p14="http://schemas.microsoft.com/office/powerpoint/2010/main" val="837798676"/>
-      </p:ext>
-    </p:extLst>
   </p:cSld>
   <p:clrMapOvr>
     <a:masterClrMapping/>
@@ -1808,6 +1781,7 @@
               <a:rPr lang="zh-CN" altLang="en-US"/>
               <a:t>单击此处编辑母版文本样式</a:t>
             </a:r>
+            <a:endParaRPr lang="zh-CN" altLang="en-US"/>
           </a:p>
         </p:txBody>
       </p:sp>
@@ -1836,6 +1810,7 @@
               <a:rPr lang="zh-CN" altLang="en-US"/>
               <a:t>单击此处编辑母版文本样式</a:t>
             </a:r>
+            <a:endParaRPr lang="zh-CN" altLang="en-US"/>
           </a:p>
           <a:p>
             <a:pPr lvl="1"/>
@@ -1843,6 +1818,7 @@
               <a:rPr lang="zh-CN" altLang="en-US"/>
               <a:t>二级</a:t>
             </a:r>
+            <a:endParaRPr lang="zh-CN" altLang="en-US"/>
           </a:p>
           <a:p>
             <a:pPr lvl="2"/>
@@ -1850,6 +1826,7 @@
               <a:rPr lang="zh-CN" altLang="en-US"/>
               <a:t>三级</a:t>
             </a:r>
+            <a:endParaRPr lang="zh-CN" altLang="en-US"/>
           </a:p>
           <a:p>
             <a:pPr lvl="3"/>
@@ -1857,6 +1834,7 @@
               <a:rPr lang="zh-CN" altLang="en-US"/>
               <a:t>四级</a:t>
             </a:r>
+            <a:endParaRPr lang="zh-CN" altLang="en-US"/>
           </a:p>
           <a:p>
             <a:pPr lvl="4"/>
@@ -1936,6 +1914,7 @@
               <a:rPr lang="zh-CN" altLang="en-US"/>
               <a:t>单击此处编辑母版文本样式</a:t>
             </a:r>
+            <a:endParaRPr lang="zh-CN" altLang="en-US"/>
           </a:p>
         </p:txBody>
       </p:sp>
@@ -1964,6 +1943,7 @@
               <a:rPr lang="zh-CN" altLang="en-US"/>
               <a:t>单击此处编辑母版文本样式</a:t>
             </a:r>
+            <a:endParaRPr lang="zh-CN" altLang="en-US"/>
           </a:p>
           <a:p>
             <a:pPr lvl="1"/>
@@ -1971,6 +1951,7 @@
               <a:rPr lang="zh-CN" altLang="en-US"/>
               <a:t>二级</a:t>
             </a:r>
+            <a:endParaRPr lang="zh-CN" altLang="en-US"/>
           </a:p>
           <a:p>
             <a:pPr lvl="2"/>
@@ -1978,6 +1959,7 @@
               <a:rPr lang="zh-CN" altLang="en-US"/>
               <a:t>三级</a:t>
             </a:r>
+            <a:endParaRPr lang="zh-CN" altLang="en-US"/>
           </a:p>
           <a:p>
             <a:pPr lvl="3"/>
@@ -1985,6 +1967,7 @@
               <a:rPr lang="zh-CN" altLang="en-US"/>
               <a:t>四级</a:t>
             </a:r>
+            <a:endParaRPr lang="zh-CN" altLang="en-US"/>
           </a:p>
           <a:p>
             <a:pPr lvl="4"/>
@@ -2013,7 +1996,6 @@
           <a:p>
             <a:fld id="{87E83045-5AE1-40A9-B470-DA75385CFD17}" type="datetimeFigureOut">
               <a:rPr lang="zh-CN" altLang="en-US" smtClean="0"/>
-              <a:t>2020/3/25</a:t>
             </a:fld>
             <a:endParaRPr lang="zh-CN" altLang="en-US"/>
           </a:p>
@@ -2055,18 +2037,12 @@
           <a:p>
             <a:fld id="{406C5D9F-F78A-4593-846B-AB3E9756E40E}" type="slidenum">
               <a:rPr lang="zh-CN" altLang="en-US" smtClean="0"/>
-              <a:t>‹#›</a:t>
             </a:fld>
             <a:endParaRPr lang="zh-CN" altLang="en-US"/>
           </a:p>
         </p:txBody>
       </p:sp>
     </p:spTree>
-    <p:extLst>
-      <p:ext uri="{BB962C8B-B14F-4D97-AF65-F5344CB8AC3E}">
-        <p14:creationId xmlns:p14="http://schemas.microsoft.com/office/powerpoint/2010/main" val="2737329792"/>
-      </p:ext>
-    </p:extLst>
   </p:cSld>
   <p:clrMapOvr>
     <a:masterClrMapping/>
@@ -2131,7 +2107,6 @@
           <a:p>
             <a:fld id="{87E83045-5AE1-40A9-B470-DA75385CFD17}" type="datetimeFigureOut">
               <a:rPr lang="zh-CN" altLang="en-US" smtClean="0"/>
-              <a:t>2020/3/25</a:t>
             </a:fld>
             <a:endParaRPr lang="zh-CN" altLang="en-US"/>
           </a:p>
@@ -2173,18 +2148,12 @@
           <a:p>
             <a:fld id="{406C5D9F-F78A-4593-846B-AB3E9756E40E}" type="slidenum">
               <a:rPr lang="zh-CN" altLang="en-US" smtClean="0"/>
-              <a:t>‹#›</a:t>
             </a:fld>
             <a:endParaRPr lang="zh-CN" altLang="en-US"/>
           </a:p>
         </p:txBody>
       </p:sp>
     </p:spTree>
-    <p:extLst>
-      <p:ext uri="{BB962C8B-B14F-4D97-AF65-F5344CB8AC3E}">
-        <p14:creationId xmlns:p14="http://schemas.microsoft.com/office/powerpoint/2010/main" val="3623006752"/>
-      </p:ext>
-    </p:extLst>
   </p:cSld>
   <p:clrMapOvr>
     <a:masterClrMapping/>
@@ -2193,7 +2162,7 @@
 </file>
 
 <file path=ppt/slideLayouts/slideLayout7.xml><?xml version="1.0" encoding="utf-8"?>
-<p:sldLayout xmlns:a="http://schemas.openxmlformats.org/drawingml/2006/main" xmlns:r="http://schemas.openxmlformats.org/officeDocument/2006/relationships" xmlns:p="http://schemas.openxmlformats.org/presentationml/2006/main" showMasterSp="0" type="blank" preserve="1">
+<p:sldLayout xmlns:a="http://schemas.openxmlformats.org/drawingml/2006/main" xmlns:r="http://schemas.openxmlformats.org/officeDocument/2006/relationships" xmlns:p="http://schemas.openxmlformats.org/presentationml/2006/main" type="blank" preserve="1" showMasterSp="0">
   <p:cSld name="空白">
     <p:spTree>
       <p:nvGrpSpPr>
@@ -2302,7 +2271,6 @@
           <a:p>
             <a:fld id="{87E83045-5AE1-40A9-B470-DA75385CFD17}" type="datetimeFigureOut">
               <a:rPr lang="zh-CN" altLang="en-US" smtClean="0"/>
-              <a:t>2020/3/25</a:t>
             </a:fld>
             <a:endParaRPr lang="zh-CN" altLang="en-US"/>
           </a:p>
@@ -2352,18 +2320,12 @@
           <a:p>
             <a:fld id="{406C5D9F-F78A-4593-846B-AB3E9756E40E}" type="slidenum">
               <a:rPr lang="zh-CN" altLang="en-US" smtClean="0"/>
-              <a:t>‹#›</a:t>
             </a:fld>
             <a:endParaRPr lang="zh-CN" altLang="en-US"/>
           </a:p>
         </p:txBody>
       </p:sp>
     </p:spTree>
-    <p:extLst>
-      <p:ext uri="{BB962C8B-B14F-4D97-AF65-F5344CB8AC3E}">
-        <p14:creationId xmlns:p14="http://schemas.microsoft.com/office/powerpoint/2010/main" val="771140653"/>
-      </p:ext>
-    </p:extLst>
   </p:cSld>
   <p:clrMapOvr>
     <a:masterClrMapping/>
@@ -2372,7 +2334,7 @@
 </file>
 
 <file path=ppt/slideLayouts/slideLayout8.xml><?xml version="1.0" encoding="utf-8"?>
-<p:sldLayout xmlns:a="http://schemas.openxmlformats.org/drawingml/2006/main" xmlns:r="http://schemas.openxmlformats.org/officeDocument/2006/relationships" xmlns:p="http://schemas.openxmlformats.org/presentationml/2006/main" showMasterSp="0" type="objTx" preserve="1">
+<p:sldLayout xmlns:a="http://schemas.openxmlformats.org/drawingml/2006/main" xmlns:r="http://schemas.openxmlformats.org/officeDocument/2006/relationships" xmlns:p="http://schemas.openxmlformats.org/presentationml/2006/main" type="objTx" preserve="1" showMasterSp="0">
   <p:cSld name="内容与标题">
     <p:spTree>
       <p:nvGrpSpPr>
@@ -2527,6 +2489,7 @@
               <a:rPr lang="zh-CN" altLang="en-US"/>
               <a:t>单击此处编辑母版文本样式</a:t>
             </a:r>
+            <a:endParaRPr lang="zh-CN" altLang="en-US"/>
           </a:p>
           <a:p>
             <a:pPr lvl="1"/>
@@ -2534,6 +2497,7 @@
               <a:rPr lang="zh-CN" altLang="en-US"/>
               <a:t>二级</a:t>
             </a:r>
+            <a:endParaRPr lang="zh-CN" altLang="en-US"/>
           </a:p>
           <a:p>
             <a:pPr lvl="2"/>
@@ -2541,6 +2505,7 @@
               <a:rPr lang="zh-CN" altLang="en-US"/>
               <a:t>三级</a:t>
             </a:r>
+            <a:endParaRPr lang="zh-CN" altLang="en-US"/>
           </a:p>
           <a:p>
             <a:pPr lvl="3"/>
@@ -2548,6 +2513,7 @@
               <a:rPr lang="zh-CN" altLang="en-US"/>
               <a:t>四级</a:t>
             </a:r>
+            <a:endParaRPr lang="zh-CN" altLang="en-US"/>
           </a:p>
           <a:p>
             <a:pPr lvl="4"/>
@@ -2627,6 +2593,7 @@
               <a:rPr lang="zh-CN" altLang="en-US"/>
               <a:t>单击此处编辑母版文本样式</a:t>
             </a:r>
+            <a:endParaRPr lang="zh-CN" altLang="en-US"/>
           </a:p>
         </p:txBody>
       </p:sp>
@@ -2656,7 +2623,6 @@
           <a:p>
             <a:fld id="{87E83045-5AE1-40A9-B470-DA75385CFD17}" type="datetimeFigureOut">
               <a:rPr lang="zh-CN" altLang="en-US" smtClean="0"/>
-              <a:t>2020/3/25</a:t>
             </a:fld>
             <a:endParaRPr lang="zh-CN" altLang="en-US"/>
           </a:p>
@@ -2719,18 +2685,12 @@
           <a:p>
             <a:fld id="{406C5D9F-F78A-4593-846B-AB3E9756E40E}" type="slidenum">
               <a:rPr lang="zh-CN" altLang="en-US" smtClean="0"/>
-              <a:t>‹#›</a:t>
             </a:fld>
             <a:endParaRPr lang="zh-CN" altLang="en-US"/>
           </a:p>
         </p:txBody>
       </p:sp>
     </p:spTree>
-    <p:extLst>
-      <p:ext uri="{BB962C8B-B14F-4D97-AF65-F5344CB8AC3E}">
-        <p14:creationId xmlns:p14="http://schemas.microsoft.com/office/powerpoint/2010/main" val="20669787"/>
-      </p:ext>
-    </p:extLst>
   </p:cSld>
   <p:clrMapOvr>
     <a:masterClrMapping/>
@@ -2739,7 +2699,7 @@
 </file>
 
 <file path=ppt/slideLayouts/slideLayout9.xml><?xml version="1.0" encoding="utf-8"?>
-<p:sldLayout xmlns:a="http://schemas.openxmlformats.org/drawingml/2006/main" xmlns:r="http://schemas.openxmlformats.org/officeDocument/2006/relationships" xmlns:p="http://schemas.openxmlformats.org/presentationml/2006/main" showMasterSp="0" type="picTx" preserve="1">
+<p:sldLayout xmlns:a="http://schemas.openxmlformats.org/drawingml/2006/main" xmlns:r="http://schemas.openxmlformats.org/officeDocument/2006/relationships" xmlns:p="http://schemas.openxmlformats.org/presentationml/2006/main" type="picTx" preserve="1" showMasterSp="0">
   <p:cSld name="图片与标题">
     <p:spTree>
       <p:nvGrpSpPr>
@@ -3018,6 +2978,7 @@
               <a:rPr lang="zh-CN" altLang="en-US"/>
               <a:t>单击此处编辑母版文本样式</a:t>
             </a:r>
+            <a:endParaRPr lang="zh-CN" altLang="en-US"/>
           </a:p>
         </p:txBody>
       </p:sp>
@@ -3038,7 +2999,6 @@
           <a:p>
             <a:fld id="{87E83045-5AE1-40A9-B470-DA75385CFD17}" type="datetimeFigureOut">
               <a:rPr lang="zh-CN" altLang="en-US" smtClean="0"/>
-              <a:t>2020/3/25</a:t>
             </a:fld>
             <a:endParaRPr lang="zh-CN" altLang="en-US"/>
           </a:p>
@@ -3080,18 +3040,12 @@
           <a:p>
             <a:fld id="{406C5D9F-F78A-4593-846B-AB3E9756E40E}" type="slidenum">
               <a:rPr lang="zh-CN" altLang="en-US" smtClean="0"/>
-              <a:t>‹#›</a:t>
             </a:fld>
             <a:endParaRPr lang="zh-CN" altLang="en-US"/>
           </a:p>
         </p:txBody>
       </p:sp>
     </p:spTree>
-    <p:extLst>
-      <p:ext uri="{BB962C8B-B14F-4D97-AF65-F5344CB8AC3E}">
-        <p14:creationId xmlns:p14="http://schemas.microsoft.com/office/powerpoint/2010/main" val="2539520876"/>
-      </p:ext>
-    </p:extLst>
   </p:cSld>
   <p:clrMapOvr>
     <a:masterClrMapping/>
@@ -3260,6 +3214,7 @@
               <a:rPr lang="zh-CN" altLang="en-US"/>
               <a:t>单击此处编辑母版文本样式</a:t>
             </a:r>
+            <a:endParaRPr lang="zh-CN" altLang="en-US"/>
           </a:p>
           <a:p>
             <a:pPr lvl="1"/>
@@ -3267,6 +3222,7 @@
               <a:rPr lang="zh-CN" altLang="en-US"/>
               <a:t>二级</a:t>
             </a:r>
+            <a:endParaRPr lang="zh-CN" altLang="en-US"/>
           </a:p>
           <a:p>
             <a:pPr lvl="2"/>
@@ -3274,6 +3230,7 @@
               <a:rPr lang="zh-CN" altLang="en-US"/>
               <a:t>三级</a:t>
             </a:r>
+            <a:endParaRPr lang="zh-CN" altLang="en-US"/>
           </a:p>
           <a:p>
             <a:pPr lvl="3"/>
@@ -3281,6 +3238,7 @@
               <a:rPr lang="zh-CN" altLang="en-US"/>
               <a:t>四级</a:t>
             </a:r>
+            <a:endParaRPr lang="zh-CN" altLang="en-US"/>
           </a:p>
           <a:p>
             <a:pPr lvl="4"/>
@@ -3325,7 +3283,6 @@
           <a:p>
             <a:fld id="{87E83045-5AE1-40A9-B470-DA75385CFD17}" type="datetimeFigureOut">
               <a:rPr lang="zh-CN" altLang="en-US" smtClean="0"/>
-              <a:t>2020/3/25</a:t>
             </a:fld>
             <a:endParaRPr lang="zh-CN" altLang="en-US"/>
           </a:p>
@@ -3399,7 +3356,6 @@
           <a:p>
             <a:fld id="{406C5D9F-F78A-4593-846B-AB3E9756E40E}" type="slidenum">
               <a:rPr lang="zh-CN" altLang="en-US" smtClean="0"/>
-              <a:t>‹#›</a:t>
             </a:fld>
             <a:endParaRPr lang="zh-CN" altLang="en-US"/>
           </a:p>
@@ -3444,25 +3400,20 @@
         </p:style>
       </p:cxnSp>
     </p:spTree>
-    <p:extLst>
-      <p:ext uri="{BB962C8B-B14F-4D97-AF65-F5344CB8AC3E}">
-        <p14:creationId xmlns:p14="http://schemas.microsoft.com/office/powerpoint/2010/main" val="2360813407"/>
-      </p:ext>
-    </p:extLst>
   </p:cSld>
   <p:clrMap bg1="lt1" tx1="dk1" bg2="lt2" tx2="dk2" accent1="accent1" accent2="accent2" accent3="accent3" accent4="accent4" accent5="accent5" accent6="accent6" hlink="hlink" folHlink="folHlink"/>
   <p:sldLayoutIdLst>
-    <p:sldLayoutId id="2147483860" r:id="rId1"/>
-    <p:sldLayoutId id="2147483861" r:id="rId2"/>
-    <p:sldLayoutId id="2147483862" r:id="rId3"/>
-    <p:sldLayoutId id="2147483863" r:id="rId4"/>
-    <p:sldLayoutId id="2147483864" r:id="rId5"/>
-    <p:sldLayoutId id="2147483865" r:id="rId6"/>
-    <p:sldLayoutId id="2147483866" r:id="rId7"/>
-    <p:sldLayoutId id="2147483867" r:id="rId8"/>
-    <p:sldLayoutId id="2147483868" r:id="rId9"/>
-    <p:sldLayoutId id="2147483869" r:id="rId10"/>
-    <p:sldLayoutId id="2147483870" r:id="rId11"/>
+    <p:sldLayoutId id="2147483649" r:id="rId1"/>
+    <p:sldLayoutId id="2147483650" r:id="rId2"/>
+    <p:sldLayoutId id="2147483651" r:id="rId3"/>
+    <p:sldLayoutId id="2147483652" r:id="rId4"/>
+    <p:sldLayoutId id="2147483653" r:id="rId5"/>
+    <p:sldLayoutId id="2147483654" r:id="rId6"/>
+    <p:sldLayoutId id="2147483655" r:id="rId7"/>
+    <p:sldLayoutId id="2147483656" r:id="rId8"/>
+    <p:sldLayoutId id="2147483657" r:id="rId9"/>
+    <p:sldLayoutId id="2147483658" r:id="rId10"/>
+    <p:sldLayoutId id="2147483659" r:id="rId11"/>
   </p:sldLayoutIdLst>
   <p:txStyles>
     <p:titleStyle>
@@ -3516,7 +3467,7 @@
           <a:cs typeface="+mn-cs"/>
         </a:defRPr>
       </a:lvl1pPr>
-      <a:lvl2pPr marL="384048" indent="-182880" algn="l" defTabSz="914400" rtl="0" eaLnBrk="1" latinLnBrk="0" hangingPunct="1">
+      <a:lvl2pPr marL="384175" indent="-182880" algn="l" defTabSz="914400" rtl="0" eaLnBrk="1" latinLnBrk="0" hangingPunct="1">
         <a:lnSpc>
           <a:spcPct val="90000"/>
         </a:lnSpc>
@@ -3529,7 +3480,7 @@
         <a:buClr>
           <a:schemeClr val="accent1"/>
         </a:buClr>
-        <a:buFont typeface="Calibri" pitchFamily="34" charset="0"/>
+        <a:buFont typeface="Calibri" panose="020F0502020204030204" pitchFamily="34" charset="0"/>
         <a:buChar char="◦"/>
         <a:defRPr sz="1800" kern="1200">
           <a:solidFill>
@@ -3543,7 +3494,7 @@
           <a:cs typeface="+mn-cs"/>
         </a:defRPr>
       </a:lvl2pPr>
-      <a:lvl3pPr marL="566928" indent="-182880" algn="l" defTabSz="914400" rtl="0" eaLnBrk="1" latinLnBrk="0" hangingPunct="1">
+      <a:lvl3pPr marL="567055" indent="-182880" algn="l" defTabSz="914400" rtl="0" eaLnBrk="1" latinLnBrk="0" hangingPunct="1">
         <a:lnSpc>
           <a:spcPct val="90000"/>
         </a:lnSpc>
@@ -3556,7 +3507,7 @@
         <a:buClr>
           <a:schemeClr val="accent1"/>
         </a:buClr>
-        <a:buFont typeface="Calibri" pitchFamily="34" charset="0"/>
+        <a:buFont typeface="Calibri" panose="020F0502020204030204" pitchFamily="34" charset="0"/>
         <a:buChar char="◦"/>
         <a:defRPr sz="1400" kern="1200">
           <a:solidFill>
@@ -3570,7 +3521,7 @@
           <a:cs typeface="+mn-cs"/>
         </a:defRPr>
       </a:lvl3pPr>
-      <a:lvl4pPr marL="749808" indent="-182880" algn="l" defTabSz="914400" rtl="0" eaLnBrk="1" latinLnBrk="0" hangingPunct="1">
+      <a:lvl4pPr marL="749935" indent="-182880" algn="l" defTabSz="914400" rtl="0" eaLnBrk="1" latinLnBrk="0" hangingPunct="1">
         <a:lnSpc>
           <a:spcPct val="90000"/>
         </a:lnSpc>
@@ -3583,7 +3534,7 @@
         <a:buClr>
           <a:schemeClr val="accent1"/>
         </a:buClr>
-        <a:buFont typeface="Calibri" pitchFamily="34" charset="0"/>
+        <a:buFont typeface="Calibri" panose="020F0502020204030204" pitchFamily="34" charset="0"/>
         <a:buChar char="◦"/>
         <a:defRPr sz="1400" kern="1200">
           <a:solidFill>
@@ -3597,7 +3548,7 @@
           <a:cs typeface="+mn-cs"/>
         </a:defRPr>
       </a:lvl4pPr>
-      <a:lvl5pPr marL="932688" indent="-182880" algn="l" defTabSz="914400" rtl="0" eaLnBrk="1" latinLnBrk="0" hangingPunct="1">
+      <a:lvl5pPr marL="932815" indent="-182880" algn="l" defTabSz="914400" rtl="0" eaLnBrk="1" latinLnBrk="0" hangingPunct="1">
         <a:lnSpc>
           <a:spcPct val="90000"/>
         </a:lnSpc>
@@ -3610,7 +3561,7 @@
         <a:buClr>
           <a:schemeClr val="accent1"/>
         </a:buClr>
-        <a:buFont typeface="Calibri" pitchFamily="34" charset="0"/>
+        <a:buFont typeface="Calibri" panose="020F0502020204030204" pitchFamily="34" charset="0"/>
         <a:buChar char="◦"/>
         <a:defRPr sz="1400" kern="1200">
           <a:solidFill>
@@ -3624,7 +3575,7 @@
           <a:cs typeface="+mn-cs"/>
         </a:defRPr>
       </a:lvl5pPr>
-      <a:lvl6pPr marL="1100000" indent="-228600" algn="l" defTabSz="914400" rtl="0" eaLnBrk="1" latinLnBrk="0" hangingPunct="1">
+      <a:lvl6pPr marL="1099820" indent="-228600" algn="l" defTabSz="914400" rtl="0" eaLnBrk="1" latinLnBrk="0" hangingPunct="1">
         <a:lnSpc>
           <a:spcPct val="90000"/>
         </a:lnSpc>
@@ -3637,7 +3588,7 @@
         <a:buClr>
           <a:schemeClr val="accent1"/>
         </a:buClr>
-        <a:buFont typeface="Calibri" pitchFamily="34" charset="0"/>
+        <a:buFont typeface="Calibri" panose="020F0502020204030204" pitchFamily="34" charset="0"/>
         <a:buChar char="◦"/>
         <a:defRPr sz="1400" kern="1200">
           <a:solidFill>
@@ -3651,7 +3602,7 @@
           <a:cs typeface="+mn-cs"/>
         </a:defRPr>
       </a:lvl6pPr>
-      <a:lvl7pPr marL="1300000" indent="-228600" algn="l" defTabSz="914400" rtl="0" eaLnBrk="1" latinLnBrk="0" hangingPunct="1">
+      <a:lvl7pPr marL="1299845" indent="-228600" algn="l" defTabSz="914400" rtl="0" eaLnBrk="1" latinLnBrk="0" hangingPunct="1">
         <a:lnSpc>
           <a:spcPct val="90000"/>
         </a:lnSpc>
@@ -3664,7 +3615,7 @@
         <a:buClr>
           <a:schemeClr val="accent1"/>
         </a:buClr>
-        <a:buFont typeface="Calibri" pitchFamily="34" charset="0"/>
+        <a:buFont typeface="Calibri" panose="020F0502020204030204" pitchFamily="34" charset="0"/>
         <a:buChar char="◦"/>
         <a:defRPr sz="1400" kern="1200">
           <a:solidFill>
@@ -3678,7 +3629,7 @@
           <a:cs typeface="+mn-cs"/>
         </a:defRPr>
       </a:lvl7pPr>
-      <a:lvl8pPr marL="1500000" indent="-228600" algn="l" defTabSz="914400" rtl="0" eaLnBrk="1" latinLnBrk="0" hangingPunct="1">
+      <a:lvl8pPr marL="1499870" indent="-228600" algn="l" defTabSz="914400" rtl="0" eaLnBrk="1" latinLnBrk="0" hangingPunct="1">
         <a:lnSpc>
           <a:spcPct val="90000"/>
         </a:lnSpc>
@@ -3691,7 +3642,7 @@
         <a:buClr>
           <a:schemeClr val="accent1"/>
         </a:buClr>
-        <a:buFont typeface="Calibri" pitchFamily="34" charset="0"/>
+        <a:buFont typeface="Calibri" panose="020F0502020204030204" pitchFamily="34" charset="0"/>
         <a:buChar char="◦"/>
         <a:defRPr sz="1400" kern="1200">
           <a:solidFill>
@@ -3705,7 +3656,7 @@
           <a:cs typeface="+mn-cs"/>
         </a:defRPr>
       </a:lvl8pPr>
-      <a:lvl9pPr marL="1700000" indent="-228600" algn="l" defTabSz="914400" rtl="0" eaLnBrk="1" latinLnBrk="0" hangingPunct="1">
+      <a:lvl9pPr marL="1699895" indent="-228600" algn="l" defTabSz="914400" rtl="0" eaLnBrk="1" latinLnBrk="0" hangingPunct="1">
         <a:lnSpc>
           <a:spcPct val="90000"/>
         </a:lnSpc>
@@ -3718,7 +3669,7 @@
         <a:buClr>
           <a:schemeClr val="accent1"/>
         </a:buClr>
-        <a:buFont typeface="Calibri" pitchFamily="34" charset="0"/>
+        <a:buFont typeface="Calibri" panose="020F0502020204030204" pitchFamily="34" charset="0"/>
         <a:buChar char="◦"/>
         <a:defRPr sz="1400" kern="1200">
           <a:solidFill>
@@ -3851,13 +3802,7 @@
       </p:grpSpPr>
       <p:sp>
         <p:nvSpPr>
-          <p:cNvPr id="2" name="标题 1">
-            <a:extLst>
-              <a:ext uri="{FF2B5EF4-FFF2-40B4-BE49-F238E27FC236}">
-                <a16:creationId xmlns:a16="http://schemas.microsoft.com/office/drawing/2014/main" id="{697B523C-DB52-4AF6-9E4D-961A917CDE02}"/>
-              </a:ext>
-            </a:extLst>
-          </p:cNvPr>
+          <p:cNvPr id="2" name="标题 1"/>
           <p:cNvSpPr>
             <a:spLocks noGrp="1"/>
           </p:cNvSpPr>
@@ -3880,13 +3825,7 @@
       </p:sp>
       <p:sp>
         <p:nvSpPr>
-          <p:cNvPr id="3" name="副标题 2">
-            <a:extLst>
-              <a:ext uri="{FF2B5EF4-FFF2-40B4-BE49-F238E27FC236}">
-                <a16:creationId xmlns:a16="http://schemas.microsoft.com/office/drawing/2014/main" id="{AA3A2B6E-ED65-43B8-BFD5-9A931D38D82B}"/>
-              </a:ext>
-            </a:extLst>
-          </p:cNvPr>
+          <p:cNvPr id="3" name="副标题 2"/>
           <p:cNvSpPr>
             <a:spLocks noGrp="1"/>
           </p:cNvSpPr>
@@ -3903,15 +3842,11 @@
               <a:rPr lang="zh-CN" altLang="en-US" dirty="0"/>
               <a:t>            黄泽鹏</a:t>
             </a:r>
+            <a:endParaRPr lang="zh-CN" altLang="en-US" dirty="0"/>
           </a:p>
         </p:txBody>
       </p:sp>
     </p:spTree>
-    <p:extLst>
-      <p:ext uri="{BB962C8B-B14F-4D97-AF65-F5344CB8AC3E}">
-        <p14:creationId xmlns:p14="http://schemas.microsoft.com/office/powerpoint/2010/main" val="370443188"/>
-      </p:ext>
-    </p:extLst>
   </p:cSld>
   <p:clrMapOvr>
     <a:masterClrMapping/>
@@ -3938,13 +3873,7 @@
       </p:grpSpPr>
       <p:sp>
         <p:nvSpPr>
-          <p:cNvPr id="2" name="标题 1">
-            <a:extLst>
-              <a:ext uri="{FF2B5EF4-FFF2-40B4-BE49-F238E27FC236}">
-                <a16:creationId xmlns:a16="http://schemas.microsoft.com/office/drawing/2014/main" id="{F427781E-201C-4E97-B4ED-0EC6D1594C87}"/>
-              </a:ext>
-            </a:extLst>
-          </p:cNvPr>
+          <p:cNvPr id="2" name="标题 1"/>
           <p:cNvSpPr>
             <a:spLocks noGrp="1"/>
           </p:cNvSpPr>
@@ -3969,18 +3898,13 @@
               <a:rPr lang="zh-CN" altLang="en-US" dirty="0"/>
               <a:t>事务与隔离级别</a:t>
             </a:r>
-          </a:p>
-        </p:txBody>
-      </p:sp>
-      <p:sp>
-        <p:nvSpPr>
-          <p:cNvPr id="3" name="内容占位符 2">
-            <a:extLst>
-              <a:ext uri="{FF2B5EF4-FFF2-40B4-BE49-F238E27FC236}">
-                <a16:creationId xmlns:a16="http://schemas.microsoft.com/office/drawing/2014/main" id="{9F45D863-C1AA-4416-805F-33FAE3D632C7}"/>
-              </a:ext>
-            </a:extLst>
-          </p:cNvPr>
+            <a:endParaRPr lang="zh-CN" altLang="en-US" dirty="0"/>
+          </a:p>
+        </p:txBody>
+      </p:sp>
+      <p:sp>
+        <p:nvSpPr>
+          <p:cNvPr id="3" name="内容占位符 2"/>
           <p:cNvSpPr>
             <a:spLocks noGrp="1"/>
           </p:cNvSpPr>
@@ -4079,15 +4003,11 @@
               <a:rPr lang="zh-CN" altLang="en-US" sz="2000" dirty="0"/>
               <a:t>持久性</a:t>
             </a:r>
+            <a:endParaRPr lang="zh-CN" altLang="en-US" sz="2000" dirty="0"/>
           </a:p>
         </p:txBody>
       </p:sp>
     </p:spTree>
-    <p:extLst>
-      <p:ext uri="{BB962C8B-B14F-4D97-AF65-F5344CB8AC3E}">
-        <p14:creationId xmlns:p14="http://schemas.microsoft.com/office/powerpoint/2010/main" val="3096292838"/>
-      </p:ext>
-    </p:extLst>
   </p:cSld>
   <p:clrMapOvr>
     <a:masterClrMapping/>
@@ -4114,13 +4034,7 @@
       </p:grpSpPr>
       <p:sp>
         <p:nvSpPr>
-          <p:cNvPr id="2" name="标题 1">
-            <a:extLst>
-              <a:ext uri="{FF2B5EF4-FFF2-40B4-BE49-F238E27FC236}">
-                <a16:creationId xmlns:a16="http://schemas.microsoft.com/office/drawing/2014/main" id="{F427781E-201C-4E97-B4ED-0EC6D1594C87}"/>
-              </a:ext>
-            </a:extLst>
-          </p:cNvPr>
+          <p:cNvPr id="2" name="标题 1"/>
           <p:cNvSpPr>
             <a:spLocks noGrp="1"/>
           </p:cNvSpPr>
@@ -4150,18 +4064,13 @@
               <a:rPr lang="zh-CN" altLang="en-US" dirty="0"/>
               <a:t>事务与隔离级别</a:t>
             </a:r>
-          </a:p>
-        </p:txBody>
-      </p:sp>
-      <p:sp>
-        <p:nvSpPr>
-          <p:cNvPr id="3" name="内容占位符 2">
-            <a:extLst>
-              <a:ext uri="{FF2B5EF4-FFF2-40B4-BE49-F238E27FC236}">
-                <a16:creationId xmlns:a16="http://schemas.microsoft.com/office/drawing/2014/main" id="{9F45D863-C1AA-4416-805F-33FAE3D632C7}"/>
-              </a:ext>
-            </a:extLst>
-          </p:cNvPr>
+            <a:endParaRPr lang="zh-CN" altLang="en-US" dirty="0"/>
+          </a:p>
+        </p:txBody>
+      </p:sp>
+      <p:sp>
+        <p:nvSpPr>
+          <p:cNvPr id="3" name="内容占位符 2"/>
           <p:cNvSpPr>
             <a:spLocks noGrp="1"/>
           </p:cNvSpPr>
@@ -4340,6 +4249,7 @@
               <a:rPr lang="en-US" altLang="zh-CN" sz="2000" dirty="0"/>
               <a:t>)</a:t>
             </a:r>
+            <a:endParaRPr lang="en-US" altLang="zh-CN" sz="2000" dirty="0"/>
           </a:p>
           <a:p>
             <a:pPr marL="0" indent="0">
@@ -4377,6 +4287,7 @@
               <a:rPr lang="en-US" altLang="zh-CN" sz="2000" dirty="0"/>
               <a:t>)</a:t>
             </a:r>
+            <a:endParaRPr lang="en-US" altLang="zh-CN" sz="2000" dirty="0"/>
           </a:p>
           <a:p>
             <a:pPr marL="0" indent="0">
@@ -4405,11 +4316,6 @@
         </p:txBody>
       </p:sp>
     </p:spTree>
-    <p:extLst>
-      <p:ext uri="{BB962C8B-B14F-4D97-AF65-F5344CB8AC3E}">
-        <p14:creationId xmlns:p14="http://schemas.microsoft.com/office/powerpoint/2010/main" val="767400382"/>
-      </p:ext>
-    </p:extLst>
   </p:cSld>
   <p:clrMapOvr>
     <a:masterClrMapping/>
@@ -4436,13 +4342,7 @@
       </p:grpSpPr>
       <p:sp>
         <p:nvSpPr>
-          <p:cNvPr id="2" name="标题 1">
-            <a:extLst>
-              <a:ext uri="{FF2B5EF4-FFF2-40B4-BE49-F238E27FC236}">
-                <a16:creationId xmlns:a16="http://schemas.microsoft.com/office/drawing/2014/main" id="{F427781E-201C-4E97-B4ED-0EC6D1594C87}"/>
-              </a:ext>
-            </a:extLst>
-          </p:cNvPr>
+          <p:cNvPr id="2" name="标题 1"/>
           <p:cNvSpPr>
             <a:spLocks noGrp="1"/>
           </p:cNvSpPr>
@@ -4472,18 +4372,13 @@
               <a:rPr lang="zh-CN" altLang="en-US" dirty="0"/>
               <a:t>锁</a:t>
             </a:r>
-          </a:p>
-        </p:txBody>
-      </p:sp>
-      <p:sp>
-        <p:nvSpPr>
-          <p:cNvPr id="3" name="内容占位符 2">
-            <a:extLst>
-              <a:ext uri="{FF2B5EF4-FFF2-40B4-BE49-F238E27FC236}">
-                <a16:creationId xmlns:a16="http://schemas.microsoft.com/office/drawing/2014/main" id="{9F45D863-C1AA-4416-805F-33FAE3D632C7}"/>
-              </a:ext>
-            </a:extLst>
-          </p:cNvPr>
+            <a:endParaRPr lang="zh-CN" altLang="en-US" dirty="0"/>
+          </a:p>
+        </p:txBody>
+      </p:sp>
+      <p:sp>
+        <p:nvSpPr>
+          <p:cNvPr id="3" name="内容占位符 2"/>
           <p:cNvSpPr>
             <a:spLocks noGrp="1"/>
           </p:cNvSpPr>
@@ -4566,6 +4461,7 @@
               <a:rPr lang="en-US" altLang="zh-CN" dirty="0"/>
               <a:t>select * from t where id&lt;10 lock in share mode;</a:t>
             </a:r>
+            <a:endParaRPr lang="en-US" altLang="zh-CN" dirty="0"/>
           </a:p>
           <a:p>
             <a:pPr marL="0" indent="0">
@@ -4618,6 +4514,7 @@
               <a:rPr lang="en-US" altLang="zh-CN" sz="2000" dirty="0"/>
               <a:t>……</a:t>
             </a:r>
+            <a:endParaRPr lang="en-US" altLang="zh-CN" sz="2000" dirty="0"/>
           </a:p>
           <a:p>
             <a:endParaRPr lang="en-US" altLang="zh-CN" dirty="0"/>
@@ -4625,11 +4522,6 @@
         </p:txBody>
       </p:sp>
     </p:spTree>
-    <p:extLst>
-      <p:ext uri="{BB962C8B-B14F-4D97-AF65-F5344CB8AC3E}">
-        <p14:creationId xmlns:p14="http://schemas.microsoft.com/office/powerpoint/2010/main" val="2811828854"/>
-      </p:ext>
-    </p:extLst>
   </p:cSld>
   <p:clrMapOvr>
     <a:masterClrMapping/>
@@ -4656,13 +4548,7 @@
       </p:grpSpPr>
       <p:sp>
         <p:nvSpPr>
-          <p:cNvPr id="2" name="标题 1">
-            <a:extLst>
-              <a:ext uri="{FF2B5EF4-FFF2-40B4-BE49-F238E27FC236}">
-                <a16:creationId xmlns:a16="http://schemas.microsoft.com/office/drawing/2014/main" id="{F427781E-201C-4E97-B4ED-0EC6D1594C87}"/>
-              </a:ext>
-            </a:extLst>
-          </p:cNvPr>
+          <p:cNvPr id="2" name="标题 1"/>
           <p:cNvSpPr>
             <a:spLocks noGrp="1"/>
           </p:cNvSpPr>
@@ -4685,28 +4571,19 @@
             </a:r>
             <a:r>
               <a:rPr lang="zh-CN" altLang="en-US" dirty="0"/>
-              <a:t>自增</a:t>
-            </a:r>
-            <a:r>
-              <a:rPr lang="en-US" altLang="zh-CN" dirty="0"/>
-              <a:t>ID</a:t>
-            </a:r>
-            <a:r>
-              <a:rPr lang="zh-CN" altLang="en-US" dirty="0"/>
-              <a:t>下的插入模式</a:t>
-            </a:r>
-          </a:p>
-        </p:txBody>
-      </p:sp>
-      <p:sp>
-        <p:nvSpPr>
-          <p:cNvPr id="3" name="内容占位符 2">
-            <a:extLst>
-              <a:ext uri="{FF2B5EF4-FFF2-40B4-BE49-F238E27FC236}">
-                <a16:creationId xmlns:a16="http://schemas.microsoft.com/office/drawing/2014/main" id="{9F45D863-C1AA-4416-805F-33FAE3D632C7}"/>
-              </a:ext>
-            </a:extLst>
-          </p:cNvPr>
+              <a:t>隔离级别与</a:t>
+            </a:r>
+            <a:r>
+              <a:rPr lang="zh-CN" altLang="en-US" dirty="0"/>
+              <a:t>锁</a:t>
+            </a:r>
+            <a:endParaRPr lang="zh-CN" altLang="en-US" dirty="0"/>
+          </a:p>
+        </p:txBody>
+      </p:sp>
+      <p:sp>
+        <p:nvSpPr>
+          <p:cNvPr id="3" name="内容占位符 2"/>
           <p:cNvSpPr>
             <a:spLocks noGrp="1"/>
           </p:cNvSpPr>
@@ -4714,67 +4591,144 @@
             <p:ph idx="1"/>
           </p:nvPr>
         </p:nvSpPr>
-        <p:spPr/>
+        <p:spPr>
+          <a:xfrm>
+            <a:off x="838200" y="1825625"/>
+            <a:ext cx="10515600" cy="4667250"/>
+          </a:xfrm>
+        </p:spPr>
         <p:txBody>
           <a:bodyPr>
             <a:normAutofit/>
           </a:bodyPr>
           <a:lstStyle/>
           <a:p>
-            <a:r>
-              <a:rPr lang="en-US" altLang="zh-CN" dirty="0"/>
-              <a:t>simple insert</a:t>
-            </a:r>
-          </a:p>
-          <a:p>
-            <a:pPr lvl="1"/>
-            <a:r>
-              <a:rPr lang="en-US" altLang="zh-CN" dirty="0"/>
-              <a:t>insert into t(name) values (’a’),(’b’);</a:t>
-            </a:r>
-          </a:p>
-          <a:p>
-            <a:r>
-              <a:rPr lang="en-US" altLang="zh-CN" dirty="0"/>
-              <a:t>bulk insert</a:t>
-            </a:r>
-          </a:p>
-          <a:p>
-            <a:pPr lvl="1"/>
-            <a:r>
-              <a:rPr lang="en-US" altLang="zh-CN" dirty="0"/>
-              <a:t>insert into t(name) select name from user;</a:t>
-            </a:r>
-          </a:p>
-          <a:p>
-            <a:r>
-              <a:rPr lang="en-US" altLang="zh-CN" dirty="0"/>
-              <a:t>mixed insert</a:t>
-            </a:r>
-          </a:p>
-          <a:p>
-            <a:pPr lvl="1"/>
-            <a:r>
-              <a:rPr lang="en-US" altLang="zh-CN" dirty="0"/>
-              <a:t>insert into t(</a:t>
-            </a:r>
-            <a:r>
-              <a:rPr lang="en-US" altLang="zh-CN" dirty="0" err="1"/>
-              <a:t>id,name</a:t>
-            </a:r>
-            <a:r>
-              <a:rPr lang="en-US" altLang="zh-CN" dirty="0"/>
-              <a:t>) values (0,’a’),(1,’b’),(0,’c’);</a:t>
-            </a:r>
+            <a:pPr marL="0" indent="0">
+              <a:buNone/>
+            </a:pPr>
+            <a:r>
+              <a:rPr lang="zh-CN" altLang="en-US" dirty="0"/>
+              <a:t>读未提交：从不加锁，除非开发人员指定加锁</a:t>
+            </a:r>
+            <a:endParaRPr lang="en-US" altLang="zh-CN" dirty="0"/>
+          </a:p>
+          <a:p>
+            <a:pPr marL="0" indent="0">
+              <a:buNone/>
+            </a:pPr>
+            <a:r>
+              <a:rPr lang="zh-CN" altLang="en-US" dirty="0"/>
+              <a:t>读提交：快照读不加锁，其它读都加锁，且执行完释放</a:t>
+            </a:r>
+            <a:endParaRPr lang="en-US" altLang="zh-CN" dirty="0"/>
+          </a:p>
+          <a:p>
+            <a:pPr marL="0" indent="0">
+              <a:buNone/>
+            </a:pPr>
+            <a:r>
+              <a:rPr lang="zh-CN" altLang="en-US" dirty="0"/>
+              <a:t>可重复读：快照读不加锁，其它读加共享锁，事务结束才释放</a:t>
+            </a:r>
+            <a:endParaRPr lang="en-US" altLang="zh-CN" dirty="0"/>
+          </a:p>
+          <a:p>
+            <a:pPr marL="0" indent="0">
+              <a:buNone/>
+            </a:pPr>
+            <a:r>
+              <a:rPr lang="zh-CN" altLang="en-US" dirty="0"/>
+              <a:t>串行化：所有读都加共享锁</a:t>
+            </a:r>
+            <a:endParaRPr lang="en-US" altLang="zh-CN" dirty="0"/>
+          </a:p>
+          <a:p>
+            <a:pPr marL="0" indent="0">
+              <a:buNone/>
+            </a:pPr>
+            <a:endParaRPr lang="en-US" altLang="zh-CN" dirty="0"/>
+          </a:p>
+          <a:p>
+            <a:pPr marL="0" indent="0">
+              <a:buNone/>
+            </a:pPr>
+            <a:r>
+              <a:rPr lang="en-US" altLang="zh-CN" sz="1800" dirty="0"/>
+              <a:t>select * from t;</a:t>
+            </a:r>
+            <a:endParaRPr lang="en-US" altLang="zh-CN" sz="1800" dirty="0"/>
+          </a:p>
+          <a:p>
+            <a:pPr marL="0" indent="0">
+              <a:buNone/>
+            </a:pPr>
+            <a:r>
+              <a:rPr lang="en-US" altLang="zh-CN" sz="1800" dirty="0"/>
+              <a:t>select * from t lock in share mode;     ——</a:t>
+            </a:r>
+            <a:r>
+              <a:rPr lang="en-US" altLang="zh-CN" sz="1800" dirty="0" err="1"/>
+              <a:t>mysql</a:t>
+            </a:r>
+            <a:endParaRPr lang="en-US" altLang="zh-CN" sz="1800" dirty="0"/>
+          </a:p>
+          <a:p>
+            <a:pPr marL="0" indent="0">
+              <a:buNone/>
+            </a:pPr>
+            <a:r>
+              <a:rPr lang="en-US" altLang="zh-CN" sz="1800" dirty="0"/>
+              <a:t>select * from t lock in for update; ;     ——</a:t>
+            </a:r>
+            <a:r>
+              <a:rPr lang="en-US" altLang="zh-CN" sz="1800" dirty="0" err="1"/>
+              <a:t>mysql</a:t>
+            </a:r>
+            <a:endParaRPr lang="en-US" altLang="zh-CN" sz="1800" dirty="0"/>
+          </a:p>
+          <a:p>
+            <a:pPr marL="0" indent="0">
+              <a:buNone/>
+            </a:pPr>
+            <a:r>
+              <a:rPr lang="en-US" altLang="zh-CN" sz="1800" dirty="0"/>
+              <a:t>select * from t with(TABLOCK); ;         ——</a:t>
+            </a:r>
+            <a:r>
+              <a:rPr lang="en-US" altLang="zh-CN" sz="1800" dirty="0" err="1"/>
+              <a:t>mssql</a:t>
+            </a:r>
+            <a:endParaRPr lang="en-US" altLang="zh-CN" sz="1800" dirty="0"/>
+          </a:p>
+          <a:p>
+            <a:pPr marL="0" indent="0">
+              <a:buNone/>
+            </a:pPr>
+            <a:r>
+              <a:rPr lang="en-US" altLang="zh-CN" sz="1800" dirty="0"/>
+              <a:t>select * from t with(TABLOCKX); ;       ——</a:t>
+            </a:r>
+            <a:r>
+              <a:rPr lang="en-US" altLang="zh-CN" sz="1800" dirty="0" err="1"/>
+              <a:t>mssql</a:t>
+            </a:r>
+            <a:endParaRPr lang="en-US" altLang="zh-CN" sz="1800" dirty="0"/>
+          </a:p>
+          <a:p>
+            <a:pPr marL="0" indent="0">
+              <a:buNone/>
+            </a:pPr>
+            <a:endParaRPr lang="en-US" altLang="zh-CN" sz="2000" dirty="0"/>
+          </a:p>
+          <a:p>
+            <a:pPr marL="0" indent="0">
+              <a:buNone/>
+            </a:pPr>
+            <a:endParaRPr lang="en-US" altLang="zh-CN" dirty="0"/>
           </a:p>
         </p:txBody>
       </p:sp>
     </p:spTree>
-    <p:extLst>
-      <p:ext uri="{BB962C8B-B14F-4D97-AF65-F5344CB8AC3E}">
-        <p14:creationId xmlns:p14="http://schemas.microsoft.com/office/powerpoint/2010/main" val="4021976598"/>
-      </p:ext>
-    </p:extLst>
   </p:cSld>
   <p:clrMapOvr>
     <a:masterClrMapping/>
@@ -4801,13 +4755,7 @@
       </p:grpSpPr>
       <p:sp>
         <p:nvSpPr>
-          <p:cNvPr id="2" name="标题 1">
-            <a:extLst>
-              <a:ext uri="{FF2B5EF4-FFF2-40B4-BE49-F238E27FC236}">
-                <a16:creationId xmlns:a16="http://schemas.microsoft.com/office/drawing/2014/main" id="{F427781E-201C-4E97-B4ED-0EC6D1594C87}"/>
-              </a:ext>
-            </a:extLst>
-          </p:cNvPr>
+          <p:cNvPr id="2" name="标题 1"/>
           <p:cNvSpPr>
             <a:spLocks noGrp="1"/>
           </p:cNvSpPr>
@@ -4815,19 +4763,14 @@
             <p:ph type="title"/>
           </p:nvPr>
         </p:nvSpPr>
-        <p:spPr>
-          <a:xfrm>
-            <a:off x="913774" y="165756"/>
-            <a:ext cx="10364451" cy="1596177"/>
-          </a:xfrm>
-        </p:spPr>
+        <p:spPr/>
         <p:txBody>
           <a:bodyPr/>
           <a:lstStyle/>
           <a:p>
             <a:r>
               <a:rPr lang="zh-CN" altLang="en-US" dirty="0"/>
-              <a:t>基础概念</a:t>
+              <a:t>设计规范与优化</a:t>
             </a:r>
             <a:r>
               <a:rPr lang="en-US" altLang="zh-CN" dirty="0"/>
@@ -4835,20 +4778,15 @@
             </a:r>
             <a:r>
               <a:rPr lang="zh-CN" altLang="en-US" dirty="0"/>
-              <a:t>自增锁</a:t>
-            </a:r>
-          </a:p>
-        </p:txBody>
-      </p:sp>
-      <p:sp>
-        <p:nvSpPr>
-          <p:cNvPr id="3" name="内容占位符 2">
-            <a:extLst>
-              <a:ext uri="{FF2B5EF4-FFF2-40B4-BE49-F238E27FC236}">
-                <a16:creationId xmlns:a16="http://schemas.microsoft.com/office/drawing/2014/main" id="{9F45D863-C1AA-4416-805F-33FAE3D632C7}"/>
-              </a:ext>
-            </a:extLst>
-          </p:cNvPr>
+              <a:t>基础规范</a:t>
+            </a:r>
+            <a:endParaRPr lang="zh-CN" altLang="en-US" dirty="0"/>
+          </a:p>
+        </p:txBody>
+      </p:sp>
+      <p:sp>
+        <p:nvSpPr>
+          <p:cNvPr id="3" name="内容占位符 2"/>
           <p:cNvSpPr>
             <a:spLocks noGrp="1"/>
           </p:cNvSpPr>
@@ -4856,12 +4794,7 @@
             <p:ph idx="1"/>
           </p:nvPr>
         </p:nvSpPr>
-        <p:spPr>
-          <a:xfrm>
-            <a:off x="838199" y="1865451"/>
-            <a:ext cx="10515600" cy="4826793"/>
-          </a:xfrm>
-        </p:spPr>
+        <p:spPr/>
         <p:txBody>
           <a:bodyPr>
             <a:normAutofit/>
@@ -4869,271 +4802,100 @@
           <a:lstStyle/>
           <a:p>
             <a:r>
-              <a:rPr lang="zh-CN" altLang="en-US" dirty="0"/>
-              <a:t>表锁</a:t>
-            </a:r>
-            <a:endParaRPr lang="en-US" altLang="zh-CN" dirty="0"/>
-          </a:p>
-          <a:p>
-            <a:r>
-              <a:rPr lang="zh-CN" altLang="en-US" dirty="0"/>
-              <a:t>三种模式</a:t>
-            </a:r>
-            <a:r>
-              <a:rPr lang="en-US" altLang="zh-CN" dirty="0"/>
-              <a:t>(</a:t>
-            </a:r>
-            <a:r>
-              <a:rPr lang="en-US" altLang="zh-CN" dirty="0" err="1"/>
-              <a:t>innodb_autoinc_lock_mode</a:t>
-            </a:r>
-            <a:r>
-              <a:rPr lang="en-US" altLang="zh-CN" dirty="0"/>
-              <a:t>)</a:t>
-            </a:r>
-          </a:p>
-          <a:p>
-            <a:pPr lvl="1"/>
-            <a:r>
-              <a:rPr lang="en-US" altLang="zh-CN" dirty="0"/>
-              <a:t>0</a:t>
-            </a:r>
-            <a:r>
-              <a:rPr lang="zh-CN" altLang="en-US" dirty="0"/>
-              <a:t>，传统</a:t>
-            </a:r>
-            <a:endParaRPr lang="en-US" altLang="zh-CN" dirty="0"/>
-          </a:p>
-          <a:p>
-            <a:pPr lvl="2"/>
-            <a:r>
-              <a:rPr lang="en-US" altLang="zh-CN" dirty="0"/>
-              <a:t>insert</a:t>
-            </a:r>
-            <a:r>
-              <a:rPr lang="zh-CN" altLang="en-US" dirty="0"/>
-              <a:t>语句在开始时都会获得一个表锁</a:t>
-            </a:r>
-            <a:r>
-              <a:rPr lang="en-US" altLang="zh-CN" dirty="0" err="1"/>
-              <a:t>autoinc_lock</a:t>
-            </a:r>
-            <a:r>
-              <a:rPr lang="en-US" altLang="zh-CN" dirty="0"/>
-              <a:t>.</a:t>
-            </a:r>
-            <a:r>
-              <a:rPr lang="zh-CN" altLang="en-US" dirty="0"/>
-              <a:t>该锁会一直持有到</a:t>
-            </a:r>
-            <a:r>
-              <a:rPr lang="en-US" altLang="zh-CN" dirty="0"/>
-              <a:t>insert</a:t>
-            </a:r>
-            <a:r>
-              <a:rPr lang="zh-CN" altLang="en-US" dirty="0"/>
-              <a:t>语句执行结束才会被释放</a:t>
-            </a:r>
-          </a:p>
-          <a:p>
-            <a:pPr lvl="1"/>
-            <a:r>
-              <a:rPr lang="en-US" altLang="zh-CN" dirty="0"/>
-              <a:t>1</a:t>
-            </a:r>
-            <a:r>
-              <a:rPr lang="zh-CN" altLang="en-US" dirty="0"/>
-              <a:t>，连续</a:t>
-            </a:r>
-            <a:r>
-              <a:rPr lang="en-US" altLang="zh-CN" dirty="0"/>
-              <a:t>(</a:t>
-            </a:r>
-            <a:r>
-              <a:rPr lang="zh-CN" altLang="en-US" dirty="0"/>
-              <a:t>默认</a:t>
-            </a:r>
-            <a:r>
-              <a:rPr lang="en-US" altLang="zh-CN" dirty="0"/>
-              <a:t>)</a:t>
-            </a:r>
-          </a:p>
-          <a:p>
-            <a:pPr lvl="2"/>
-            <a:r>
-              <a:rPr lang="en-US" altLang="zh-CN" dirty="0"/>
-              <a:t>insert</a:t>
-            </a:r>
-            <a:r>
-              <a:rPr lang="zh-CN" altLang="en-US" dirty="0"/>
-              <a:t>语句在开始时会获得一个表锁</a:t>
-            </a:r>
-            <a:r>
-              <a:rPr lang="en-US" altLang="zh-CN" dirty="0" err="1"/>
-              <a:t>autoinc_lock</a:t>
-            </a:r>
-            <a:r>
-              <a:rPr lang="en-US" altLang="zh-CN" dirty="0"/>
-              <a:t>, simple insert</a:t>
-            </a:r>
-            <a:r>
-              <a:rPr lang="zh-CN" altLang="en-US" dirty="0"/>
-              <a:t>在获取到需要增加的</a:t>
-            </a:r>
-            <a:r>
-              <a:rPr lang="en-US" altLang="zh-CN" dirty="0"/>
-              <a:t>ID</a:t>
-            </a:r>
-            <a:r>
-              <a:rPr lang="zh-CN" altLang="en-US" dirty="0"/>
-              <a:t>的量后，</a:t>
-            </a:r>
-            <a:r>
-              <a:rPr lang="en-US" altLang="zh-CN" dirty="0" err="1"/>
-              <a:t>autoinc_lock</a:t>
-            </a:r>
-            <a:r>
-              <a:rPr lang="zh-CN" altLang="en-US" dirty="0"/>
-              <a:t>就会被释放</a:t>
-            </a:r>
-            <a:r>
-              <a:rPr lang="en-US" altLang="zh-CN" dirty="0"/>
-              <a:t>,</a:t>
-            </a:r>
-            <a:r>
-              <a:rPr lang="zh-CN" altLang="en-US" dirty="0"/>
-              <a:t>不必等到语句执行结束。</a:t>
-            </a:r>
-            <a:endParaRPr lang="en-US" altLang="zh-CN" dirty="0"/>
-          </a:p>
-          <a:p>
-            <a:pPr lvl="2"/>
-            <a:r>
-              <a:rPr lang="zh-CN" altLang="en-US" dirty="0"/>
-              <a:t>对于</a:t>
-            </a:r>
-            <a:r>
-              <a:rPr lang="en-US" altLang="zh-CN" dirty="0"/>
-              <a:t>bulk insert</a:t>
-            </a:r>
-            <a:r>
-              <a:rPr lang="zh-CN" altLang="en-US" dirty="0"/>
-              <a:t>，自增锁会被一直持有直到语句执行结束才会被释放。</a:t>
-            </a:r>
-            <a:endParaRPr lang="en-US" altLang="zh-CN" dirty="0"/>
-          </a:p>
-          <a:p>
-            <a:pPr lvl="2"/>
-            <a:r>
-              <a:rPr lang="zh-CN" altLang="en-US" dirty="0"/>
-              <a:t>对于</a:t>
-            </a:r>
-            <a:r>
-              <a:rPr lang="en-US" altLang="zh-CN" dirty="0"/>
-              <a:t>mixed insert</a:t>
-            </a:r>
-            <a:r>
-              <a:rPr lang="zh-CN" altLang="en-US" dirty="0"/>
-              <a:t>，会一次必获取足够的</a:t>
-            </a:r>
-            <a:r>
-              <a:rPr lang="en-US" altLang="zh-CN" dirty="0"/>
-              <a:t>id</a:t>
-            </a:r>
-            <a:r>
-              <a:rPr lang="zh-CN" altLang="en-US" dirty="0"/>
-              <a:t>，然后释放锁</a:t>
-            </a:r>
-          </a:p>
-          <a:p>
-            <a:pPr lvl="1"/>
-            <a:r>
-              <a:rPr lang="en-US" altLang="zh-CN" dirty="0"/>
-              <a:t>2</a:t>
-            </a:r>
-            <a:r>
-              <a:rPr lang="zh-CN" altLang="en-US" dirty="0"/>
-              <a:t>，交错</a:t>
-            </a:r>
-            <a:endParaRPr lang="en-US" altLang="zh-CN" dirty="0"/>
-          </a:p>
-          <a:p>
-            <a:pPr lvl="2"/>
-            <a:r>
-              <a:rPr lang="en-US" altLang="zh-CN" dirty="0"/>
-              <a:t>simple insert</a:t>
-            </a:r>
-            <a:r>
-              <a:rPr lang="zh-CN" altLang="en-US" dirty="0"/>
-              <a:t>语句能保证</a:t>
-            </a:r>
-            <a:r>
-              <a:rPr lang="en-US" altLang="zh-CN" dirty="0"/>
-              <a:t>ID</a:t>
-            </a:r>
-            <a:r>
-              <a:rPr lang="zh-CN" altLang="en-US" dirty="0"/>
-              <a:t>是连续的，但是</a:t>
-            </a:r>
-            <a:r>
-              <a:rPr lang="en-US" altLang="zh-CN" dirty="0"/>
-              <a:t>bulk insert</a:t>
-            </a:r>
-            <a:r>
-              <a:rPr lang="zh-CN" altLang="en-US" dirty="0"/>
-              <a:t>的</a:t>
-            </a:r>
-            <a:r>
-              <a:rPr lang="en-US" altLang="zh-CN" dirty="0"/>
-              <a:t>ID</a:t>
-            </a:r>
-            <a:r>
-              <a:rPr lang="zh-CN" altLang="en-US" dirty="0"/>
-              <a:t>则可能有空洞。</a:t>
-            </a:r>
-            <a:endParaRPr lang="en-US" altLang="zh-CN" dirty="0"/>
-          </a:p>
-          <a:p>
-            <a:r>
-              <a:rPr lang="en-US" altLang="zh-CN" dirty="0"/>
-              <a:t>MSSQL</a:t>
-            </a:r>
-          </a:p>
-          <a:p>
-            <a:pPr lvl="1"/>
-            <a:r>
-              <a:rPr lang="zh-CN" altLang="en-US" sz="1900" dirty="0"/>
-              <a:t>如果值必须是连续的，事务应针对表使用排他锁或使用 </a:t>
-            </a:r>
-            <a:r>
-              <a:rPr lang="en-US" altLang="zh-CN" sz="1900" b="1" dirty="0"/>
-              <a:t>SERIALIZABLE</a:t>
-            </a:r>
-            <a:r>
-              <a:rPr lang="zh-CN" altLang="en-US" sz="1900" dirty="0"/>
-              <a:t> 隔离级别</a:t>
-            </a:r>
-            <a:endParaRPr lang="en-US" altLang="zh-CN" sz="1900" dirty="0"/>
-          </a:p>
-          <a:p>
-            <a:pPr lvl="1"/>
-            <a:r>
-              <a:rPr lang="zh-CN" altLang="en-US" sz="1900" dirty="0"/>
-              <a:t>不保证值的唯一性</a:t>
-            </a:r>
-            <a:endParaRPr lang="en-US" altLang="zh-CN" sz="1900" dirty="0"/>
-          </a:p>
-          <a:p>
-            <a:endParaRPr lang="en-US" altLang="zh-CN" dirty="0"/>
+              <a:rPr lang="zh-CN" altLang="en-US" sz="2400" dirty="0"/>
+              <a:t>表存储引擎必须使用</a:t>
+            </a:r>
+            <a:r>
+              <a:rPr lang="en-US" altLang="zh-CN" sz="2400" dirty="0" err="1"/>
+              <a:t>InnoDB</a:t>
+            </a:r>
+            <a:endParaRPr lang="en-US" altLang="zh-CN" sz="2400" dirty="0"/>
+          </a:p>
+          <a:p>
+            <a:r>
+              <a:rPr lang="zh-CN" altLang="en-US" sz="2400" dirty="0"/>
+              <a:t>数据表、数据字段必须加入中文注释</a:t>
+            </a:r>
+            <a:endParaRPr lang="zh-CN" altLang="en-US" sz="2400" dirty="0"/>
+          </a:p>
+          <a:p>
+            <a:r>
+              <a:rPr lang="zh-CN" altLang="en-US" sz="2400" dirty="0"/>
+              <a:t>表字符集默认使用</a:t>
+            </a:r>
+            <a:r>
+              <a:rPr lang="en-US" altLang="zh-CN" sz="2400" dirty="0"/>
+              <a:t>utf8</a:t>
+            </a:r>
+            <a:r>
+              <a:rPr lang="zh-CN" altLang="en-US" sz="2400" dirty="0"/>
+              <a:t>，必要时候使用</a:t>
+            </a:r>
+            <a:r>
+              <a:rPr lang="en-US" altLang="zh-CN" sz="2400" dirty="0"/>
+              <a:t>utf8mb4</a:t>
+            </a:r>
+            <a:endParaRPr lang="en-US" altLang="zh-CN" sz="2400" dirty="0"/>
+          </a:p>
+          <a:p>
+            <a:r>
+              <a:rPr lang="zh-CN" altLang="en-US" sz="2400" dirty="0"/>
+              <a:t>避免使用存储过程，视图，触发器，</a:t>
+            </a:r>
+            <a:r>
+              <a:rPr lang="en-US" altLang="zh-CN" sz="2400" dirty="0"/>
+              <a:t>Event</a:t>
+            </a:r>
+            <a:endParaRPr lang="en-US" altLang="zh-CN" sz="2400" dirty="0"/>
+          </a:p>
+          <a:p>
+            <a:r>
+              <a:rPr lang="zh-CN" altLang="en-US" sz="2400" dirty="0"/>
+              <a:t>禁止在数据库中存储大文件</a:t>
+            </a:r>
+            <a:endParaRPr lang="zh-CN" altLang="en-US" sz="2400" dirty="0"/>
+          </a:p>
+          <a:p>
+            <a:r>
+              <a:rPr lang="zh-CN" altLang="en-US" sz="2400" dirty="0"/>
+              <a:t>不在数据库做计算，</a:t>
+            </a:r>
+            <a:r>
+              <a:rPr lang="en-US" altLang="zh-CN" sz="2400" dirty="0" err="1"/>
+              <a:t>cpu</a:t>
+            </a:r>
+            <a:r>
+              <a:rPr lang="zh-CN" altLang="en-US" sz="2400" dirty="0"/>
+              <a:t>计算移到业务层</a:t>
+            </a:r>
+            <a:endParaRPr lang="zh-CN" altLang="en-US" sz="2400" dirty="0"/>
+          </a:p>
+          <a:p>
+            <a:r>
+              <a:rPr lang="zh-CN" altLang="en-US" sz="2400" dirty="0"/>
+              <a:t>拒绝</a:t>
+            </a:r>
+            <a:r>
+              <a:rPr lang="en-US" altLang="zh-CN" sz="2400" dirty="0"/>
+              <a:t>3B(big)</a:t>
+            </a:r>
+            <a:r>
+              <a:rPr lang="zh-CN" altLang="en-US" sz="2400" dirty="0"/>
+              <a:t>，大</a:t>
+            </a:r>
+            <a:r>
+              <a:rPr lang="en-US" altLang="zh-CN" sz="2400" dirty="0" err="1"/>
+              <a:t>sql</a:t>
+            </a:r>
+            <a:r>
+              <a:rPr lang="zh-CN" altLang="en-US" sz="2400" dirty="0"/>
+              <a:t>，大事务，大批量</a:t>
+            </a:r>
+            <a:endParaRPr lang="zh-CN" altLang="en-US" sz="2400" dirty="0"/>
           </a:p>
         </p:txBody>
       </p:sp>
     </p:spTree>
-    <p:extLst>
-      <p:ext uri="{BB962C8B-B14F-4D97-AF65-F5344CB8AC3E}">
-        <p14:creationId xmlns:p14="http://schemas.microsoft.com/office/powerpoint/2010/main" val="3324790606"/>
-      </p:ext>
-    </p:extLst>
   </p:cSld>
   <p:clrMapOvr>
     <a:masterClrMapping/>
@@ -5160,13 +4922,7 @@
       </p:grpSpPr>
       <p:sp>
         <p:nvSpPr>
-          <p:cNvPr id="2" name="标题 1">
-            <a:extLst>
-              <a:ext uri="{FF2B5EF4-FFF2-40B4-BE49-F238E27FC236}">
-                <a16:creationId xmlns:a16="http://schemas.microsoft.com/office/drawing/2014/main" id="{F427781E-201C-4E97-B4ED-0EC6D1594C87}"/>
-              </a:ext>
-            </a:extLst>
-          </p:cNvPr>
+          <p:cNvPr id="2" name="标题 1"/>
           <p:cNvSpPr>
             <a:spLocks noGrp="1"/>
           </p:cNvSpPr>
@@ -5181,7 +4937,7 @@
           <a:p>
             <a:r>
               <a:rPr lang="zh-CN" altLang="en-US" dirty="0"/>
-              <a:t>基础概念</a:t>
+              <a:t>设计规范与优化</a:t>
             </a:r>
             <a:r>
               <a:rPr lang="en-US" altLang="zh-CN" dirty="0"/>
@@ -5189,20 +4945,15 @@
             </a:r>
             <a:r>
               <a:rPr lang="zh-CN" altLang="en-US" dirty="0"/>
-              <a:t>锁</a:t>
-            </a:r>
-          </a:p>
-        </p:txBody>
-      </p:sp>
-      <p:sp>
-        <p:nvSpPr>
-          <p:cNvPr id="3" name="内容占位符 2">
-            <a:extLst>
-              <a:ext uri="{FF2B5EF4-FFF2-40B4-BE49-F238E27FC236}">
-                <a16:creationId xmlns:a16="http://schemas.microsoft.com/office/drawing/2014/main" id="{9F45D863-C1AA-4416-805F-33FAE3D632C7}"/>
-              </a:ext>
-            </a:extLst>
-          </p:cNvPr>
+              <a:t>表设计规范</a:t>
+            </a:r>
+            <a:endParaRPr lang="zh-CN" altLang="en-US" dirty="0"/>
+          </a:p>
+        </p:txBody>
+      </p:sp>
+      <p:sp>
+        <p:nvSpPr>
+          <p:cNvPr id="3" name="内容占位符 2"/>
           <p:cNvSpPr>
             <a:spLocks noGrp="1"/>
           </p:cNvSpPr>
@@ -5210,148 +4961,96 @@
             <p:ph idx="1"/>
           </p:nvPr>
         </p:nvSpPr>
-        <p:spPr>
-          <a:xfrm>
-            <a:off x="838200" y="1825625"/>
-            <a:ext cx="10515600" cy="4667250"/>
-          </a:xfrm>
-        </p:spPr>
+        <p:spPr/>
         <p:txBody>
           <a:bodyPr>
             <a:normAutofit/>
           </a:bodyPr>
           <a:lstStyle/>
           <a:p>
-            <a:pPr marL="0" indent="0">
-              <a:buNone/>
-            </a:pPr>
-            <a:r>
-              <a:rPr lang="zh-CN" altLang="en-US" dirty="0"/>
-              <a:t>读未提交：从不加锁，除非开发人员指定加锁</a:t>
-            </a:r>
-            <a:endParaRPr lang="en-US" altLang="zh-CN" dirty="0"/>
-          </a:p>
-          <a:p>
-            <a:pPr marL="0" indent="0">
-              <a:buNone/>
-            </a:pPr>
-            <a:r>
-              <a:rPr lang="zh-CN" altLang="en-US" dirty="0"/>
-              <a:t>读提交：快照读不加锁，其它读都加锁，且执行完释放</a:t>
-            </a:r>
-            <a:endParaRPr lang="en-US" altLang="zh-CN" dirty="0"/>
-          </a:p>
-          <a:p>
-            <a:pPr marL="0" indent="0">
-              <a:buNone/>
-            </a:pPr>
-            <a:r>
-              <a:rPr lang="zh-CN" altLang="en-US" dirty="0"/>
-              <a:t>可重复读：快照读不加锁，其它读加共享锁，事务结束才释放</a:t>
-            </a:r>
-            <a:endParaRPr lang="en-US" altLang="zh-CN" dirty="0"/>
-          </a:p>
-          <a:p>
-            <a:pPr marL="0" indent="0">
-              <a:buNone/>
-            </a:pPr>
-            <a:r>
-              <a:rPr lang="zh-CN" altLang="en-US" dirty="0"/>
-              <a:t>串行化：所有读都加共享锁</a:t>
-            </a:r>
-            <a:endParaRPr lang="en-US" altLang="zh-CN" dirty="0"/>
-          </a:p>
-          <a:p>
-            <a:pPr marL="0" indent="0">
-              <a:buNone/>
-            </a:pPr>
-            <a:endParaRPr lang="en-US" altLang="zh-CN" dirty="0"/>
-          </a:p>
-          <a:p>
-            <a:pPr marL="0" indent="0">
-              <a:buNone/>
-            </a:pPr>
-            <a:r>
-              <a:rPr lang="en-US" altLang="zh-CN" sz="1800" dirty="0"/>
-              <a:t>select * from t;</a:t>
-            </a:r>
-          </a:p>
-          <a:p>
-            <a:pPr marL="0" indent="0">
-              <a:buNone/>
-            </a:pPr>
-            <a:r>
-              <a:rPr lang="en-US" altLang="zh-CN" sz="1800" dirty="0"/>
-              <a:t>select * from t lock in share mode;     ——</a:t>
-            </a:r>
-            <a:r>
-              <a:rPr lang="en-US" altLang="zh-CN" sz="1800" dirty="0" err="1"/>
-              <a:t>mysql</a:t>
-            </a:r>
-            <a:endParaRPr lang="en-US" altLang="zh-CN" sz="1800" dirty="0"/>
-          </a:p>
-          <a:p>
-            <a:pPr marL="0" indent="0">
-              <a:buNone/>
-            </a:pPr>
-            <a:r>
-              <a:rPr lang="en-US" altLang="zh-CN" sz="1800" dirty="0"/>
-              <a:t>select * from t lock in for update; ;     ——</a:t>
-            </a:r>
-            <a:r>
-              <a:rPr lang="en-US" altLang="zh-CN" sz="1800" dirty="0" err="1"/>
-              <a:t>mysql</a:t>
-            </a:r>
-            <a:endParaRPr lang="en-US" altLang="zh-CN" sz="1800" dirty="0"/>
-          </a:p>
-          <a:p>
-            <a:pPr marL="0" indent="0">
-              <a:buNone/>
-            </a:pPr>
-            <a:r>
-              <a:rPr lang="en-US" altLang="zh-CN" sz="1800" dirty="0"/>
-              <a:t>select * from t with(TABLOCK); ;         ——</a:t>
-            </a:r>
-            <a:r>
-              <a:rPr lang="en-US" altLang="zh-CN" sz="1800" dirty="0" err="1"/>
-              <a:t>mssql</a:t>
-            </a:r>
-            <a:endParaRPr lang="en-US" altLang="zh-CN" sz="1800" dirty="0"/>
-          </a:p>
-          <a:p>
-            <a:pPr marL="0" indent="0">
-              <a:buNone/>
-            </a:pPr>
-            <a:r>
-              <a:rPr lang="en-US" altLang="zh-CN" sz="1800" dirty="0"/>
-              <a:t>select * from t with(TABLOCKX); ;       ——</a:t>
-            </a:r>
-            <a:r>
-              <a:rPr lang="en-US" altLang="zh-CN" sz="1800" dirty="0" err="1"/>
-              <a:t>mssql</a:t>
-            </a:r>
-            <a:endParaRPr lang="en-US" altLang="zh-CN" sz="1800" dirty="0"/>
-          </a:p>
-          <a:p>
-            <a:pPr marL="0" indent="0">
-              <a:buNone/>
-            </a:pPr>
-            <a:endParaRPr lang="en-US" altLang="zh-CN" sz="2000" dirty="0"/>
-          </a:p>
-          <a:p>
-            <a:pPr marL="0" indent="0">
-              <a:buNone/>
-            </a:pPr>
-            <a:endParaRPr lang="en-US" altLang="zh-CN" dirty="0"/>
+            <a:r>
+              <a:rPr lang="zh-CN" altLang="en-US" sz="2400" dirty="0"/>
+              <a:t>单实例表个数必须控制在</a:t>
+            </a:r>
+            <a:r>
+              <a:rPr lang="en-US" altLang="zh-CN" sz="2400" dirty="0"/>
+              <a:t>2000</a:t>
+            </a:r>
+            <a:r>
+              <a:rPr lang="zh-CN" altLang="en-US" sz="2400" dirty="0"/>
+              <a:t>个以内</a:t>
+            </a:r>
+            <a:endParaRPr lang="zh-CN" altLang="en-US" sz="2400" dirty="0"/>
+          </a:p>
+          <a:p>
+            <a:r>
+              <a:rPr lang="zh-CN" altLang="en-US" sz="2400" dirty="0"/>
+              <a:t>单表分表个数必须控制在</a:t>
+            </a:r>
+            <a:r>
+              <a:rPr lang="en-US" altLang="zh-CN" sz="2400" dirty="0"/>
+              <a:t>1024</a:t>
+            </a:r>
+            <a:r>
+              <a:rPr lang="zh-CN" altLang="en-US" sz="2400" dirty="0"/>
+              <a:t>个以内，单表记录控制在千万级</a:t>
+            </a:r>
+            <a:endParaRPr lang="zh-CN" altLang="en-US" sz="2400" dirty="0"/>
+          </a:p>
+          <a:p>
+            <a:r>
+              <a:rPr lang="zh-CN" altLang="en-US" sz="2400" dirty="0"/>
+              <a:t>表必须有主键，推荐使用</a:t>
+            </a:r>
+            <a:r>
+              <a:rPr lang="en-US" altLang="zh-CN" sz="2400" dirty="0"/>
+              <a:t>UNSIGNED</a:t>
+            </a:r>
+            <a:r>
+              <a:rPr lang="zh-CN" altLang="en-US" sz="2400" dirty="0"/>
+              <a:t>整数为主键，并自增</a:t>
+            </a:r>
+            <a:endParaRPr lang="zh-CN" altLang="en-US" sz="2400" dirty="0"/>
+          </a:p>
+          <a:p>
+            <a:r>
+              <a:rPr lang="zh-CN" altLang="en-US" sz="2400" dirty="0"/>
+              <a:t>禁止使用外键，如果要保证完整性，应由应用程式实现</a:t>
+            </a:r>
+            <a:endParaRPr lang="zh-CN" altLang="en-US" sz="2400" dirty="0"/>
+          </a:p>
+          <a:p>
+            <a:r>
+              <a:rPr lang="zh-CN" altLang="en-US" sz="2400" dirty="0"/>
+              <a:t>建议将大字段，访问频度低的字段拆分到单独的表中存储，分离冷热数据</a:t>
+            </a:r>
+            <a:endParaRPr lang="zh-CN" altLang="en-US" sz="2400" dirty="0"/>
+          </a:p>
+          <a:p>
+            <a:r>
+              <a:rPr lang="zh-CN" altLang="en-US" sz="2400" dirty="0"/>
+              <a:t>控制列数量，字段数控制在</a:t>
+            </a:r>
+            <a:r>
+              <a:rPr lang="en-US" altLang="zh-CN" sz="2400" dirty="0"/>
+              <a:t>20</a:t>
+            </a:r>
+            <a:r>
+              <a:rPr lang="zh-CN" altLang="en-US" sz="2400" dirty="0"/>
+              <a:t>以内</a:t>
+            </a:r>
+            <a:endParaRPr lang="zh-CN" altLang="en-US" sz="2400" dirty="0"/>
+          </a:p>
+          <a:p>
+            <a:r>
+              <a:rPr lang="zh-CN" altLang="en-US" sz="2400" dirty="0"/>
+              <a:t>平衡范式与冗余，为提高效率可以牺牲范式设计，冗余数据</a:t>
+            </a:r>
+            <a:endParaRPr lang="zh-CN" altLang="en-US" sz="2400" dirty="0"/>
           </a:p>
         </p:txBody>
       </p:sp>
     </p:spTree>
-    <p:extLst>
-      <p:ext uri="{BB962C8B-B14F-4D97-AF65-F5344CB8AC3E}">
-        <p14:creationId xmlns:p14="http://schemas.microsoft.com/office/powerpoint/2010/main" val="15416054"/>
-      </p:ext>
-    </p:extLst>
   </p:cSld>
   <p:clrMapOvr>
     <a:masterClrMapping/>
@@ -5378,13 +5077,7 @@
       </p:grpSpPr>
       <p:sp>
         <p:nvSpPr>
-          <p:cNvPr id="2" name="标题 1">
-            <a:extLst>
-              <a:ext uri="{FF2B5EF4-FFF2-40B4-BE49-F238E27FC236}">
-                <a16:creationId xmlns:a16="http://schemas.microsoft.com/office/drawing/2014/main" id="{FBF77C66-BB39-434E-A791-47B5FEEF501D}"/>
-              </a:ext>
-            </a:extLst>
-          </p:cNvPr>
+          <p:cNvPr id="2" name="标题 1"/>
           <p:cNvSpPr>
             <a:spLocks noGrp="1"/>
           </p:cNvSpPr>
@@ -5407,20 +5100,15 @@
             </a:r>
             <a:r>
               <a:rPr lang="zh-CN" altLang="en-US" dirty="0"/>
-              <a:t>基础规范</a:t>
-            </a:r>
-          </a:p>
-        </p:txBody>
-      </p:sp>
-      <p:sp>
-        <p:nvSpPr>
-          <p:cNvPr id="3" name="内容占位符 2">
-            <a:extLst>
-              <a:ext uri="{FF2B5EF4-FFF2-40B4-BE49-F238E27FC236}">
-                <a16:creationId xmlns:a16="http://schemas.microsoft.com/office/drawing/2014/main" id="{478C15A8-BED1-47E7-920B-84EDB7600EE8}"/>
-              </a:ext>
-            </a:extLst>
-          </p:cNvPr>
+              <a:t>列设计规范</a:t>
+            </a:r>
+            <a:endParaRPr lang="zh-CN" altLang="en-US" dirty="0"/>
+          </a:p>
+        </p:txBody>
+      </p:sp>
+      <p:sp>
+        <p:nvSpPr>
+          <p:cNvPr id="3" name="内容占位符 2"/>
           <p:cNvSpPr>
             <a:spLocks noGrp="1"/>
           </p:cNvSpPr>
@@ -5437,98 +5125,158 @@
           <a:p>
             <a:r>
               <a:rPr lang="zh-CN" altLang="en-US" sz="2400" dirty="0"/>
-              <a:t>表存储引擎必须使用</a:t>
+              <a:t>根据业务区分使用</a:t>
             </a:r>
             <a:r>
               <a:rPr lang="en-US" altLang="zh-CN" sz="2400" dirty="0" err="1"/>
-              <a:t>InnoDB</a:t>
+              <a:t>tinyint</a:t>
+            </a:r>
+            <a:r>
+              <a:rPr lang="en-US" altLang="zh-CN" sz="2400" dirty="0"/>
+              <a:t>/int/</a:t>
+            </a:r>
+            <a:r>
+              <a:rPr lang="en-US" altLang="zh-CN" sz="2400" dirty="0" err="1"/>
+              <a:t>bigint</a:t>
+            </a:r>
+            <a:r>
+              <a:rPr lang="zh-CN" altLang="en-US" sz="2400" dirty="0"/>
+              <a:t>，分别会占用</a:t>
+            </a:r>
+            <a:r>
+              <a:rPr lang="en-US" altLang="zh-CN" sz="2400" dirty="0"/>
+              <a:t>1/4/8</a:t>
+            </a:r>
+            <a:r>
+              <a:rPr lang="zh-CN" altLang="en-US" sz="2400" dirty="0"/>
+              <a:t>字节</a:t>
+            </a:r>
+            <a:endParaRPr lang="zh-CN" altLang="en-US" sz="2400" dirty="0"/>
+          </a:p>
+          <a:p>
+            <a:r>
+              <a:rPr lang="zh-CN" altLang="en-US" sz="2400" dirty="0"/>
+              <a:t>根据业务区分使用</a:t>
+            </a:r>
+            <a:r>
+              <a:rPr lang="en-US" altLang="zh-CN" sz="2400" dirty="0"/>
+              <a:t>char/varchar</a:t>
             </a:r>
             <a:endParaRPr lang="en-US" altLang="zh-CN" sz="2400" dirty="0"/>
           </a:p>
           <a:p>
             <a:r>
               <a:rPr lang="zh-CN" altLang="en-US" sz="2400" dirty="0"/>
-              <a:t>数据表、数据字段必须加入中文注释</a:t>
-            </a:r>
+              <a:t>根据业务区分使用</a:t>
+            </a:r>
+            <a:r>
+              <a:rPr lang="en-US" altLang="zh-CN" sz="2400" dirty="0"/>
+              <a:t>datetime/timestamp</a:t>
+            </a:r>
+            <a:endParaRPr lang="en-US" altLang="zh-CN" sz="2400" dirty="0"/>
           </a:p>
           <a:p>
             <a:r>
               <a:rPr lang="zh-CN" altLang="en-US" sz="2400" dirty="0"/>
-              <a:t>表字符集默认使用</a:t>
+              <a:t>必须把字段定义为</a:t>
             </a:r>
             <a:r>
               <a:rPr lang="en-US" altLang="zh-CN" sz="2400" dirty="0"/>
-              <a:t>utf8</a:t>
+              <a:t>NOT NULL</a:t>
             </a:r>
             <a:r>
               <a:rPr lang="zh-CN" altLang="en-US" sz="2400" dirty="0"/>
-              <a:t>，必要时候使用</a:t>
+              <a:t>并设默认值</a:t>
+            </a:r>
+            <a:endParaRPr lang="zh-CN" altLang="en-US" sz="2400" dirty="0"/>
+          </a:p>
+          <a:p>
+            <a:r>
+              <a:rPr lang="zh-CN" altLang="en-US" sz="2400" dirty="0"/>
+              <a:t>使用</a:t>
             </a:r>
             <a:r>
               <a:rPr lang="en-US" altLang="zh-CN" sz="2400" dirty="0"/>
-              <a:t>utf8mb4</a:t>
-            </a:r>
-          </a:p>
-          <a:p>
+              <a:t>INT UNSIGNED</a:t>
+            </a:r>
             <a:r>
               <a:rPr lang="zh-CN" altLang="en-US" sz="2400" dirty="0"/>
-              <a:t>禁止使用存储过程，视图，触发器，</a:t>
+              <a:t>存储</a:t>
             </a:r>
             <a:r>
               <a:rPr lang="en-US" altLang="zh-CN" sz="2400" dirty="0"/>
-              <a:t>Event</a:t>
-            </a:r>
-          </a:p>
-          <a:p>
+              <a:t>IPv4</a:t>
+            </a:r>
             <a:r>
               <a:rPr lang="zh-CN" altLang="en-US" sz="2400" dirty="0"/>
-              <a:t>禁止在数据库中存储大文件</a:t>
-            </a:r>
+              <a:t>，不要用</a:t>
+            </a:r>
+            <a:r>
+              <a:rPr lang="en-US" altLang="zh-CN" sz="2400" dirty="0"/>
+              <a:t>char(15)</a:t>
+            </a:r>
+            <a:endParaRPr lang="en-US" altLang="zh-CN" sz="2400" dirty="0"/>
           </a:p>
           <a:p>
             <a:r>
               <a:rPr lang="zh-CN" altLang="en-US" sz="2400" dirty="0"/>
-              <a:t>不在数据库做计算，</a:t>
-            </a:r>
-            <a:r>
-              <a:rPr lang="en-US" altLang="zh-CN" sz="2400" dirty="0" err="1"/>
-              <a:t>cpu</a:t>
+              <a:t>使用</a:t>
+            </a:r>
+            <a:r>
+              <a:rPr lang="en-US" altLang="zh-CN" sz="2400" dirty="0"/>
+              <a:t>varchar(20)</a:t>
             </a:r>
             <a:r>
               <a:rPr lang="zh-CN" altLang="en-US" sz="2400" dirty="0"/>
-              <a:t>计算移到业务层</a:t>
-            </a:r>
+              <a:t>存储手机号，不要使用整数</a:t>
+            </a:r>
+            <a:endParaRPr lang="zh-CN" altLang="en-US" sz="2400" dirty="0"/>
           </a:p>
           <a:p>
             <a:r>
               <a:rPr lang="zh-CN" altLang="en-US" sz="2400" dirty="0"/>
-              <a:t>拒绝</a:t>
+              <a:t>使用</a:t>
             </a:r>
             <a:r>
               <a:rPr lang="en-US" altLang="zh-CN" sz="2400" dirty="0"/>
-              <a:t>3B(big)</a:t>
+              <a:t>TINYINT</a:t>
             </a:r>
             <a:r>
               <a:rPr lang="zh-CN" altLang="en-US" sz="2400" dirty="0"/>
-              <a:t>，大</a:t>
-            </a:r>
-            <a:r>
-              <a:rPr lang="en-US" altLang="zh-CN" sz="2400" dirty="0" err="1"/>
-              <a:t>sql</a:t>
-            </a:r>
+              <a:t>来代替</a:t>
+            </a:r>
+            <a:r>
+              <a:rPr lang="en-US" altLang="zh-CN" sz="2400" dirty="0"/>
+              <a:t>ENUM</a:t>
+            </a:r>
+            <a:endParaRPr lang="en-US" altLang="zh-CN" sz="2400" dirty="0"/>
+          </a:p>
+          <a:p>
             <a:r>
               <a:rPr lang="zh-CN" altLang="en-US" sz="2400" dirty="0"/>
-              <a:t>，大事务，大批量</a:t>
-            </a:r>
+              <a:t>尽量不使用</a:t>
+            </a:r>
+            <a:r>
+              <a:rPr lang="en-US" altLang="zh-CN" sz="2400" dirty="0"/>
+              <a:t>TEXT</a:t>
+            </a:r>
+            <a:r>
+              <a:rPr lang="zh-CN" altLang="en-US" sz="2400" dirty="0"/>
+              <a:t>、</a:t>
+            </a:r>
+            <a:r>
+              <a:rPr lang="en-US" altLang="zh-CN" sz="2400" dirty="0"/>
+              <a:t>BLOB</a:t>
+            </a:r>
+            <a:r>
+              <a:rPr lang="zh-CN" altLang="en-US" sz="2400" dirty="0"/>
+              <a:t>类型</a:t>
+            </a:r>
+            <a:endParaRPr lang="zh-CN" altLang="en-US" sz="2400" dirty="0"/>
           </a:p>
         </p:txBody>
       </p:sp>
     </p:spTree>
-    <p:extLst>
-      <p:ext uri="{BB962C8B-B14F-4D97-AF65-F5344CB8AC3E}">
-        <p14:creationId xmlns:p14="http://schemas.microsoft.com/office/powerpoint/2010/main" val="1713178748"/>
-      </p:ext>
-    </p:extLst>
   </p:cSld>
   <p:clrMapOvr>
     <a:masterClrMapping/>
@@ -5555,13 +5303,7 @@
       </p:grpSpPr>
       <p:sp>
         <p:nvSpPr>
-          <p:cNvPr id="2" name="标题 1">
-            <a:extLst>
-              <a:ext uri="{FF2B5EF4-FFF2-40B4-BE49-F238E27FC236}">
-                <a16:creationId xmlns:a16="http://schemas.microsoft.com/office/drawing/2014/main" id="{FBF77C66-BB39-434E-A791-47B5FEEF501D}"/>
-              </a:ext>
-            </a:extLst>
-          </p:cNvPr>
+          <p:cNvPr id="2" name="标题 1"/>
           <p:cNvSpPr>
             <a:spLocks noGrp="1"/>
           </p:cNvSpPr>
@@ -5584,20 +5326,15 @@
             </a:r>
             <a:r>
               <a:rPr lang="zh-CN" altLang="en-US" dirty="0"/>
-              <a:t>表设计规范</a:t>
-            </a:r>
-          </a:p>
-        </p:txBody>
-      </p:sp>
-      <p:sp>
-        <p:nvSpPr>
-          <p:cNvPr id="3" name="内容占位符 2">
-            <a:extLst>
-              <a:ext uri="{FF2B5EF4-FFF2-40B4-BE49-F238E27FC236}">
-                <a16:creationId xmlns:a16="http://schemas.microsoft.com/office/drawing/2014/main" id="{478C15A8-BED1-47E7-920B-84EDB7600EE8}"/>
-              </a:ext>
-            </a:extLst>
-          </p:cNvPr>
+              <a:t>索引规范</a:t>
+            </a:r>
+            <a:endParaRPr lang="zh-CN" altLang="en-US" dirty="0"/>
+          </a:p>
+        </p:txBody>
+      </p:sp>
+      <p:sp>
+        <p:nvSpPr>
+          <p:cNvPr id="3" name="内容占位符 2"/>
           <p:cNvSpPr>
             <a:spLocks noGrp="1"/>
           </p:cNvSpPr>
@@ -5614,85 +5351,135 @@
           <a:p>
             <a:r>
               <a:rPr lang="zh-CN" altLang="en-US" sz="2400" dirty="0"/>
-              <a:t>单实例表个数必须控制在</a:t>
+              <a:t>唯一索引使用</a:t>
+            </a:r>
+            <a:r>
+              <a:rPr lang="en-US" altLang="zh-CN" sz="2400" dirty="0" err="1"/>
+              <a:t>uniq</a:t>
             </a:r>
             <a:r>
               <a:rPr lang="en-US" altLang="zh-CN" sz="2400" dirty="0"/>
-              <a:t>2000</a:t>
+              <a:t>_[</a:t>
+            </a:r>
+            <a:r>
+              <a:rPr lang="zh-CN" altLang="en-US" sz="2400" dirty="0"/>
+              <a:t>字段名</a:t>
+            </a:r>
+            <a:r>
+              <a:rPr lang="en-US" altLang="zh-CN" sz="2400" dirty="0"/>
+              <a:t>]</a:t>
+            </a:r>
+            <a:r>
+              <a:rPr lang="zh-CN" altLang="en-US" sz="2400" dirty="0"/>
+              <a:t>来命名</a:t>
+            </a:r>
+            <a:endParaRPr lang="zh-CN" altLang="en-US" sz="2400" dirty="0"/>
+          </a:p>
+          <a:p>
+            <a:r>
+              <a:rPr lang="zh-CN" altLang="en-US" sz="2400" dirty="0"/>
+              <a:t>非唯一索引使用</a:t>
+            </a:r>
+            <a:r>
+              <a:rPr lang="en-US" altLang="zh-CN" sz="2400" dirty="0" err="1"/>
+              <a:t>idx</a:t>
+            </a:r>
+            <a:r>
+              <a:rPr lang="en-US" altLang="zh-CN" sz="2400" dirty="0"/>
+              <a:t>_[</a:t>
+            </a:r>
+            <a:r>
+              <a:rPr lang="zh-CN" altLang="en-US" sz="2400" dirty="0"/>
+              <a:t>字段名</a:t>
+            </a:r>
+            <a:r>
+              <a:rPr lang="en-US" altLang="zh-CN" sz="2400" dirty="0"/>
+              <a:t>]</a:t>
+            </a:r>
+            <a:r>
+              <a:rPr lang="zh-CN" altLang="en-US" sz="2400" dirty="0"/>
+              <a:t>来命名</a:t>
+            </a:r>
+            <a:endParaRPr lang="zh-CN" altLang="en-US" sz="2400" dirty="0"/>
+          </a:p>
+          <a:p>
+            <a:r>
+              <a:rPr lang="zh-CN" altLang="en-US" sz="2400" dirty="0"/>
+              <a:t>单张表索引数量建议控制在</a:t>
+            </a:r>
+            <a:r>
+              <a:rPr lang="en-US" altLang="zh-CN" sz="2400" dirty="0"/>
+              <a:t>5</a:t>
             </a:r>
             <a:r>
               <a:rPr lang="zh-CN" altLang="en-US" sz="2400" dirty="0"/>
               <a:t>个以内</a:t>
             </a:r>
+            <a:endParaRPr lang="zh-CN" altLang="en-US" sz="2400" dirty="0"/>
           </a:p>
           <a:p>
             <a:r>
               <a:rPr lang="zh-CN" altLang="en-US" sz="2400" dirty="0"/>
-              <a:t>单表分表个数必须控制在</a:t>
+              <a:t>组合索引字段数不建议超过</a:t>
             </a:r>
             <a:r>
               <a:rPr lang="en-US" altLang="zh-CN" sz="2400" dirty="0"/>
-              <a:t>1024</a:t>
+              <a:t>5</a:t>
             </a:r>
             <a:r>
               <a:rPr lang="zh-CN" altLang="en-US" sz="2400" dirty="0"/>
-              <a:t>个以内，单表记录控制在千万级</a:t>
-            </a:r>
+              <a:t>个</a:t>
+            </a:r>
+            <a:endParaRPr lang="zh-CN" altLang="en-US" sz="2400" dirty="0"/>
           </a:p>
           <a:p>
             <a:r>
               <a:rPr lang="zh-CN" altLang="en-US" sz="2400" dirty="0"/>
-              <a:t>表必须有主键，推荐使用</a:t>
+              <a:t>不建议在频繁更新的字段上建立索引</a:t>
+            </a:r>
+            <a:endParaRPr lang="zh-CN" altLang="en-US" sz="2400" dirty="0"/>
+          </a:p>
+          <a:p>
+            <a:r>
+              <a:rPr lang="zh-CN" altLang="en-US" sz="2400" dirty="0"/>
+              <a:t>非必要不要进行</a:t>
             </a:r>
             <a:r>
               <a:rPr lang="en-US" altLang="zh-CN" sz="2400" dirty="0"/>
-              <a:t>UNSIGNED</a:t>
+              <a:t>JOIN</a:t>
             </a:r>
             <a:r>
               <a:rPr lang="zh-CN" altLang="en-US" sz="2400" dirty="0"/>
-              <a:t>整数为主键，并自增</a:t>
-            </a:r>
-          </a:p>
-          <a:p>
+              <a:t>查询，如果要进行</a:t>
+            </a:r>
+            <a:r>
+              <a:rPr lang="en-US" altLang="zh-CN" sz="2400" dirty="0"/>
+              <a:t>JOIN</a:t>
+            </a:r>
             <a:r>
               <a:rPr lang="zh-CN" altLang="en-US" sz="2400" dirty="0"/>
-              <a:t>禁止使用外键，如果要保证完整性，应由应用程式实现</a:t>
-            </a:r>
-          </a:p>
-          <a:p>
+              <a:t>查询，被</a:t>
+            </a:r>
+            <a:r>
+              <a:rPr lang="en-US" altLang="zh-CN" sz="2400" dirty="0"/>
+              <a:t>JOIN</a:t>
+            </a:r>
             <a:r>
               <a:rPr lang="zh-CN" altLang="en-US" sz="2400" dirty="0"/>
-              <a:t>建议将大字段，访问频度低的字段拆分到单独的表中存储，分离冷热数据</a:t>
-            </a:r>
+              <a:t>的字段必须类型相同，并建立索引</a:t>
+            </a:r>
+            <a:endParaRPr lang="zh-CN" altLang="en-US" sz="2400" dirty="0"/>
           </a:p>
           <a:p>
             <a:r>
               <a:rPr lang="zh-CN" altLang="en-US" sz="2400" dirty="0"/>
-              <a:t>控制列数量，字段数控制在</a:t>
-            </a:r>
-            <a:r>
-              <a:rPr lang="en-US" altLang="zh-CN" sz="2400" dirty="0"/>
-              <a:t>20</a:t>
-            </a:r>
-            <a:r>
-              <a:rPr lang="zh-CN" altLang="en-US" sz="2400" dirty="0"/>
-              <a:t>以内</a:t>
-            </a:r>
-          </a:p>
-          <a:p>
-            <a:r>
-              <a:rPr lang="zh-CN" altLang="en-US" sz="2400" dirty="0"/>
-              <a:t>平衡范式与冗余，为提高效率可以牺牲范式设计，冗余数据</a:t>
-            </a:r>
+              <a:t>理解组合索引最左前缀原则，避免重复建设索引</a:t>
+            </a:r>
+            <a:endParaRPr lang="zh-CN" altLang="en-US" sz="2400" dirty="0"/>
           </a:p>
         </p:txBody>
       </p:sp>
     </p:spTree>
-    <p:extLst>
-      <p:ext uri="{BB962C8B-B14F-4D97-AF65-F5344CB8AC3E}">
-        <p14:creationId xmlns:p14="http://schemas.microsoft.com/office/powerpoint/2010/main" val="2373537186"/>
-      </p:ext>
-    </p:extLst>
   </p:cSld>
   <p:clrMapOvr>
     <a:masterClrMapping/>
@@ -5719,13 +5506,7 @@
       </p:grpSpPr>
       <p:sp>
         <p:nvSpPr>
-          <p:cNvPr id="2" name="标题 1">
-            <a:extLst>
-              <a:ext uri="{FF2B5EF4-FFF2-40B4-BE49-F238E27FC236}">
-                <a16:creationId xmlns:a16="http://schemas.microsoft.com/office/drawing/2014/main" id="{FBF77C66-BB39-434E-A791-47B5FEEF501D}"/>
-              </a:ext>
-            </a:extLst>
-          </p:cNvPr>
+          <p:cNvPr id="2" name="标题 1"/>
           <p:cNvSpPr>
             <a:spLocks noGrp="1"/>
           </p:cNvSpPr>
@@ -5744,24 +5525,19 @@
             </a:r>
             <a:r>
               <a:rPr lang="en-US" altLang="zh-CN" dirty="0"/>
-              <a:t>——</a:t>
-            </a:r>
-            <a:r>
-              <a:rPr lang="zh-CN" altLang="en-US" dirty="0"/>
-              <a:t>列设计规范</a:t>
-            </a:r>
-          </a:p>
-        </p:txBody>
-      </p:sp>
-      <p:sp>
-        <p:nvSpPr>
-          <p:cNvPr id="3" name="内容占位符 2">
-            <a:extLst>
-              <a:ext uri="{FF2B5EF4-FFF2-40B4-BE49-F238E27FC236}">
-                <a16:creationId xmlns:a16="http://schemas.microsoft.com/office/drawing/2014/main" id="{478C15A8-BED1-47E7-920B-84EDB7600EE8}"/>
-              </a:ext>
-            </a:extLst>
-          </p:cNvPr>
+              <a:t>——SQL</a:t>
+            </a:r>
+            <a:r>
+              <a:rPr lang="zh-CN" altLang="en-US" dirty="0"/>
+              <a:t>规范</a:t>
+            </a:r>
+            <a:endParaRPr lang="zh-CN" altLang="en-US" dirty="0"/>
+          </a:p>
+        </p:txBody>
+      </p:sp>
+      <p:sp>
+        <p:nvSpPr>
+          <p:cNvPr id="3" name="内容占位符 2"/>
           <p:cNvSpPr>
             <a:spLocks noGrp="1"/>
           </p:cNvSpPr>
@@ -5778,155 +5554,142 @@
           <a:p>
             <a:r>
               <a:rPr lang="zh-CN" altLang="en-US" sz="2400" dirty="0"/>
-              <a:t>根据业务区分使用</a:t>
-            </a:r>
-            <a:r>
-              <a:rPr lang="en-US" altLang="zh-CN" sz="2400" dirty="0" err="1"/>
-              <a:t>tinyint</a:t>
+              <a:t>禁止使用</a:t>
             </a:r>
             <a:r>
               <a:rPr lang="en-US" altLang="zh-CN" sz="2400" dirty="0"/>
-              <a:t>/int/</a:t>
-            </a:r>
-            <a:r>
-              <a:rPr lang="en-US" altLang="zh-CN" sz="2400" dirty="0" err="1"/>
-              <a:t>bigint</a:t>
+              <a:t>select *</a:t>
             </a:r>
             <a:r>
               <a:rPr lang="zh-CN" altLang="en-US" sz="2400" dirty="0"/>
-              <a:t>，分别会占用</a:t>
-            </a:r>
+              <a:t>，只获取必要字段</a:t>
+            </a:r>
+            <a:endParaRPr lang="zh-CN" altLang="en-US" sz="2400" dirty="0"/>
+          </a:p>
+          <a:p>
             <a:r>
               <a:rPr lang="en-US" altLang="zh-CN" sz="2400" dirty="0"/>
-              <a:t>1/4/8</a:t>
+              <a:t>insert</a:t>
             </a:r>
             <a:r>
               <a:rPr lang="zh-CN" altLang="en-US" sz="2400" dirty="0"/>
-              <a:t>字节</a:t>
-            </a:r>
+              <a:t>必须指定字段，禁止使用</a:t>
+            </a:r>
+            <a:r>
+              <a:rPr lang="en-US" altLang="zh-CN" sz="2400" dirty="0"/>
+              <a:t>insert into T values()</a:t>
+            </a:r>
+            <a:endParaRPr lang="en-US" altLang="zh-CN" sz="2400" dirty="0"/>
           </a:p>
           <a:p>
             <a:r>
               <a:rPr lang="zh-CN" altLang="en-US" sz="2400" dirty="0"/>
-              <a:t>根据业务区分使用</a:t>
+              <a:t>隐式类型转换会使索引失效，导致全表扫描</a:t>
+            </a:r>
+            <a:endParaRPr lang="zh-CN" altLang="en-US" sz="2400" dirty="0"/>
+          </a:p>
+          <a:p>
+            <a:r>
+              <a:rPr lang="zh-CN" altLang="en-US" sz="2400" dirty="0"/>
+              <a:t>禁止在</a:t>
             </a:r>
             <a:r>
               <a:rPr lang="en-US" altLang="zh-CN" sz="2400" dirty="0"/>
-              <a:t>char/varchar</a:t>
-            </a:r>
-          </a:p>
-          <a:p>
+              <a:t>where</a:t>
+            </a:r>
             <a:r>
               <a:rPr lang="zh-CN" altLang="en-US" sz="2400" dirty="0"/>
-              <a:t>根据业务区分使用</a:t>
+              <a:t>条件列使用函数或者表达式</a:t>
+            </a:r>
+            <a:endParaRPr lang="zh-CN" altLang="en-US" sz="2400" dirty="0"/>
+          </a:p>
+          <a:p>
+            <a:r>
+              <a:rPr lang="zh-CN" altLang="en-US" sz="2400" dirty="0"/>
+              <a:t>禁止负向查询以及</a:t>
             </a:r>
             <a:r>
               <a:rPr lang="en-US" altLang="zh-CN" sz="2400" dirty="0"/>
-              <a:t>datetime/timestamp</a:t>
-            </a:r>
-          </a:p>
-          <a:p>
+              <a:t>%</a:t>
+            </a:r>
             <a:r>
               <a:rPr lang="zh-CN" altLang="en-US" sz="2400" dirty="0"/>
-              <a:t>必须把字段定义为</a:t>
+              <a:t>开头的模糊查询</a:t>
+            </a:r>
+            <a:endParaRPr lang="zh-CN" altLang="en-US" sz="2400" dirty="0"/>
+          </a:p>
+          <a:p>
+            <a:r>
+              <a:rPr lang="zh-CN" altLang="en-US" sz="2400" dirty="0"/>
+              <a:t>禁止大表</a:t>
             </a:r>
             <a:r>
               <a:rPr lang="en-US" altLang="zh-CN" sz="2400" dirty="0"/>
-              <a:t>NOT NULL</a:t>
+              <a:t>JOIN</a:t>
             </a:r>
             <a:r>
               <a:rPr lang="zh-CN" altLang="en-US" sz="2400" dirty="0"/>
-              <a:t>并设默认值</a:t>
-            </a:r>
+              <a:t>和子查询</a:t>
+            </a:r>
+            <a:endParaRPr lang="zh-CN" altLang="en-US" sz="2400" dirty="0"/>
           </a:p>
           <a:p>
             <a:r>
               <a:rPr lang="zh-CN" altLang="en-US" sz="2400" dirty="0"/>
-              <a:t>使用</a:t>
+              <a:t>同一个字段上的</a:t>
             </a:r>
             <a:r>
               <a:rPr lang="en-US" altLang="zh-CN" sz="2400" dirty="0"/>
-              <a:t>INT UNSIGNED</a:t>
+              <a:t>OR</a:t>
             </a:r>
             <a:r>
               <a:rPr lang="zh-CN" altLang="en-US" sz="2400" dirty="0"/>
-              <a:t>存储</a:t>
+              <a:t>改写问</a:t>
             </a:r>
             <a:r>
               <a:rPr lang="en-US" altLang="zh-CN" sz="2400" dirty="0"/>
-              <a:t>IPv4</a:t>
+              <a:t>IN</a:t>
             </a:r>
             <a:r>
               <a:rPr lang="zh-CN" altLang="en-US" sz="2400" dirty="0"/>
-              <a:t>，不要用</a:t>
+              <a:t>，</a:t>
             </a:r>
             <a:r>
               <a:rPr lang="en-US" altLang="zh-CN" sz="2400" dirty="0"/>
-              <a:t>char(15)</a:t>
-            </a:r>
-          </a:p>
-          <a:p>
+              <a:t>IN</a:t>
+            </a:r>
             <a:r>
               <a:rPr lang="zh-CN" altLang="en-US" sz="2400" dirty="0"/>
-              <a:t>使用</a:t>
+              <a:t>的值必须少于</a:t>
             </a:r>
             <a:r>
               <a:rPr lang="en-US" altLang="zh-CN" sz="2400" dirty="0"/>
-              <a:t>varchar(20)</a:t>
+              <a:t>50</a:t>
             </a:r>
             <a:r>
               <a:rPr lang="zh-CN" altLang="en-US" sz="2400" dirty="0"/>
-              <a:t>存储手机号，不要使用整数</a:t>
-            </a:r>
+              <a:t>个</a:t>
+            </a:r>
+            <a:endParaRPr lang="zh-CN" altLang="en-US" sz="2400" dirty="0"/>
           </a:p>
           <a:p>
             <a:r>
               <a:rPr lang="zh-CN" altLang="en-US" sz="2400" dirty="0"/>
-              <a:t>使用</a:t>
+              <a:t>应用程序必须捕获</a:t>
             </a:r>
             <a:r>
               <a:rPr lang="en-US" altLang="zh-CN" sz="2400" dirty="0"/>
-              <a:t>TINYINT</a:t>
+              <a:t>SQL</a:t>
             </a:r>
             <a:r>
               <a:rPr lang="zh-CN" altLang="en-US" sz="2400" dirty="0"/>
-              <a:t>来代替</a:t>
-            </a:r>
-            <a:r>
-              <a:rPr lang="en-US" altLang="zh-CN" sz="2400" dirty="0"/>
-              <a:t>ENUM</a:t>
-            </a:r>
-          </a:p>
-          <a:p>
-            <a:r>
-              <a:rPr lang="zh-CN" altLang="en-US" sz="2400" dirty="0"/>
-              <a:t>尽量不使用</a:t>
-            </a:r>
-            <a:r>
-              <a:rPr lang="en-US" altLang="zh-CN" sz="2400" dirty="0"/>
-              <a:t>TEXT</a:t>
-            </a:r>
-            <a:r>
-              <a:rPr lang="zh-CN" altLang="en-US" sz="2400" dirty="0"/>
-              <a:t>、</a:t>
-            </a:r>
-            <a:r>
-              <a:rPr lang="en-US" altLang="zh-CN" sz="2400" dirty="0"/>
-              <a:t>BLOB</a:t>
-            </a:r>
-            <a:r>
-              <a:rPr lang="zh-CN" altLang="en-US" sz="2400" dirty="0"/>
-              <a:t>类型</a:t>
-            </a:r>
+              <a:t>异常</a:t>
+            </a:r>
+            <a:endParaRPr lang="zh-CN" altLang="en-US" sz="2400" dirty="0"/>
           </a:p>
         </p:txBody>
       </p:sp>
     </p:spTree>
-    <p:extLst>
-      <p:ext uri="{BB962C8B-B14F-4D97-AF65-F5344CB8AC3E}">
-        <p14:creationId xmlns:p14="http://schemas.microsoft.com/office/powerpoint/2010/main" val="238740288"/>
-      </p:ext>
-    </p:extLst>
   </p:cSld>
   <p:clrMapOvr>
     <a:masterClrMapping/>
@@ -5953,13 +5716,7 @@
       </p:grpSpPr>
       <p:sp>
         <p:nvSpPr>
-          <p:cNvPr id="2" name="标题 1">
-            <a:extLst>
-              <a:ext uri="{FF2B5EF4-FFF2-40B4-BE49-F238E27FC236}">
-                <a16:creationId xmlns:a16="http://schemas.microsoft.com/office/drawing/2014/main" id="{FBF77C66-BB39-434E-A791-47B5FEEF501D}"/>
-              </a:ext>
-            </a:extLst>
-          </p:cNvPr>
+          <p:cNvPr id="2" name="标题 1"/>
           <p:cNvSpPr>
             <a:spLocks noGrp="1"/>
           </p:cNvSpPr>
@@ -5978,24 +5735,15 @@
             </a:r>
             <a:r>
               <a:rPr lang="en-US" altLang="zh-CN" dirty="0"/>
-              <a:t>——</a:t>
-            </a:r>
-            <a:r>
-              <a:rPr lang="zh-CN" altLang="en-US" dirty="0"/>
-              <a:t>索引规范</a:t>
-            </a:r>
-          </a:p>
-        </p:txBody>
-      </p:sp>
-      <p:sp>
-        <p:nvSpPr>
-          <p:cNvPr id="3" name="内容占位符 2">
-            <a:extLst>
-              <a:ext uri="{FF2B5EF4-FFF2-40B4-BE49-F238E27FC236}">
-                <a16:creationId xmlns:a16="http://schemas.microsoft.com/office/drawing/2014/main" id="{478C15A8-BED1-47E7-920B-84EDB7600EE8}"/>
-              </a:ext>
-            </a:extLst>
-          </p:cNvPr>
+              <a:t>——explain</a:t>
+            </a:r>
+            <a:endParaRPr lang="zh-CN" altLang="en-US" dirty="0"/>
+          </a:p>
+        </p:txBody>
+      </p:sp>
+      <p:sp>
+        <p:nvSpPr>
+          <p:cNvPr id="3" name="内容占位符 2"/>
           <p:cNvSpPr>
             <a:spLocks noGrp="1"/>
           </p:cNvSpPr>
@@ -6012,133 +5760,36 @@
           <a:p>
             <a:r>
               <a:rPr lang="zh-CN" altLang="en-US" sz="2400" dirty="0"/>
-              <a:t>唯一索引使用</a:t>
+              <a:t>用来分析</a:t>
+            </a:r>
+            <a:r>
+              <a:rPr lang="en-US" altLang="zh-CN" sz="2400" dirty="0"/>
+              <a:t>SQL</a:t>
+            </a:r>
+            <a:r>
+              <a:rPr lang="zh-CN" altLang="en-US" sz="2400" dirty="0"/>
+              <a:t>，比如使用了什么索引、哪个字段，数据过滤的类型等等</a:t>
+            </a:r>
+            <a:endParaRPr lang="en-US" altLang="zh-CN" sz="2400" dirty="0"/>
+          </a:p>
+          <a:p>
+            <a:r>
+              <a:rPr lang="en-US" altLang="zh-CN" sz="2400" dirty="0"/>
+              <a:t>explain select </a:t>
             </a:r>
             <a:r>
               <a:rPr lang="en-US" altLang="zh-CN" sz="2400" dirty="0" err="1"/>
-              <a:t>uniq</a:t>
+              <a:t>id,name</a:t>
             </a:r>
             <a:r>
               <a:rPr lang="en-US" altLang="zh-CN" sz="2400" dirty="0"/>
-              <a:t>_[</a:t>
-            </a:r>
-            <a:r>
-              <a:rPr lang="zh-CN" altLang="en-US" sz="2400" dirty="0"/>
-              <a:t>字段名</a:t>
-            </a:r>
-            <a:r>
-              <a:rPr lang="en-US" altLang="zh-CN" sz="2400" dirty="0"/>
-              <a:t>]</a:t>
-            </a:r>
-            <a:r>
-              <a:rPr lang="zh-CN" altLang="en-US" sz="2400" dirty="0"/>
-              <a:t>来命名</a:t>
-            </a:r>
-          </a:p>
-          <a:p>
-            <a:r>
-              <a:rPr lang="zh-CN" altLang="en-US" sz="2400" dirty="0"/>
-              <a:t>非唯一索引使用</a:t>
-            </a:r>
-            <a:r>
-              <a:rPr lang="en-US" altLang="zh-CN" sz="2400" dirty="0" err="1"/>
-              <a:t>idx</a:t>
-            </a:r>
-            <a:r>
-              <a:rPr lang="en-US" altLang="zh-CN" sz="2400" dirty="0"/>
-              <a:t>_[</a:t>
-            </a:r>
-            <a:r>
-              <a:rPr lang="zh-CN" altLang="en-US" sz="2400" dirty="0"/>
-              <a:t>字段名</a:t>
-            </a:r>
-            <a:r>
-              <a:rPr lang="en-US" altLang="zh-CN" sz="2400" dirty="0"/>
-              <a:t>]</a:t>
-            </a:r>
-            <a:r>
-              <a:rPr lang="zh-CN" altLang="en-US" sz="2400" dirty="0"/>
-              <a:t>来命名</a:t>
-            </a:r>
-          </a:p>
-          <a:p>
-            <a:r>
-              <a:rPr lang="zh-CN" altLang="en-US" sz="2400" dirty="0"/>
-              <a:t>单张表索引数量建议控制在</a:t>
-            </a:r>
-            <a:r>
-              <a:rPr lang="en-US" altLang="zh-CN" sz="2400" dirty="0"/>
-              <a:t>5</a:t>
-            </a:r>
-            <a:r>
-              <a:rPr lang="zh-CN" altLang="en-US" sz="2400" dirty="0"/>
-              <a:t>个以内</a:t>
-            </a:r>
-          </a:p>
-          <a:p>
-            <a:r>
-              <a:rPr lang="zh-CN" altLang="en-US" sz="2400" dirty="0"/>
-              <a:t>组合索引字段数不建议超过</a:t>
-            </a:r>
-            <a:r>
-              <a:rPr lang="en-US" altLang="zh-CN" sz="2400" dirty="0"/>
-              <a:t>5</a:t>
-            </a:r>
-            <a:r>
-              <a:rPr lang="zh-CN" altLang="en-US" sz="2400" dirty="0"/>
-              <a:t>个</a:t>
-            </a:r>
-          </a:p>
-          <a:p>
-            <a:r>
-              <a:rPr lang="zh-CN" altLang="en-US" sz="2400" dirty="0"/>
-              <a:t>不建议在频繁更新的字段上建立索引</a:t>
-            </a:r>
-          </a:p>
-          <a:p>
-            <a:r>
-              <a:rPr lang="zh-CN" altLang="en-US" sz="2400" dirty="0"/>
-              <a:t>非必要不要进行</a:t>
-            </a:r>
-            <a:r>
-              <a:rPr lang="en-US" altLang="zh-CN" sz="2400" dirty="0"/>
-              <a:t>JOIN</a:t>
-            </a:r>
-            <a:r>
-              <a:rPr lang="zh-CN" altLang="en-US" sz="2400" dirty="0"/>
-              <a:t>查询，如果要进行</a:t>
-            </a:r>
-            <a:r>
-              <a:rPr lang="en-US" altLang="zh-CN" sz="2400" dirty="0"/>
-              <a:t>JOIN</a:t>
-            </a:r>
-            <a:r>
-              <a:rPr lang="zh-CN" altLang="en-US" sz="2400" dirty="0"/>
-              <a:t>查询，被</a:t>
-            </a:r>
-            <a:r>
-              <a:rPr lang="en-US" altLang="zh-CN" sz="2400" dirty="0"/>
-              <a:t>JOIN</a:t>
-            </a:r>
-            <a:r>
-              <a:rPr lang="zh-CN" altLang="en-US" sz="2400" dirty="0"/>
-              <a:t>的字段必须类型相同，并建立索引</a:t>
-            </a:r>
-          </a:p>
-          <a:p>
-            <a:r>
-              <a:rPr lang="zh-CN" altLang="en-US" sz="2400" dirty="0"/>
-              <a:t>理解组合索引最左前缀原则，避免重复建设索引</a:t>
-            </a:r>
+              <a:t> from t;</a:t>
+            </a:r>
+            <a:endParaRPr lang="zh-CN" altLang="en-US" sz="2400" dirty="0"/>
           </a:p>
         </p:txBody>
       </p:sp>
     </p:spTree>
-    <p:extLst>
-      <p:ext uri="{BB962C8B-B14F-4D97-AF65-F5344CB8AC3E}">
-        <p14:creationId xmlns:p14="http://schemas.microsoft.com/office/powerpoint/2010/main" val="780777521"/>
-      </p:ext>
-    </p:extLst>
   </p:cSld>
   <p:clrMapOvr>
     <a:masterClrMapping/>
@@ -6165,13 +5816,7 @@
       </p:grpSpPr>
       <p:sp>
         <p:nvSpPr>
-          <p:cNvPr id="2" name="标题 1">
-            <a:extLst>
-              <a:ext uri="{FF2B5EF4-FFF2-40B4-BE49-F238E27FC236}">
-                <a16:creationId xmlns:a16="http://schemas.microsoft.com/office/drawing/2014/main" id="{B55F2F08-92FE-49BB-B3D4-FAEE2F3F8078}"/>
-              </a:ext>
-            </a:extLst>
-          </p:cNvPr>
+          <p:cNvPr id="2" name="标题 1"/>
           <p:cNvSpPr>
             <a:spLocks noGrp="1"/>
           </p:cNvSpPr>
@@ -6188,18 +5833,13 @@
               <a:rPr lang="zh-CN" altLang="en-US" dirty="0"/>
               <a:t>内容</a:t>
             </a:r>
-          </a:p>
-        </p:txBody>
-      </p:sp>
-      <p:sp>
-        <p:nvSpPr>
-          <p:cNvPr id="3" name="内容占位符 2">
-            <a:extLst>
-              <a:ext uri="{FF2B5EF4-FFF2-40B4-BE49-F238E27FC236}">
-                <a16:creationId xmlns:a16="http://schemas.microsoft.com/office/drawing/2014/main" id="{3B38B6FA-6B97-4387-A6F0-B36BD054F53D}"/>
-              </a:ext>
-            </a:extLst>
-          </p:cNvPr>
+            <a:endParaRPr lang="zh-CN" altLang="en-US" dirty="0"/>
+          </a:p>
+        </p:txBody>
+      </p:sp>
+      <p:sp>
+        <p:nvSpPr>
+          <p:cNvPr id="3" name="内容占位符 2"/>
           <p:cNvSpPr>
             <a:spLocks noGrp="1"/>
           </p:cNvSpPr>
@@ -6245,11 +5885,6 @@
         </p:txBody>
       </p:sp>
     </p:spTree>
-    <p:extLst>
-      <p:ext uri="{BB962C8B-B14F-4D97-AF65-F5344CB8AC3E}">
-        <p14:creationId xmlns:p14="http://schemas.microsoft.com/office/powerpoint/2010/main" val="1642559343"/>
-      </p:ext>
-    </p:extLst>
   </p:cSld>
   <p:clrMapOvr>
     <a:masterClrMapping/>
@@ -6276,348 +5911,7 @@
       </p:grpSpPr>
       <p:sp>
         <p:nvSpPr>
-          <p:cNvPr id="2" name="标题 1">
-            <a:extLst>
-              <a:ext uri="{FF2B5EF4-FFF2-40B4-BE49-F238E27FC236}">
-                <a16:creationId xmlns:a16="http://schemas.microsoft.com/office/drawing/2014/main" id="{FBF77C66-BB39-434E-A791-47B5FEEF501D}"/>
-              </a:ext>
-            </a:extLst>
-          </p:cNvPr>
-          <p:cNvSpPr>
-            <a:spLocks noGrp="1"/>
-          </p:cNvSpPr>
-          <p:nvPr>
-            <p:ph type="title"/>
-          </p:nvPr>
-        </p:nvSpPr>
-        <p:spPr/>
-        <p:txBody>
-          <a:bodyPr/>
-          <a:lstStyle/>
-          <a:p>
-            <a:r>
-              <a:rPr lang="zh-CN" altLang="en-US" dirty="0"/>
-              <a:t>设计规范与优化</a:t>
-            </a:r>
-            <a:r>
-              <a:rPr lang="en-US" altLang="zh-CN" dirty="0"/>
-              <a:t>——SQL</a:t>
-            </a:r>
-            <a:r>
-              <a:rPr lang="zh-CN" altLang="en-US" dirty="0"/>
-              <a:t>规范</a:t>
-            </a:r>
-          </a:p>
-        </p:txBody>
-      </p:sp>
-      <p:sp>
-        <p:nvSpPr>
-          <p:cNvPr id="3" name="内容占位符 2">
-            <a:extLst>
-              <a:ext uri="{FF2B5EF4-FFF2-40B4-BE49-F238E27FC236}">
-                <a16:creationId xmlns:a16="http://schemas.microsoft.com/office/drawing/2014/main" id="{478C15A8-BED1-47E7-920B-84EDB7600EE8}"/>
-              </a:ext>
-            </a:extLst>
-          </p:cNvPr>
-          <p:cNvSpPr>
-            <a:spLocks noGrp="1"/>
-          </p:cNvSpPr>
-          <p:nvPr>
-            <p:ph idx="1"/>
-          </p:nvPr>
-        </p:nvSpPr>
-        <p:spPr/>
-        <p:txBody>
-          <a:bodyPr>
-            <a:normAutofit/>
-          </a:bodyPr>
-          <a:lstStyle/>
-          <a:p>
-            <a:r>
-              <a:rPr lang="zh-CN" altLang="en-US" sz="2400" dirty="0"/>
-              <a:t>禁止使用</a:t>
-            </a:r>
-            <a:r>
-              <a:rPr lang="en-US" altLang="zh-CN" sz="2400" dirty="0"/>
-              <a:t>select *</a:t>
-            </a:r>
-            <a:r>
-              <a:rPr lang="zh-CN" altLang="en-US" sz="2400" dirty="0"/>
-              <a:t>，只获取必要字段</a:t>
-            </a:r>
-          </a:p>
-          <a:p>
-            <a:r>
-              <a:rPr lang="en-US" altLang="zh-CN" sz="2400" dirty="0"/>
-              <a:t>insert</a:t>
-            </a:r>
-            <a:r>
-              <a:rPr lang="zh-CN" altLang="en-US" sz="2400" dirty="0"/>
-              <a:t>必须指定字段，禁止使用</a:t>
-            </a:r>
-            <a:r>
-              <a:rPr lang="en-US" altLang="zh-CN" sz="2400" dirty="0"/>
-              <a:t>insert into T values()</a:t>
-            </a:r>
-          </a:p>
-          <a:p>
-            <a:r>
-              <a:rPr lang="zh-CN" altLang="en-US" sz="2400" dirty="0"/>
-              <a:t>隐式类型转换会使索引失效，导致全表扫描</a:t>
-            </a:r>
-          </a:p>
-          <a:p>
-            <a:r>
-              <a:rPr lang="zh-CN" altLang="en-US" sz="2400" dirty="0"/>
-              <a:t>禁止在</a:t>
-            </a:r>
-            <a:r>
-              <a:rPr lang="en-US" altLang="zh-CN" sz="2400" dirty="0"/>
-              <a:t>where</a:t>
-            </a:r>
-            <a:r>
-              <a:rPr lang="zh-CN" altLang="en-US" sz="2400" dirty="0"/>
-              <a:t>条件列使用函数或者表达式</a:t>
-            </a:r>
-          </a:p>
-          <a:p>
-            <a:r>
-              <a:rPr lang="zh-CN" altLang="en-US" sz="2400" dirty="0"/>
-              <a:t>禁止负向查询以及</a:t>
-            </a:r>
-            <a:r>
-              <a:rPr lang="en-US" altLang="zh-CN" sz="2400" dirty="0"/>
-              <a:t>%</a:t>
-            </a:r>
-            <a:r>
-              <a:rPr lang="zh-CN" altLang="en-US" sz="2400" dirty="0"/>
-              <a:t>开头的模糊查询</a:t>
-            </a:r>
-          </a:p>
-          <a:p>
-            <a:r>
-              <a:rPr lang="zh-CN" altLang="en-US" sz="2400" dirty="0"/>
-              <a:t>禁止大表</a:t>
-            </a:r>
-            <a:r>
-              <a:rPr lang="en-US" altLang="zh-CN" sz="2400" dirty="0"/>
-              <a:t>JOIN</a:t>
-            </a:r>
-            <a:r>
-              <a:rPr lang="zh-CN" altLang="en-US" sz="2400" dirty="0"/>
-              <a:t>和子查询</a:t>
-            </a:r>
-          </a:p>
-          <a:p>
-            <a:r>
-              <a:rPr lang="zh-CN" altLang="en-US" sz="2400" dirty="0"/>
-              <a:t>同一个字段上的</a:t>
-            </a:r>
-            <a:r>
-              <a:rPr lang="en-US" altLang="zh-CN" sz="2400" dirty="0"/>
-              <a:t>OR</a:t>
-            </a:r>
-            <a:r>
-              <a:rPr lang="zh-CN" altLang="en-US" sz="2400" dirty="0"/>
-              <a:t>改写问</a:t>
-            </a:r>
-            <a:r>
-              <a:rPr lang="en-US" altLang="zh-CN" sz="2400" dirty="0"/>
-              <a:t>IN</a:t>
-            </a:r>
-            <a:r>
-              <a:rPr lang="zh-CN" altLang="en-US" sz="2400" dirty="0"/>
-              <a:t>，</a:t>
-            </a:r>
-            <a:r>
-              <a:rPr lang="en-US" altLang="zh-CN" sz="2400" dirty="0"/>
-              <a:t>IN</a:t>
-            </a:r>
-            <a:r>
-              <a:rPr lang="zh-CN" altLang="en-US" sz="2400" dirty="0"/>
-              <a:t>的值必须少于</a:t>
-            </a:r>
-            <a:r>
-              <a:rPr lang="en-US" altLang="zh-CN" sz="2400" dirty="0"/>
-              <a:t>50</a:t>
-            </a:r>
-            <a:r>
-              <a:rPr lang="zh-CN" altLang="en-US" sz="2400" dirty="0"/>
-              <a:t>个</a:t>
-            </a:r>
-          </a:p>
-          <a:p>
-            <a:r>
-              <a:rPr lang="zh-CN" altLang="en-US" sz="2400" dirty="0"/>
-              <a:t>应用程序必须捕获</a:t>
-            </a:r>
-            <a:r>
-              <a:rPr lang="en-US" altLang="zh-CN" sz="2400" dirty="0"/>
-              <a:t>SQL</a:t>
-            </a:r>
-            <a:r>
-              <a:rPr lang="zh-CN" altLang="en-US" sz="2400" dirty="0"/>
-              <a:t>异常</a:t>
-            </a:r>
-          </a:p>
-        </p:txBody>
-      </p:sp>
-    </p:spTree>
-    <p:extLst>
-      <p:ext uri="{BB962C8B-B14F-4D97-AF65-F5344CB8AC3E}">
-        <p14:creationId xmlns:p14="http://schemas.microsoft.com/office/powerpoint/2010/main" val="2205623326"/>
-      </p:ext>
-    </p:extLst>
-  </p:cSld>
-  <p:clrMapOvr>
-    <a:masterClrMapping/>
-  </p:clrMapOvr>
-</p:sld>
-</file>
-
-<file path=ppt/slides/slide21.xml><?xml version="1.0" encoding="utf-8"?>
-<p:sld xmlns:a="http://schemas.openxmlformats.org/drawingml/2006/main" xmlns:r="http://schemas.openxmlformats.org/officeDocument/2006/relationships" xmlns:p="http://schemas.openxmlformats.org/presentationml/2006/main">
-  <p:cSld>
-    <p:spTree>
-      <p:nvGrpSpPr>
-        <p:cNvPr id="1" name=""/>
-        <p:cNvGrpSpPr/>
-        <p:nvPr/>
-      </p:nvGrpSpPr>
-      <p:grpSpPr>
-        <a:xfrm>
-          <a:off x="0" y="0"/>
-          <a:ext cx="0" cy="0"/>
-          <a:chOff x="0" y="0"/>
-          <a:chExt cx="0" cy="0"/>
-        </a:xfrm>
-      </p:grpSpPr>
-      <p:sp>
-        <p:nvSpPr>
-          <p:cNvPr id="2" name="标题 1">
-            <a:extLst>
-              <a:ext uri="{FF2B5EF4-FFF2-40B4-BE49-F238E27FC236}">
-                <a16:creationId xmlns:a16="http://schemas.microsoft.com/office/drawing/2014/main" id="{FBF77C66-BB39-434E-A791-47B5FEEF501D}"/>
-              </a:ext>
-            </a:extLst>
-          </p:cNvPr>
-          <p:cNvSpPr>
-            <a:spLocks noGrp="1"/>
-          </p:cNvSpPr>
-          <p:nvPr>
-            <p:ph type="title"/>
-          </p:nvPr>
-        </p:nvSpPr>
-        <p:spPr/>
-        <p:txBody>
-          <a:bodyPr/>
-          <a:lstStyle/>
-          <a:p>
-            <a:r>
-              <a:rPr lang="zh-CN" altLang="en-US" dirty="0"/>
-              <a:t>设计规范与优化</a:t>
-            </a:r>
-            <a:r>
-              <a:rPr lang="en-US" altLang="zh-CN" dirty="0"/>
-              <a:t>——explain</a:t>
-            </a:r>
-            <a:endParaRPr lang="zh-CN" altLang="en-US" dirty="0"/>
-          </a:p>
-        </p:txBody>
-      </p:sp>
-      <p:sp>
-        <p:nvSpPr>
-          <p:cNvPr id="3" name="内容占位符 2">
-            <a:extLst>
-              <a:ext uri="{FF2B5EF4-FFF2-40B4-BE49-F238E27FC236}">
-                <a16:creationId xmlns:a16="http://schemas.microsoft.com/office/drawing/2014/main" id="{478C15A8-BED1-47E7-920B-84EDB7600EE8}"/>
-              </a:ext>
-            </a:extLst>
-          </p:cNvPr>
-          <p:cNvSpPr>
-            <a:spLocks noGrp="1"/>
-          </p:cNvSpPr>
-          <p:nvPr>
-            <p:ph idx="1"/>
-          </p:nvPr>
-        </p:nvSpPr>
-        <p:spPr/>
-        <p:txBody>
-          <a:bodyPr>
-            <a:normAutofit/>
-          </a:bodyPr>
-          <a:lstStyle/>
-          <a:p>
-            <a:r>
-              <a:rPr lang="zh-CN" altLang="en-US" sz="2400" dirty="0"/>
-              <a:t>用来分析</a:t>
-            </a:r>
-            <a:r>
-              <a:rPr lang="en-US" altLang="zh-CN" sz="2400" dirty="0"/>
-              <a:t>SQL</a:t>
-            </a:r>
-            <a:r>
-              <a:rPr lang="zh-CN" altLang="en-US" sz="2400" dirty="0"/>
-              <a:t>，比如使用了什么索引、哪个字段，数据过滤的类型等等</a:t>
-            </a:r>
-            <a:endParaRPr lang="en-US" altLang="zh-CN" sz="2400" dirty="0"/>
-          </a:p>
-          <a:p>
-            <a:r>
-              <a:rPr lang="en-US" altLang="zh-CN" sz="2400" dirty="0"/>
-              <a:t>explain select </a:t>
-            </a:r>
-            <a:r>
-              <a:rPr lang="en-US" altLang="zh-CN" sz="2400" dirty="0" err="1"/>
-              <a:t>id,name</a:t>
-            </a:r>
-            <a:r>
-              <a:rPr lang="en-US" altLang="zh-CN" sz="2400" dirty="0"/>
-              <a:t> from t;</a:t>
-            </a:r>
-            <a:endParaRPr lang="zh-CN" altLang="en-US" sz="2400" dirty="0"/>
-          </a:p>
-        </p:txBody>
-      </p:sp>
-    </p:spTree>
-    <p:extLst>
-      <p:ext uri="{BB962C8B-B14F-4D97-AF65-F5344CB8AC3E}">
-        <p14:creationId xmlns:p14="http://schemas.microsoft.com/office/powerpoint/2010/main" val="1938244336"/>
-      </p:ext>
-    </p:extLst>
-  </p:cSld>
-  <p:clrMapOvr>
-    <a:masterClrMapping/>
-  </p:clrMapOvr>
-</p:sld>
-</file>
-
-<file path=ppt/slides/slide22.xml><?xml version="1.0" encoding="utf-8"?>
-<p:sld xmlns:a="http://schemas.openxmlformats.org/drawingml/2006/main" xmlns:r="http://schemas.openxmlformats.org/officeDocument/2006/relationships" xmlns:p="http://schemas.openxmlformats.org/presentationml/2006/main">
-  <p:cSld>
-    <p:spTree>
-      <p:nvGrpSpPr>
-        <p:cNvPr id="1" name=""/>
-        <p:cNvGrpSpPr/>
-        <p:nvPr/>
-      </p:nvGrpSpPr>
-      <p:grpSpPr>
-        <a:xfrm>
-          <a:off x="0" y="0"/>
-          <a:ext cx="0" cy="0"/>
-          <a:chOff x="0" y="0"/>
-          <a:chExt cx="0" cy="0"/>
-        </a:xfrm>
-      </p:grpSpPr>
-      <p:sp>
-        <p:nvSpPr>
-          <p:cNvPr id="2" name="标题 1">
-            <a:extLst>
-              <a:ext uri="{FF2B5EF4-FFF2-40B4-BE49-F238E27FC236}">
-                <a16:creationId xmlns:a16="http://schemas.microsoft.com/office/drawing/2014/main" id="{45EAF7F1-142B-46FC-AA0D-908F859EE7E9}"/>
-              </a:ext>
-            </a:extLst>
-          </p:cNvPr>
+          <p:cNvPr id="2" name="标题 1"/>
           <p:cNvSpPr>
             <a:spLocks noGrp="1"/>
           </p:cNvSpPr>
@@ -6641,18 +5935,13 @@
               <a:rPr lang="zh-CN" altLang="en-US" dirty="0"/>
               <a:t>常见问题与剖析</a:t>
             </a:r>
-          </a:p>
-        </p:txBody>
-      </p:sp>
-      <p:sp>
-        <p:nvSpPr>
-          <p:cNvPr id="4" name="文本框 3">
-            <a:extLst>
-              <a:ext uri="{FF2B5EF4-FFF2-40B4-BE49-F238E27FC236}">
-                <a16:creationId xmlns:a16="http://schemas.microsoft.com/office/drawing/2014/main" id="{BB0C6467-A41A-4231-8519-28B4FF3662F7}"/>
-              </a:ext>
-            </a:extLst>
-          </p:cNvPr>
+            <a:endParaRPr lang="zh-CN" altLang="en-US" dirty="0"/>
+          </a:p>
+        </p:txBody>
+      </p:sp>
+      <p:sp>
+        <p:nvSpPr>
+          <p:cNvPr id="4" name="文本框 3"/>
           <p:cNvSpPr txBox="1"/>
           <p:nvPr/>
         </p:nvSpPr>
@@ -6684,18 +5973,13 @@
               <a:rPr lang="zh-CN" altLang="en-US" sz="2400" dirty="0"/>
               <a:t>初始值</a:t>
             </a:r>
-          </a:p>
-        </p:txBody>
-      </p:sp>
-      <p:sp>
-        <p:nvSpPr>
-          <p:cNvPr id="5" name="文本框 4">
-            <a:extLst>
-              <a:ext uri="{FF2B5EF4-FFF2-40B4-BE49-F238E27FC236}">
-                <a16:creationId xmlns:a16="http://schemas.microsoft.com/office/drawing/2014/main" id="{3CE4119D-E545-4DD5-B47B-7EEE282779E8}"/>
-              </a:ext>
-            </a:extLst>
-          </p:cNvPr>
+            <a:endParaRPr lang="zh-CN" altLang="en-US" sz="2400" dirty="0"/>
+          </a:p>
+        </p:txBody>
+      </p:sp>
+      <p:sp>
+        <p:nvSpPr>
+          <p:cNvPr id="5" name="文本框 4"/>
           <p:cNvSpPr txBox="1"/>
           <p:nvPr/>
         </p:nvSpPr>
@@ -6721,6 +6005,9 @@
               </a:rPr>
               <a:t>create table t1(</a:t>
             </a:r>
+            <a:endParaRPr lang="en-US" altLang="zh-CN" dirty="0">
+              <a:latin typeface="+mn-ea"/>
+            </a:endParaRPr>
           </a:p>
           <a:p>
             <a:r>
@@ -6744,6 +6031,9 @@
               </a:rPr>
               <a:t>,</a:t>
             </a:r>
+            <a:endParaRPr lang="en-US" altLang="zh-CN" dirty="0">
+              <a:latin typeface="+mn-ea"/>
+            </a:endParaRPr>
           </a:p>
           <a:p>
             <a:r>
@@ -6831,6 +6121,9 @@
               </a:rPr>
               <a:t>");</a:t>
             </a:r>
+            <a:endParaRPr lang="en-US" altLang="zh-CN" dirty="0">
+              <a:latin typeface="+mn-ea"/>
+            </a:endParaRPr>
           </a:p>
           <a:p>
             <a:r>
@@ -6839,6 +6132,9 @@
               </a:rPr>
               <a:t>select * from t1;</a:t>
             </a:r>
+            <a:endParaRPr lang="en-US" altLang="zh-CN" dirty="0">
+              <a:latin typeface="+mn-ea"/>
+            </a:endParaRPr>
           </a:p>
           <a:p>
             <a:endParaRPr lang="en-US" altLang="zh-CN" dirty="0">
@@ -6884,20 +6180,14 @@
       </p:sp>
       <p:pic>
         <p:nvPicPr>
-          <p:cNvPr id="7" name="图片 6">
-            <a:extLst>
-              <a:ext uri="{FF2B5EF4-FFF2-40B4-BE49-F238E27FC236}">
-                <a16:creationId xmlns:a16="http://schemas.microsoft.com/office/drawing/2014/main" id="{8F31177A-8F2B-4E3C-B6A4-6DFB97D04EB3}"/>
-              </a:ext>
-            </a:extLst>
-          </p:cNvPr>
+          <p:cNvPr id="7" name="图片 6"/>
           <p:cNvPicPr>
             <a:picLocks noChangeAspect="1"/>
           </p:cNvPicPr>
           <p:nvPr/>
         </p:nvPicPr>
         <p:blipFill>
-          <a:blip r:embed="rId2">
+          <a:blip r:embed="rId1">
             <a:extLst>
               <a:ext uri="{28A0092B-C50C-407E-A947-70E740481C1C}">
                 <a14:useLocalDpi xmlns:a14="http://schemas.microsoft.com/office/drawing/2010/main" val="0"/>
@@ -6919,11 +6209,6 @@
         </p:spPr>
       </p:pic>
     </p:spTree>
-    <p:extLst>
-      <p:ext uri="{BB962C8B-B14F-4D97-AF65-F5344CB8AC3E}">
-        <p14:creationId xmlns:p14="http://schemas.microsoft.com/office/powerpoint/2010/main" val="3070731673"/>
-      </p:ext>
-    </p:extLst>
   </p:cSld>
   <p:clrMapOvr>
     <a:masterClrMapping/>
@@ -7156,7 +6441,7 @@
 </p:sld>
 </file>
 
-<file path=ppt/slides/slide23.xml><?xml version="1.0" encoding="utf-8"?>
+<file path=ppt/slides/slide21.xml><?xml version="1.0" encoding="utf-8"?>
 <p:sld xmlns:a="http://schemas.openxmlformats.org/drawingml/2006/main" xmlns:r="http://schemas.openxmlformats.org/officeDocument/2006/relationships" xmlns:p="http://schemas.openxmlformats.org/presentationml/2006/main">
   <p:cSld>
     <p:spTree>
@@ -7175,13 +6460,7 @@
       </p:grpSpPr>
       <p:sp>
         <p:nvSpPr>
-          <p:cNvPr id="2" name="标题 1">
-            <a:extLst>
-              <a:ext uri="{FF2B5EF4-FFF2-40B4-BE49-F238E27FC236}">
-                <a16:creationId xmlns:a16="http://schemas.microsoft.com/office/drawing/2014/main" id="{45EAF7F1-142B-46FC-AA0D-908F859EE7E9}"/>
-              </a:ext>
-            </a:extLst>
-          </p:cNvPr>
+          <p:cNvPr id="2" name="标题 1"/>
           <p:cNvSpPr>
             <a:spLocks noGrp="1"/>
           </p:cNvSpPr>
@@ -7205,18 +6484,13 @@
               <a:rPr lang="zh-CN" altLang="en-US" dirty="0"/>
               <a:t>常见问题与剖析</a:t>
             </a:r>
-          </a:p>
-        </p:txBody>
-      </p:sp>
-      <p:sp>
-        <p:nvSpPr>
-          <p:cNvPr id="4" name="文本框 3">
-            <a:extLst>
-              <a:ext uri="{FF2B5EF4-FFF2-40B4-BE49-F238E27FC236}">
-                <a16:creationId xmlns:a16="http://schemas.microsoft.com/office/drawing/2014/main" id="{BB0C6467-A41A-4231-8519-28B4FF3662F7}"/>
-              </a:ext>
-            </a:extLst>
-          </p:cNvPr>
+            <a:endParaRPr lang="zh-CN" altLang="en-US" dirty="0"/>
+          </a:p>
+        </p:txBody>
+      </p:sp>
+      <p:sp>
+        <p:nvSpPr>
+          <p:cNvPr id="4" name="文本框 3"/>
           <p:cNvSpPr txBox="1"/>
           <p:nvPr/>
         </p:nvSpPr>
@@ -7248,18 +6522,13 @@
               <a:rPr lang="zh-CN" altLang="en-US" sz="2400" dirty="0"/>
               <a:t>混合插入</a:t>
             </a:r>
-          </a:p>
-        </p:txBody>
-      </p:sp>
-      <p:sp>
-        <p:nvSpPr>
-          <p:cNvPr id="5" name="文本框 4">
-            <a:extLst>
-              <a:ext uri="{FF2B5EF4-FFF2-40B4-BE49-F238E27FC236}">
-                <a16:creationId xmlns:a16="http://schemas.microsoft.com/office/drawing/2014/main" id="{3CE4119D-E545-4DD5-B47B-7EEE282779E8}"/>
-              </a:ext>
-            </a:extLst>
-          </p:cNvPr>
+            <a:endParaRPr lang="zh-CN" altLang="en-US" sz="2400" dirty="0"/>
+          </a:p>
+        </p:txBody>
+      </p:sp>
+      <p:sp>
+        <p:nvSpPr>
+          <p:cNvPr id="5" name="文本框 4"/>
           <p:cNvSpPr txBox="1"/>
           <p:nvPr/>
         </p:nvSpPr>
@@ -7285,6 +6554,9 @@
               </a:rPr>
               <a:t>drop table t1;</a:t>
             </a:r>
+            <a:endParaRPr lang="en-US" altLang="zh-CN" dirty="0">
+              <a:latin typeface="+mn-ea"/>
+            </a:endParaRPr>
           </a:p>
           <a:p>
             <a:r>
@@ -7293,6 +6565,9 @@
               </a:rPr>
               <a:t>create table t1(</a:t>
             </a:r>
+            <a:endParaRPr lang="en-US" altLang="zh-CN" dirty="0">
+              <a:latin typeface="+mn-ea"/>
+            </a:endParaRPr>
           </a:p>
           <a:p>
             <a:r>
@@ -7303,6 +6578,9 @@
             </a:r>
             <a:r>
               <a:rPr lang="en-US" altLang="zh-CN" dirty="0" err="1">
+                <a:solidFill>
+                  <a:srgbClr val="FF0000"/>
+                </a:solidFill>
                 <a:latin typeface="+mn-ea"/>
               </a:rPr>
               <a:t>auto_increment</a:t>
@@ -7313,14 +6591,35 @@
               </a:rPr>
               <a:t>,</a:t>
             </a:r>
+            <a:endParaRPr lang="en-US" altLang="zh-CN" dirty="0">
+              <a:latin typeface="+mn-ea"/>
+            </a:endParaRPr>
           </a:p>
           <a:p>
             <a:r>
               <a:rPr lang="en-US" altLang="zh-CN" dirty="0">
                 <a:latin typeface="+mn-ea"/>
               </a:rPr>
-              <a:t>    name varchar(10) unique,</a:t>
-            </a:r>
+              <a:t>    name varchar(10) </a:t>
+            </a:r>
+            <a:r>
+              <a:rPr lang="en-US" altLang="zh-CN" dirty="0">
+                <a:solidFill>
+                  <a:srgbClr val="FF0000"/>
+                </a:solidFill>
+                <a:latin typeface="+mn-ea"/>
+              </a:rPr>
+              <a:t>unique</a:t>
+            </a:r>
+            <a:r>
+              <a:rPr lang="en-US" altLang="zh-CN" dirty="0">
+                <a:latin typeface="+mn-ea"/>
+              </a:rPr>
+              <a:t>,</a:t>
+            </a:r>
+            <a:endParaRPr lang="en-US" altLang="zh-CN" dirty="0">
+              <a:latin typeface="+mn-ea"/>
+            </a:endParaRPr>
           </a:p>
           <a:p>
             <a:r>
@@ -7341,6 +6640,9 @@
               </a:rPr>
               <a:t>;</a:t>
             </a:r>
+            <a:endParaRPr lang="en-US" altLang="zh-CN" dirty="0">
+              <a:latin typeface="+mn-ea"/>
+            </a:endParaRPr>
           </a:p>
           <a:p>
             <a:endParaRPr lang="en-US" altLang="zh-CN" dirty="0">
@@ -7366,6 +6668,9 @@
               </a:rPr>
               <a:t>");</a:t>
             </a:r>
+            <a:endParaRPr lang="en-US" altLang="zh-CN" dirty="0">
+              <a:latin typeface="+mn-ea"/>
+            </a:endParaRPr>
           </a:p>
           <a:p>
             <a:r>
@@ -7398,6 +6703,9 @@
               </a:rPr>
               <a:t>");</a:t>
             </a:r>
+            <a:endParaRPr lang="en-US" altLang="zh-CN" dirty="0">
+              <a:latin typeface="+mn-ea"/>
+            </a:endParaRPr>
           </a:p>
           <a:p>
             <a:r>
@@ -7406,6 +6714,9 @@
               </a:rPr>
               <a:t>select * from t1;</a:t>
             </a:r>
+            <a:endParaRPr lang="en-US" altLang="zh-CN" dirty="0">
+              <a:latin typeface="+mn-ea"/>
+            </a:endParaRPr>
           </a:p>
           <a:p>
             <a:r>
@@ -7414,6 +6725,9 @@
               </a:rPr>
               <a:t> </a:t>
             </a:r>
+            <a:endParaRPr lang="en-US" altLang="zh-CN" dirty="0">
+              <a:latin typeface="+mn-ea"/>
+            </a:endParaRPr>
           </a:p>
           <a:p>
             <a:r>
@@ -7422,6 +6736,9 @@
               </a:rPr>
               <a:t>请问，最后的查询结果是什么：</a:t>
             </a:r>
+            <a:endParaRPr lang="zh-CN" altLang="en-US" dirty="0">
+              <a:latin typeface="+mn-ea"/>
+            </a:endParaRPr>
           </a:p>
           <a:p>
             <a:r>
@@ -7430,6 +6747,9 @@
               </a:rPr>
               <a:t>A 1,2,3,111,222</a:t>
             </a:r>
+            <a:endParaRPr lang="en-US" altLang="zh-CN" dirty="0">
+              <a:latin typeface="+mn-ea"/>
+            </a:endParaRPr>
           </a:p>
           <a:p>
             <a:r>
@@ -7438,6 +6758,9 @@
               </a:rPr>
               <a:t>B 1,111,112,222,223</a:t>
             </a:r>
+            <a:endParaRPr lang="en-US" altLang="zh-CN" dirty="0">
+              <a:latin typeface="+mn-ea"/>
+            </a:endParaRPr>
           </a:p>
           <a:p>
             <a:r>
@@ -7452,6 +6775,9 @@
               </a:rPr>
               <a:t>插入失败，自增键报错</a:t>
             </a:r>
+            <a:endParaRPr lang="zh-CN" altLang="en-US" dirty="0">
+              <a:latin typeface="+mn-ea"/>
+            </a:endParaRPr>
           </a:p>
           <a:p>
             <a:r>
@@ -7466,25 +6792,22 @@
               </a:rPr>
               <a:t>以上都不对</a:t>
             </a:r>
+            <a:endParaRPr lang="zh-CN" altLang="en-US" dirty="0">
+              <a:latin typeface="+mn-ea"/>
+            </a:endParaRPr>
           </a:p>
         </p:txBody>
       </p:sp>
       <p:pic>
         <p:nvPicPr>
-          <p:cNvPr id="6" name="图片 5">
-            <a:extLst>
-              <a:ext uri="{FF2B5EF4-FFF2-40B4-BE49-F238E27FC236}">
-                <a16:creationId xmlns:a16="http://schemas.microsoft.com/office/drawing/2014/main" id="{196325EC-7458-4C3A-8652-962018CC8977}"/>
-              </a:ext>
-            </a:extLst>
-          </p:cNvPr>
+          <p:cNvPr id="6" name="图片 5"/>
           <p:cNvPicPr>
             <a:picLocks noChangeAspect="1"/>
           </p:cNvPicPr>
           <p:nvPr/>
         </p:nvPicPr>
         <p:blipFill>
-          <a:blip r:embed="rId2">
+          <a:blip r:embed="rId1">
             <a:extLst>
               <a:ext uri="{28A0092B-C50C-407E-A947-70E740481C1C}">
                 <a14:useLocalDpi xmlns:a14="http://schemas.microsoft.com/office/drawing/2010/main" val="0"/>
@@ -7506,11 +6829,6 @@
         </p:spPr>
       </p:pic>
     </p:spTree>
-    <p:extLst>
-      <p:ext uri="{BB962C8B-B14F-4D97-AF65-F5344CB8AC3E}">
-        <p14:creationId xmlns:p14="http://schemas.microsoft.com/office/powerpoint/2010/main" val="2109087976"/>
-      </p:ext>
-    </p:extLst>
   </p:cSld>
   <p:clrMapOvr>
     <a:masterClrMapping/>
@@ -7639,7 +6957,7 @@
 </p:sld>
 </file>
 
-<file path=ppt/slides/slide24.xml><?xml version="1.0" encoding="utf-8"?>
+<file path=ppt/slides/slide22.xml><?xml version="1.0" encoding="utf-8"?>
 <p:sld xmlns:a="http://schemas.openxmlformats.org/drawingml/2006/main" xmlns:r="http://schemas.openxmlformats.org/officeDocument/2006/relationships" xmlns:p="http://schemas.openxmlformats.org/presentationml/2006/main">
   <p:cSld>
     <p:spTree>
@@ -7658,13 +6976,7 @@
       </p:grpSpPr>
       <p:sp>
         <p:nvSpPr>
-          <p:cNvPr id="2" name="标题 1">
-            <a:extLst>
-              <a:ext uri="{FF2B5EF4-FFF2-40B4-BE49-F238E27FC236}">
-                <a16:creationId xmlns:a16="http://schemas.microsoft.com/office/drawing/2014/main" id="{45EAF7F1-142B-46FC-AA0D-908F859EE7E9}"/>
-              </a:ext>
-            </a:extLst>
-          </p:cNvPr>
+          <p:cNvPr id="2" name="标题 1"/>
           <p:cNvSpPr>
             <a:spLocks noGrp="1"/>
           </p:cNvSpPr>
@@ -7688,18 +7000,13 @@
               <a:rPr lang="zh-CN" altLang="en-US" dirty="0"/>
               <a:t>常见问题与剖析</a:t>
             </a:r>
-          </a:p>
-        </p:txBody>
-      </p:sp>
-      <p:sp>
-        <p:nvSpPr>
-          <p:cNvPr id="4" name="文本框 3">
-            <a:extLst>
-              <a:ext uri="{FF2B5EF4-FFF2-40B4-BE49-F238E27FC236}">
-                <a16:creationId xmlns:a16="http://schemas.microsoft.com/office/drawing/2014/main" id="{BB0C6467-A41A-4231-8519-28B4FF3662F7}"/>
-              </a:ext>
-            </a:extLst>
-          </p:cNvPr>
+            <a:endParaRPr lang="zh-CN" altLang="en-US" dirty="0"/>
+          </a:p>
+        </p:txBody>
+      </p:sp>
+      <p:sp>
+        <p:nvSpPr>
+          <p:cNvPr id="4" name="文本框 3"/>
           <p:cNvSpPr txBox="1"/>
           <p:nvPr/>
         </p:nvSpPr>
@@ -7731,18 +7038,13 @@
               <a:rPr lang="zh-CN" altLang="en-US" sz="2400" dirty="0"/>
               <a:t>混合插入</a:t>
             </a:r>
-          </a:p>
-        </p:txBody>
-      </p:sp>
-      <p:sp>
-        <p:nvSpPr>
-          <p:cNvPr id="5" name="文本框 4">
-            <a:extLst>
-              <a:ext uri="{FF2B5EF4-FFF2-40B4-BE49-F238E27FC236}">
-                <a16:creationId xmlns:a16="http://schemas.microsoft.com/office/drawing/2014/main" id="{3CE4119D-E545-4DD5-B47B-7EEE282779E8}"/>
-              </a:ext>
-            </a:extLst>
-          </p:cNvPr>
+            <a:endParaRPr lang="zh-CN" altLang="en-US" sz="2400" dirty="0"/>
+          </a:p>
+        </p:txBody>
+      </p:sp>
+      <p:sp>
+        <p:nvSpPr>
+          <p:cNvPr id="5" name="文本框 4"/>
           <p:cNvSpPr txBox="1"/>
           <p:nvPr/>
         </p:nvSpPr>
@@ -7818,6 +7120,9 @@
               </a:rPr>
               <a:t>")</a:t>
             </a:r>
+            <a:endParaRPr lang="en-US" altLang="zh-CN" dirty="0">
+              <a:latin typeface="+mn-ea"/>
+            </a:endParaRPr>
           </a:p>
           <a:p>
             <a:r>
@@ -7826,6 +7131,9 @@
               </a:rPr>
               <a:t>on duplicate key update count=100;</a:t>
             </a:r>
+            <a:endParaRPr lang="en-US" altLang="zh-CN" dirty="0">
+              <a:latin typeface="+mn-ea"/>
+            </a:endParaRPr>
           </a:p>
           <a:p>
             <a:r>
@@ -7834,6 +7142,9 @@
               </a:rPr>
               <a:t>select * from t1;</a:t>
             </a:r>
+            <a:endParaRPr lang="en-US" altLang="zh-CN" dirty="0">
+              <a:latin typeface="+mn-ea"/>
+            </a:endParaRPr>
           </a:p>
           <a:p>
             <a:r>
@@ -7842,6 +7153,9 @@
               </a:rPr>
               <a:t> </a:t>
             </a:r>
+            <a:endParaRPr lang="en-US" altLang="zh-CN" dirty="0">
+              <a:latin typeface="+mn-ea"/>
+            </a:endParaRPr>
           </a:p>
           <a:p>
             <a:r>
@@ -7850,6 +7164,9 @@
               </a:rPr>
               <a:t>请问最后查询结果是：</a:t>
             </a:r>
+            <a:endParaRPr lang="zh-CN" altLang="en-US" dirty="0">
+              <a:latin typeface="+mn-ea"/>
+            </a:endParaRPr>
           </a:p>
           <a:p>
             <a:r>
@@ -7858,6 +7175,9 @@
               </a:rPr>
               <a:t>A 1,2,3,111,222,223,224,225</a:t>
             </a:r>
+            <a:endParaRPr lang="en-US" altLang="zh-CN" dirty="0">
+              <a:latin typeface="+mn-ea"/>
+            </a:endParaRPr>
           </a:p>
           <a:p>
             <a:r>
@@ -7866,6 +7186,9 @@
               </a:rPr>
               <a:t>B 1,111,112,222,223,224,225,226</a:t>
             </a:r>
+            <a:endParaRPr lang="en-US" altLang="zh-CN" dirty="0">
+              <a:latin typeface="+mn-ea"/>
+            </a:endParaRPr>
           </a:p>
           <a:p>
             <a:r>
@@ -7874,6 +7197,9 @@
               </a:rPr>
               <a:t>C 1,111,112,222,223,224,225</a:t>
             </a:r>
+            <a:endParaRPr lang="en-US" altLang="zh-CN" dirty="0">
+              <a:latin typeface="+mn-ea"/>
+            </a:endParaRPr>
           </a:p>
           <a:p>
             <a:r>
@@ -7882,6 +7208,9 @@
               </a:rPr>
               <a:t>D 1,111,112,222,223,225,226</a:t>
             </a:r>
+            <a:endParaRPr lang="en-US" altLang="zh-CN" dirty="0">
+              <a:latin typeface="+mn-ea"/>
+            </a:endParaRPr>
           </a:p>
           <a:p>
             <a:r>
@@ -7905,20 +7234,14 @@
       </p:sp>
       <p:pic>
         <p:nvPicPr>
-          <p:cNvPr id="7" name="图片 6">
-            <a:extLst>
-              <a:ext uri="{FF2B5EF4-FFF2-40B4-BE49-F238E27FC236}">
-                <a16:creationId xmlns:a16="http://schemas.microsoft.com/office/drawing/2014/main" id="{6648072A-3D21-48A0-B273-DDCDC91F83F6}"/>
-              </a:ext>
-            </a:extLst>
-          </p:cNvPr>
+          <p:cNvPr id="7" name="图片 6"/>
           <p:cNvPicPr>
             <a:picLocks noChangeAspect="1"/>
           </p:cNvPicPr>
           <p:nvPr/>
         </p:nvPicPr>
         <p:blipFill>
-          <a:blip r:embed="rId2">
+          <a:blip r:embed="rId1">
             <a:extLst>
               <a:ext uri="{28A0092B-C50C-407E-A947-70E740481C1C}">
                 <a14:useLocalDpi xmlns:a14="http://schemas.microsoft.com/office/drawing/2010/main" val="0"/>
@@ -7940,11 +7263,6 @@
         </p:spPr>
       </p:pic>
     </p:spTree>
-    <p:extLst>
-      <p:ext uri="{BB962C8B-B14F-4D97-AF65-F5344CB8AC3E}">
-        <p14:creationId xmlns:p14="http://schemas.microsoft.com/office/powerpoint/2010/main" val="3597150649"/>
-      </p:ext>
-    </p:extLst>
   </p:cSld>
   <p:clrMapOvr>
     <a:masterClrMapping/>
@@ -8073,7 +7391,7 @@
 </p:sld>
 </file>
 
-<file path=ppt/slides/slide25.xml><?xml version="1.0" encoding="utf-8"?>
+<file path=ppt/slides/slide23.xml><?xml version="1.0" encoding="utf-8"?>
 <p:sld xmlns:a="http://schemas.openxmlformats.org/drawingml/2006/main" xmlns:r="http://schemas.openxmlformats.org/officeDocument/2006/relationships" xmlns:p="http://schemas.openxmlformats.org/presentationml/2006/main">
   <p:cSld>
     <p:spTree>
@@ -8092,13 +7410,7 @@
       </p:grpSpPr>
       <p:sp>
         <p:nvSpPr>
-          <p:cNvPr id="2" name="标题 1">
-            <a:extLst>
-              <a:ext uri="{FF2B5EF4-FFF2-40B4-BE49-F238E27FC236}">
-                <a16:creationId xmlns:a16="http://schemas.microsoft.com/office/drawing/2014/main" id="{45EAF7F1-142B-46FC-AA0D-908F859EE7E9}"/>
-              </a:ext>
-            </a:extLst>
-          </p:cNvPr>
+          <p:cNvPr id="2" name="标题 1"/>
           <p:cNvSpPr>
             <a:spLocks noGrp="1"/>
           </p:cNvSpPr>
@@ -8122,18 +7434,13 @@
               <a:rPr lang="zh-CN" altLang="en-US" dirty="0"/>
               <a:t>常见问题与剖析</a:t>
             </a:r>
-          </a:p>
-        </p:txBody>
-      </p:sp>
-      <p:sp>
-        <p:nvSpPr>
-          <p:cNvPr id="4" name="文本框 3">
-            <a:extLst>
-              <a:ext uri="{FF2B5EF4-FFF2-40B4-BE49-F238E27FC236}">
-                <a16:creationId xmlns:a16="http://schemas.microsoft.com/office/drawing/2014/main" id="{BB0C6467-A41A-4231-8519-28B4FF3662F7}"/>
-              </a:ext>
-            </a:extLst>
-          </p:cNvPr>
+            <a:endParaRPr lang="zh-CN" altLang="en-US" dirty="0"/>
+          </a:p>
+        </p:txBody>
+      </p:sp>
+      <p:sp>
+        <p:nvSpPr>
+          <p:cNvPr id="4" name="文本框 3"/>
           <p:cNvSpPr txBox="1"/>
           <p:nvPr/>
         </p:nvSpPr>
@@ -8165,18 +7472,13 @@
               <a:rPr lang="zh-CN" altLang="en-US" sz="2400" dirty="0"/>
               <a:t>自增锁</a:t>
             </a:r>
-          </a:p>
-        </p:txBody>
-      </p:sp>
-      <p:sp>
-        <p:nvSpPr>
-          <p:cNvPr id="5" name="文本框 4">
-            <a:extLst>
-              <a:ext uri="{FF2B5EF4-FFF2-40B4-BE49-F238E27FC236}">
-                <a16:creationId xmlns:a16="http://schemas.microsoft.com/office/drawing/2014/main" id="{3CE4119D-E545-4DD5-B47B-7EEE282779E8}"/>
-              </a:ext>
-            </a:extLst>
-          </p:cNvPr>
+            <a:endParaRPr lang="zh-CN" altLang="en-US" sz="2400" dirty="0"/>
+          </a:p>
+        </p:txBody>
+      </p:sp>
+      <p:sp>
+        <p:nvSpPr>
+          <p:cNvPr id="5" name="文本框 4"/>
           <p:cNvSpPr txBox="1"/>
           <p:nvPr/>
         </p:nvSpPr>
@@ -8216,12 +7518,14 @@
               <a:rPr lang="en-US" altLang="zh-CN" dirty="0"/>
               <a:t>(RR)</a:t>
             </a:r>
+            <a:endParaRPr lang="en-US" altLang="zh-CN" dirty="0"/>
           </a:p>
           <a:p>
             <a:r>
               <a:rPr lang="zh-CN" altLang="en-US" dirty="0"/>
               <a:t>假设有数据表：</a:t>
             </a:r>
+            <a:endParaRPr lang="zh-CN" altLang="en-US" dirty="0"/>
           </a:p>
           <a:p>
             <a:r>
@@ -8240,18 +7544,21 @@
               <a:rPr lang="en-US" altLang="zh-CN" dirty="0"/>
               <a:t>, name);</a:t>
             </a:r>
+            <a:endParaRPr lang="en-US" altLang="zh-CN" dirty="0"/>
           </a:p>
           <a:p>
             <a:r>
               <a:rPr lang="en-US" altLang="zh-CN" dirty="0"/>
               <a:t> </a:t>
             </a:r>
+            <a:endParaRPr lang="en-US" altLang="zh-CN" dirty="0"/>
           </a:p>
           <a:p>
             <a:r>
               <a:rPr lang="zh-CN" altLang="en-US" dirty="0"/>
               <a:t>数据表中有数据：</a:t>
             </a:r>
+            <a:endParaRPr lang="zh-CN" altLang="en-US" dirty="0"/>
           </a:p>
           <a:p>
             <a:r>
@@ -8291,6 +7598,7 @@
               <a:rPr lang="en-US" altLang="zh-CN" dirty="0"/>
               <a:t> </a:t>
             </a:r>
+            <a:endParaRPr lang="en-US" altLang="zh-CN" dirty="0"/>
           </a:p>
           <a:p>
             <a:r>
@@ -8317,18 +7625,21 @@
               <a:rPr lang="zh-CN" altLang="en-US" dirty="0"/>
               <a:t>：</a:t>
             </a:r>
+            <a:endParaRPr lang="zh-CN" altLang="en-US" dirty="0"/>
           </a:p>
           <a:p>
             <a:r>
               <a:rPr lang="en-US" altLang="zh-CN" dirty="0"/>
               <a:t>insert into t(name) values(xxx);</a:t>
             </a:r>
+            <a:endParaRPr lang="en-US" altLang="zh-CN" dirty="0"/>
           </a:p>
           <a:p>
             <a:r>
               <a:rPr lang="en-US" altLang="zh-CN" dirty="0"/>
               <a:t> </a:t>
             </a:r>
+            <a:endParaRPr lang="en-US" altLang="zh-CN" dirty="0"/>
           </a:p>
           <a:p>
             <a:r>
@@ -8347,6 +7658,7 @@
               <a:rPr lang="zh-CN" altLang="en-US" dirty="0"/>
               <a:t>执行：</a:t>
             </a:r>
+            <a:endParaRPr lang="zh-CN" altLang="en-US" dirty="0"/>
           </a:p>
           <a:p>
             <a:r>
@@ -8361,12 +7673,14 @@
               <a:rPr lang="en-US" altLang="zh-CN" dirty="0"/>
               <a:t>);</a:t>
             </a:r>
+            <a:endParaRPr lang="en-US" altLang="zh-CN" dirty="0"/>
           </a:p>
           <a:p>
             <a:r>
               <a:rPr lang="en-US" altLang="zh-CN" dirty="0"/>
               <a:t> </a:t>
             </a:r>
+            <a:endParaRPr lang="en-US" altLang="zh-CN" dirty="0"/>
           </a:p>
           <a:p>
             <a:r>
@@ -8389,13 +7703,7 @@
       </p:sp>
       <p:sp>
         <p:nvSpPr>
-          <p:cNvPr id="3" name="文本框 2">
-            <a:extLst>
-              <a:ext uri="{FF2B5EF4-FFF2-40B4-BE49-F238E27FC236}">
-                <a16:creationId xmlns:a16="http://schemas.microsoft.com/office/drawing/2014/main" id="{5CC9CD23-3E7E-45A9-BD9A-15D9D4A28AD9}"/>
-              </a:ext>
-            </a:extLst>
-          </p:cNvPr>
+          <p:cNvPr id="3" name="文本框 2"/>
           <p:cNvSpPr txBox="1"/>
           <p:nvPr/>
         </p:nvSpPr>
@@ -8442,18 +7750,13 @@
               <a:rPr lang="zh-CN" altLang="en-US" dirty="0"/>
               <a:t>，不会阻塞，</a:t>
             </a:r>
-          </a:p>
-        </p:txBody>
-      </p:sp>
-      <p:sp>
-        <p:nvSpPr>
-          <p:cNvPr id="6" name="文本框 5">
-            <a:extLst>
-              <a:ext uri="{FF2B5EF4-FFF2-40B4-BE49-F238E27FC236}">
-                <a16:creationId xmlns:a16="http://schemas.microsoft.com/office/drawing/2014/main" id="{E68F271C-B581-4B61-BE84-E748DB763451}"/>
-              </a:ext>
-            </a:extLst>
-          </p:cNvPr>
+            <a:endParaRPr lang="zh-CN" altLang="en-US" dirty="0"/>
+          </a:p>
+        </p:txBody>
+      </p:sp>
+      <p:sp>
+        <p:nvSpPr>
+          <p:cNvPr id="6" name="文本框 5"/>
           <p:cNvSpPr txBox="1"/>
           <p:nvPr/>
         </p:nvSpPr>
@@ -8496,12 +7799,14 @@
               <a:rPr lang="en-US" altLang="zh-CN" dirty="0"/>
               <a:t> PK, name);</a:t>
             </a:r>
+            <a:endParaRPr lang="en-US" altLang="zh-CN" dirty="0"/>
           </a:p>
           <a:p>
             <a:r>
               <a:rPr lang="zh-CN" altLang="en-US" dirty="0"/>
               <a:t>数据表中有数据：</a:t>
             </a:r>
+            <a:endParaRPr lang="zh-CN" altLang="en-US" dirty="0"/>
           </a:p>
           <a:p>
             <a:r>
@@ -8541,6 +7846,7 @@
               <a:rPr lang="en-US" altLang="zh-CN" dirty="0"/>
               <a:t> </a:t>
             </a:r>
+            <a:endParaRPr lang="en-US" altLang="zh-CN" dirty="0"/>
           </a:p>
           <a:p>
             <a:r>
@@ -8583,12 +7889,14 @@
               <a:rPr lang="zh-CN" altLang="en-US" dirty="0"/>
               <a:t>：</a:t>
             </a:r>
+            <a:endParaRPr lang="zh-CN" altLang="en-US" dirty="0"/>
           </a:p>
           <a:p>
             <a:r>
               <a:rPr lang="en-US" altLang="zh-CN" dirty="0"/>
               <a:t>insert into t values(11, xxx);</a:t>
             </a:r>
+            <a:endParaRPr lang="en-US" altLang="zh-CN" dirty="0"/>
           </a:p>
           <a:p>
             <a:r>
@@ -8623,6 +7931,7 @@
               <a:rPr lang="zh-CN" altLang="en-US" dirty="0"/>
               <a:t>两条记录中插入了一行：</a:t>
             </a:r>
+            <a:endParaRPr lang="zh-CN" altLang="en-US" dirty="0"/>
           </a:p>
           <a:p>
             <a:r>
@@ -8637,18 +7946,21 @@
               <a:rPr lang="en-US" altLang="zh-CN" dirty="0"/>
               <a:t>);</a:t>
             </a:r>
+            <a:endParaRPr lang="en-US" altLang="zh-CN" dirty="0"/>
           </a:p>
           <a:p>
             <a:r>
               <a:rPr lang="en-US" altLang="zh-CN" dirty="0"/>
               <a:t> </a:t>
             </a:r>
+            <a:endParaRPr lang="en-US" altLang="zh-CN" dirty="0"/>
           </a:p>
           <a:p>
             <a:r>
               <a:rPr lang="zh-CN" altLang="en-US" dirty="0"/>
               <a:t>这里，便不再使用自增锁，那：</a:t>
             </a:r>
+            <a:endParaRPr lang="zh-CN" altLang="en-US" dirty="0"/>
           </a:p>
           <a:p>
             <a:r>
@@ -8659,6 +7971,7 @@
               <a:rPr lang="zh-CN" altLang="en-US" dirty="0"/>
               <a:t>会使用什么锁？</a:t>
             </a:r>
+            <a:endParaRPr lang="zh-CN" altLang="en-US" dirty="0"/>
           </a:p>
           <a:p>
             <a:r>
@@ -8677,21 +7990,16 @@
               <a:rPr lang="zh-CN" altLang="en-US" dirty="0"/>
               <a:t>会不会被阻塞呢？</a:t>
             </a:r>
-          </a:p>
-          <a:p>
             <a:endParaRPr lang="zh-CN" altLang="en-US" dirty="0"/>
           </a:p>
-        </p:txBody>
-      </p:sp>
-      <p:sp>
-        <p:nvSpPr>
-          <p:cNvPr id="8" name="文本框 7">
-            <a:extLst>
-              <a:ext uri="{FF2B5EF4-FFF2-40B4-BE49-F238E27FC236}">
-                <a16:creationId xmlns:a16="http://schemas.microsoft.com/office/drawing/2014/main" id="{ED5BD279-E408-4E05-88B4-27AB87AF4B3E}"/>
-              </a:ext>
-            </a:extLst>
-          </p:cNvPr>
+          <a:p>
+            <a:endParaRPr lang="zh-CN" altLang="en-US" dirty="0"/>
+          </a:p>
+        </p:txBody>
+      </p:sp>
+      <p:sp>
+        <p:nvSpPr>
+          <p:cNvPr id="8" name="文本框 7"/>
           <p:cNvSpPr txBox="1"/>
           <p:nvPr/>
         </p:nvSpPr>
@@ -8722,15 +8030,11 @@
               <a:rPr lang="zh-CN" altLang="en-US" dirty="0"/>
               <a:t>只要插入位置不冲突，不会阻塞</a:t>
             </a:r>
+            <a:endParaRPr lang="zh-CN" altLang="en-US" dirty="0"/>
           </a:p>
         </p:txBody>
       </p:sp>
     </p:spTree>
-    <p:extLst>
-      <p:ext uri="{BB962C8B-B14F-4D97-AF65-F5344CB8AC3E}">
-        <p14:creationId xmlns:p14="http://schemas.microsoft.com/office/powerpoint/2010/main" val="2767421648"/>
-      </p:ext>
-    </p:extLst>
   </p:cSld>
   <p:clrMapOvr>
     <a:masterClrMapping/>
@@ -9054,7 +8358,7 @@
 </p:sld>
 </file>
 
-<file path=ppt/slides/slide26.xml><?xml version="1.0" encoding="utf-8"?>
+<file path=ppt/slides/slide24.xml><?xml version="1.0" encoding="utf-8"?>
 <p:sld xmlns:a="http://schemas.openxmlformats.org/drawingml/2006/main" xmlns:r="http://schemas.openxmlformats.org/officeDocument/2006/relationships" xmlns:p="http://schemas.openxmlformats.org/presentationml/2006/main">
   <p:cSld>
     <p:spTree>
@@ -9073,13 +8377,7 @@
       </p:grpSpPr>
       <p:sp>
         <p:nvSpPr>
-          <p:cNvPr id="2" name="标题 1">
-            <a:extLst>
-              <a:ext uri="{FF2B5EF4-FFF2-40B4-BE49-F238E27FC236}">
-                <a16:creationId xmlns:a16="http://schemas.microsoft.com/office/drawing/2014/main" id="{45EAF7F1-142B-46FC-AA0D-908F859EE7E9}"/>
-              </a:ext>
-            </a:extLst>
-          </p:cNvPr>
+          <p:cNvPr id="2" name="标题 1"/>
           <p:cNvSpPr>
             <a:spLocks noGrp="1"/>
           </p:cNvSpPr>
@@ -9103,18 +8401,13 @@
               <a:rPr lang="zh-CN" altLang="en-US" dirty="0"/>
               <a:t>常见问题与剖析</a:t>
             </a:r>
-          </a:p>
-        </p:txBody>
-      </p:sp>
-      <p:sp>
-        <p:nvSpPr>
-          <p:cNvPr id="4" name="文本框 3">
-            <a:extLst>
-              <a:ext uri="{FF2B5EF4-FFF2-40B4-BE49-F238E27FC236}">
-                <a16:creationId xmlns:a16="http://schemas.microsoft.com/office/drawing/2014/main" id="{BB0C6467-A41A-4231-8519-28B4FF3662F7}"/>
-              </a:ext>
-            </a:extLst>
-          </p:cNvPr>
+            <a:endParaRPr lang="zh-CN" altLang="en-US" dirty="0"/>
+          </a:p>
+        </p:txBody>
+      </p:sp>
+      <p:sp>
+        <p:nvSpPr>
+          <p:cNvPr id="4" name="文本框 3"/>
           <p:cNvSpPr txBox="1"/>
           <p:nvPr/>
         </p:nvSpPr>
@@ -9146,18 +8439,13 @@
               <a:rPr lang="zh-CN" altLang="en-US" sz="2400" dirty="0"/>
               <a:t>间隙锁</a:t>
             </a:r>
-          </a:p>
-        </p:txBody>
-      </p:sp>
-      <p:sp>
-        <p:nvSpPr>
-          <p:cNvPr id="5" name="文本框 4">
-            <a:extLst>
-              <a:ext uri="{FF2B5EF4-FFF2-40B4-BE49-F238E27FC236}">
-                <a16:creationId xmlns:a16="http://schemas.microsoft.com/office/drawing/2014/main" id="{3CE4119D-E545-4DD5-B47B-7EEE282779E8}"/>
-              </a:ext>
-            </a:extLst>
-          </p:cNvPr>
+            <a:endParaRPr lang="zh-CN" altLang="en-US" sz="2400" dirty="0"/>
+          </a:p>
+        </p:txBody>
+      </p:sp>
+      <p:sp>
+        <p:nvSpPr>
+          <p:cNvPr id="5" name="文本框 4"/>
           <p:cNvSpPr txBox="1"/>
           <p:nvPr/>
         </p:nvSpPr>
@@ -9192,6 +8480,7 @@
               <a:rPr lang="en-US" altLang="zh-CN" dirty="0"/>
               <a:t>create table t (</a:t>
             </a:r>
+            <a:endParaRPr lang="en-US" altLang="zh-CN" dirty="0"/>
           </a:p>
           <a:p>
             <a:r>
@@ -9206,6 +8495,11 @@
               </a:rPr>
               <a:t>primary key</a:t>
             </a:r>
+            <a:endParaRPr lang="en-US" altLang="zh-CN" dirty="0">
+              <a:solidFill>
+                <a:srgbClr val="FF0000"/>
+              </a:solidFill>
+            </a:endParaRPr>
           </a:p>
           <a:p>
             <a:r>
@@ -9220,6 +8514,7 @@
               <a:rPr lang="en-US" altLang="zh-CN" dirty="0"/>
               <a:t>;</a:t>
             </a:r>
+            <a:endParaRPr lang="en-US" altLang="zh-CN" dirty="0"/>
           </a:p>
           <a:p>
             <a:r>
@@ -9258,95 +8553,99 @@
               </a:rPr>
               <a:t>10</a:t>
             </a:r>
-          </a:p>
-          <a:p>
             <a:endParaRPr lang="en-US" altLang="zh-CN" dirty="0">
               <a:effectLst/>
             </a:endParaRPr>
           </a:p>
           <a:p>
-            <a:r>
-              <a:rPr lang="en-US" altLang="zh-CN" b="1" dirty="0"/>
-              <a:t>session A</a:t>
-            </a:r>
-            <a:r>
-              <a:rPr lang="zh-CN" altLang="en-US" b="1" dirty="0"/>
-              <a:t>：</a:t>
-            </a:r>
-            <a:endParaRPr lang="en-US" altLang="zh-CN" dirty="0"/>
-          </a:p>
-          <a:p>
-            <a:r>
-              <a:rPr lang="en-US" altLang="zh-CN" dirty="0"/>
-              <a:t>start transaction;</a:t>
-            </a:r>
-          </a:p>
-          <a:p>
-            <a:r>
-              <a:rPr lang="en-US" altLang="zh-CN" dirty="0"/>
-              <a:t>delete from t where id=5;</a:t>
-            </a:r>
-          </a:p>
-          <a:p>
-            <a:endParaRPr lang="en-US" altLang="zh-CN" dirty="0"/>
-          </a:p>
-          <a:p>
-            <a:r>
-              <a:rPr lang="en-US" altLang="zh-CN" b="1" dirty="0"/>
-              <a:t>session B</a:t>
-            </a:r>
-            <a:r>
-              <a:rPr lang="zh-CN" altLang="en-US" b="1" dirty="0"/>
-              <a:t>：</a:t>
-            </a:r>
-            <a:endParaRPr lang="en-US" altLang="zh-CN" dirty="0"/>
-          </a:p>
-          <a:p>
-            <a:r>
-              <a:rPr lang="en-US" altLang="zh-CN" dirty="0"/>
-              <a:t>start transaction;</a:t>
-            </a:r>
-          </a:p>
-          <a:p>
-            <a:r>
-              <a:rPr lang="en-US" altLang="zh-CN" dirty="0"/>
-              <a:t>insert into t values(0);</a:t>
-            </a:r>
-          </a:p>
-          <a:p>
-            <a:r>
-              <a:rPr lang="en-US" altLang="zh-CN" dirty="0"/>
-              <a:t>insert into t values(2);</a:t>
-            </a:r>
-          </a:p>
-          <a:p>
-            <a:r>
-              <a:rPr lang="en-US" altLang="zh-CN" dirty="0"/>
-              <a:t>insert into t values(12);</a:t>
-            </a:r>
-          </a:p>
-          <a:p>
-            <a:r>
-              <a:rPr lang="en-US" altLang="zh-CN" dirty="0"/>
-              <a:t>insert into t values(7);</a:t>
-            </a:r>
-          </a:p>
-          <a:p>
             <a:endParaRPr lang="en-US" altLang="zh-CN" dirty="0">
               <a:effectLst/>
             </a:endParaRPr>
           </a:p>
-        </p:txBody>
-      </p:sp>
-      <p:sp>
-        <p:nvSpPr>
-          <p:cNvPr id="7" name="文本框 6">
-            <a:extLst>
-              <a:ext uri="{FF2B5EF4-FFF2-40B4-BE49-F238E27FC236}">
-                <a16:creationId xmlns:a16="http://schemas.microsoft.com/office/drawing/2014/main" id="{40247889-3FAD-4282-9CD8-FD34713CC5B4}"/>
-              </a:ext>
-            </a:extLst>
-          </p:cNvPr>
+          <a:p>
+            <a:r>
+              <a:rPr lang="en-US" altLang="zh-CN" b="1" dirty="0"/>
+              <a:t>session A</a:t>
+            </a:r>
+            <a:r>
+              <a:rPr lang="zh-CN" altLang="en-US" b="1" dirty="0"/>
+              <a:t>：</a:t>
+            </a:r>
+            <a:endParaRPr lang="en-US" altLang="zh-CN" dirty="0"/>
+          </a:p>
+          <a:p>
+            <a:r>
+              <a:rPr lang="en-US" altLang="zh-CN" dirty="0"/>
+              <a:t>start transaction;</a:t>
+            </a:r>
+            <a:endParaRPr lang="en-US" altLang="zh-CN" dirty="0"/>
+          </a:p>
+          <a:p>
+            <a:r>
+              <a:rPr lang="en-US" altLang="zh-CN" dirty="0"/>
+              <a:t>delete from t where id=5;</a:t>
+            </a:r>
+            <a:endParaRPr lang="en-US" altLang="zh-CN" dirty="0"/>
+          </a:p>
+          <a:p>
+            <a:endParaRPr lang="en-US" altLang="zh-CN" dirty="0"/>
+          </a:p>
+          <a:p>
+            <a:r>
+              <a:rPr lang="en-US" altLang="zh-CN" b="1" dirty="0"/>
+              <a:t>session B</a:t>
+            </a:r>
+            <a:r>
+              <a:rPr lang="zh-CN" altLang="en-US" b="1" dirty="0"/>
+              <a:t>：</a:t>
+            </a:r>
+            <a:endParaRPr lang="en-US" altLang="zh-CN" dirty="0"/>
+          </a:p>
+          <a:p>
+            <a:r>
+              <a:rPr lang="en-US" altLang="zh-CN" dirty="0"/>
+              <a:t>start transaction;</a:t>
+            </a:r>
+            <a:endParaRPr lang="en-US" altLang="zh-CN" dirty="0"/>
+          </a:p>
+          <a:p>
+            <a:r>
+              <a:rPr lang="en-US" altLang="zh-CN" dirty="0"/>
+              <a:t>insert into t values(0);</a:t>
+            </a:r>
+            <a:endParaRPr lang="en-US" altLang="zh-CN" dirty="0"/>
+          </a:p>
+          <a:p>
+            <a:r>
+              <a:rPr lang="en-US" altLang="zh-CN" dirty="0"/>
+              <a:t>insert into t values(2);</a:t>
+            </a:r>
+            <a:endParaRPr lang="en-US" altLang="zh-CN" dirty="0"/>
+          </a:p>
+          <a:p>
+            <a:r>
+              <a:rPr lang="en-US" altLang="zh-CN" dirty="0"/>
+              <a:t>insert into t values(12);</a:t>
+            </a:r>
+            <a:endParaRPr lang="en-US" altLang="zh-CN" dirty="0"/>
+          </a:p>
+          <a:p>
+            <a:r>
+              <a:rPr lang="en-US" altLang="zh-CN" dirty="0"/>
+              <a:t>insert into t values(7);</a:t>
+            </a:r>
+            <a:endParaRPr lang="en-US" altLang="zh-CN" dirty="0"/>
+          </a:p>
+          <a:p>
+            <a:endParaRPr lang="en-US" altLang="zh-CN" dirty="0">
+              <a:effectLst/>
+            </a:endParaRPr>
+          </a:p>
+        </p:txBody>
+      </p:sp>
+      <p:sp>
+        <p:nvSpPr>
+          <p:cNvPr id="7" name="文本框 6"/>
           <p:cNvSpPr txBox="1"/>
           <p:nvPr/>
         </p:nvSpPr>
@@ -9401,18 +8700,13 @@
               <a:rPr lang="zh-CN" altLang="en-US" dirty="0"/>
               <a:t>能成功插入吗？</a:t>
             </a:r>
-          </a:p>
-        </p:txBody>
-      </p:sp>
-      <p:sp>
-        <p:nvSpPr>
-          <p:cNvPr id="9" name="文本框 8">
-            <a:extLst>
-              <a:ext uri="{FF2B5EF4-FFF2-40B4-BE49-F238E27FC236}">
-                <a16:creationId xmlns:a16="http://schemas.microsoft.com/office/drawing/2014/main" id="{F91E849E-F8C9-470F-B48F-25B6B2A499A4}"/>
-              </a:ext>
-            </a:extLst>
-          </p:cNvPr>
+            <a:endParaRPr lang="zh-CN" altLang="en-US" dirty="0"/>
+          </a:p>
+        </p:txBody>
+      </p:sp>
+      <p:sp>
+        <p:nvSpPr>
+          <p:cNvPr id="9" name="文本框 8"/>
           <p:cNvSpPr txBox="1"/>
           <p:nvPr/>
         </p:nvSpPr>
@@ -9475,15 +8769,11 @@
               <a:rPr lang="zh-CN" altLang="en-US" dirty="0"/>
               <a:t>上存在共享间隙锁，而插入需要获取区间上的共享锁再升级为排他锁</a:t>
             </a:r>
+            <a:endParaRPr lang="zh-CN" altLang="en-US" dirty="0"/>
           </a:p>
         </p:txBody>
       </p:sp>
     </p:spTree>
-    <p:extLst>
-      <p:ext uri="{BB962C8B-B14F-4D97-AF65-F5344CB8AC3E}">
-        <p14:creationId xmlns:p14="http://schemas.microsoft.com/office/powerpoint/2010/main" val="3136026355"/>
-      </p:ext>
-    </p:extLst>
   </p:cSld>
   <p:clrMapOvr>
     <a:masterClrMapping/>
@@ -9615,7 +8905,7 @@
 </p:sld>
 </file>
 
-<file path=ppt/slides/slide27.xml><?xml version="1.0" encoding="utf-8"?>
+<file path=ppt/slides/slide25.xml><?xml version="1.0" encoding="utf-8"?>
 <p:sld xmlns:a="http://schemas.openxmlformats.org/drawingml/2006/main" xmlns:r="http://schemas.openxmlformats.org/officeDocument/2006/relationships" xmlns:p="http://schemas.openxmlformats.org/presentationml/2006/main">
   <p:cSld>
     <p:spTree>
@@ -9634,13 +8924,7 @@
       </p:grpSpPr>
       <p:sp>
         <p:nvSpPr>
-          <p:cNvPr id="2" name="标题 1">
-            <a:extLst>
-              <a:ext uri="{FF2B5EF4-FFF2-40B4-BE49-F238E27FC236}">
-                <a16:creationId xmlns:a16="http://schemas.microsoft.com/office/drawing/2014/main" id="{45EAF7F1-142B-46FC-AA0D-908F859EE7E9}"/>
-              </a:ext>
-            </a:extLst>
-          </p:cNvPr>
+          <p:cNvPr id="2" name="标题 1"/>
           <p:cNvSpPr>
             <a:spLocks noGrp="1"/>
           </p:cNvSpPr>
@@ -9664,18 +8948,13 @@
               <a:rPr lang="zh-CN" altLang="en-US" dirty="0"/>
               <a:t>常见问题与剖析</a:t>
             </a:r>
-          </a:p>
-        </p:txBody>
-      </p:sp>
-      <p:sp>
-        <p:nvSpPr>
-          <p:cNvPr id="4" name="文本框 3">
-            <a:extLst>
-              <a:ext uri="{FF2B5EF4-FFF2-40B4-BE49-F238E27FC236}">
-                <a16:creationId xmlns:a16="http://schemas.microsoft.com/office/drawing/2014/main" id="{BB0C6467-A41A-4231-8519-28B4FF3662F7}"/>
-              </a:ext>
-            </a:extLst>
-          </p:cNvPr>
+            <a:endParaRPr lang="zh-CN" altLang="en-US" dirty="0"/>
+          </a:p>
+        </p:txBody>
+      </p:sp>
+      <p:sp>
+        <p:nvSpPr>
+          <p:cNvPr id="4" name="文本框 3"/>
           <p:cNvSpPr txBox="1"/>
           <p:nvPr/>
         </p:nvSpPr>
@@ -9707,18 +8986,13 @@
               <a:rPr lang="zh-CN" altLang="en-US" sz="2400" dirty="0"/>
               <a:t>间隙锁</a:t>
             </a:r>
-          </a:p>
-        </p:txBody>
-      </p:sp>
-      <p:sp>
-        <p:nvSpPr>
-          <p:cNvPr id="5" name="文本框 4">
-            <a:extLst>
-              <a:ext uri="{FF2B5EF4-FFF2-40B4-BE49-F238E27FC236}">
-                <a16:creationId xmlns:a16="http://schemas.microsoft.com/office/drawing/2014/main" id="{3CE4119D-E545-4DD5-B47B-7EEE282779E8}"/>
-              </a:ext>
-            </a:extLst>
-          </p:cNvPr>
+            <a:endParaRPr lang="zh-CN" altLang="en-US" sz="2400" dirty="0"/>
+          </a:p>
+        </p:txBody>
+      </p:sp>
+      <p:sp>
+        <p:nvSpPr>
+          <p:cNvPr id="5" name="文本框 4"/>
           <p:cNvSpPr txBox="1"/>
           <p:nvPr/>
         </p:nvSpPr>
@@ -9762,6 +9036,7 @@
               <a:rPr lang="en-US" altLang="zh-CN" dirty="0"/>
               <a:t>10</a:t>
             </a:r>
+            <a:endParaRPr lang="en-US" altLang="zh-CN" dirty="0"/>
           </a:p>
           <a:p>
             <a:endParaRPr lang="en-US" altLang="zh-CN" b="1" dirty="0"/>
@@ -9782,12 +9057,14 @@
               <a:rPr lang="en-US" altLang="zh-CN" dirty="0"/>
               <a:t>start transaction;</a:t>
             </a:r>
+            <a:endParaRPr lang="en-US" altLang="zh-CN" dirty="0"/>
           </a:p>
           <a:p>
             <a:r>
               <a:rPr lang="en-US" altLang="zh-CN" dirty="0"/>
               <a:t>insert into t values(7);</a:t>
             </a:r>
+            <a:endParaRPr lang="en-US" altLang="zh-CN" dirty="0"/>
           </a:p>
           <a:p>
             <a:endParaRPr lang="en-US" altLang="zh-CN" dirty="0"/>
@@ -9808,12 +9085,14 @@
               <a:rPr lang="en-US" altLang="zh-CN" dirty="0"/>
               <a:t>start transaction;</a:t>
             </a:r>
+            <a:endParaRPr lang="en-US" altLang="zh-CN" dirty="0"/>
           </a:p>
           <a:p>
             <a:r>
               <a:rPr lang="en-US" altLang="zh-CN" dirty="0"/>
               <a:t>insert into t values(7);</a:t>
             </a:r>
+            <a:endParaRPr lang="en-US" altLang="zh-CN" dirty="0"/>
           </a:p>
           <a:p>
             <a:endParaRPr lang="en-US" altLang="zh-CN" dirty="0"/>
@@ -9834,12 +9113,14 @@
               <a:rPr lang="en-US" altLang="zh-CN" dirty="0"/>
               <a:t>start transaction;</a:t>
             </a:r>
+            <a:endParaRPr lang="en-US" altLang="zh-CN" dirty="0"/>
           </a:p>
           <a:p>
             <a:r>
               <a:rPr lang="en-US" altLang="zh-CN" dirty="0"/>
               <a:t>insert into t values(7);</a:t>
             </a:r>
+            <a:endParaRPr lang="en-US" altLang="zh-CN" dirty="0"/>
           </a:p>
           <a:p>
             <a:endParaRPr lang="en-US" altLang="zh-CN" dirty="0">
@@ -9850,13 +9131,7 @@
       </p:sp>
       <p:sp>
         <p:nvSpPr>
-          <p:cNvPr id="7" name="文本框 6">
-            <a:extLst>
-              <a:ext uri="{FF2B5EF4-FFF2-40B4-BE49-F238E27FC236}">
-                <a16:creationId xmlns:a16="http://schemas.microsoft.com/office/drawing/2014/main" id="{40247889-3FAD-4282-9CD8-FD34713CC5B4}"/>
-              </a:ext>
-            </a:extLst>
-          </p:cNvPr>
+          <p:cNvPr id="7" name="文本框 6"/>
           <p:cNvSpPr txBox="1"/>
           <p:nvPr/>
         </p:nvSpPr>
@@ -9915,18 +9190,13 @@
               <a:rPr lang="zh-CN" altLang="en-US" dirty="0"/>
               <a:t>能成功吗？</a:t>
             </a:r>
-          </a:p>
-        </p:txBody>
-      </p:sp>
-      <p:sp>
-        <p:nvSpPr>
-          <p:cNvPr id="9" name="文本框 8">
-            <a:extLst>
-              <a:ext uri="{FF2B5EF4-FFF2-40B4-BE49-F238E27FC236}">
-                <a16:creationId xmlns:a16="http://schemas.microsoft.com/office/drawing/2014/main" id="{F91E849E-F8C9-470F-B48F-25B6B2A499A4}"/>
-              </a:ext>
-            </a:extLst>
-          </p:cNvPr>
+            <a:endParaRPr lang="zh-CN" altLang="en-US" dirty="0"/>
+          </a:p>
+        </p:txBody>
+      </p:sp>
+      <p:sp>
+        <p:nvSpPr>
+          <p:cNvPr id="9" name="文本框 8"/>
           <p:cNvSpPr txBox="1"/>
           <p:nvPr/>
         </p:nvSpPr>
@@ -9958,18 +9228,13 @@
               <a:rPr lang="zh-CN" altLang="en-US" dirty="0"/>
               <a:t>上有排他锁，无法再添加共享锁，故会等待锁超时事务失败</a:t>
             </a:r>
-          </a:p>
-        </p:txBody>
-      </p:sp>
-      <p:sp>
-        <p:nvSpPr>
-          <p:cNvPr id="8" name="文本框 7">
-            <a:extLst>
-              <a:ext uri="{FF2B5EF4-FFF2-40B4-BE49-F238E27FC236}">
-                <a16:creationId xmlns:a16="http://schemas.microsoft.com/office/drawing/2014/main" id="{D6B6F31D-B30D-42A0-AA98-60D26B83F417}"/>
-              </a:ext>
-            </a:extLst>
-          </p:cNvPr>
+            <a:endParaRPr lang="zh-CN" altLang="en-US" dirty="0"/>
+          </a:p>
+        </p:txBody>
+      </p:sp>
+      <p:sp>
+        <p:nvSpPr>
+          <p:cNvPr id="8" name="文本框 7"/>
           <p:cNvSpPr txBox="1"/>
           <p:nvPr/>
         </p:nvSpPr>
@@ -10013,18 +9278,13 @@
               <a:rPr lang="zh-CN" altLang="en-US" dirty="0"/>
               <a:t>会成功吗？</a:t>
             </a:r>
-          </a:p>
-        </p:txBody>
-      </p:sp>
-      <p:sp>
-        <p:nvSpPr>
-          <p:cNvPr id="10" name="文本框 9">
-            <a:extLst>
-              <a:ext uri="{FF2B5EF4-FFF2-40B4-BE49-F238E27FC236}">
-                <a16:creationId xmlns:a16="http://schemas.microsoft.com/office/drawing/2014/main" id="{EFE6D5F6-2299-45A4-94FE-D3F5E36927CE}"/>
-              </a:ext>
-            </a:extLst>
-          </p:cNvPr>
+            <a:endParaRPr lang="zh-CN" altLang="en-US" dirty="0"/>
+          </a:p>
+        </p:txBody>
+      </p:sp>
+      <p:sp>
+        <p:nvSpPr>
+          <p:cNvPr id="10" name="文本框 9"/>
           <p:cNvSpPr txBox="1"/>
           <p:nvPr/>
         </p:nvSpPr>
@@ -10181,15 +9441,11 @@
               <a:rPr lang="zh-CN" altLang="en-US" dirty="0"/>
               <a:t>上有另一个事务的共享锁，而共享锁与排他锁不兼容</a:t>
             </a:r>
+            <a:endParaRPr lang="zh-CN" altLang="en-US" dirty="0"/>
           </a:p>
         </p:txBody>
       </p:sp>
     </p:spTree>
-    <p:extLst>
-      <p:ext uri="{BB962C8B-B14F-4D97-AF65-F5344CB8AC3E}">
-        <p14:creationId xmlns:p14="http://schemas.microsoft.com/office/powerpoint/2010/main" val="2904342584"/>
-      </p:ext>
-    </p:extLst>
   </p:cSld>
   <p:clrMapOvr>
     <a:masterClrMapping/>
@@ -10529,7 +9785,7 @@
 </p:sld>
 </file>
 
-<file path=ppt/slides/slide28.xml><?xml version="1.0" encoding="utf-8"?>
+<file path=ppt/slides/slide26.xml><?xml version="1.0" encoding="utf-8"?>
 <p:sld xmlns:a="http://schemas.openxmlformats.org/drawingml/2006/main" xmlns:r="http://schemas.openxmlformats.org/officeDocument/2006/relationships" xmlns:p="http://schemas.openxmlformats.org/presentationml/2006/main">
   <p:cSld>
     <p:spTree>
@@ -10548,13 +9804,7 @@
       </p:grpSpPr>
       <p:sp>
         <p:nvSpPr>
-          <p:cNvPr id="2" name="标题 1">
-            <a:extLst>
-              <a:ext uri="{FF2B5EF4-FFF2-40B4-BE49-F238E27FC236}">
-                <a16:creationId xmlns:a16="http://schemas.microsoft.com/office/drawing/2014/main" id="{45EAF7F1-142B-46FC-AA0D-908F859EE7E9}"/>
-              </a:ext>
-            </a:extLst>
-          </p:cNvPr>
+          <p:cNvPr id="2" name="标题 1"/>
           <p:cNvSpPr>
             <a:spLocks noGrp="1"/>
           </p:cNvSpPr>
@@ -10578,18 +9828,13 @@
               <a:rPr lang="zh-CN" altLang="en-US" dirty="0"/>
               <a:t>常见问题与剖析</a:t>
             </a:r>
-          </a:p>
-        </p:txBody>
-      </p:sp>
-      <p:sp>
-        <p:nvSpPr>
-          <p:cNvPr id="4" name="文本框 3">
-            <a:extLst>
-              <a:ext uri="{FF2B5EF4-FFF2-40B4-BE49-F238E27FC236}">
-                <a16:creationId xmlns:a16="http://schemas.microsoft.com/office/drawing/2014/main" id="{BB0C6467-A41A-4231-8519-28B4FF3662F7}"/>
-              </a:ext>
-            </a:extLst>
-          </p:cNvPr>
+            <a:endParaRPr lang="zh-CN" altLang="en-US" dirty="0"/>
+          </a:p>
+        </p:txBody>
+      </p:sp>
+      <p:sp>
+        <p:nvSpPr>
+          <p:cNvPr id="4" name="文本框 3"/>
           <p:cNvSpPr txBox="1"/>
           <p:nvPr/>
         </p:nvSpPr>
@@ -10621,18 +9866,13 @@
               <a:rPr lang="zh-CN" altLang="en-US" sz="2400" dirty="0"/>
               <a:t>间隙锁</a:t>
             </a:r>
-          </a:p>
-        </p:txBody>
-      </p:sp>
-      <p:sp>
-        <p:nvSpPr>
-          <p:cNvPr id="5" name="文本框 4">
-            <a:extLst>
-              <a:ext uri="{FF2B5EF4-FFF2-40B4-BE49-F238E27FC236}">
-                <a16:creationId xmlns:a16="http://schemas.microsoft.com/office/drawing/2014/main" id="{3CE4119D-E545-4DD5-B47B-7EEE282779E8}"/>
-              </a:ext>
-            </a:extLst>
-          </p:cNvPr>
+            <a:endParaRPr lang="zh-CN" altLang="en-US" sz="2400" dirty="0"/>
+          </a:p>
+        </p:txBody>
+      </p:sp>
+      <p:sp>
+        <p:nvSpPr>
+          <p:cNvPr id="5" name="文本框 4"/>
           <p:cNvSpPr txBox="1"/>
           <p:nvPr/>
         </p:nvSpPr>
@@ -10676,6 +9916,7 @@
               <a:rPr lang="en-US" altLang="zh-CN" dirty="0"/>
               <a:t>10</a:t>
             </a:r>
+            <a:endParaRPr lang="en-US" altLang="zh-CN" dirty="0"/>
           </a:p>
           <a:p>
             <a:endParaRPr lang="en-US" altLang="zh-CN" b="1" dirty="0"/>
@@ -10693,6 +9934,7 @@
               <a:rPr lang="en-US" altLang="zh-CN" dirty="0"/>
               <a:t>start transaction;</a:t>
             </a:r>
+            <a:endParaRPr lang="en-US" altLang="zh-CN" dirty="0"/>
           </a:p>
           <a:p>
             <a:r>
@@ -10707,6 +9949,7 @@
               <a:rPr lang="en-US" altLang="zh-CN" dirty="0"/>
               <a:t>delete from t where id=6;</a:t>
             </a:r>
+            <a:endParaRPr lang="en-US" altLang="zh-CN" dirty="0"/>
           </a:p>
           <a:p>
             <a:r>
@@ -10721,6 +9964,7 @@
               <a:rPr lang="en-US" altLang="zh-CN" dirty="0"/>
               <a:t>start transaction;</a:t>
             </a:r>
+            <a:endParaRPr lang="en-US" altLang="zh-CN" dirty="0"/>
           </a:p>
           <a:p>
             <a:r>
@@ -10735,6 +9979,7 @@
               <a:rPr lang="en-US" altLang="zh-CN" dirty="0"/>
               <a:t>delete from t where id=7;</a:t>
             </a:r>
+            <a:endParaRPr lang="en-US" altLang="zh-CN" dirty="0"/>
           </a:p>
           <a:p>
             <a:r>
@@ -10749,6 +9994,7 @@
               <a:rPr lang="en-US" altLang="zh-CN" dirty="0"/>
               <a:t>insert into t values(5);</a:t>
             </a:r>
+            <a:endParaRPr lang="en-US" altLang="zh-CN" dirty="0"/>
           </a:p>
           <a:p>
             <a:r>
@@ -10763,6 +10009,7 @@
               <a:rPr lang="en-US" altLang="zh-CN" dirty="0"/>
               <a:t>insert into t values(8);</a:t>
             </a:r>
+            <a:endParaRPr lang="en-US" altLang="zh-CN" dirty="0"/>
           </a:p>
           <a:p>
             <a:endParaRPr lang="en-US" altLang="zh-CN" dirty="0">
@@ -10773,13 +10020,7 @@
       </p:sp>
       <p:sp>
         <p:nvSpPr>
-          <p:cNvPr id="7" name="文本框 6">
-            <a:extLst>
-              <a:ext uri="{FF2B5EF4-FFF2-40B4-BE49-F238E27FC236}">
-                <a16:creationId xmlns:a16="http://schemas.microsoft.com/office/drawing/2014/main" id="{40247889-3FAD-4282-9CD8-FD34713CC5B4}"/>
-              </a:ext>
-            </a:extLst>
-          </p:cNvPr>
+          <p:cNvPr id="7" name="文本框 6"/>
           <p:cNvSpPr txBox="1"/>
           <p:nvPr/>
         </p:nvSpPr>
@@ -10850,18 +10091,13 @@
               <a:rPr lang="zh-CN" altLang="en-US" dirty="0"/>
               <a:t>吗？</a:t>
             </a:r>
-          </a:p>
-        </p:txBody>
-      </p:sp>
-      <p:sp>
-        <p:nvSpPr>
-          <p:cNvPr id="10" name="文本框 9">
-            <a:extLst>
-              <a:ext uri="{FF2B5EF4-FFF2-40B4-BE49-F238E27FC236}">
-                <a16:creationId xmlns:a16="http://schemas.microsoft.com/office/drawing/2014/main" id="{EFE6D5F6-2299-45A4-94FE-D3F5E36927CE}"/>
-              </a:ext>
-            </a:extLst>
-          </p:cNvPr>
+            <a:endParaRPr lang="zh-CN" altLang="en-US" dirty="0"/>
+          </a:p>
+        </p:txBody>
+      </p:sp>
+      <p:sp>
+        <p:nvSpPr>
+          <p:cNvPr id="10" name="文本框 9"/>
           <p:cNvSpPr txBox="1"/>
           <p:nvPr/>
         </p:nvSpPr>
@@ -10912,6 +10148,7 @@
               <a:rPr lang="zh-CN" altLang="en-US" dirty="0"/>
               <a:t>的共享间隙锁。</a:t>
             </a:r>
+            <a:endParaRPr lang="zh-CN" altLang="en-US" dirty="0"/>
           </a:p>
           <a:p>
             <a:r>
@@ -10938,6 +10175,7 @@
               <a:rPr lang="zh-CN" altLang="en-US" dirty="0"/>
               <a:t>的共享间隙锁。</a:t>
             </a:r>
+            <a:endParaRPr lang="zh-CN" altLang="en-US" dirty="0"/>
           </a:p>
           <a:p>
             <a:r>
@@ -10964,6 +10202,7 @@
               <a:rPr lang="zh-CN" altLang="en-US" dirty="0"/>
               <a:t>的排他间隙锁，于是会阻塞。</a:t>
             </a:r>
+            <a:endParaRPr lang="zh-CN" altLang="en-US" dirty="0"/>
           </a:p>
           <a:p>
             <a:r>
@@ -10997,11 +10236,6 @@
         </p:txBody>
       </p:sp>
     </p:spTree>
-    <p:extLst>
-      <p:ext uri="{BB962C8B-B14F-4D97-AF65-F5344CB8AC3E}">
-        <p14:creationId xmlns:p14="http://schemas.microsoft.com/office/powerpoint/2010/main" val="990784228"/>
-      </p:ext>
-    </p:extLst>
   </p:cSld>
   <p:clrMapOvr>
     <a:masterClrMapping/>
@@ -11133,7 +10367,7 @@
 </p:sld>
 </file>
 
-<file path=ppt/slides/slide29.xml><?xml version="1.0" encoding="utf-8"?>
+<file path=ppt/slides/slide27.xml><?xml version="1.0" encoding="utf-8"?>
 <p:sld xmlns:a="http://schemas.openxmlformats.org/drawingml/2006/main" xmlns:r="http://schemas.openxmlformats.org/officeDocument/2006/relationships" xmlns:p="http://schemas.openxmlformats.org/presentationml/2006/main">
   <p:cSld>
     <p:spTree>
@@ -11152,13 +10386,7 @@
       </p:grpSpPr>
       <p:sp>
         <p:nvSpPr>
-          <p:cNvPr id="2" name="标题 1">
-            <a:extLst>
-              <a:ext uri="{FF2B5EF4-FFF2-40B4-BE49-F238E27FC236}">
-                <a16:creationId xmlns:a16="http://schemas.microsoft.com/office/drawing/2014/main" id="{45EAF7F1-142B-46FC-AA0D-908F859EE7E9}"/>
-              </a:ext>
-            </a:extLst>
-          </p:cNvPr>
+          <p:cNvPr id="2" name="标题 1"/>
           <p:cNvSpPr>
             <a:spLocks noGrp="1"/>
           </p:cNvSpPr>
@@ -11182,18 +10410,13 @@
               <a:rPr lang="zh-CN" altLang="en-US" dirty="0"/>
               <a:t>常见问题与剖析</a:t>
             </a:r>
-          </a:p>
-        </p:txBody>
-      </p:sp>
-      <p:sp>
-        <p:nvSpPr>
-          <p:cNvPr id="4" name="文本框 3">
-            <a:extLst>
-              <a:ext uri="{FF2B5EF4-FFF2-40B4-BE49-F238E27FC236}">
-                <a16:creationId xmlns:a16="http://schemas.microsoft.com/office/drawing/2014/main" id="{BB0C6467-A41A-4231-8519-28B4FF3662F7}"/>
-              </a:ext>
-            </a:extLst>
-          </p:cNvPr>
+            <a:endParaRPr lang="zh-CN" altLang="en-US" dirty="0"/>
+          </a:p>
+        </p:txBody>
+      </p:sp>
+      <p:sp>
+        <p:nvSpPr>
+          <p:cNvPr id="4" name="文本框 3"/>
           <p:cNvSpPr txBox="1"/>
           <p:nvPr/>
         </p:nvSpPr>
@@ -11225,18 +10448,13 @@
               <a:rPr lang="zh-CN" altLang="en-US" sz="2400" dirty="0"/>
               <a:t>查询</a:t>
             </a:r>
-          </a:p>
-        </p:txBody>
-      </p:sp>
-      <p:sp>
-        <p:nvSpPr>
-          <p:cNvPr id="5" name="文本框 4">
-            <a:extLst>
-              <a:ext uri="{FF2B5EF4-FFF2-40B4-BE49-F238E27FC236}">
-                <a16:creationId xmlns:a16="http://schemas.microsoft.com/office/drawing/2014/main" id="{3CE4119D-E545-4DD5-B47B-7EEE282779E8}"/>
-              </a:ext>
-            </a:extLst>
-          </p:cNvPr>
+            <a:endParaRPr lang="zh-CN" altLang="en-US" sz="2400" dirty="0"/>
+          </a:p>
+        </p:txBody>
+      </p:sp>
+      <p:sp>
+        <p:nvSpPr>
+          <p:cNvPr id="5" name="文本框 4"/>
           <p:cNvSpPr txBox="1"/>
           <p:nvPr/>
         </p:nvSpPr>
@@ -11308,18 +10526,21 @@
               <a:rPr lang="zh-CN" altLang="en-US" dirty="0"/>
               <a:t>结束）：</a:t>
             </a:r>
+            <a:endParaRPr lang="zh-CN" altLang="en-US" dirty="0"/>
           </a:p>
           <a:p>
             <a:r>
               <a:rPr lang="en-US" altLang="zh-CN" dirty="0"/>
               <a:t>A1: start transaction;</a:t>
             </a:r>
+            <a:endParaRPr lang="en-US" altLang="zh-CN" dirty="0"/>
           </a:p>
           <a:p>
             <a:r>
               <a:rPr lang="en-US" altLang="zh-CN" dirty="0"/>
               <a:t>         B1: start transaction;</a:t>
             </a:r>
+            <a:endParaRPr lang="en-US" altLang="zh-CN" dirty="0"/>
           </a:p>
           <a:p>
             <a:r>
@@ -11334,23 +10555,26 @@
               <a:rPr lang="en-US" altLang="zh-CN" dirty="0"/>
               <a:t>);</a:t>
             </a:r>
+            <a:endParaRPr lang="en-US" altLang="zh-CN" dirty="0"/>
           </a:p>
           <a:p>
             <a:r>
               <a:rPr lang="en-US" altLang="zh-CN" dirty="0"/>
               <a:t>         B3: commit;</a:t>
             </a:r>
+            <a:endParaRPr lang="en-US" altLang="zh-CN" dirty="0"/>
           </a:p>
           <a:p>
             <a:r>
               <a:rPr lang="en-US" altLang="zh-CN" dirty="0"/>
               <a:t>A2: select * from t;</a:t>
             </a:r>
-          </a:p>
-          <a:p>
             <a:endParaRPr lang="en-US" altLang="zh-CN" dirty="0"/>
           </a:p>
           <a:p>
+            <a:endParaRPr lang="en-US" altLang="zh-CN" dirty="0"/>
+          </a:p>
+          <a:p>
             <a:r>
               <a:rPr lang="zh-CN" altLang="en-US" dirty="0"/>
               <a:t>问：在事务隔离级别是</a:t>
@@ -11387,6 +10611,7 @@
               <a:rPr lang="zh-CN" altLang="en-US" dirty="0"/>
               <a:t>分别读到什么结果集？</a:t>
             </a:r>
+            <a:endParaRPr lang="zh-CN" altLang="en-US" dirty="0"/>
           </a:p>
           <a:p>
             <a:endParaRPr lang="en-US" altLang="zh-CN" dirty="0">
@@ -11397,13 +10622,7 @@
       </p:sp>
       <p:sp>
         <p:nvSpPr>
-          <p:cNvPr id="7" name="文本框 6">
-            <a:extLst>
-              <a:ext uri="{FF2B5EF4-FFF2-40B4-BE49-F238E27FC236}">
-                <a16:creationId xmlns:a16="http://schemas.microsoft.com/office/drawing/2014/main" id="{244C3FB0-0834-4CEC-9F8C-E5F4B32317DB}"/>
-              </a:ext>
-            </a:extLst>
-          </p:cNvPr>
+          <p:cNvPr id="7" name="文本框 6"/>
           <p:cNvSpPr txBox="1"/>
           <p:nvPr/>
         </p:nvSpPr>
@@ -11431,6 +10650,7 @@
               <a:rPr lang="zh-CN" altLang="en-US" dirty="0"/>
               <a:t>下</a:t>
             </a:r>
+            <a:endParaRPr lang="zh-CN" altLang="en-US" dirty="0"/>
           </a:p>
           <a:p>
             <a:r>
@@ -11443,13 +10663,7 @@
       </p:sp>
       <p:sp>
         <p:nvSpPr>
-          <p:cNvPr id="9" name="文本框 8">
-            <a:extLst>
-              <a:ext uri="{FF2B5EF4-FFF2-40B4-BE49-F238E27FC236}">
-                <a16:creationId xmlns:a16="http://schemas.microsoft.com/office/drawing/2014/main" id="{D6977B48-BC85-4ECB-8DF2-72F1817BD851}"/>
-              </a:ext>
-            </a:extLst>
-          </p:cNvPr>
+          <p:cNvPr id="9" name="文本框 8"/>
           <p:cNvSpPr txBox="1"/>
           <p:nvPr/>
         </p:nvSpPr>
@@ -11477,6 +10691,7 @@
               <a:rPr lang="zh-CN" altLang="en-US" dirty="0"/>
               <a:t>下</a:t>
             </a:r>
+            <a:endParaRPr lang="zh-CN" altLang="en-US" dirty="0"/>
           </a:p>
           <a:p>
             <a:r>
@@ -11492,13 +10707,7 @@
       </p:sp>
       <p:sp>
         <p:nvSpPr>
-          <p:cNvPr id="8" name="文本框 7">
-            <a:extLst>
-              <a:ext uri="{FF2B5EF4-FFF2-40B4-BE49-F238E27FC236}">
-                <a16:creationId xmlns:a16="http://schemas.microsoft.com/office/drawing/2014/main" id="{2E35FE85-7754-4590-AB07-A33AD13A116F}"/>
-              </a:ext>
-            </a:extLst>
-          </p:cNvPr>
+          <p:cNvPr id="8" name="文本框 7"/>
           <p:cNvSpPr txBox="1"/>
           <p:nvPr/>
         </p:nvSpPr>
@@ -11554,21 +10763,16 @@
               <a:rPr lang="zh-CN" altLang="en-US" dirty="0"/>
               <a:t>调换顺序，结果是什么？</a:t>
             </a:r>
-          </a:p>
-          <a:p>
             <a:endParaRPr lang="zh-CN" altLang="en-US" dirty="0"/>
           </a:p>
-        </p:txBody>
-      </p:sp>
-      <p:sp>
-        <p:nvSpPr>
-          <p:cNvPr id="3" name="文本框 2">
-            <a:extLst>
-              <a:ext uri="{FF2B5EF4-FFF2-40B4-BE49-F238E27FC236}">
-                <a16:creationId xmlns:a16="http://schemas.microsoft.com/office/drawing/2014/main" id="{4D72E37D-EB7E-4EA7-8FAB-E6909EAEBE98}"/>
-              </a:ext>
-            </a:extLst>
-          </p:cNvPr>
+          <a:p>
+            <a:endParaRPr lang="zh-CN" altLang="en-US" dirty="0"/>
+          </a:p>
+        </p:txBody>
+      </p:sp>
+      <p:sp>
+        <p:nvSpPr>
+          <p:cNvPr id="3" name="文本框 2"/>
           <p:cNvSpPr txBox="1"/>
           <p:nvPr/>
         </p:nvSpPr>
@@ -11592,6 +10796,7 @@
               <a:rPr lang="zh-CN" altLang="en-US" dirty="0"/>
               <a:t>事务的开始时间不一样，不会影响“快照读”的结果</a:t>
             </a:r>
+            <a:endParaRPr lang="zh-CN" altLang="en-US" dirty="0"/>
           </a:p>
           <a:p>
             <a:endParaRPr lang="en-US" altLang="zh-CN" dirty="0"/>
@@ -11617,6 +10822,7 @@
               <a:rPr lang="en-US" altLang="zh-CN" dirty="0"/>
               <a:t>Read View</a:t>
             </a:r>
+            <a:endParaRPr lang="en-US" altLang="zh-CN" dirty="0"/>
           </a:p>
           <a:p>
             <a:r>
@@ -11639,6 +10845,7 @@
               <a:rPr lang="en-US" altLang="zh-CN" dirty="0"/>
               <a:t>Read View</a:t>
             </a:r>
+            <a:endParaRPr lang="en-US" altLang="zh-CN" dirty="0"/>
           </a:p>
           <a:p>
             <a:endParaRPr lang="zh-CN" altLang="en-US" dirty="0"/>
@@ -11646,11 +10853,6 @@
         </p:txBody>
       </p:sp>
     </p:spTree>
-    <p:extLst>
-      <p:ext uri="{BB962C8B-B14F-4D97-AF65-F5344CB8AC3E}">
-        <p14:creationId xmlns:p14="http://schemas.microsoft.com/office/powerpoint/2010/main" val="3471786953"/>
-      </p:ext>
-    </p:extLst>
   </p:cSld>
   <p:clrMapOvr>
     <a:masterClrMapping/>
@@ -12028,7 +11230,7 @@
 </p:sld>
 </file>
 
-<file path=ppt/slides/slide3.xml><?xml version="1.0" encoding="utf-8"?>
+<file path=ppt/slides/slide28.xml><?xml version="1.0" encoding="utf-8"?>
 <p:sld xmlns:a="http://schemas.openxmlformats.org/drawingml/2006/main" xmlns:r="http://schemas.openxmlformats.org/officeDocument/2006/relationships" xmlns:p="http://schemas.openxmlformats.org/presentationml/2006/main">
   <p:cSld>
     <p:spTree>
@@ -12047,128 +11249,7 @@
       </p:grpSpPr>
       <p:sp>
         <p:nvSpPr>
-          <p:cNvPr id="2" name="标题 1">
-            <a:extLst>
-              <a:ext uri="{FF2B5EF4-FFF2-40B4-BE49-F238E27FC236}">
-                <a16:creationId xmlns:a16="http://schemas.microsoft.com/office/drawing/2014/main" id="{0F8C8D7E-A7E5-4822-83D6-F29DA4DE98A9}"/>
-              </a:ext>
-            </a:extLst>
-          </p:cNvPr>
-          <p:cNvSpPr>
-            <a:spLocks noGrp="1"/>
-          </p:cNvSpPr>
-          <p:nvPr>
-            <p:ph type="title"/>
-          </p:nvPr>
-        </p:nvSpPr>
-        <p:spPr/>
-        <p:txBody>
-          <a:bodyPr/>
-          <a:lstStyle/>
-          <a:p>
-            <a:r>
-              <a:rPr lang="zh-CN" altLang="en-US" dirty="0"/>
-              <a:t>基础概念</a:t>
-            </a:r>
-          </a:p>
-        </p:txBody>
-      </p:sp>
-      <p:sp>
-        <p:nvSpPr>
-          <p:cNvPr id="3" name="内容占位符 2">
-            <a:extLst>
-              <a:ext uri="{FF2B5EF4-FFF2-40B4-BE49-F238E27FC236}">
-                <a16:creationId xmlns:a16="http://schemas.microsoft.com/office/drawing/2014/main" id="{85B924F9-D50A-44E0-91C8-6F472D4CDCC4}"/>
-              </a:ext>
-            </a:extLst>
-          </p:cNvPr>
-          <p:cNvSpPr>
-            <a:spLocks noGrp="1"/>
-          </p:cNvSpPr>
-          <p:nvPr>
-            <p:ph idx="1"/>
-          </p:nvPr>
-        </p:nvSpPr>
-        <p:spPr/>
-        <p:txBody>
-          <a:bodyPr/>
-          <a:lstStyle/>
-          <a:p>
-            <a:r>
-              <a:rPr lang="zh-CN" altLang="en-US" dirty="0"/>
-              <a:t>三范式与冗余</a:t>
-            </a:r>
-            <a:endParaRPr lang="en-US" altLang="zh-CN" dirty="0"/>
-          </a:p>
-          <a:p>
-            <a:r>
-              <a:rPr lang="zh-CN" altLang="en-US" dirty="0"/>
-              <a:t>查询的过程</a:t>
-            </a:r>
-            <a:endParaRPr lang="en-US" altLang="zh-CN" dirty="0"/>
-          </a:p>
-          <a:p>
-            <a:r>
-              <a:rPr lang="zh-CN" altLang="en-US" dirty="0"/>
-              <a:t>索引</a:t>
-            </a:r>
-            <a:endParaRPr lang="en-US" altLang="zh-CN" dirty="0"/>
-          </a:p>
-          <a:p>
-            <a:r>
-              <a:rPr lang="zh-CN" altLang="en-US" dirty="0"/>
-              <a:t>事务与隔离级别</a:t>
-            </a:r>
-            <a:endParaRPr lang="en-US" altLang="zh-CN" dirty="0"/>
-          </a:p>
-          <a:p>
-            <a:r>
-              <a:rPr lang="zh-CN" altLang="en-US" dirty="0"/>
-              <a:t>锁</a:t>
-            </a:r>
-            <a:endParaRPr lang="en-US" altLang="zh-CN" dirty="0"/>
-          </a:p>
-        </p:txBody>
-      </p:sp>
-    </p:spTree>
-    <p:extLst>
-      <p:ext uri="{BB962C8B-B14F-4D97-AF65-F5344CB8AC3E}">
-        <p14:creationId xmlns:p14="http://schemas.microsoft.com/office/powerpoint/2010/main" val="2749483826"/>
-      </p:ext>
-    </p:extLst>
-  </p:cSld>
-  <p:clrMapOvr>
-    <a:masterClrMapping/>
-  </p:clrMapOvr>
-</p:sld>
-</file>
-
-<file path=ppt/slides/slide30.xml><?xml version="1.0" encoding="utf-8"?>
-<p:sld xmlns:a="http://schemas.openxmlformats.org/drawingml/2006/main" xmlns:r="http://schemas.openxmlformats.org/officeDocument/2006/relationships" xmlns:p="http://schemas.openxmlformats.org/presentationml/2006/main">
-  <p:cSld>
-    <p:spTree>
-      <p:nvGrpSpPr>
-        <p:cNvPr id="1" name=""/>
-        <p:cNvGrpSpPr/>
-        <p:nvPr/>
-      </p:nvGrpSpPr>
-      <p:grpSpPr>
-        <a:xfrm>
-          <a:off x="0" y="0"/>
-          <a:ext cx="0" cy="0"/>
-          <a:chOff x="0" y="0"/>
-          <a:chExt cx="0" cy="0"/>
-        </a:xfrm>
-      </p:grpSpPr>
-      <p:sp>
-        <p:nvSpPr>
-          <p:cNvPr id="2" name="标题 1">
-            <a:extLst>
-              <a:ext uri="{FF2B5EF4-FFF2-40B4-BE49-F238E27FC236}">
-                <a16:creationId xmlns:a16="http://schemas.microsoft.com/office/drawing/2014/main" id="{45EAF7F1-142B-46FC-AA0D-908F859EE7E9}"/>
-              </a:ext>
-            </a:extLst>
-          </p:cNvPr>
+          <p:cNvPr id="2" name="标题 1"/>
           <p:cNvSpPr>
             <a:spLocks noGrp="1"/>
           </p:cNvSpPr>
@@ -12192,18 +11273,13 @@
               <a:rPr lang="zh-CN" altLang="en-US" dirty="0"/>
               <a:t>常见问题与剖析</a:t>
             </a:r>
-          </a:p>
-        </p:txBody>
-      </p:sp>
-      <p:sp>
-        <p:nvSpPr>
-          <p:cNvPr id="4" name="文本框 3">
-            <a:extLst>
-              <a:ext uri="{FF2B5EF4-FFF2-40B4-BE49-F238E27FC236}">
-                <a16:creationId xmlns:a16="http://schemas.microsoft.com/office/drawing/2014/main" id="{BB0C6467-A41A-4231-8519-28B4FF3662F7}"/>
-              </a:ext>
-            </a:extLst>
-          </p:cNvPr>
+            <a:endParaRPr lang="zh-CN" altLang="en-US" dirty="0"/>
+          </a:p>
+        </p:txBody>
+      </p:sp>
+      <p:sp>
+        <p:nvSpPr>
+          <p:cNvPr id="4" name="文本框 3"/>
           <p:cNvSpPr txBox="1"/>
           <p:nvPr/>
         </p:nvSpPr>
@@ -12235,18 +11311,13 @@
               <a:rPr lang="zh-CN" altLang="en-US" sz="2400" dirty="0"/>
               <a:t>查询</a:t>
             </a:r>
-          </a:p>
-        </p:txBody>
-      </p:sp>
-      <p:sp>
-        <p:nvSpPr>
-          <p:cNvPr id="5" name="文本框 4">
-            <a:extLst>
-              <a:ext uri="{FF2B5EF4-FFF2-40B4-BE49-F238E27FC236}">
-                <a16:creationId xmlns:a16="http://schemas.microsoft.com/office/drawing/2014/main" id="{3CE4119D-E545-4DD5-B47B-7EEE282779E8}"/>
-              </a:ext>
-            </a:extLst>
-          </p:cNvPr>
+            <a:endParaRPr lang="zh-CN" altLang="en-US" sz="2400" dirty="0"/>
+          </a:p>
+        </p:txBody>
+      </p:sp>
+      <p:sp>
+        <p:nvSpPr>
+          <p:cNvPr id="5" name="文本框 4"/>
           <p:cNvSpPr txBox="1"/>
           <p:nvPr/>
         </p:nvSpPr>
@@ -12318,24 +11389,28 @@
               <a:rPr lang="zh-CN" altLang="en-US" dirty="0"/>
               <a:t>结束）：</a:t>
             </a:r>
+            <a:endParaRPr lang="zh-CN" altLang="en-US" dirty="0"/>
           </a:p>
           <a:p>
             <a:r>
               <a:rPr lang="en-US" altLang="zh-CN" dirty="0"/>
               <a:t>A1: start transaction;</a:t>
             </a:r>
+            <a:endParaRPr lang="en-US" altLang="zh-CN" dirty="0"/>
           </a:p>
           <a:p>
             <a:r>
               <a:rPr lang="en-US" altLang="zh-CN" dirty="0"/>
               <a:t>         B1: start transaction;</a:t>
             </a:r>
+            <a:endParaRPr lang="en-US" altLang="zh-CN" dirty="0"/>
           </a:p>
           <a:p>
             <a:r>
               <a:rPr lang="en-US" altLang="zh-CN" dirty="0"/>
               <a:t>A2: select * from t;</a:t>
             </a:r>
+            <a:endParaRPr lang="en-US" altLang="zh-CN" dirty="0"/>
           </a:p>
           <a:p>
             <a:r>
@@ -12350,24 +11425,28 @@
               <a:rPr lang="en-US" altLang="zh-CN" dirty="0"/>
               <a:t>);</a:t>
             </a:r>
+            <a:endParaRPr lang="en-US" altLang="zh-CN" dirty="0"/>
           </a:p>
           <a:p>
             <a:r>
               <a:rPr lang="en-US" altLang="zh-CN" dirty="0"/>
               <a:t>A3: select * from t;</a:t>
             </a:r>
+            <a:endParaRPr lang="en-US" altLang="zh-CN" dirty="0"/>
           </a:p>
           <a:p>
             <a:r>
               <a:rPr lang="en-US" altLang="zh-CN" dirty="0"/>
               <a:t>         B3: commit;</a:t>
             </a:r>
+            <a:endParaRPr lang="en-US" altLang="zh-CN" dirty="0"/>
           </a:p>
           <a:p>
             <a:r>
               <a:rPr lang="en-US" altLang="zh-CN" dirty="0"/>
               <a:t>A4: select * from t;</a:t>
             </a:r>
+            <a:endParaRPr lang="en-US" altLang="zh-CN" dirty="0"/>
           </a:p>
           <a:p>
             <a:endParaRPr lang="en-US" altLang="zh-CN" dirty="0"/>
@@ -12415,6 +11494,7 @@
               <a:rPr lang="zh-CN" altLang="en-US" dirty="0"/>
               <a:t>分别读到什么结果集？</a:t>
             </a:r>
+            <a:endParaRPr lang="zh-CN" altLang="en-US" dirty="0"/>
           </a:p>
           <a:p>
             <a:endParaRPr lang="en-US" altLang="zh-CN" dirty="0">
@@ -12425,13 +11505,7 @@
       </p:sp>
       <p:sp>
         <p:nvSpPr>
-          <p:cNvPr id="7" name="文本框 6">
-            <a:extLst>
-              <a:ext uri="{FF2B5EF4-FFF2-40B4-BE49-F238E27FC236}">
-                <a16:creationId xmlns:a16="http://schemas.microsoft.com/office/drawing/2014/main" id="{244C3FB0-0834-4CEC-9F8C-E5F4B32317DB}"/>
-              </a:ext>
-            </a:extLst>
-          </p:cNvPr>
+          <p:cNvPr id="7" name="文本框 6"/>
           <p:cNvSpPr txBox="1"/>
           <p:nvPr/>
         </p:nvSpPr>
@@ -12459,6 +11533,7 @@
               <a:rPr lang="zh-CN" altLang="en-US" dirty="0"/>
               <a:t>下</a:t>
             </a:r>
+            <a:endParaRPr lang="zh-CN" altLang="en-US" dirty="0"/>
           </a:p>
           <a:p>
             <a:r>
@@ -12508,6 +11583,7 @@
               <a:rPr lang="zh-CN" altLang="en-US" dirty="0"/>
               <a:t>还没有提交；</a:t>
             </a:r>
+            <a:endParaRPr lang="zh-CN" altLang="en-US" dirty="0"/>
           </a:p>
           <a:p>
             <a:r>
@@ -12542,21 +11618,16 @@
               <a:rPr lang="zh-CN" altLang="en-US" dirty="0"/>
               <a:t>之后提交的</a:t>
             </a:r>
-          </a:p>
-          <a:p>
             <a:endParaRPr lang="zh-CN" altLang="en-US" dirty="0"/>
           </a:p>
-        </p:txBody>
-      </p:sp>
-      <p:sp>
-        <p:nvSpPr>
-          <p:cNvPr id="9" name="文本框 8">
-            <a:extLst>
-              <a:ext uri="{FF2B5EF4-FFF2-40B4-BE49-F238E27FC236}">
-                <a16:creationId xmlns:a16="http://schemas.microsoft.com/office/drawing/2014/main" id="{D6977B48-BC85-4ECB-8DF2-72F1817BD851}"/>
-              </a:ext>
-            </a:extLst>
-          </p:cNvPr>
+          <a:p>
+            <a:endParaRPr lang="zh-CN" altLang="en-US" dirty="0"/>
+          </a:p>
+        </p:txBody>
+      </p:sp>
+      <p:sp>
+        <p:nvSpPr>
+          <p:cNvPr id="9" name="文本框 8"/>
           <p:cNvSpPr txBox="1"/>
           <p:nvPr/>
         </p:nvSpPr>
@@ -12584,6 +11655,7 @@
               <a:rPr lang="zh-CN" altLang="en-US" dirty="0"/>
               <a:t>下</a:t>
             </a:r>
+            <a:endParaRPr lang="zh-CN" altLang="en-US" dirty="0"/>
           </a:p>
           <a:p>
             <a:r>
@@ -12602,6 +11674,7 @@
               <a:rPr lang="zh-CN" altLang="en-US" dirty="0"/>
               <a:t>；</a:t>
             </a:r>
+            <a:endParaRPr lang="zh-CN" altLang="en-US" dirty="0"/>
           </a:p>
           <a:p>
             <a:r>
@@ -12628,6 +11701,7 @@
               <a:rPr lang="zh-CN" altLang="en-US" dirty="0"/>
               <a:t>还没有提交；</a:t>
             </a:r>
+            <a:endParaRPr lang="zh-CN" altLang="en-US" dirty="0"/>
           </a:p>
           <a:p>
             <a:r>
@@ -12654,21 +11728,16 @@
               <a:rPr lang="zh-CN" altLang="en-US" dirty="0"/>
               <a:t>已经提交</a:t>
             </a:r>
-          </a:p>
-          <a:p>
             <a:endParaRPr lang="zh-CN" altLang="en-US" dirty="0"/>
           </a:p>
-        </p:txBody>
-      </p:sp>
-      <p:sp>
-        <p:nvSpPr>
-          <p:cNvPr id="10" name="文本框 9">
-            <a:extLst>
-              <a:ext uri="{FF2B5EF4-FFF2-40B4-BE49-F238E27FC236}">
-                <a16:creationId xmlns:a16="http://schemas.microsoft.com/office/drawing/2014/main" id="{76DF1E59-E7BB-4E85-90B0-A125F38E704B}"/>
-              </a:ext>
-            </a:extLst>
-          </p:cNvPr>
+          <a:p>
+            <a:endParaRPr lang="zh-CN" altLang="en-US" dirty="0"/>
+          </a:p>
+        </p:txBody>
+      </p:sp>
+      <p:sp>
+        <p:nvSpPr>
+          <p:cNvPr id="10" name="文本框 9"/>
           <p:cNvSpPr txBox="1"/>
           <p:nvPr/>
         </p:nvSpPr>
@@ -12724,18 +11793,14 @@
               <a:rPr lang="zh-CN" altLang="en-US" dirty="0"/>
               <a:t>调换顺序，结果是什么？</a:t>
             </a:r>
-          </a:p>
-          <a:p>
             <a:endParaRPr lang="zh-CN" altLang="en-US" dirty="0"/>
           </a:p>
+          <a:p>
+            <a:endParaRPr lang="zh-CN" altLang="en-US" dirty="0"/>
+          </a:p>
         </p:txBody>
       </p:sp>
     </p:spTree>
-    <p:extLst>
-      <p:ext uri="{BB962C8B-B14F-4D97-AF65-F5344CB8AC3E}">
-        <p14:creationId xmlns:p14="http://schemas.microsoft.com/office/powerpoint/2010/main" val="2381524617"/>
-      </p:ext>
-    </p:extLst>
   </p:cSld>
   <p:clrMapOvr>
     <a:masterClrMapping/>
@@ -13021,7 +12086,7 @@
 </p:sld>
 </file>
 
-<file path=ppt/slides/slide31.xml><?xml version="1.0" encoding="utf-8"?>
+<file path=ppt/slides/slide29.xml><?xml version="1.0" encoding="utf-8"?>
 <p:sld xmlns:a="http://schemas.openxmlformats.org/drawingml/2006/main" xmlns:r="http://schemas.openxmlformats.org/officeDocument/2006/relationships" xmlns:p="http://schemas.openxmlformats.org/presentationml/2006/main">
   <p:cSld>
     <p:spTree>
@@ -13040,13 +12105,7 @@
       </p:grpSpPr>
       <p:sp>
         <p:nvSpPr>
-          <p:cNvPr id="2" name="标题 1">
-            <a:extLst>
-              <a:ext uri="{FF2B5EF4-FFF2-40B4-BE49-F238E27FC236}">
-                <a16:creationId xmlns:a16="http://schemas.microsoft.com/office/drawing/2014/main" id="{45EAF7F1-142B-46FC-AA0D-908F859EE7E9}"/>
-              </a:ext>
-            </a:extLst>
-          </p:cNvPr>
+          <p:cNvPr id="2" name="标题 1"/>
           <p:cNvSpPr>
             <a:spLocks noGrp="1"/>
           </p:cNvSpPr>
@@ -13070,18 +12129,13 @@
               <a:rPr lang="zh-CN" altLang="en-US" dirty="0"/>
               <a:t>常见问题与剖析</a:t>
             </a:r>
-          </a:p>
-        </p:txBody>
-      </p:sp>
-      <p:sp>
-        <p:nvSpPr>
-          <p:cNvPr id="4" name="文本框 3">
-            <a:extLst>
-              <a:ext uri="{FF2B5EF4-FFF2-40B4-BE49-F238E27FC236}">
-                <a16:creationId xmlns:a16="http://schemas.microsoft.com/office/drawing/2014/main" id="{BB0C6467-A41A-4231-8519-28B4FF3662F7}"/>
-              </a:ext>
-            </a:extLst>
-          </p:cNvPr>
+            <a:endParaRPr lang="zh-CN" altLang="en-US" dirty="0"/>
+          </a:p>
+        </p:txBody>
+      </p:sp>
+      <p:sp>
+        <p:nvSpPr>
+          <p:cNvPr id="4" name="文本框 3"/>
           <p:cNvSpPr txBox="1"/>
           <p:nvPr/>
         </p:nvSpPr>
@@ -13113,18 +12167,13 @@
               <a:rPr lang="zh-CN" altLang="en-US" sz="2400" dirty="0"/>
               <a:t>查询</a:t>
             </a:r>
-          </a:p>
-        </p:txBody>
-      </p:sp>
-      <p:sp>
-        <p:nvSpPr>
-          <p:cNvPr id="5" name="文本框 4">
-            <a:extLst>
-              <a:ext uri="{FF2B5EF4-FFF2-40B4-BE49-F238E27FC236}">
-                <a16:creationId xmlns:a16="http://schemas.microsoft.com/office/drawing/2014/main" id="{3CE4119D-E545-4DD5-B47B-7EEE282779E8}"/>
-              </a:ext>
-            </a:extLst>
-          </p:cNvPr>
+            <a:endParaRPr lang="zh-CN" altLang="en-US" sz="2400" dirty="0"/>
+          </a:p>
+        </p:txBody>
+      </p:sp>
+      <p:sp>
+        <p:nvSpPr>
+          <p:cNvPr id="5" name="文本框 4"/>
           <p:cNvSpPr txBox="1"/>
           <p:nvPr/>
         </p:nvSpPr>
@@ -13187,12 +12236,14 @@
               <a:rPr lang="en-US" altLang="zh-CN" dirty="0"/>
               <a:t> PK, name);</a:t>
             </a:r>
+            <a:endParaRPr lang="en-US" altLang="zh-CN" dirty="0"/>
           </a:p>
           <a:p>
             <a:r>
               <a:rPr lang="zh-CN" altLang="en-US" dirty="0"/>
               <a:t>数据表中有数据：</a:t>
             </a:r>
+            <a:endParaRPr lang="zh-CN" altLang="en-US" dirty="0"/>
           </a:p>
           <a:p>
             <a:r>
@@ -13232,6 +12283,7 @@
               <a:rPr lang="en-US" altLang="zh-CN" dirty="0"/>
               <a:t> </a:t>
             </a:r>
+            <a:endParaRPr lang="en-US" altLang="zh-CN" dirty="0"/>
           </a:p>
           <a:p>
             <a:r>
@@ -13246,18 +12298,21 @@
               <a:rPr lang="zh-CN" altLang="en-US" dirty="0"/>
               <a:t>先执行，查询了一些记录，还未提交：</a:t>
             </a:r>
+            <a:endParaRPr lang="zh-CN" altLang="en-US" dirty="0"/>
           </a:p>
           <a:p>
             <a:r>
               <a:rPr lang="en-US" altLang="zh-CN" dirty="0"/>
               <a:t>select * from t where id&gt;10;</a:t>
             </a:r>
+            <a:endParaRPr lang="en-US" altLang="zh-CN" dirty="0"/>
           </a:p>
           <a:p>
             <a:r>
               <a:rPr lang="en-US" altLang="zh-CN" dirty="0"/>
               <a:t> </a:t>
             </a:r>
+            <a:endParaRPr lang="en-US" altLang="zh-CN" dirty="0"/>
           </a:p>
           <a:p>
             <a:r>
@@ -13288,24 +12343,28 @@
               <a:rPr lang="zh-CN" altLang="en-US" dirty="0"/>
               <a:t>两条记录中插入了一行：</a:t>
             </a:r>
+            <a:endParaRPr lang="zh-CN" altLang="en-US" dirty="0"/>
           </a:p>
           <a:p>
             <a:r>
               <a:rPr lang="en-US" altLang="zh-CN" dirty="0"/>
               <a:t>insert into t values(11, xxx);</a:t>
             </a:r>
+            <a:endParaRPr lang="en-US" altLang="zh-CN" dirty="0"/>
           </a:p>
           <a:p>
             <a:r>
               <a:rPr lang="en-US" altLang="zh-CN" dirty="0"/>
               <a:t> </a:t>
             </a:r>
+            <a:endParaRPr lang="en-US" altLang="zh-CN" dirty="0"/>
           </a:p>
           <a:p>
             <a:r>
               <a:rPr lang="zh-CN" altLang="en-US" dirty="0"/>
               <a:t>这里：</a:t>
             </a:r>
+            <a:endParaRPr lang="zh-CN" altLang="en-US" dirty="0"/>
           </a:p>
           <a:p>
             <a:r>
@@ -13316,6 +12375,7 @@
               <a:rPr lang="zh-CN" altLang="en-US" dirty="0"/>
               <a:t>会使用什么锁？</a:t>
             </a:r>
+            <a:endParaRPr lang="zh-CN" altLang="en-US" dirty="0"/>
           </a:p>
           <a:p>
             <a:r>
@@ -13357,6 +12417,7 @@
               <a:rPr lang="en-US" altLang="zh-CN" dirty="0"/>
               <a:t>select * from t where id&gt;10 lock in share mode; </a:t>
             </a:r>
+            <a:endParaRPr lang="en-US" altLang="zh-CN" dirty="0"/>
           </a:p>
           <a:p>
             <a:r>
@@ -13371,6 +12432,7 @@
               <a:rPr lang="zh-CN" altLang="en-US" dirty="0"/>
               <a:t>会是什么结果</a:t>
             </a:r>
+            <a:endParaRPr lang="zh-CN" altLang="en-US" dirty="0"/>
           </a:p>
           <a:p>
             <a:endParaRPr lang="en-US" altLang="zh-CN" dirty="0">
@@ -13381,13 +12443,7 @@
       </p:sp>
       <p:sp>
         <p:nvSpPr>
-          <p:cNvPr id="3" name="文本框 2">
-            <a:extLst>
-              <a:ext uri="{FF2B5EF4-FFF2-40B4-BE49-F238E27FC236}">
-                <a16:creationId xmlns:a16="http://schemas.microsoft.com/office/drawing/2014/main" id="{8CED326D-52A6-461B-8D51-D9376685E931}"/>
-              </a:ext>
-            </a:extLst>
-          </p:cNvPr>
+          <p:cNvPr id="3" name="文本框 2"/>
           <p:cNvSpPr txBox="1"/>
           <p:nvPr/>
         </p:nvSpPr>
@@ -13444,15 +12500,11 @@
               <a:rPr lang="zh-CN" altLang="en-US" dirty="0"/>
               <a:t>     会</a:t>
             </a:r>
+            <a:endParaRPr lang="zh-CN" altLang="en-US" dirty="0"/>
           </a:p>
         </p:txBody>
       </p:sp>
     </p:spTree>
-    <p:extLst>
-      <p:ext uri="{BB962C8B-B14F-4D97-AF65-F5344CB8AC3E}">
-        <p14:creationId xmlns:p14="http://schemas.microsoft.com/office/powerpoint/2010/main" val="3635659406"/>
-      </p:ext>
-    </p:extLst>
   </p:cSld>
   <p:clrMapOvr>
     <a:masterClrMapping/>
@@ -13546,7 +12598,7 @@
 </p:sld>
 </file>
 
-<file path=ppt/slides/slide32.xml><?xml version="1.0" encoding="utf-8"?>
+<file path=ppt/slides/slide3.xml><?xml version="1.0" encoding="utf-8"?>
 <p:sld xmlns:a="http://schemas.openxmlformats.org/drawingml/2006/main" xmlns:r="http://schemas.openxmlformats.org/officeDocument/2006/relationships" xmlns:p="http://schemas.openxmlformats.org/presentationml/2006/main">
   <p:cSld>
     <p:spTree>
@@ -13565,13 +12617,106 @@
       </p:grpSpPr>
       <p:sp>
         <p:nvSpPr>
-          <p:cNvPr id="2" name="标题 1">
-            <a:extLst>
-              <a:ext uri="{FF2B5EF4-FFF2-40B4-BE49-F238E27FC236}">
-                <a16:creationId xmlns:a16="http://schemas.microsoft.com/office/drawing/2014/main" id="{45EAF7F1-142B-46FC-AA0D-908F859EE7E9}"/>
-              </a:ext>
-            </a:extLst>
-          </p:cNvPr>
+          <p:cNvPr id="2" name="标题 1"/>
+          <p:cNvSpPr>
+            <a:spLocks noGrp="1"/>
+          </p:cNvSpPr>
+          <p:nvPr>
+            <p:ph type="title"/>
+          </p:nvPr>
+        </p:nvSpPr>
+        <p:spPr/>
+        <p:txBody>
+          <a:bodyPr/>
+          <a:lstStyle/>
+          <a:p>
+            <a:r>
+              <a:rPr lang="zh-CN" altLang="en-US" dirty="0"/>
+              <a:t>基础概念</a:t>
+            </a:r>
+            <a:endParaRPr lang="zh-CN" altLang="en-US" dirty="0"/>
+          </a:p>
+        </p:txBody>
+      </p:sp>
+      <p:sp>
+        <p:nvSpPr>
+          <p:cNvPr id="3" name="内容占位符 2"/>
+          <p:cNvSpPr>
+            <a:spLocks noGrp="1"/>
+          </p:cNvSpPr>
+          <p:nvPr>
+            <p:ph idx="1"/>
+          </p:nvPr>
+        </p:nvSpPr>
+        <p:spPr/>
+        <p:txBody>
+          <a:bodyPr/>
+          <a:lstStyle/>
+          <a:p>
+            <a:r>
+              <a:rPr lang="zh-CN" altLang="en-US" dirty="0"/>
+              <a:t>三范式与冗余</a:t>
+            </a:r>
+            <a:endParaRPr lang="en-US" altLang="zh-CN" dirty="0"/>
+          </a:p>
+          <a:p>
+            <a:r>
+              <a:rPr lang="zh-CN" altLang="en-US" dirty="0"/>
+              <a:t>查询的过程</a:t>
+            </a:r>
+            <a:endParaRPr lang="en-US" altLang="zh-CN" dirty="0"/>
+          </a:p>
+          <a:p>
+            <a:r>
+              <a:rPr lang="zh-CN" altLang="en-US" dirty="0"/>
+              <a:t>索引</a:t>
+            </a:r>
+            <a:endParaRPr lang="en-US" altLang="zh-CN" dirty="0"/>
+          </a:p>
+          <a:p>
+            <a:r>
+              <a:rPr lang="zh-CN" altLang="en-US" dirty="0"/>
+              <a:t>事务与隔离级别</a:t>
+            </a:r>
+            <a:endParaRPr lang="en-US" altLang="zh-CN" dirty="0"/>
+          </a:p>
+          <a:p>
+            <a:r>
+              <a:rPr lang="zh-CN" altLang="en-US" dirty="0"/>
+              <a:t>锁</a:t>
+            </a:r>
+            <a:endParaRPr lang="en-US" altLang="zh-CN" dirty="0"/>
+          </a:p>
+        </p:txBody>
+      </p:sp>
+    </p:spTree>
+  </p:cSld>
+  <p:clrMapOvr>
+    <a:masterClrMapping/>
+  </p:clrMapOvr>
+</p:sld>
+</file>
+
+<file path=ppt/slides/slide30.xml><?xml version="1.0" encoding="utf-8"?>
+<p:sld xmlns:a="http://schemas.openxmlformats.org/drawingml/2006/main" xmlns:r="http://schemas.openxmlformats.org/officeDocument/2006/relationships" xmlns:p="http://schemas.openxmlformats.org/presentationml/2006/main">
+  <p:cSld>
+    <p:spTree>
+      <p:nvGrpSpPr>
+        <p:cNvPr id="1" name=""/>
+        <p:cNvGrpSpPr/>
+        <p:nvPr/>
+      </p:nvGrpSpPr>
+      <p:grpSpPr>
+        <a:xfrm>
+          <a:off x="0" y="0"/>
+          <a:ext cx="0" cy="0"/>
+          <a:chOff x="0" y="0"/>
+          <a:chExt cx="0" cy="0"/>
+        </a:xfrm>
+      </p:grpSpPr>
+      <p:sp>
+        <p:nvSpPr>
+          <p:cNvPr id="2" name="标题 1"/>
           <p:cNvSpPr>
             <a:spLocks noGrp="1"/>
           </p:cNvSpPr>
@@ -13595,18 +12740,13 @@
               <a:rPr lang="zh-CN" altLang="en-US" dirty="0"/>
               <a:t>常见问题与剖析</a:t>
             </a:r>
-          </a:p>
-        </p:txBody>
-      </p:sp>
-      <p:sp>
-        <p:nvSpPr>
-          <p:cNvPr id="4" name="文本框 3">
-            <a:extLst>
-              <a:ext uri="{FF2B5EF4-FFF2-40B4-BE49-F238E27FC236}">
-                <a16:creationId xmlns:a16="http://schemas.microsoft.com/office/drawing/2014/main" id="{BB0C6467-A41A-4231-8519-28B4FF3662F7}"/>
-              </a:ext>
-            </a:extLst>
-          </p:cNvPr>
+            <a:endParaRPr lang="zh-CN" altLang="en-US" dirty="0"/>
+          </a:p>
+        </p:txBody>
+      </p:sp>
+      <p:sp>
+        <p:nvSpPr>
+          <p:cNvPr id="4" name="文本框 3"/>
           <p:cNvSpPr txBox="1"/>
           <p:nvPr/>
         </p:nvSpPr>
@@ -13638,25 +12778,20 @@
               <a:rPr lang="zh-CN" altLang="en-US" sz="2400" dirty="0"/>
               <a:t>并发查询更新</a:t>
             </a:r>
-          </a:p>
-        </p:txBody>
-      </p:sp>
-      <p:sp>
-        <p:nvSpPr>
-          <p:cNvPr id="5" name="文本框 4">
-            <a:extLst>
-              <a:ext uri="{FF2B5EF4-FFF2-40B4-BE49-F238E27FC236}">
-                <a16:creationId xmlns:a16="http://schemas.microsoft.com/office/drawing/2014/main" id="{3CE4119D-E545-4DD5-B47B-7EEE282779E8}"/>
-              </a:ext>
-            </a:extLst>
-          </p:cNvPr>
+            <a:endParaRPr lang="zh-CN" altLang="en-US" sz="2400" dirty="0"/>
+          </a:p>
+        </p:txBody>
+      </p:sp>
+      <p:sp>
+        <p:nvSpPr>
+          <p:cNvPr id="5" name="文本框 4"/>
           <p:cNvSpPr txBox="1"/>
           <p:nvPr/>
         </p:nvSpPr>
         <p:spPr>
           <a:xfrm>
             <a:off x="843379" y="1455938"/>
-            <a:ext cx="7741328" cy="2031325"/>
+            <a:ext cx="7741328" cy="2030095"/>
           </a:xfrm>
           <a:prstGeom prst="rect">
             <a:avLst/>
@@ -13712,6 +12847,7 @@
               <a:rPr lang="en-US" altLang="zh-CN" dirty="0"/>
               <a:t>=1;</a:t>
             </a:r>
+            <a:endParaRPr lang="en-US" altLang="zh-CN" dirty="0"/>
           </a:p>
           <a:p>
             <a:r>
@@ -13793,6 +12929,7 @@
               <a:rPr lang="en-US" altLang="zh-CN" dirty="0"/>
               <a:t> = 1;</a:t>
             </a:r>
+            <a:endParaRPr lang="en-US" altLang="zh-CN" dirty="0"/>
           </a:p>
           <a:p>
             <a:r>
@@ -13830,6 +12967,7 @@
               <a:rPr lang="en-US" altLang="zh-CN" dirty="0"/>
               <a:t>=1;</a:t>
             </a:r>
+            <a:endParaRPr lang="en-US" altLang="zh-CN" dirty="0"/>
           </a:p>
           <a:p>
             <a:r>
@@ -13850,20 +12988,15 @@
             </a:r>
             <a:r>
               <a:rPr lang="zh-CN" altLang="en-US" dirty="0"/>
-              <a:t>下，并发时，会不会出现问题？</a:t>
-            </a:r>
-          </a:p>
-        </p:txBody>
-      </p:sp>
-      <p:sp>
-        <p:nvSpPr>
-          <p:cNvPr id="6" name="文本框 5">
-            <a:extLst>
-              <a:ext uri="{FF2B5EF4-FFF2-40B4-BE49-F238E27FC236}">
-                <a16:creationId xmlns:a16="http://schemas.microsoft.com/office/drawing/2014/main" id="{7B70B513-5A0E-4DDA-8410-F37B88508734}"/>
-              </a:ext>
-            </a:extLst>
-          </p:cNvPr>
+              <a:t>下，并发时，会不会出现数据不一致？</a:t>
+            </a:r>
+            <a:endParaRPr lang="zh-CN" altLang="en-US" dirty="0"/>
+          </a:p>
+        </p:txBody>
+      </p:sp>
+      <p:sp>
+        <p:nvSpPr>
+          <p:cNvPr id="6" name="文本框 5"/>
           <p:cNvSpPr txBox="1"/>
           <p:nvPr/>
         </p:nvSpPr>
@@ -13891,18 +13024,13 @@
               <a:rPr lang="zh-CN" altLang="en-US" dirty="0"/>
               <a:t>：</a:t>
             </a:r>
-          </a:p>
-        </p:txBody>
-      </p:sp>
-      <p:sp>
-        <p:nvSpPr>
-          <p:cNvPr id="7" name="文本框 6">
-            <a:extLst>
-              <a:ext uri="{FF2B5EF4-FFF2-40B4-BE49-F238E27FC236}">
-                <a16:creationId xmlns:a16="http://schemas.microsoft.com/office/drawing/2014/main" id="{549EC442-DAAD-4703-A80A-3B0CDDA75855}"/>
-              </a:ext>
-            </a:extLst>
-          </p:cNvPr>
+            <a:endParaRPr lang="zh-CN" altLang="en-US" dirty="0"/>
+          </a:p>
+        </p:txBody>
+      </p:sp>
+      <p:sp>
+        <p:nvSpPr>
+          <p:cNvPr id="7" name="文本框 6"/>
           <p:cNvSpPr txBox="1"/>
           <p:nvPr/>
         </p:nvSpPr>
@@ -13930,18 +13058,13 @@
               <a:rPr lang="zh-CN" altLang="en-US" dirty="0"/>
               <a:t>：</a:t>
             </a:r>
-          </a:p>
-        </p:txBody>
-      </p:sp>
-      <p:sp>
-        <p:nvSpPr>
-          <p:cNvPr id="3" name="文本框 2">
-            <a:extLst>
-              <a:ext uri="{FF2B5EF4-FFF2-40B4-BE49-F238E27FC236}">
-                <a16:creationId xmlns:a16="http://schemas.microsoft.com/office/drawing/2014/main" id="{D488CC40-DEE2-4BF9-8DD7-BAB80FA82618}"/>
-              </a:ext>
-            </a:extLst>
-          </p:cNvPr>
+            <a:endParaRPr lang="zh-CN" altLang="en-US" dirty="0"/>
+          </a:p>
+        </p:txBody>
+      </p:sp>
+      <p:sp>
+        <p:nvSpPr>
+          <p:cNvPr id="3" name="文本框 2"/>
           <p:cNvSpPr txBox="1"/>
           <p:nvPr/>
         </p:nvSpPr>
@@ -13980,18 +13103,13 @@
               <a:rPr lang="zh-CN" altLang="en-US" dirty="0"/>
               <a:t>修改，但可能会导致死锁</a:t>
             </a:r>
-          </a:p>
-        </p:txBody>
-      </p:sp>
-      <p:sp>
-        <p:nvSpPr>
-          <p:cNvPr id="8" name="文本框 7">
-            <a:extLst>
-              <a:ext uri="{FF2B5EF4-FFF2-40B4-BE49-F238E27FC236}">
-                <a16:creationId xmlns:a16="http://schemas.microsoft.com/office/drawing/2014/main" id="{6C5445EA-FD6F-448D-9AEF-47A7822349FB}"/>
-              </a:ext>
-            </a:extLst>
-          </p:cNvPr>
+            <a:endParaRPr lang="zh-CN" altLang="en-US" dirty="0"/>
+          </a:p>
+        </p:txBody>
+      </p:sp>
+      <p:sp>
+        <p:nvSpPr>
+          <p:cNvPr id="8" name="文本框 7"/>
           <p:cNvSpPr txBox="1"/>
           <p:nvPr/>
         </p:nvSpPr>
@@ -14057,6 +13175,7 @@
               <a:rPr lang="en-US" altLang="zh-CN" dirty="0"/>
               <a:t>)</a:t>
             </a:r>
+            <a:endParaRPr lang="en-US" altLang="zh-CN" dirty="0"/>
           </a:p>
           <a:p>
             <a:r>
@@ -14079,6 +13198,7 @@
               <a:rPr lang="en-US" altLang="zh-CN" dirty="0"/>
               <a:t>select…for update;</a:t>
             </a:r>
+            <a:endParaRPr lang="en-US" altLang="zh-CN" dirty="0"/>
           </a:p>
           <a:p>
             <a:r>
@@ -14110,13 +13230,7 @@
       </p:sp>
       <p:sp>
         <p:nvSpPr>
-          <p:cNvPr id="9" name="文本框 8">
-            <a:extLst>
-              <a:ext uri="{FF2B5EF4-FFF2-40B4-BE49-F238E27FC236}">
-                <a16:creationId xmlns:a16="http://schemas.microsoft.com/office/drawing/2014/main" id="{33BC9F42-8702-4A09-826A-B562D97FF98F}"/>
-              </a:ext>
-            </a:extLst>
-          </p:cNvPr>
+          <p:cNvPr id="9" name="文本框 8"/>
           <p:cNvSpPr txBox="1"/>
           <p:nvPr/>
         </p:nvSpPr>
@@ -14205,6 +13319,7 @@
               <a:rPr lang="en-US" altLang="zh-CN" dirty="0"/>
               <a:t>)</a:t>
             </a:r>
+            <a:endParaRPr lang="en-US" altLang="zh-CN" dirty="0"/>
           </a:p>
           <a:p>
             <a:r>
@@ -14250,18 +13365,13 @@
               <a:rPr lang="zh-CN" altLang="en-US" dirty="0"/>
               <a:t>下呢？</a:t>
             </a:r>
-          </a:p>
-        </p:txBody>
-      </p:sp>
-      <p:sp>
-        <p:nvSpPr>
-          <p:cNvPr id="10" name="文本框 9">
-            <a:extLst>
-              <a:ext uri="{FF2B5EF4-FFF2-40B4-BE49-F238E27FC236}">
-                <a16:creationId xmlns:a16="http://schemas.microsoft.com/office/drawing/2014/main" id="{FC6C481A-B103-42F2-B016-6A68579E602F}"/>
-              </a:ext>
-            </a:extLst>
-          </p:cNvPr>
+            <a:endParaRPr lang="zh-CN" altLang="en-US" dirty="0"/>
+          </a:p>
+        </p:txBody>
+      </p:sp>
+      <p:sp>
+        <p:nvSpPr>
+          <p:cNvPr id="10" name="文本框 9"/>
           <p:cNvSpPr txBox="1"/>
           <p:nvPr/>
         </p:nvSpPr>
@@ -14325,11 +13435,6 @@
         </p:txBody>
       </p:sp>
     </p:spTree>
-    <p:extLst>
-      <p:ext uri="{BB962C8B-B14F-4D97-AF65-F5344CB8AC3E}">
-        <p14:creationId xmlns:p14="http://schemas.microsoft.com/office/powerpoint/2010/main" val="1185492139"/>
-      </p:ext>
-    </p:extLst>
   </p:cSld>
   <p:clrMapOvr>
     <a:masterClrMapping/>
@@ -14777,6 +13882,428 @@
 </p:sld>
 </file>
 
+<file path=ppt/slides/slide31.xml><?xml version="1.0" encoding="utf-8"?>
+<p:sld xmlns:a="http://schemas.openxmlformats.org/drawingml/2006/main" xmlns:r="http://schemas.openxmlformats.org/officeDocument/2006/relationships" xmlns:p="http://schemas.openxmlformats.org/presentationml/2006/main">
+  <p:cSld>
+    <p:spTree>
+      <p:nvGrpSpPr>
+        <p:cNvPr id="1" name=""/>
+        <p:cNvGrpSpPr/>
+        <p:nvPr/>
+      </p:nvGrpSpPr>
+      <p:grpSpPr>
+        <a:xfrm>
+          <a:off x="0" y="0"/>
+          <a:ext cx="0" cy="0"/>
+          <a:chOff x="0" y="0"/>
+          <a:chExt cx="0" cy="0"/>
+        </a:xfrm>
+      </p:grpSpPr>
+      <p:sp>
+        <p:nvSpPr>
+          <p:cNvPr id="2" name="标题 1"/>
+          <p:cNvSpPr>
+            <a:spLocks noGrp="1"/>
+          </p:cNvSpPr>
+          <p:nvPr>
+            <p:ph type="title" idx="4294967295"/>
+          </p:nvPr>
+        </p:nvSpPr>
+        <p:spPr>
+          <a:xfrm>
+            <a:off x="0" y="208214"/>
+            <a:ext cx="10515600" cy="504825"/>
+          </a:xfrm>
+        </p:spPr>
+        <p:txBody>
+          <a:bodyPr>
+            <a:normAutofit fontScale="90000"/>
+          </a:bodyPr>
+          <a:lstStyle/>
+          <a:p>
+            <a:r>
+              <a:rPr lang="zh-CN" altLang="en-US" dirty="0"/>
+              <a:t>常见问题与剖析</a:t>
+            </a:r>
+            <a:endParaRPr lang="zh-CN" altLang="en-US" dirty="0"/>
+          </a:p>
+        </p:txBody>
+      </p:sp>
+      <p:sp>
+        <p:nvSpPr>
+          <p:cNvPr id="4" name="文本框 3"/>
+          <p:cNvSpPr txBox="1"/>
+          <p:nvPr/>
+        </p:nvSpPr>
+        <p:spPr>
+          <a:xfrm>
+            <a:off x="425709" y="845346"/>
+            <a:ext cx="5805996" cy="460375"/>
+          </a:xfrm>
+          <a:prstGeom prst="rect">
+            <a:avLst/>
+          </a:prstGeom>
+          <a:noFill/>
+        </p:spPr>
+        <p:txBody>
+          <a:bodyPr wrap="square" rtlCol="0">
+            <a:spAutoFit/>
+          </a:bodyPr>
+          <a:lstStyle/>
+          <a:p>
+            <a:r>
+              <a:rPr lang="zh-CN" altLang="en-US" sz="2400" dirty="0"/>
+              <a:t>事务提交</a:t>
+            </a:r>
+            <a:endParaRPr lang="zh-CN" altLang="en-US" sz="2400" dirty="0"/>
+          </a:p>
+        </p:txBody>
+      </p:sp>
+      <p:sp>
+        <p:nvSpPr>
+          <p:cNvPr id="5" name="文本框 4"/>
+          <p:cNvSpPr txBox="1"/>
+          <p:nvPr/>
+        </p:nvSpPr>
+        <p:spPr>
+          <a:xfrm>
+            <a:off x="330299" y="1437523"/>
+            <a:ext cx="7741328" cy="368300"/>
+          </a:xfrm>
+          <a:prstGeom prst="rect">
+            <a:avLst/>
+          </a:prstGeom>
+          <a:noFill/>
+        </p:spPr>
+        <p:txBody>
+          <a:bodyPr wrap="square" rtlCol="0">
+            <a:spAutoFit/>
+          </a:bodyPr>
+          <a:lstStyle/>
+          <a:p>
+            <a:r>
+              <a:rPr lang="en-US" altLang="zh-CN" dirty="0"/>
+              <a:t>MySQL</a:t>
+            </a:r>
+            <a:r>
+              <a:rPr lang="zh-CN" altLang="en-US" dirty="0"/>
+              <a:t>，</a:t>
+            </a:r>
+            <a:r>
+              <a:rPr lang="zh-CN" altLang="en-US" dirty="0"/>
+              <a:t>事务提交成功之后，数据一定会正确写入数据库文件（磁盘）吗？</a:t>
+            </a:r>
+            <a:endParaRPr lang="zh-CN" altLang="en-US" dirty="0"/>
+          </a:p>
+        </p:txBody>
+      </p:sp>
+      <p:sp>
+        <p:nvSpPr>
+          <p:cNvPr id="3" name="文本框 2"/>
+          <p:cNvSpPr txBox="1"/>
+          <p:nvPr/>
+        </p:nvSpPr>
+        <p:spPr>
+          <a:xfrm>
+            <a:off x="250825" y="1955800"/>
+            <a:ext cx="9280525" cy="645160"/>
+          </a:xfrm>
+          <a:prstGeom prst="rect">
+            <a:avLst/>
+          </a:prstGeom>
+          <a:noFill/>
+        </p:spPr>
+        <p:txBody>
+          <a:bodyPr wrap="square" rtlCol="0">
+            <a:spAutoFit/>
+          </a:bodyPr>
+          <a:lstStyle/>
+          <a:p>
+            <a:r>
+              <a:rPr lang="zh-CN" altLang="en-US" dirty="0"/>
+              <a:t>不是，可能会丢失。</a:t>
+            </a:r>
+            <a:endParaRPr lang="zh-CN" altLang="en-US" dirty="0"/>
+          </a:p>
+          <a:p>
+            <a:r>
+              <a:rPr lang="zh-CN" altLang="en-US" dirty="0"/>
+              <a:t>innodb_flush_log_at_trx_commit</a:t>
+            </a:r>
+            <a:endParaRPr lang="zh-CN" altLang="en-US" dirty="0"/>
+          </a:p>
+        </p:txBody>
+      </p:sp>
+      <p:pic>
+        <p:nvPicPr>
+          <p:cNvPr id="12" name="图片 11" descr="1_meitu_2"/>
+          <p:cNvPicPr>
+            <a:picLocks noChangeAspect="1"/>
+          </p:cNvPicPr>
+          <p:nvPr/>
+        </p:nvPicPr>
+        <p:blipFill>
+          <a:blip r:embed="rId1"/>
+          <a:stretch>
+            <a:fillRect/>
+          </a:stretch>
+        </p:blipFill>
+        <p:spPr>
+          <a:xfrm>
+            <a:off x="4415155" y="1955800"/>
+            <a:ext cx="7337425" cy="3759200"/>
+          </a:xfrm>
+          <a:prstGeom prst="rect">
+            <a:avLst/>
+          </a:prstGeom>
+        </p:spPr>
+      </p:pic>
+    </p:spTree>
+  </p:cSld>
+  <p:clrMapOvr>
+    <a:masterClrMapping/>
+  </p:clrMapOvr>
+  <p:transition>
+    <p:wipe/>
+  </p:transition>
+  <p:timing>
+    <p:tnLst>
+      <p:par>
+        <p:cTn id="1" dur="indefinite" restart="never" nodeType="tmRoot">
+          <p:childTnLst>
+            <p:seq concurrent="1" nextAc="seek">
+              <p:cTn id="2" dur="indefinite" nodeType="mainSeq">
+                <p:childTnLst>
+                  <p:par>
+                    <p:cTn id="3" fill="hold">
+                      <p:stCondLst>
+                        <p:cond delay="indefinite"/>
+                      </p:stCondLst>
+                      <p:childTnLst>
+                        <p:par>
+                          <p:cTn id="4" fill="hold">
+                            <p:stCondLst>
+                              <p:cond delay="0"/>
+                            </p:stCondLst>
+                            <p:childTnLst>
+                              <p:par>
+                                <p:cTn id="5" presetID="10" presetClass="entr" presetSubtype="0" fill="hold" grpId="0" nodeType="clickEffect">
+                                  <p:stCondLst>
+                                    <p:cond delay="0"/>
+                                  </p:stCondLst>
+                                  <p:childTnLst>
+                                    <p:set>
+                                      <p:cBhvr>
+                                        <p:cTn id="6" dur="1" fill="hold">
+                                          <p:stCondLst>
+                                            <p:cond delay="0"/>
+                                          </p:stCondLst>
+                                        </p:cTn>
+                                        <p:tgtEl>
+                                          <p:spTgt spid="3"/>
+                                        </p:tgtEl>
+                                        <p:attrNameLst>
+                                          <p:attrName>style.visibility</p:attrName>
+                                        </p:attrNameLst>
+                                      </p:cBhvr>
+                                      <p:to>
+                                        <p:strVal val="visible"/>
+                                      </p:to>
+                                    </p:set>
+                                    <p:animEffect transition="in" filter="fade">
+                                      <p:cBhvr>
+                                        <p:cTn id="7" dur="500"/>
+                                        <p:tgtEl>
+                                          <p:spTgt spid="3"/>
+                                        </p:tgtEl>
+                                      </p:cBhvr>
+                                    </p:animEffect>
+                                  </p:childTnLst>
+                                </p:cTn>
+                              </p:par>
+                            </p:childTnLst>
+                          </p:cTn>
+                        </p:par>
+                      </p:childTnLst>
+                    </p:cTn>
+                  </p:par>
+                </p:childTnLst>
+              </p:cTn>
+              <p:prevCondLst>
+                <p:cond evt="onPrev" delay="0">
+                  <p:tgtEl>
+                    <p:sldTgt/>
+                  </p:tgtEl>
+                </p:cond>
+              </p:prevCondLst>
+              <p:nextCondLst>
+                <p:cond evt="onNext" delay="0">
+                  <p:tgtEl>
+                    <p:sldTgt/>
+                  </p:tgtEl>
+                </p:cond>
+              </p:nextCondLst>
+            </p:seq>
+          </p:childTnLst>
+        </p:cTn>
+      </p:par>
+    </p:tnLst>
+    <p:bldLst>
+      <p:bldP spid="3" grpId="0"/>
+    </p:bldLst>
+  </p:timing>
+</p:sld>
+</file>
+
+<file path=ppt/slides/slide32.xml><?xml version="1.0" encoding="utf-8"?>
+<p:sld xmlns:a="http://schemas.openxmlformats.org/drawingml/2006/main" xmlns:r="http://schemas.openxmlformats.org/officeDocument/2006/relationships" xmlns:p="http://schemas.openxmlformats.org/presentationml/2006/main">
+  <p:cSld>
+    <p:spTree>
+      <p:nvGrpSpPr>
+        <p:cNvPr id="1" name=""/>
+        <p:cNvGrpSpPr/>
+        <p:nvPr/>
+      </p:nvGrpSpPr>
+      <p:grpSpPr>
+        <a:xfrm>
+          <a:off x="0" y="0"/>
+          <a:ext cx="0" cy="0"/>
+          <a:chOff x="0" y="0"/>
+          <a:chExt cx="0" cy="0"/>
+        </a:xfrm>
+      </p:grpSpPr>
+      <p:sp>
+        <p:nvSpPr>
+          <p:cNvPr id="2" name="标题 1"/>
+          <p:cNvSpPr>
+            <a:spLocks noGrp="1"/>
+          </p:cNvSpPr>
+          <p:nvPr>
+            <p:ph type="title"/>
+          </p:nvPr>
+        </p:nvSpPr>
+        <p:spPr/>
+        <p:txBody>
+          <a:bodyPr/>
+          <a:lstStyle/>
+          <a:p>
+            <a:r>
+              <a:rPr lang="zh-CN" altLang="en-US" dirty="0"/>
+              <a:t>架构设计</a:t>
+            </a:r>
+            <a:r>
+              <a:rPr lang="en-US" altLang="zh-CN" dirty="0"/>
+              <a:t>——</a:t>
+            </a:r>
+            <a:r>
+              <a:rPr lang="zh-CN" altLang="en-US" dirty="0"/>
+              <a:t>考虑的问题</a:t>
+            </a:r>
+            <a:endParaRPr lang="zh-CN" altLang="en-US" dirty="0"/>
+          </a:p>
+        </p:txBody>
+      </p:sp>
+      <p:sp>
+        <p:nvSpPr>
+          <p:cNvPr id="3" name="内容占位符 2"/>
+          <p:cNvSpPr>
+            <a:spLocks noGrp="1"/>
+          </p:cNvSpPr>
+          <p:nvPr>
+            <p:ph idx="1"/>
+          </p:nvPr>
+        </p:nvSpPr>
+        <p:spPr/>
+        <p:txBody>
+          <a:bodyPr>
+            <a:normAutofit/>
+          </a:bodyPr>
+          <a:lstStyle/>
+          <a:p>
+            <a:r>
+              <a:rPr lang="zh-CN" altLang="en-US" dirty="0"/>
+              <a:t>如何保证高可用</a:t>
+            </a:r>
+            <a:endParaRPr lang="en-US" altLang="zh-CN" dirty="0"/>
+          </a:p>
+          <a:p>
+            <a:pPr lvl="1"/>
+            <a:r>
+              <a:rPr lang="zh-CN" altLang="en-US" sz="2000" dirty="0"/>
+              <a:t>冗余</a:t>
+            </a:r>
+            <a:endParaRPr lang="en-US" altLang="zh-CN" sz="2000" dirty="0"/>
+          </a:p>
+          <a:p>
+            <a:r>
+              <a:rPr lang="zh-CN" altLang="en-US" dirty="0"/>
+              <a:t>如何保证写高可用</a:t>
+            </a:r>
+            <a:endParaRPr lang="en-US" altLang="zh-CN" dirty="0"/>
+          </a:p>
+          <a:p>
+            <a:pPr lvl="1"/>
+            <a:r>
+              <a:rPr lang="zh-CN" altLang="en-US" sz="2000" dirty="0"/>
+              <a:t>冗余写库、双主互备</a:t>
+            </a:r>
+            <a:endParaRPr lang="en-US" altLang="zh-CN" sz="2000" dirty="0"/>
+          </a:p>
+          <a:p>
+            <a:r>
+              <a:rPr lang="zh-CN" altLang="en-US" dirty="0"/>
+              <a:t>如何保证数据一致性</a:t>
+            </a:r>
+            <a:endParaRPr lang="en-US" altLang="zh-CN" dirty="0"/>
+          </a:p>
+          <a:p>
+            <a:pPr lvl="1"/>
+            <a:r>
+              <a:rPr lang="zh-CN" altLang="en-US" sz="2000" dirty="0"/>
+              <a:t>忽略、选择性读主、中间件</a:t>
+            </a:r>
+            <a:endParaRPr lang="en-US" altLang="zh-CN" sz="2000" dirty="0"/>
+          </a:p>
+          <a:p>
+            <a:r>
+              <a:rPr lang="zh-CN" altLang="en-US" dirty="0"/>
+              <a:t>如何提高读性能</a:t>
+            </a:r>
+            <a:endParaRPr lang="en-US" altLang="zh-CN" dirty="0"/>
+          </a:p>
+          <a:p>
+            <a:pPr lvl="1"/>
+            <a:r>
+              <a:rPr lang="zh-CN" altLang="en-US" sz="2000" dirty="0"/>
+              <a:t>增加有效索引、增加从库、增加缓存</a:t>
+            </a:r>
+            <a:endParaRPr lang="en-US" altLang="zh-CN" sz="2000" dirty="0"/>
+          </a:p>
+          <a:p>
+            <a:r>
+              <a:rPr lang="zh-CN" altLang="en-US" dirty="0"/>
+              <a:t>如何提高扩展性</a:t>
+            </a:r>
+            <a:endParaRPr lang="en-US" altLang="zh-CN" dirty="0"/>
+          </a:p>
+          <a:p>
+            <a:pPr lvl="1"/>
+            <a:r>
+              <a:rPr lang="zh-CN" altLang="en-US" sz="2000" dirty="0"/>
+              <a:t>双倍扩容等</a:t>
+            </a:r>
+            <a:endParaRPr lang="en-US" altLang="zh-CN" sz="2000" dirty="0"/>
+          </a:p>
+        </p:txBody>
+      </p:sp>
+    </p:spTree>
+  </p:cSld>
+  <p:clrMapOvr>
+    <a:masterClrMapping/>
+  </p:clrMapOvr>
+</p:sld>
+</file>
+
 <file path=ppt/slides/slide33.xml><?xml version="1.0" encoding="utf-8"?>
 <p:sld xmlns:a="http://schemas.openxmlformats.org/drawingml/2006/main" xmlns:r="http://schemas.openxmlformats.org/officeDocument/2006/relationships" xmlns:p="http://schemas.openxmlformats.org/presentationml/2006/main">
   <p:cSld>
@@ -14796,13 +14323,7 @@
       </p:grpSpPr>
       <p:sp>
         <p:nvSpPr>
-          <p:cNvPr id="2" name="标题 1">
-            <a:extLst>
-              <a:ext uri="{FF2B5EF4-FFF2-40B4-BE49-F238E27FC236}">
-                <a16:creationId xmlns:a16="http://schemas.microsoft.com/office/drawing/2014/main" id="{8BD6F203-DF8F-484D-A7DA-C9B39DD3F3C5}"/>
-              </a:ext>
-            </a:extLst>
-          </p:cNvPr>
+          <p:cNvPr id="2" name="标题 1"/>
           <p:cNvSpPr>
             <a:spLocks noGrp="1"/>
           </p:cNvSpPr>
@@ -14825,116 +14346,84 @@
             </a:r>
             <a:r>
               <a:rPr lang="zh-CN" altLang="en-US" dirty="0"/>
-              <a:t>考虑的问题</a:t>
-            </a:r>
-          </a:p>
-        </p:txBody>
-      </p:sp>
-      <p:sp>
-        <p:nvSpPr>
-          <p:cNvPr id="3" name="内容占位符 2">
-            <a:extLst>
-              <a:ext uri="{FF2B5EF4-FFF2-40B4-BE49-F238E27FC236}">
-                <a16:creationId xmlns:a16="http://schemas.microsoft.com/office/drawing/2014/main" id="{3186C71F-8ABD-48FC-AC48-8F81C9315E66}"/>
-              </a:ext>
-            </a:extLst>
-          </p:cNvPr>
-          <p:cNvSpPr>
-            <a:spLocks noGrp="1"/>
-          </p:cNvSpPr>
+              <a:t>单库</a:t>
+            </a:r>
+            <a:endParaRPr lang="zh-CN" altLang="en-US" dirty="0"/>
+          </a:p>
+        </p:txBody>
+      </p:sp>
+      <p:pic>
+        <p:nvPicPr>
+          <p:cNvPr id="5" name="内容占位符 4"/>
+          <p:cNvPicPr>
+            <a:picLocks noGrp="1" noChangeAspect="1"/>
+          </p:cNvPicPr>
           <p:nvPr>
             <p:ph idx="1"/>
           </p:nvPr>
-        </p:nvSpPr>
-        <p:spPr/>
-        <p:txBody>
-          <a:bodyPr>
-            <a:normAutofit/>
+        </p:nvPicPr>
+        <p:blipFill>
+          <a:blip r:embed="rId1"/>
+          <a:stretch>
+            <a:fillRect/>
+          </a:stretch>
+        </p:blipFill>
+        <p:spPr>
+          <a:xfrm>
+            <a:off x="5530850" y="3162300"/>
+            <a:ext cx="1190625" cy="1390650"/>
+          </a:xfrm>
+          <a:prstGeom prst="rect">
+            <a:avLst/>
+          </a:prstGeom>
+        </p:spPr>
+      </p:pic>
+      <p:sp>
+        <p:nvSpPr>
+          <p:cNvPr id="6" name="文本框 5"/>
+          <p:cNvSpPr txBox="1"/>
+          <p:nvPr/>
+        </p:nvSpPr>
+        <p:spPr>
+          <a:xfrm>
+            <a:off x="900344" y="2030091"/>
+            <a:ext cx="6489576" cy="830997"/>
+          </a:xfrm>
+          <a:prstGeom prst="rect">
+            <a:avLst/>
+          </a:prstGeom>
+          <a:noFill/>
+        </p:spPr>
+        <p:txBody>
+          <a:bodyPr wrap="square" rtlCol="0">
+            <a:spAutoFit/>
           </a:bodyPr>
           <a:lstStyle/>
           <a:p>
-            <a:r>
-              <a:rPr lang="zh-CN" altLang="en-US" dirty="0"/>
-              <a:t>如何保证高可用</a:t>
-            </a:r>
-            <a:endParaRPr lang="en-US" altLang="zh-CN" dirty="0"/>
-          </a:p>
-          <a:p>
-            <a:pPr lvl="1"/>
-            <a:r>
-              <a:rPr lang="zh-CN" altLang="en-US" sz="2000" dirty="0"/>
-              <a:t>冗余</a:t>
-            </a:r>
-            <a:endParaRPr lang="en-US" altLang="zh-CN" sz="2000" dirty="0"/>
-          </a:p>
-          <a:p>
-            <a:r>
-              <a:rPr lang="zh-CN" altLang="en-US" dirty="0"/>
-              <a:t>如何保证写高可用</a:t>
-            </a:r>
-            <a:endParaRPr lang="en-US" altLang="zh-CN" dirty="0"/>
-          </a:p>
-          <a:p>
-            <a:pPr lvl="1"/>
-            <a:r>
-              <a:rPr lang="zh-CN" altLang="en-US" sz="2000" dirty="0"/>
-              <a:t>冗余写库、双主互备</a:t>
-            </a:r>
-            <a:endParaRPr lang="en-US" altLang="zh-CN" sz="2000" dirty="0"/>
-          </a:p>
-          <a:p>
-            <a:r>
-              <a:rPr lang="zh-CN" altLang="en-US" dirty="0"/>
-              <a:t>如何保证数据一致性</a:t>
-            </a:r>
-            <a:endParaRPr lang="en-US" altLang="zh-CN" dirty="0"/>
-          </a:p>
-          <a:p>
-            <a:pPr lvl="1"/>
-            <a:r>
-              <a:rPr lang="zh-CN" altLang="en-US" sz="2000" dirty="0"/>
-              <a:t>忽略、选择性读主、中间件</a:t>
-            </a:r>
-            <a:endParaRPr lang="en-US" altLang="zh-CN" sz="2000" dirty="0"/>
-          </a:p>
-          <a:p>
-            <a:r>
-              <a:rPr lang="zh-CN" altLang="en-US" dirty="0"/>
-              <a:t>如何提高读性能</a:t>
-            </a:r>
-            <a:endParaRPr lang="en-US" altLang="zh-CN" dirty="0"/>
-          </a:p>
-          <a:p>
-            <a:pPr lvl="1"/>
-            <a:r>
-              <a:rPr lang="zh-CN" altLang="en-US" sz="2000" dirty="0"/>
-              <a:t>增加有效索引、增加从库、增加缓存</a:t>
-            </a:r>
-            <a:endParaRPr lang="en-US" altLang="zh-CN" sz="2000" dirty="0"/>
-          </a:p>
-          <a:p>
-            <a:r>
-              <a:rPr lang="zh-CN" altLang="en-US" dirty="0"/>
-              <a:t>如何提高扩展性</a:t>
-            </a:r>
-            <a:endParaRPr lang="en-US" altLang="zh-CN" dirty="0"/>
-          </a:p>
-          <a:p>
-            <a:pPr lvl="1"/>
-            <a:r>
-              <a:rPr lang="zh-CN" altLang="en-US" sz="2000" dirty="0"/>
-              <a:t>双倍扩容等</a:t>
-            </a:r>
-            <a:endParaRPr lang="en-US" altLang="zh-CN" sz="2000" dirty="0"/>
+            <a:pPr marL="285750" indent="-285750">
+              <a:buFont typeface="Arial" panose="020B0604020202020204" pitchFamily="34" charset="0"/>
+              <a:buChar char="•"/>
+            </a:pPr>
+            <a:r>
+              <a:rPr lang="zh-CN" altLang="en-US" sz="2400" dirty="0"/>
+              <a:t>单实例数据库，使用简单</a:t>
+            </a:r>
+            <a:endParaRPr lang="en-US" altLang="zh-CN" sz="2400" dirty="0"/>
+          </a:p>
+          <a:p>
+            <a:pPr marL="285750" indent="-285750">
+              <a:buFont typeface="Arial" panose="020B0604020202020204" pitchFamily="34" charset="0"/>
+              <a:buChar char="•"/>
+            </a:pPr>
+            <a:r>
+              <a:rPr lang="zh-CN" altLang="en-US" sz="2400" dirty="0"/>
+              <a:t>业务初期最常见的数据库架构</a:t>
+            </a:r>
+            <a:endParaRPr lang="zh-CN" altLang="en-US" sz="2400" dirty="0"/>
           </a:p>
         </p:txBody>
       </p:sp>
     </p:spTree>
-    <p:extLst>
-      <p:ext uri="{BB962C8B-B14F-4D97-AF65-F5344CB8AC3E}">
-        <p14:creationId xmlns:p14="http://schemas.microsoft.com/office/powerpoint/2010/main" val="4175680734"/>
-      </p:ext>
-    </p:extLst>
   </p:cSld>
   <p:clrMapOvr>
     <a:masterClrMapping/>
@@ -14961,13 +14450,7 @@
       </p:grpSpPr>
       <p:sp>
         <p:nvSpPr>
-          <p:cNvPr id="2" name="标题 1">
-            <a:extLst>
-              <a:ext uri="{FF2B5EF4-FFF2-40B4-BE49-F238E27FC236}">
-                <a16:creationId xmlns:a16="http://schemas.microsoft.com/office/drawing/2014/main" id="{8BD6F203-DF8F-484D-A7DA-C9B39DD3F3C5}"/>
-              </a:ext>
-            </a:extLst>
-          </p:cNvPr>
+          <p:cNvPr id="2" name="标题 1"/>
           <p:cNvSpPr>
             <a:spLocks noGrp="1"/>
           </p:cNvSpPr>
@@ -14990,20 +14473,15 @@
             </a:r>
             <a:r>
               <a:rPr lang="zh-CN" altLang="en-US" dirty="0"/>
-              <a:t>单库</a:t>
-            </a:r>
+              <a:t>分组</a:t>
+            </a:r>
+            <a:endParaRPr lang="zh-CN" altLang="en-US" dirty="0"/>
           </a:p>
         </p:txBody>
       </p:sp>
       <p:pic>
         <p:nvPicPr>
-          <p:cNvPr id="5" name="内容占位符 4">
-            <a:extLst>
-              <a:ext uri="{FF2B5EF4-FFF2-40B4-BE49-F238E27FC236}">
-                <a16:creationId xmlns:a16="http://schemas.microsoft.com/office/drawing/2014/main" id="{124D364F-EFE5-4F98-AC08-4F2EA32F01C8}"/>
-              </a:ext>
-            </a:extLst>
-          </p:cNvPr>
+          <p:cNvPr id="5" name="内容占位符 4"/>
           <p:cNvPicPr>
             <a:picLocks noGrp="1" noChangeAspect="1"/>
           </p:cNvPicPr>
@@ -15012,37 +14490,34 @@
           </p:nvPr>
         </p:nvPicPr>
         <p:blipFill>
-          <a:blip r:embed="rId2"/>
+          <a:blip r:embed="rId1">
+            <a:extLst>
+              <a:ext uri="{28A0092B-C50C-407E-A947-70E740481C1C}">
+                <a14:useLocalDpi xmlns:a14="http://schemas.microsoft.com/office/drawing/2010/main" val="0"/>
+              </a:ext>
+            </a:extLst>
+          </a:blip>
           <a:stretch>
             <a:fillRect/>
           </a:stretch>
         </p:blipFill>
         <p:spPr>
           <a:xfrm>
-            <a:off x="5530850" y="3162300"/>
-            <a:ext cx="1190625" cy="1390650"/>
+            <a:off x="8483370" y="2905088"/>
+            <a:ext cx="2354784" cy="1836579"/>
           </a:xfrm>
-          <a:prstGeom prst="rect">
-            <a:avLst/>
-          </a:prstGeom>
         </p:spPr>
       </p:pic>
       <p:sp>
         <p:nvSpPr>
-          <p:cNvPr id="6" name="文本框 5">
-            <a:extLst>
-              <a:ext uri="{FF2B5EF4-FFF2-40B4-BE49-F238E27FC236}">
-                <a16:creationId xmlns:a16="http://schemas.microsoft.com/office/drawing/2014/main" id="{737DDCFB-3DE7-46A2-8737-1C286FCDBA1D}"/>
-              </a:ext>
-            </a:extLst>
-          </p:cNvPr>
+          <p:cNvPr id="6" name="文本框 5"/>
           <p:cNvSpPr txBox="1"/>
           <p:nvPr/>
         </p:nvSpPr>
         <p:spPr>
           <a:xfrm>
             <a:off x="900344" y="2030091"/>
-            <a:ext cx="6489576" cy="830997"/>
+            <a:ext cx="6489576" cy="3046988"/>
           </a:xfrm>
           <a:prstGeom prst="rect">
             <a:avLst/>
@@ -15061,7 +14536,7 @@
             </a:pPr>
             <a:r>
               <a:rPr lang="zh-CN" altLang="en-US" sz="2400" dirty="0"/>
-              <a:t>单实例数据库，使用简单</a:t>
+              <a:t>一主从多，主从同步，读写分享的架构设计</a:t>
             </a:r>
             <a:endParaRPr lang="en-US" altLang="zh-CN" sz="2400" dirty="0"/>
           </a:p>
@@ -15072,17 +14547,68 @@
             </a:pPr>
             <a:r>
               <a:rPr lang="zh-CN" altLang="en-US" sz="2400" dirty="0"/>
-              <a:t>业务初期最常见的数据库架构</a:t>
-            </a:r>
+              <a:t>多个实例数据库结构、数据完全相同</a:t>
+            </a:r>
+            <a:endParaRPr lang="en-US" altLang="zh-CN" sz="2400" dirty="0"/>
+          </a:p>
+          <a:p>
+            <a:pPr marL="285750" indent="-285750">
+              <a:buFont typeface="Arial" panose="020B0604020202020204" pitchFamily="34" charset="0"/>
+              <a:buChar char="•"/>
+            </a:pPr>
+            <a:r>
+              <a:rPr lang="zh-CN" altLang="en-US" sz="2400" dirty="0"/>
+              <a:t>解决的是“数据库读写高并发量高”问题，常实施的架构设计</a:t>
+            </a:r>
+            <a:endParaRPr lang="en-US" altLang="zh-CN" sz="2400" dirty="0"/>
+          </a:p>
+          <a:p>
+            <a:pPr marL="285750" indent="-285750">
+              <a:buFont typeface="Arial" panose="020B0604020202020204" pitchFamily="34" charset="0"/>
+              <a:buChar char="•"/>
+            </a:pPr>
+            <a:r>
+              <a:rPr lang="zh-CN" altLang="en-US" sz="2400" dirty="0"/>
+              <a:t>特点</a:t>
+            </a:r>
+            <a:endParaRPr lang="en-US" altLang="zh-CN" sz="2400" dirty="0"/>
+          </a:p>
+          <a:p>
+            <a:pPr marL="742950" lvl="1" indent="-285750">
+              <a:buFont typeface="Arial" panose="020B0604020202020204" pitchFamily="34" charset="0"/>
+              <a:buChar char="•"/>
+            </a:pPr>
+            <a:r>
+              <a:rPr lang="zh-CN" altLang="en-US" sz="2400" dirty="0"/>
+              <a:t>线性提升读性能</a:t>
+            </a:r>
+            <a:endParaRPr lang="en-US" altLang="zh-CN" sz="2400" dirty="0"/>
+          </a:p>
+          <a:p>
+            <a:pPr marL="742950" lvl="1" indent="-285750">
+              <a:buFont typeface="Arial" panose="020B0604020202020204" pitchFamily="34" charset="0"/>
+              <a:buChar char="•"/>
+            </a:pPr>
+            <a:r>
+              <a:rPr lang="zh-CN" altLang="en-US" sz="2400" dirty="0"/>
+              <a:t>通过消除锁冲突提升写性能</a:t>
+            </a:r>
+            <a:endParaRPr lang="en-US" altLang="zh-CN" sz="2400" dirty="0"/>
+          </a:p>
+          <a:p>
+            <a:pPr marL="742950" lvl="1" indent="-285750">
+              <a:buFont typeface="Arial" panose="020B0604020202020204" pitchFamily="34" charset="0"/>
+              <a:buChar char="•"/>
+            </a:pPr>
+            <a:r>
+              <a:rPr lang="zh-CN" altLang="en-US" sz="2400" dirty="0"/>
+              <a:t>通过冗余从库实现“高可用”</a:t>
+            </a:r>
+            <a:endParaRPr lang="zh-CN" altLang="en-US" sz="2400" dirty="0"/>
           </a:p>
         </p:txBody>
       </p:sp>
     </p:spTree>
-    <p:extLst>
-      <p:ext uri="{BB962C8B-B14F-4D97-AF65-F5344CB8AC3E}">
-        <p14:creationId xmlns:p14="http://schemas.microsoft.com/office/powerpoint/2010/main" val="3232499887"/>
-      </p:ext>
-    </p:extLst>
   </p:cSld>
   <p:clrMapOvr>
     <a:masterClrMapping/>
@@ -15109,219 +14635,7 @@
       </p:grpSpPr>
       <p:sp>
         <p:nvSpPr>
-          <p:cNvPr id="2" name="标题 1">
-            <a:extLst>
-              <a:ext uri="{FF2B5EF4-FFF2-40B4-BE49-F238E27FC236}">
-                <a16:creationId xmlns:a16="http://schemas.microsoft.com/office/drawing/2014/main" id="{8BD6F203-DF8F-484D-A7DA-C9B39DD3F3C5}"/>
-              </a:ext>
-            </a:extLst>
-          </p:cNvPr>
-          <p:cNvSpPr>
-            <a:spLocks noGrp="1"/>
-          </p:cNvSpPr>
-          <p:nvPr>
-            <p:ph type="title"/>
-          </p:nvPr>
-        </p:nvSpPr>
-        <p:spPr/>
-        <p:txBody>
-          <a:bodyPr/>
-          <a:lstStyle/>
-          <a:p>
-            <a:r>
-              <a:rPr lang="zh-CN" altLang="en-US" dirty="0"/>
-              <a:t>架构设计</a:t>
-            </a:r>
-            <a:r>
-              <a:rPr lang="en-US" altLang="zh-CN" dirty="0"/>
-              <a:t>——</a:t>
-            </a:r>
-            <a:r>
-              <a:rPr lang="zh-CN" altLang="en-US" dirty="0"/>
-              <a:t>分组</a:t>
-            </a:r>
-          </a:p>
-        </p:txBody>
-      </p:sp>
-      <p:pic>
-        <p:nvPicPr>
-          <p:cNvPr id="5" name="内容占位符 4">
-            <a:extLst>
-              <a:ext uri="{FF2B5EF4-FFF2-40B4-BE49-F238E27FC236}">
-                <a16:creationId xmlns:a16="http://schemas.microsoft.com/office/drawing/2014/main" id="{1F01361D-C9B4-4293-86A4-5A1191261CA3}"/>
-              </a:ext>
-            </a:extLst>
-          </p:cNvPr>
-          <p:cNvPicPr>
-            <a:picLocks noGrp="1" noChangeAspect="1"/>
-          </p:cNvPicPr>
-          <p:nvPr>
-            <p:ph idx="1"/>
-          </p:nvPr>
-        </p:nvPicPr>
-        <p:blipFill>
-          <a:blip r:embed="rId2">
-            <a:extLst>
-              <a:ext uri="{28A0092B-C50C-407E-A947-70E740481C1C}">
-                <a14:useLocalDpi xmlns:a14="http://schemas.microsoft.com/office/drawing/2010/main" val="0"/>
-              </a:ext>
-            </a:extLst>
-          </a:blip>
-          <a:stretch>
-            <a:fillRect/>
-          </a:stretch>
-        </p:blipFill>
-        <p:spPr>
-          <a:xfrm>
-            <a:off x="8483370" y="2905088"/>
-            <a:ext cx="2354784" cy="1836579"/>
-          </a:xfrm>
-        </p:spPr>
-      </p:pic>
-      <p:sp>
-        <p:nvSpPr>
-          <p:cNvPr id="6" name="文本框 5">
-            <a:extLst>
-              <a:ext uri="{FF2B5EF4-FFF2-40B4-BE49-F238E27FC236}">
-                <a16:creationId xmlns:a16="http://schemas.microsoft.com/office/drawing/2014/main" id="{795D6DB8-6BA3-47B7-A396-7904A75A644B}"/>
-              </a:ext>
-            </a:extLst>
-          </p:cNvPr>
-          <p:cNvSpPr txBox="1"/>
-          <p:nvPr/>
-        </p:nvSpPr>
-        <p:spPr>
-          <a:xfrm>
-            <a:off x="900344" y="2030091"/>
-            <a:ext cx="6489576" cy="3046988"/>
-          </a:xfrm>
-          <a:prstGeom prst="rect">
-            <a:avLst/>
-          </a:prstGeom>
-          <a:noFill/>
-        </p:spPr>
-        <p:txBody>
-          <a:bodyPr wrap="square" rtlCol="0">
-            <a:spAutoFit/>
-          </a:bodyPr>
-          <a:lstStyle/>
-          <a:p>
-            <a:pPr marL="285750" indent="-285750">
-              <a:buFont typeface="Arial" panose="020B0604020202020204" pitchFamily="34" charset="0"/>
-              <a:buChar char="•"/>
-            </a:pPr>
-            <a:r>
-              <a:rPr lang="zh-CN" altLang="en-US" sz="2400" dirty="0"/>
-              <a:t>一主从多，主从同步，读写分享的架构设计</a:t>
-            </a:r>
-            <a:endParaRPr lang="en-US" altLang="zh-CN" sz="2400" dirty="0"/>
-          </a:p>
-          <a:p>
-            <a:pPr marL="285750" indent="-285750">
-              <a:buFont typeface="Arial" panose="020B0604020202020204" pitchFamily="34" charset="0"/>
-              <a:buChar char="•"/>
-            </a:pPr>
-            <a:r>
-              <a:rPr lang="zh-CN" altLang="en-US" sz="2400" dirty="0"/>
-              <a:t>多个实例数据库结构、数据完全相同</a:t>
-            </a:r>
-            <a:endParaRPr lang="en-US" altLang="zh-CN" sz="2400" dirty="0"/>
-          </a:p>
-          <a:p>
-            <a:pPr marL="285750" indent="-285750">
-              <a:buFont typeface="Arial" panose="020B0604020202020204" pitchFamily="34" charset="0"/>
-              <a:buChar char="•"/>
-            </a:pPr>
-            <a:r>
-              <a:rPr lang="zh-CN" altLang="en-US" sz="2400" dirty="0"/>
-              <a:t>解决的是“数据库读写高并发量高”问题，常实施的架构设计</a:t>
-            </a:r>
-            <a:endParaRPr lang="en-US" altLang="zh-CN" sz="2400" dirty="0"/>
-          </a:p>
-          <a:p>
-            <a:pPr marL="285750" indent="-285750">
-              <a:buFont typeface="Arial" panose="020B0604020202020204" pitchFamily="34" charset="0"/>
-              <a:buChar char="•"/>
-            </a:pPr>
-            <a:r>
-              <a:rPr lang="zh-CN" altLang="en-US" sz="2400" dirty="0"/>
-              <a:t>特点</a:t>
-            </a:r>
-            <a:endParaRPr lang="en-US" altLang="zh-CN" sz="2400" dirty="0"/>
-          </a:p>
-          <a:p>
-            <a:pPr marL="742950" lvl="1" indent="-285750">
-              <a:buFont typeface="Arial" panose="020B0604020202020204" pitchFamily="34" charset="0"/>
-              <a:buChar char="•"/>
-            </a:pPr>
-            <a:r>
-              <a:rPr lang="zh-CN" altLang="en-US" sz="2400" dirty="0"/>
-              <a:t>线性提升读性能</a:t>
-            </a:r>
-            <a:endParaRPr lang="en-US" altLang="zh-CN" sz="2400" dirty="0"/>
-          </a:p>
-          <a:p>
-            <a:pPr marL="742950" lvl="1" indent="-285750">
-              <a:buFont typeface="Arial" panose="020B0604020202020204" pitchFamily="34" charset="0"/>
-              <a:buChar char="•"/>
-            </a:pPr>
-            <a:r>
-              <a:rPr lang="zh-CN" altLang="en-US" sz="2400" dirty="0"/>
-              <a:t>通过消除锁冲突提升写性能</a:t>
-            </a:r>
-            <a:endParaRPr lang="en-US" altLang="zh-CN" sz="2400" dirty="0"/>
-          </a:p>
-          <a:p>
-            <a:pPr marL="742950" lvl="1" indent="-285750">
-              <a:buFont typeface="Arial" panose="020B0604020202020204" pitchFamily="34" charset="0"/>
-              <a:buChar char="•"/>
-            </a:pPr>
-            <a:r>
-              <a:rPr lang="zh-CN" altLang="en-US" sz="2400" dirty="0"/>
-              <a:t>通过冗余从库实现“高可用”</a:t>
-            </a:r>
-          </a:p>
-        </p:txBody>
-      </p:sp>
-    </p:spTree>
-    <p:extLst>
-      <p:ext uri="{BB962C8B-B14F-4D97-AF65-F5344CB8AC3E}">
-        <p14:creationId xmlns:p14="http://schemas.microsoft.com/office/powerpoint/2010/main" val="734543205"/>
-      </p:ext>
-    </p:extLst>
-  </p:cSld>
-  <p:clrMapOvr>
-    <a:masterClrMapping/>
-  </p:clrMapOvr>
-</p:sld>
-</file>
-
-<file path=ppt/slides/slide36.xml><?xml version="1.0" encoding="utf-8"?>
-<p:sld xmlns:a="http://schemas.openxmlformats.org/drawingml/2006/main" xmlns:r="http://schemas.openxmlformats.org/officeDocument/2006/relationships" xmlns:p="http://schemas.openxmlformats.org/presentationml/2006/main">
-  <p:cSld>
-    <p:spTree>
-      <p:nvGrpSpPr>
-        <p:cNvPr id="1" name=""/>
-        <p:cNvGrpSpPr/>
-        <p:nvPr/>
-      </p:nvGrpSpPr>
-      <p:grpSpPr>
-        <a:xfrm>
-          <a:off x="0" y="0"/>
-          <a:ext cx="0" cy="0"/>
-          <a:chOff x="0" y="0"/>
-          <a:chExt cx="0" cy="0"/>
-        </a:xfrm>
-      </p:grpSpPr>
-      <p:sp>
-        <p:nvSpPr>
-          <p:cNvPr id="2" name="标题 1">
-            <a:extLst>
-              <a:ext uri="{FF2B5EF4-FFF2-40B4-BE49-F238E27FC236}">
-                <a16:creationId xmlns:a16="http://schemas.microsoft.com/office/drawing/2014/main" id="{8BD6F203-DF8F-484D-A7DA-C9B39DD3F3C5}"/>
-              </a:ext>
-            </a:extLst>
-          </p:cNvPr>
+          <p:cNvPr id="2" name="标题 1"/>
           <p:cNvSpPr>
             <a:spLocks noGrp="1"/>
           </p:cNvSpPr>
@@ -15351,18 +14665,13 @@
               <a:rPr lang="zh-CN" altLang="en-US" dirty="0"/>
               <a:t>分片</a:t>
             </a:r>
-          </a:p>
-        </p:txBody>
-      </p:sp>
-      <p:sp>
-        <p:nvSpPr>
-          <p:cNvPr id="9" name="文本框 8">
-            <a:extLst>
-              <a:ext uri="{FF2B5EF4-FFF2-40B4-BE49-F238E27FC236}">
-                <a16:creationId xmlns:a16="http://schemas.microsoft.com/office/drawing/2014/main" id="{053A5909-C12F-4062-8F8C-98B4D4039693}"/>
-              </a:ext>
-            </a:extLst>
-          </p:cNvPr>
+            <a:endParaRPr lang="zh-CN" altLang="en-US" dirty="0"/>
+          </a:p>
+        </p:txBody>
+      </p:sp>
+      <p:sp>
+        <p:nvSpPr>
+          <p:cNvPr id="9" name="文本框 8"/>
           <p:cNvSpPr txBox="1"/>
           <p:nvPr/>
         </p:nvSpPr>
@@ -15535,20 +14844,14 @@
       </p:sp>
       <p:pic>
         <p:nvPicPr>
-          <p:cNvPr id="13" name="图片 12">
-            <a:extLst>
-              <a:ext uri="{FF2B5EF4-FFF2-40B4-BE49-F238E27FC236}">
-                <a16:creationId xmlns:a16="http://schemas.microsoft.com/office/drawing/2014/main" id="{0C64E968-2B32-4F69-8B02-80B0F9144FCC}"/>
-              </a:ext>
-            </a:extLst>
-          </p:cNvPr>
+          <p:cNvPr id="13" name="图片 12"/>
           <p:cNvPicPr>
             <a:picLocks noChangeAspect="1"/>
           </p:cNvPicPr>
           <p:nvPr/>
         </p:nvPicPr>
         <p:blipFill>
-          <a:blip r:embed="rId2">
+          <a:blip r:embed="rId1">
             <a:extLst>
               <a:ext uri="{28A0092B-C50C-407E-A947-70E740481C1C}">
                 <a14:useLocalDpi xmlns:a14="http://schemas.microsoft.com/office/drawing/2010/main" val="0"/>
@@ -15571,20 +14874,14 @@
       </p:pic>
       <p:pic>
         <p:nvPicPr>
-          <p:cNvPr id="15" name="图片 14">
-            <a:extLst>
-              <a:ext uri="{FF2B5EF4-FFF2-40B4-BE49-F238E27FC236}">
-                <a16:creationId xmlns:a16="http://schemas.microsoft.com/office/drawing/2014/main" id="{AD3F8751-5F28-4BC2-9DD6-3264470FE26A}"/>
-              </a:ext>
-            </a:extLst>
-          </p:cNvPr>
+          <p:cNvPr id="15" name="图片 14"/>
           <p:cNvPicPr>
             <a:picLocks noChangeAspect="1"/>
           </p:cNvPicPr>
           <p:nvPr/>
         </p:nvPicPr>
         <p:blipFill>
-          <a:blip r:embed="rId3">
+          <a:blip r:embed="rId2">
             <a:extLst>
               <a:ext uri="{28A0092B-C50C-407E-A947-70E740481C1C}">
                 <a14:useLocalDpi xmlns:a14="http://schemas.microsoft.com/office/drawing/2010/main" val="0"/>
@@ -15607,20 +14904,14 @@
       </p:pic>
       <p:pic>
         <p:nvPicPr>
-          <p:cNvPr id="17" name="图片 16">
-            <a:extLst>
-              <a:ext uri="{FF2B5EF4-FFF2-40B4-BE49-F238E27FC236}">
-                <a16:creationId xmlns:a16="http://schemas.microsoft.com/office/drawing/2014/main" id="{6CAFED3D-D625-4C75-B0B3-14A42A37A115}"/>
-              </a:ext>
-            </a:extLst>
-          </p:cNvPr>
+          <p:cNvPr id="17" name="图片 16"/>
           <p:cNvPicPr>
             <a:picLocks noChangeAspect="1"/>
           </p:cNvPicPr>
           <p:nvPr/>
         </p:nvPicPr>
         <p:blipFill>
-          <a:blip r:embed="rId4">
+          <a:blip r:embed="rId3">
             <a:extLst>
               <a:ext uri="{28A0092B-C50C-407E-A947-70E740481C1C}">
                 <a14:useLocalDpi xmlns:a14="http://schemas.microsoft.com/office/drawing/2010/main" val="0"/>
@@ -15643,13 +14934,7 @@
       </p:pic>
       <p:sp>
         <p:nvSpPr>
-          <p:cNvPr id="18" name="文本框 17">
-            <a:extLst>
-              <a:ext uri="{FF2B5EF4-FFF2-40B4-BE49-F238E27FC236}">
-                <a16:creationId xmlns:a16="http://schemas.microsoft.com/office/drawing/2014/main" id="{2F6A8439-B7EC-434A-BD5E-5DF1E027E910}"/>
-              </a:ext>
-            </a:extLst>
-          </p:cNvPr>
+          <p:cNvPr id="18" name="文本框 17"/>
           <p:cNvSpPr txBox="1"/>
           <p:nvPr/>
         </p:nvSpPr>
@@ -15711,11 +14996,6 @@
         </p:txBody>
       </p:sp>
     </p:spTree>
-    <p:extLst>
-      <p:ext uri="{BB962C8B-B14F-4D97-AF65-F5344CB8AC3E}">
-        <p14:creationId xmlns:p14="http://schemas.microsoft.com/office/powerpoint/2010/main" val="4166043524"/>
-      </p:ext>
-    </p:extLst>
   </p:cSld>
   <p:clrMapOvr>
     <a:masterClrMapping/>
@@ -15999,7 +15279,7 @@
 </p:sld>
 </file>
 
-<file path=ppt/slides/slide37.xml><?xml version="1.0" encoding="utf-8"?>
+<file path=ppt/slides/slide36.xml><?xml version="1.0" encoding="utf-8"?>
 <p:sld xmlns:a="http://schemas.openxmlformats.org/drawingml/2006/main" xmlns:r="http://schemas.openxmlformats.org/officeDocument/2006/relationships" xmlns:p="http://schemas.openxmlformats.org/presentationml/2006/main">
   <p:cSld>
     <p:spTree>
@@ -16018,13 +15298,7 @@
       </p:grpSpPr>
       <p:sp>
         <p:nvSpPr>
-          <p:cNvPr id="2" name="标题 1">
-            <a:extLst>
-              <a:ext uri="{FF2B5EF4-FFF2-40B4-BE49-F238E27FC236}">
-                <a16:creationId xmlns:a16="http://schemas.microsoft.com/office/drawing/2014/main" id="{8BD6F203-DF8F-484D-A7DA-C9B39DD3F3C5}"/>
-              </a:ext>
-            </a:extLst>
-          </p:cNvPr>
+          <p:cNvPr id="2" name="标题 1"/>
           <p:cNvSpPr>
             <a:spLocks noGrp="1"/>
           </p:cNvSpPr>
@@ -16049,18 +15323,13 @@
               <a:rPr lang="zh-CN" altLang="en-US" dirty="0"/>
               <a:t>分片分组</a:t>
             </a:r>
-          </a:p>
-        </p:txBody>
-      </p:sp>
-      <p:sp>
-        <p:nvSpPr>
-          <p:cNvPr id="4" name="文本框 3">
-            <a:extLst>
-              <a:ext uri="{FF2B5EF4-FFF2-40B4-BE49-F238E27FC236}">
-                <a16:creationId xmlns:a16="http://schemas.microsoft.com/office/drawing/2014/main" id="{F75A77AA-B5AE-4512-9622-87BF78278D51}"/>
-              </a:ext>
-            </a:extLst>
-          </p:cNvPr>
+            <a:endParaRPr lang="zh-CN" altLang="en-US" dirty="0"/>
+          </a:p>
+        </p:txBody>
+      </p:sp>
+      <p:sp>
+        <p:nvSpPr>
+          <p:cNvPr id="4" name="文本框 3"/>
           <p:cNvSpPr txBox="1"/>
           <p:nvPr/>
         </p:nvSpPr>
@@ -16094,20 +15363,14 @@
       </p:sp>
       <p:pic>
         <p:nvPicPr>
-          <p:cNvPr id="6" name="图片 5">
-            <a:extLst>
-              <a:ext uri="{FF2B5EF4-FFF2-40B4-BE49-F238E27FC236}">
-                <a16:creationId xmlns:a16="http://schemas.microsoft.com/office/drawing/2014/main" id="{617329C2-6547-4C5D-B086-A6C44EB668A3}"/>
-              </a:ext>
-            </a:extLst>
-          </p:cNvPr>
+          <p:cNvPr id="6" name="图片 5"/>
           <p:cNvPicPr>
             <a:picLocks noChangeAspect="1"/>
           </p:cNvPicPr>
           <p:nvPr/>
         </p:nvPicPr>
         <p:blipFill>
-          <a:blip r:embed="rId2">
+          <a:blip r:embed="rId1">
             <a:extLst>
               <a:ext uri="{28A0092B-C50C-407E-A947-70E740481C1C}">
                 <a14:useLocalDpi xmlns:a14="http://schemas.microsoft.com/office/drawing/2010/main" val="0"/>
@@ -16129,11 +15392,209 @@
         </p:spPr>
       </p:pic>
     </p:spTree>
-    <p:extLst>
-      <p:ext uri="{BB962C8B-B14F-4D97-AF65-F5344CB8AC3E}">
-        <p14:creationId xmlns:p14="http://schemas.microsoft.com/office/powerpoint/2010/main" val="1248556521"/>
-      </p:ext>
-    </p:extLst>
+  </p:cSld>
+  <p:clrMapOvr>
+    <a:masterClrMapping/>
+  </p:clrMapOvr>
+</p:sld>
+</file>
+
+<file path=ppt/slides/slide37.xml><?xml version="1.0" encoding="utf-8"?>
+<p:sld xmlns:a="http://schemas.openxmlformats.org/drawingml/2006/main" xmlns:r="http://schemas.openxmlformats.org/officeDocument/2006/relationships" xmlns:p="http://schemas.openxmlformats.org/presentationml/2006/main">
+  <p:cSld>
+    <p:spTree>
+      <p:nvGrpSpPr>
+        <p:cNvPr id="1" name=""/>
+        <p:cNvGrpSpPr/>
+        <p:nvPr/>
+      </p:nvGrpSpPr>
+      <p:grpSpPr>
+        <a:xfrm>
+          <a:off x="0" y="0"/>
+          <a:ext cx="0" cy="0"/>
+          <a:chOff x="0" y="0"/>
+          <a:chExt cx="0" cy="0"/>
+        </a:xfrm>
+      </p:grpSpPr>
+      <p:sp>
+        <p:nvSpPr>
+          <p:cNvPr id="2" name="标题 1"/>
+          <p:cNvSpPr>
+            <a:spLocks noGrp="1"/>
+          </p:cNvSpPr>
+          <p:nvPr>
+            <p:ph type="title"/>
+          </p:nvPr>
+        </p:nvSpPr>
+        <p:spPr/>
+        <p:txBody>
+          <a:bodyPr/>
+          <a:lstStyle/>
+          <a:p>
+            <a:r>
+              <a:rPr lang="zh-CN" altLang="en-US" dirty="0"/>
+              <a:t>架构设计</a:t>
+            </a:r>
+            <a:r>
+              <a:rPr lang="en-US" altLang="zh-CN" dirty="0"/>
+              <a:t>——</a:t>
+            </a:r>
+            <a:r>
+              <a:rPr lang="zh-CN" altLang="en-US" dirty="0"/>
+              <a:t>垂直拆分</a:t>
+            </a:r>
+            <a:endParaRPr lang="zh-CN" altLang="en-US" dirty="0"/>
+          </a:p>
+        </p:txBody>
+      </p:sp>
+      <p:pic>
+        <p:nvPicPr>
+          <p:cNvPr id="5" name="内容占位符 4"/>
+          <p:cNvPicPr>
+            <a:picLocks noGrp="1" noChangeAspect="1"/>
+          </p:cNvPicPr>
+          <p:nvPr>
+            <p:ph idx="1"/>
+          </p:nvPr>
+        </p:nvPicPr>
+        <p:blipFill>
+          <a:blip r:embed="rId1">
+            <a:extLst>
+              <a:ext uri="{28A0092B-C50C-407E-A947-70E740481C1C}">
+                <a14:useLocalDpi xmlns:a14="http://schemas.microsoft.com/office/drawing/2010/main" val="0"/>
+              </a:ext>
+            </a:extLst>
+          </a:blip>
+          <a:stretch>
+            <a:fillRect/>
+          </a:stretch>
+        </p:blipFill>
+        <p:spPr>
+          <a:xfrm>
+            <a:off x="8756181" y="3335469"/>
+            <a:ext cx="2164268" cy="1059272"/>
+          </a:xfrm>
+        </p:spPr>
+      </p:pic>
+      <p:sp>
+        <p:nvSpPr>
+          <p:cNvPr id="6" name="文本框 5"/>
+          <p:cNvSpPr txBox="1"/>
+          <p:nvPr/>
+        </p:nvSpPr>
+        <p:spPr>
+          <a:xfrm>
+            <a:off x="838200" y="2088974"/>
+            <a:ext cx="7196092" cy="2492990"/>
+          </a:xfrm>
+          <a:prstGeom prst="rect">
+            <a:avLst/>
+          </a:prstGeom>
+          <a:noFill/>
+        </p:spPr>
+        <p:txBody>
+          <a:bodyPr wrap="square" rtlCol="0">
+            <a:spAutoFit/>
+          </a:bodyPr>
+          <a:lstStyle/>
+          <a:p>
+            <a:pPr marL="342900" indent="-342900">
+              <a:buFont typeface="Arial" panose="020B0604020202020204" pitchFamily="34" charset="0"/>
+              <a:buChar char="•"/>
+            </a:pPr>
+            <a:r>
+              <a:rPr lang="zh-CN" altLang="en-US" sz="2400" dirty="0"/>
+              <a:t>垂直切分即可以降低单库的数据量，还可以降低磁盘</a:t>
+            </a:r>
+            <a:r>
+              <a:rPr lang="en-US" altLang="zh-CN" sz="2400" dirty="0"/>
+              <a:t>IO</a:t>
+            </a:r>
+            <a:r>
+              <a:rPr lang="zh-CN" altLang="en-US" sz="2400" dirty="0"/>
+              <a:t>从而提升吞吐量，但它与业务结合比较紧密，并不是所有业务都能够进行垂直切分的</a:t>
+            </a:r>
+            <a:endParaRPr lang="en-US" altLang="zh-CN" sz="2400" dirty="0"/>
+          </a:p>
+          <a:p>
+            <a:pPr marL="285750" indent="-285750">
+              <a:buFont typeface="Arial" panose="020B0604020202020204" pitchFamily="34" charset="0"/>
+              <a:buChar char="•"/>
+            </a:pPr>
+            <a:r>
+              <a:rPr lang="zh-CN" altLang="en-US" sz="2400" dirty="0"/>
+              <a:t>长度短、访问频繁的适合放主表</a:t>
+            </a:r>
+            <a:endParaRPr lang="en-US" altLang="zh-CN" sz="2400" dirty="0"/>
+          </a:p>
+          <a:p>
+            <a:pPr marL="285750" indent="-285750">
+              <a:buFont typeface="Arial" panose="020B0604020202020204" pitchFamily="34" charset="0"/>
+              <a:buChar char="•"/>
+            </a:pPr>
+            <a:r>
+              <a:rPr lang="zh-CN" altLang="en-US" sz="2400" dirty="0"/>
+              <a:t>例子</a:t>
+            </a:r>
+            <a:endParaRPr lang="en-US" altLang="zh-CN" sz="2400" dirty="0"/>
+          </a:p>
+          <a:p>
+            <a:r>
+              <a:rPr lang="en-US" altLang="zh-CN" dirty="0"/>
+              <a:t>	</a:t>
+            </a:r>
+            <a:r>
+              <a:rPr lang="en-US" altLang="zh-CN" dirty="0" err="1"/>
+              <a:t>User_Base</a:t>
+            </a:r>
+            <a:r>
+              <a:rPr lang="en-US" altLang="zh-CN" dirty="0"/>
+              <a:t>(</a:t>
+            </a:r>
+            <a:r>
+              <a:rPr lang="en-US" altLang="zh-CN" dirty="0" err="1"/>
+              <a:t>uid</a:t>
+            </a:r>
+            <a:r>
+              <a:rPr lang="en-US" altLang="zh-CN" dirty="0"/>
+              <a:t>, </a:t>
+            </a:r>
+            <a:r>
+              <a:rPr lang="en-US" altLang="zh-CN" dirty="0" err="1"/>
+              <a:t>uname</a:t>
+            </a:r>
+            <a:r>
+              <a:rPr lang="en-US" altLang="zh-CN" dirty="0"/>
+              <a:t>, passwd, sex, age, …)</a:t>
+            </a:r>
+            <a:endParaRPr lang="en-US" altLang="zh-CN" sz="2400" dirty="0"/>
+          </a:p>
+          <a:p>
+            <a:r>
+              <a:rPr lang="en-US" altLang="zh-CN" dirty="0"/>
+              <a:t>	</a:t>
+            </a:r>
+            <a:r>
+              <a:rPr lang="en-US" altLang="zh-CN" dirty="0" err="1"/>
+              <a:t>User_EX</a:t>
+            </a:r>
+            <a:r>
+              <a:rPr lang="en-US" altLang="zh-CN" dirty="0"/>
+              <a:t>(</a:t>
+            </a:r>
+            <a:r>
+              <a:rPr lang="en-US" altLang="zh-CN" dirty="0" err="1"/>
+              <a:t>uid</a:t>
+            </a:r>
+            <a:r>
+              <a:rPr lang="en-US" altLang="zh-CN" dirty="0"/>
+              <a:t>, intro, sign, …)</a:t>
+            </a:r>
+            <a:endParaRPr lang="en-US" altLang="zh-CN" sz="2400" dirty="0"/>
+          </a:p>
+        </p:txBody>
+      </p:sp>
+    </p:spTree>
   </p:cSld>
   <p:clrMapOvr>
     <a:masterClrMapping/>
@@ -16160,13 +15621,7 @@
       </p:grpSpPr>
       <p:sp>
         <p:nvSpPr>
-          <p:cNvPr id="2" name="标题 1">
-            <a:extLst>
-              <a:ext uri="{FF2B5EF4-FFF2-40B4-BE49-F238E27FC236}">
-                <a16:creationId xmlns:a16="http://schemas.microsoft.com/office/drawing/2014/main" id="{8BD6F203-DF8F-484D-A7DA-C9B39DD3F3C5}"/>
-              </a:ext>
-            </a:extLst>
-          </p:cNvPr>
+          <p:cNvPr id="2" name="标题 1"/>
           <p:cNvSpPr>
             <a:spLocks noGrp="1"/>
           </p:cNvSpPr>
@@ -16189,20 +15644,15 @@
             </a:r>
             <a:r>
               <a:rPr lang="zh-CN" altLang="en-US" dirty="0"/>
-              <a:t>垂直拆分</a:t>
-            </a:r>
+              <a:t>单主冗余</a:t>
+            </a:r>
+            <a:endParaRPr lang="zh-CN" altLang="en-US" dirty="0"/>
           </a:p>
         </p:txBody>
       </p:sp>
       <p:pic>
         <p:nvPicPr>
-          <p:cNvPr id="5" name="内容占位符 4">
-            <a:extLst>
-              <a:ext uri="{FF2B5EF4-FFF2-40B4-BE49-F238E27FC236}">
-                <a16:creationId xmlns:a16="http://schemas.microsoft.com/office/drawing/2014/main" id="{F30F45C2-7391-421C-8591-8E0D7714F233}"/>
-              </a:ext>
-            </a:extLst>
-          </p:cNvPr>
+          <p:cNvPr id="4" name="内容占位符 4"/>
           <p:cNvPicPr>
             <a:picLocks noGrp="1" noChangeAspect="1"/>
           </p:cNvPicPr>
@@ -16211,7 +15661,7 @@
           </p:nvPr>
         </p:nvPicPr>
         <p:blipFill>
-          <a:blip r:embed="rId2">
+          <a:blip r:embed="rId1">
             <a:extLst>
               <a:ext uri="{28A0092B-C50C-407E-A947-70E740481C1C}">
                 <a14:useLocalDpi xmlns:a14="http://schemas.microsoft.com/office/drawing/2010/main" val="0"/>
@@ -16224,27 +15674,21 @@
         </p:blipFill>
         <p:spPr>
           <a:xfrm>
-            <a:off x="8756181" y="3335469"/>
-            <a:ext cx="2164268" cy="1059272"/>
+            <a:off x="8611117" y="3086254"/>
+            <a:ext cx="2543175" cy="1314450"/>
           </a:xfrm>
         </p:spPr>
       </p:pic>
       <p:sp>
         <p:nvSpPr>
-          <p:cNvPr id="6" name="文本框 5">
-            <a:extLst>
-              <a:ext uri="{FF2B5EF4-FFF2-40B4-BE49-F238E27FC236}">
-                <a16:creationId xmlns:a16="http://schemas.microsoft.com/office/drawing/2014/main" id="{00C35FC5-AEED-4049-A740-9D632ED2289D}"/>
-              </a:ext>
-            </a:extLst>
-          </p:cNvPr>
+          <p:cNvPr id="5" name="文本框 4"/>
           <p:cNvSpPr txBox="1"/>
           <p:nvPr/>
         </p:nvSpPr>
         <p:spPr>
           <a:xfrm>
-            <a:off x="838200" y="2088974"/>
-            <a:ext cx="7196092" cy="2492990"/>
+            <a:off x="932155" y="2166152"/>
+            <a:ext cx="6303532" cy="2308324"/>
           </a:xfrm>
           <a:prstGeom prst="rect">
             <a:avLst/>
@@ -16263,102 +15707,92 @@
             </a:pPr>
             <a:r>
               <a:rPr lang="zh-CN" altLang="en-US" sz="2400" dirty="0"/>
-              <a:t>垂直切分即可以降低单库的数据量，还可以降低磁盘</a:t>
+              <a:t>双主同步</a:t>
             </a:r>
             <a:r>
               <a:rPr lang="en-US" altLang="zh-CN" sz="2400" dirty="0"/>
-              <a:t>IO</a:t>
+              <a:t>+</a:t>
+            </a:r>
+            <a:r>
+              <a:rPr lang="en-US" altLang="zh-CN" sz="2400" dirty="0" err="1"/>
+              <a:t>keepalived</a:t>
+            </a:r>
+            <a:r>
+              <a:rPr lang="en-US" altLang="zh-CN" sz="2400" dirty="0"/>
+              <a:t>+</a:t>
             </a:r>
             <a:r>
               <a:rPr lang="zh-CN" altLang="en-US" sz="2400" dirty="0"/>
-              <a:t>从而提升吞吐量，但它与业务结合比较紧密，并不是所有业务都能够进行垂直切分的</a:t>
+              <a:t>虚</a:t>
+            </a:r>
+            <a:r>
+              <a:rPr lang="en-US" altLang="zh-CN" sz="2400" dirty="0" err="1"/>
+              <a:t>ip</a:t>
             </a:r>
             <a:endParaRPr lang="en-US" altLang="zh-CN" sz="2400" dirty="0"/>
           </a:p>
           <a:p>
-            <a:pPr marL="285750" indent="-285750">
+            <a:pPr marL="342900" indent="-342900">
               <a:buFont typeface="Arial" panose="020B0604020202020204" pitchFamily="34" charset="0"/>
               <a:buChar char="•"/>
             </a:pPr>
             <a:r>
               <a:rPr lang="zh-CN" altLang="en-US" sz="2400" dirty="0"/>
-              <a:t>长度短、访问频繁的适合放主表</a:t>
+              <a:t>读写没有延时，无一致性问题</a:t>
             </a:r>
             <a:endParaRPr lang="en-US" altLang="zh-CN" sz="2400" dirty="0"/>
           </a:p>
           <a:p>
-            <a:pPr marL="285750" indent="-285750">
+            <a:pPr marL="342900" indent="-342900">
               <a:buFont typeface="Arial" panose="020B0604020202020204" pitchFamily="34" charset="0"/>
               <a:buChar char="•"/>
             </a:pPr>
             <a:r>
               <a:rPr lang="zh-CN" altLang="en-US" sz="2400" dirty="0"/>
-              <a:t>例子</a:t>
+              <a:t>读写高可用</a:t>
             </a:r>
             <a:endParaRPr lang="en-US" altLang="zh-CN" sz="2400" dirty="0"/>
           </a:p>
           <a:p>
-            <a:r>
-              <a:rPr lang="en-US" altLang="zh-CN" dirty="0"/>
-              <a:t>	</a:t>
-            </a:r>
-            <a:r>
-              <a:rPr lang="en-US" altLang="zh-CN" dirty="0" err="1"/>
-              <a:t>User_Base</a:t>
-            </a:r>
-            <a:r>
-              <a:rPr lang="en-US" altLang="zh-CN" dirty="0"/>
-              <a:t>(</a:t>
-            </a:r>
-            <a:r>
-              <a:rPr lang="en-US" altLang="zh-CN" dirty="0" err="1"/>
-              <a:t>uid</a:t>
-            </a:r>
-            <a:r>
-              <a:rPr lang="en-US" altLang="zh-CN" dirty="0"/>
-              <a:t>, </a:t>
-            </a:r>
-            <a:r>
-              <a:rPr lang="en-US" altLang="zh-CN" dirty="0" err="1"/>
-              <a:t>uname</a:t>
-            </a:r>
-            <a:r>
-              <a:rPr lang="en-US" altLang="zh-CN" dirty="0"/>
-              <a:t>, passwd, sex, age, …)</a:t>
+            <a:pPr marL="342900" indent="-342900">
+              <a:buFont typeface="Arial" panose="020B0604020202020204" pitchFamily="34" charset="0"/>
+              <a:buChar char="•"/>
+            </a:pPr>
+            <a:r>
+              <a:rPr lang="zh-CN" altLang="en-US" sz="2400" dirty="0"/>
+              <a:t>缺点</a:t>
             </a:r>
             <a:endParaRPr lang="en-US" altLang="zh-CN" sz="2400" dirty="0"/>
           </a:p>
           <a:p>
-            <a:r>
-              <a:rPr lang="en-US" altLang="zh-CN" dirty="0"/>
-              <a:t>	</a:t>
-            </a:r>
-            <a:r>
-              <a:rPr lang="en-US" altLang="zh-CN" dirty="0" err="1"/>
-              <a:t>User_EX</a:t>
-            </a:r>
-            <a:r>
-              <a:rPr lang="en-US" altLang="zh-CN" dirty="0"/>
-              <a:t>(</a:t>
-            </a:r>
-            <a:r>
-              <a:rPr lang="en-US" altLang="zh-CN" dirty="0" err="1"/>
-              <a:t>uid</a:t>
-            </a:r>
-            <a:r>
-              <a:rPr lang="en-US" altLang="zh-CN" dirty="0"/>
-              <a:t>, intro, sign, …)</a:t>
+            <a:pPr marL="800100" lvl="1" indent="-342900">
+              <a:buFont typeface="Arial" panose="020B0604020202020204" pitchFamily="34" charset="0"/>
+              <a:buChar char="•"/>
+            </a:pPr>
+            <a:r>
+              <a:rPr lang="zh-CN" altLang="en-US" sz="2400" dirty="0"/>
+              <a:t>不能通过加从库扩展读性能</a:t>
             </a:r>
             <a:endParaRPr lang="en-US" altLang="zh-CN" sz="2400" dirty="0"/>
           </a:p>
+          <a:p>
+            <a:pPr marL="800100" lvl="1" indent="-342900">
+              <a:buFont typeface="Arial" panose="020B0604020202020204" pitchFamily="34" charset="0"/>
+              <a:buChar char="•"/>
+            </a:pPr>
+            <a:r>
+              <a:rPr lang="zh-CN" altLang="en-US" sz="2400" dirty="0"/>
+              <a:t>资源利用率为</a:t>
+            </a:r>
+            <a:r>
+              <a:rPr lang="en-US" altLang="zh-CN" sz="2400" dirty="0"/>
+              <a:t>50%</a:t>
+            </a:r>
+            <a:endParaRPr lang="en-US" altLang="zh-CN" sz="2400" dirty="0"/>
+          </a:p>
         </p:txBody>
       </p:sp>
     </p:spTree>
-    <p:extLst>
-      <p:ext uri="{BB962C8B-B14F-4D97-AF65-F5344CB8AC3E}">
-        <p14:creationId xmlns:p14="http://schemas.microsoft.com/office/powerpoint/2010/main" val="3414296634"/>
-      </p:ext>
-    </p:extLst>
   </p:cSld>
   <p:clrMapOvr>
     <a:masterClrMapping/>
@@ -16385,13 +15819,7 @@
       </p:grpSpPr>
       <p:sp>
         <p:nvSpPr>
-          <p:cNvPr id="2" name="标题 1">
-            <a:extLst>
-              <a:ext uri="{FF2B5EF4-FFF2-40B4-BE49-F238E27FC236}">
-                <a16:creationId xmlns:a16="http://schemas.microsoft.com/office/drawing/2014/main" id="{8BD6F203-DF8F-484D-A7DA-C9B39DD3F3C5}"/>
-              </a:ext>
-            </a:extLst>
-          </p:cNvPr>
+          <p:cNvPr id="2" name="标题 1"/>
           <p:cNvSpPr>
             <a:spLocks noGrp="1"/>
           </p:cNvSpPr>
@@ -16414,29 +15842,30 @@
             </a:r>
             <a:r>
               <a:rPr lang="zh-CN" altLang="en-US" dirty="0"/>
-              <a:t>单主冗余</a:t>
-            </a:r>
+              <a:t>双主互备</a:t>
+            </a:r>
+            <a:r>
+              <a:rPr lang="en-US" altLang="zh-CN" dirty="0"/>
+              <a:t>+</a:t>
+            </a:r>
+            <a:r>
+              <a:rPr lang="zh-CN" altLang="en-US" dirty="0"/>
+              <a:t>冗余</a:t>
+            </a:r>
+            <a:endParaRPr lang="zh-CN" altLang="en-US" dirty="0"/>
           </a:p>
         </p:txBody>
       </p:sp>
       <p:pic>
         <p:nvPicPr>
-          <p:cNvPr id="4" name="内容占位符 4">
-            <a:extLst>
-              <a:ext uri="{FF2B5EF4-FFF2-40B4-BE49-F238E27FC236}">
-                <a16:creationId xmlns:a16="http://schemas.microsoft.com/office/drawing/2014/main" id="{C26F984E-0DD6-4101-9512-63E8C03F650D}"/>
-              </a:ext>
-            </a:extLst>
-          </p:cNvPr>
+          <p:cNvPr id="11" name="图片 10"/>
           <p:cNvPicPr>
-            <a:picLocks noGrp="1" noChangeAspect="1"/>
+            <a:picLocks noChangeAspect="1"/>
           </p:cNvPicPr>
-          <p:nvPr>
-            <p:ph idx="1"/>
-          </p:nvPr>
+          <p:nvPr/>
         </p:nvPicPr>
         <p:blipFill>
-          <a:blip r:embed="rId2">
+          <a:blip r:embed="rId1">
             <a:extLst>
               <a:ext uri="{28A0092B-C50C-407E-A947-70E740481C1C}">
                 <a14:useLocalDpi xmlns:a14="http://schemas.microsoft.com/office/drawing/2010/main" val="0"/>
@@ -16449,27 +15878,24 @@
         </p:blipFill>
         <p:spPr>
           <a:xfrm>
-            <a:off x="8611117" y="3086254"/>
-            <a:ext cx="2543175" cy="1314450"/>
+            <a:off x="8423952" y="2653067"/>
+            <a:ext cx="2446232" cy="1409822"/>
           </a:xfrm>
+          <a:prstGeom prst="rect">
+            <a:avLst/>
+          </a:prstGeom>
         </p:spPr>
       </p:pic>
       <p:sp>
         <p:nvSpPr>
-          <p:cNvPr id="5" name="文本框 4">
-            <a:extLst>
-              <a:ext uri="{FF2B5EF4-FFF2-40B4-BE49-F238E27FC236}">
-                <a16:creationId xmlns:a16="http://schemas.microsoft.com/office/drawing/2014/main" id="{8DE120B9-BDB0-4313-925A-1837D6A57634}"/>
-              </a:ext>
-            </a:extLst>
-          </p:cNvPr>
+          <p:cNvPr id="14" name="文本框 13"/>
           <p:cNvSpPr txBox="1"/>
           <p:nvPr/>
         </p:nvSpPr>
         <p:spPr>
           <a:xfrm>
-            <a:off x="932155" y="2166152"/>
-            <a:ext cx="6303532" cy="2308324"/>
+            <a:off x="838200" y="2088974"/>
+            <a:ext cx="7196092" cy="2308324"/>
           </a:xfrm>
           <a:prstGeom prst="rect">
             <a:avLst/>
@@ -16488,27 +15914,7 @@
             </a:pPr>
             <a:r>
               <a:rPr lang="zh-CN" altLang="en-US" sz="2400" dirty="0"/>
-              <a:t>双主同步</a:t>
-            </a:r>
-            <a:r>
-              <a:rPr lang="en-US" altLang="zh-CN" sz="2400" dirty="0"/>
-              <a:t>+</a:t>
-            </a:r>
-            <a:r>
-              <a:rPr lang="en-US" altLang="zh-CN" sz="2400" dirty="0" err="1"/>
-              <a:t>keepalived</a:t>
-            </a:r>
-            <a:r>
-              <a:rPr lang="en-US" altLang="zh-CN" sz="2400" dirty="0"/>
-              <a:t>+</a:t>
-            </a:r>
-            <a:r>
-              <a:rPr lang="zh-CN" altLang="en-US" sz="2400" dirty="0"/>
-              <a:t>虚</a:t>
-            </a:r>
-            <a:r>
-              <a:rPr lang="en-US" altLang="zh-CN" sz="2400" dirty="0" err="1"/>
-              <a:t>ip</a:t>
+              <a:t>提高写性能、写高可用</a:t>
             </a:r>
             <a:endParaRPr lang="en-US" altLang="zh-CN" sz="2400" dirty="0"/>
           </a:p>
@@ -16519,7 +15925,7 @@
             </a:pPr>
             <a:r>
               <a:rPr lang="zh-CN" altLang="en-US" sz="2400" dirty="0"/>
-              <a:t>读写没有延时，无一致性问题</a:t>
+              <a:t>多个数据库实例结构相同，数据相同</a:t>
             </a:r>
             <a:endParaRPr lang="en-US" altLang="zh-CN" sz="2400" dirty="0"/>
           </a:p>
@@ -16530,17 +15936,6 @@
             </a:pPr>
             <a:r>
               <a:rPr lang="zh-CN" altLang="en-US" sz="2400" dirty="0"/>
-              <a:t>读写高可用</a:t>
-            </a:r>
-            <a:endParaRPr lang="en-US" altLang="zh-CN" sz="2400" dirty="0"/>
-          </a:p>
-          <a:p>
-            <a:pPr marL="342900" indent="-342900">
-              <a:buFont typeface="Arial" panose="020B0604020202020204" pitchFamily="34" charset="0"/>
-              <a:buChar char="•"/>
-            </a:pPr>
-            <a:r>
-              <a:rPr lang="zh-CN" altLang="en-US" sz="2400" dirty="0"/>
               <a:t>缺点</a:t>
             </a:r>
             <a:endParaRPr lang="en-US" altLang="zh-CN" sz="2400" dirty="0"/>
@@ -16552,32 +15947,51 @@
             </a:pPr>
             <a:r>
               <a:rPr lang="zh-CN" altLang="en-US" sz="2400" dirty="0"/>
-              <a:t>不能通过加从库扩展读性能</a:t>
+              <a:t>多库使用自增</a:t>
+            </a:r>
+            <a:r>
+              <a:rPr lang="en-US" altLang="zh-CN" sz="2400" dirty="0"/>
+              <a:t>ID</a:t>
+            </a:r>
+            <a:r>
+              <a:rPr lang="zh-CN" altLang="en-US" sz="2400" dirty="0"/>
+              <a:t>可能会冲突</a:t>
             </a:r>
             <a:endParaRPr lang="en-US" altLang="zh-CN" sz="2400" dirty="0"/>
           </a:p>
           <a:p>
-            <a:pPr marL="800100" lvl="1" indent="-342900">
+            <a:pPr marL="1257300" lvl="2" indent="-342900">
               <a:buFont typeface="Arial" panose="020B0604020202020204" pitchFamily="34" charset="0"/>
               <a:buChar char="•"/>
             </a:pPr>
             <a:r>
               <a:rPr lang="zh-CN" altLang="en-US" sz="2400" dirty="0"/>
-              <a:t>资源利用率为</a:t>
+              <a:t>使用不同种子，相同步长</a:t>
+            </a:r>
+            <a:endParaRPr lang="en-US" altLang="zh-CN" sz="2400" dirty="0"/>
+          </a:p>
+          <a:p>
+            <a:pPr marL="1257300" lvl="2" indent="-342900">
+              <a:buFont typeface="Arial" panose="020B0604020202020204" pitchFamily="34" charset="0"/>
+              <a:buChar char="•"/>
+            </a:pPr>
+            <a:r>
+              <a:rPr lang="zh-CN" altLang="en-US" sz="2400" dirty="0"/>
+              <a:t>使用分布式</a:t>
             </a:r>
             <a:r>
               <a:rPr lang="en-US" altLang="zh-CN" sz="2400" dirty="0"/>
-              <a:t>50%</a:t>
-            </a:r>
+              <a:t>ID</a:t>
+            </a:r>
+            <a:r>
+              <a:rPr lang="zh-CN" altLang="en-US" sz="2400" dirty="0"/>
+              <a:t>，如雪花算法</a:t>
+            </a:r>
+            <a:endParaRPr lang="en-US" altLang="zh-CN" sz="2400" dirty="0"/>
           </a:p>
         </p:txBody>
       </p:sp>
     </p:spTree>
-    <p:extLst>
-      <p:ext uri="{BB962C8B-B14F-4D97-AF65-F5344CB8AC3E}">
-        <p14:creationId xmlns:p14="http://schemas.microsoft.com/office/powerpoint/2010/main" val="2114799285"/>
-      </p:ext>
-    </p:extLst>
   </p:cSld>
   <p:clrMapOvr>
     <a:masterClrMapping/>
@@ -16604,13 +16018,7 @@
       </p:grpSpPr>
       <p:sp>
         <p:nvSpPr>
-          <p:cNvPr id="2" name="标题 1">
-            <a:extLst>
-              <a:ext uri="{FF2B5EF4-FFF2-40B4-BE49-F238E27FC236}">
-                <a16:creationId xmlns:a16="http://schemas.microsoft.com/office/drawing/2014/main" id="{A847734E-82F4-4D2A-BF92-E17F41BB6EAF}"/>
-              </a:ext>
-            </a:extLst>
-          </p:cNvPr>
+          <p:cNvPr id="2" name="标题 1"/>
           <p:cNvSpPr>
             <a:spLocks noGrp="1"/>
           </p:cNvSpPr>
@@ -16635,18 +16043,13 @@
               <a:rPr lang="zh-CN" altLang="en-US" dirty="0"/>
               <a:t>三范式与冗余</a:t>
             </a:r>
-          </a:p>
-        </p:txBody>
-      </p:sp>
-      <p:sp>
-        <p:nvSpPr>
-          <p:cNvPr id="3" name="内容占位符 2">
-            <a:extLst>
-              <a:ext uri="{FF2B5EF4-FFF2-40B4-BE49-F238E27FC236}">
-                <a16:creationId xmlns:a16="http://schemas.microsoft.com/office/drawing/2014/main" id="{8F2FBA20-BC65-4F0E-9CA7-C483783F6FC4}"/>
-              </a:ext>
-            </a:extLst>
-          </p:cNvPr>
+            <a:endParaRPr lang="zh-CN" altLang="en-US" dirty="0"/>
+          </a:p>
+        </p:txBody>
+      </p:sp>
+      <p:sp>
+        <p:nvSpPr>
+          <p:cNvPr id="3" name="内容占位符 2"/>
           <p:cNvSpPr>
             <a:spLocks noGrp="1"/>
           </p:cNvSpPr>
@@ -16671,6 +16074,7 @@
               <a:rPr lang="en-US" altLang="zh-CN" dirty="0"/>
               <a:t>;</a:t>
             </a:r>
+            <a:endParaRPr lang="en-US" altLang="zh-CN" dirty="0"/>
           </a:p>
           <a:p>
             <a:r>
@@ -16685,6 +16089,7 @@
               <a:rPr lang="en-US" altLang="zh-CN" dirty="0"/>
               <a:t>;</a:t>
             </a:r>
+            <a:endParaRPr lang="en-US" altLang="zh-CN" dirty="0"/>
           </a:p>
           <a:p>
             <a:r>
@@ -16699,6 +16104,7 @@
               <a:rPr lang="en-US" altLang="zh-CN" dirty="0"/>
               <a:t>;</a:t>
             </a:r>
+            <a:endParaRPr lang="en-US" altLang="zh-CN" dirty="0"/>
           </a:p>
           <a:p>
             <a:pPr marL="0" indent="0">
@@ -16719,11 +16125,6 @@
         </p:txBody>
       </p:sp>
     </p:spTree>
-    <p:extLst>
-      <p:ext uri="{BB962C8B-B14F-4D97-AF65-F5344CB8AC3E}">
-        <p14:creationId xmlns:p14="http://schemas.microsoft.com/office/powerpoint/2010/main" val="1956379455"/>
-      </p:ext>
-    </p:extLst>
   </p:cSld>
   <p:clrMapOvr>
     <a:masterClrMapping/>
@@ -16750,234 +16151,7 @@
       </p:grpSpPr>
       <p:sp>
         <p:nvSpPr>
-          <p:cNvPr id="2" name="标题 1">
-            <a:extLst>
-              <a:ext uri="{FF2B5EF4-FFF2-40B4-BE49-F238E27FC236}">
-                <a16:creationId xmlns:a16="http://schemas.microsoft.com/office/drawing/2014/main" id="{8BD6F203-DF8F-484D-A7DA-C9B39DD3F3C5}"/>
-              </a:ext>
-            </a:extLst>
-          </p:cNvPr>
-          <p:cNvSpPr>
-            <a:spLocks noGrp="1"/>
-          </p:cNvSpPr>
-          <p:nvPr>
-            <p:ph type="title"/>
-          </p:nvPr>
-        </p:nvSpPr>
-        <p:spPr/>
-        <p:txBody>
-          <a:bodyPr/>
-          <a:lstStyle/>
-          <a:p>
-            <a:r>
-              <a:rPr lang="zh-CN" altLang="en-US" dirty="0"/>
-              <a:t>架构设计</a:t>
-            </a:r>
-            <a:r>
-              <a:rPr lang="en-US" altLang="zh-CN" dirty="0"/>
-              <a:t>——</a:t>
-            </a:r>
-            <a:r>
-              <a:rPr lang="zh-CN" altLang="en-US" dirty="0"/>
-              <a:t>双主互备</a:t>
-            </a:r>
-            <a:r>
-              <a:rPr lang="en-US" altLang="zh-CN" dirty="0"/>
-              <a:t>+</a:t>
-            </a:r>
-            <a:r>
-              <a:rPr lang="zh-CN" altLang="en-US" dirty="0"/>
-              <a:t>冗余</a:t>
-            </a:r>
-          </a:p>
-        </p:txBody>
-      </p:sp>
-      <p:pic>
-        <p:nvPicPr>
-          <p:cNvPr id="11" name="图片 10">
-            <a:extLst>
-              <a:ext uri="{FF2B5EF4-FFF2-40B4-BE49-F238E27FC236}">
-                <a16:creationId xmlns:a16="http://schemas.microsoft.com/office/drawing/2014/main" id="{8A6D69C7-974C-4FE0-83DD-DA57A938EE4C}"/>
-              </a:ext>
-            </a:extLst>
-          </p:cNvPr>
-          <p:cNvPicPr>
-            <a:picLocks noChangeAspect="1"/>
-          </p:cNvPicPr>
-          <p:nvPr/>
-        </p:nvPicPr>
-        <p:blipFill>
-          <a:blip r:embed="rId2">
-            <a:extLst>
-              <a:ext uri="{28A0092B-C50C-407E-A947-70E740481C1C}">
-                <a14:useLocalDpi xmlns:a14="http://schemas.microsoft.com/office/drawing/2010/main" val="0"/>
-              </a:ext>
-            </a:extLst>
-          </a:blip>
-          <a:stretch>
-            <a:fillRect/>
-          </a:stretch>
-        </p:blipFill>
-        <p:spPr>
-          <a:xfrm>
-            <a:off x="8423952" y="2653067"/>
-            <a:ext cx="2446232" cy="1409822"/>
-          </a:xfrm>
-          <a:prstGeom prst="rect">
-            <a:avLst/>
-          </a:prstGeom>
-        </p:spPr>
-      </p:pic>
-      <p:sp>
-        <p:nvSpPr>
-          <p:cNvPr id="14" name="文本框 13">
-            <a:extLst>
-              <a:ext uri="{FF2B5EF4-FFF2-40B4-BE49-F238E27FC236}">
-                <a16:creationId xmlns:a16="http://schemas.microsoft.com/office/drawing/2014/main" id="{CC693A2F-5A19-4C50-9EC3-FCD1588E0A14}"/>
-              </a:ext>
-            </a:extLst>
-          </p:cNvPr>
-          <p:cNvSpPr txBox="1"/>
-          <p:nvPr/>
-        </p:nvSpPr>
-        <p:spPr>
-          <a:xfrm>
-            <a:off x="838200" y="2088974"/>
-            <a:ext cx="7196092" cy="2308324"/>
-          </a:xfrm>
-          <a:prstGeom prst="rect">
-            <a:avLst/>
-          </a:prstGeom>
-          <a:noFill/>
-        </p:spPr>
-        <p:txBody>
-          <a:bodyPr wrap="square" rtlCol="0">
-            <a:spAutoFit/>
-          </a:bodyPr>
-          <a:lstStyle/>
-          <a:p>
-            <a:pPr marL="342900" indent="-342900">
-              <a:buFont typeface="Arial" panose="020B0604020202020204" pitchFamily="34" charset="0"/>
-              <a:buChar char="•"/>
-            </a:pPr>
-            <a:r>
-              <a:rPr lang="zh-CN" altLang="en-US" sz="2400" dirty="0"/>
-              <a:t>提高写性能、写高可用</a:t>
-            </a:r>
-            <a:endParaRPr lang="en-US" altLang="zh-CN" sz="2400" dirty="0"/>
-          </a:p>
-          <a:p>
-            <a:pPr marL="342900" indent="-342900">
-              <a:buFont typeface="Arial" panose="020B0604020202020204" pitchFamily="34" charset="0"/>
-              <a:buChar char="•"/>
-            </a:pPr>
-            <a:r>
-              <a:rPr lang="zh-CN" altLang="en-US" sz="2400" dirty="0"/>
-              <a:t>多个数据库实例结构相同，数据相同</a:t>
-            </a:r>
-            <a:endParaRPr lang="en-US" altLang="zh-CN" sz="2400" dirty="0"/>
-          </a:p>
-          <a:p>
-            <a:pPr marL="342900" indent="-342900">
-              <a:buFont typeface="Arial" panose="020B0604020202020204" pitchFamily="34" charset="0"/>
-              <a:buChar char="•"/>
-            </a:pPr>
-            <a:r>
-              <a:rPr lang="zh-CN" altLang="en-US" sz="2400" dirty="0"/>
-              <a:t>缺点</a:t>
-            </a:r>
-            <a:endParaRPr lang="en-US" altLang="zh-CN" sz="2400" dirty="0"/>
-          </a:p>
-          <a:p>
-            <a:pPr marL="800100" lvl="1" indent="-342900">
-              <a:buFont typeface="Arial" panose="020B0604020202020204" pitchFamily="34" charset="0"/>
-              <a:buChar char="•"/>
-            </a:pPr>
-            <a:r>
-              <a:rPr lang="zh-CN" altLang="en-US" sz="2400" dirty="0"/>
-              <a:t>多库使用自增</a:t>
-            </a:r>
-            <a:r>
-              <a:rPr lang="en-US" altLang="zh-CN" sz="2400" dirty="0"/>
-              <a:t>ID</a:t>
-            </a:r>
-            <a:r>
-              <a:rPr lang="zh-CN" altLang="en-US" sz="2400" dirty="0"/>
-              <a:t>可能会冲突</a:t>
-            </a:r>
-            <a:endParaRPr lang="en-US" altLang="zh-CN" sz="2400" dirty="0"/>
-          </a:p>
-          <a:p>
-            <a:pPr marL="1257300" lvl="2" indent="-342900">
-              <a:buFont typeface="Arial" panose="020B0604020202020204" pitchFamily="34" charset="0"/>
-              <a:buChar char="•"/>
-            </a:pPr>
-            <a:r>
-              <a:rPr lang="zh-CN" altLang="en-US" sz="2400" dirty="0"/>
-              <a:t>使用不同种子，相同步长</a:t>
-            </a:r>
-            <a:endParaRPr lang="en-US" altLang="zh-CN" sz="2400" dirty="0"/>
-          </a:p>
-          <a:p>
-            <a:pPr marL="1257300" lvl="2" indent="-342900">
-              <a:buFont typeface="Arial" panose="020B0604020202020204" pitchFamily="34" charset="0"/>
-              <a:buChar char="•"/>
-            </a:pPr>
-            <a:r>
-              <a:rPr lang="zh-CN" altLang="en-US" sz="2400" dirty="0"/>
-              <a:t>使用分布式</a:t>
-            </a:r>
-            <a:r>
-              <a:rPr lang="en-US" altLang="zh-CN" sz="2400" dirty="0"/>
-              <a:t>ID</a:t>
-            </a:r>
-            <a:r>
-              <a:rPr lang="zh-CN" altLang="en-US" sz="2400" dirty="0"/>
-              <a:t>，如雪花算法</a:t>
-            </a:r>
-            <a:endParaRPr lang="en-US" altLang="zh-CN" sz="2400" dirty="0"/>
-          </a:p>
-        </p:txBody>
-      </p:sp>
-    </p:spTree>
-    <p:extLst>
-      <p:ext uri="{BB962C8B-B14F-4D97-AF65-F5344CB8AC3E}">
-        <p14:creationId xmlns:p14="http://schemas.microsoft.com/office/powerpoint/2010/main" val="2192850852"/>
-      </p:ext>
-    </p:extLst>
-  </p:cSld>
-  <p:clrMapOvr>
-    <a:masterClrMapping/>
-  </p:clrMapOvr>
-</p:sld>
-</file>
-
-<file path=ppt/slides/slide41.xml><?xml version="1.0" encoding="utf-8"?>
-<p:sld xmlns:a="http://schemas.openxmlformats.org/drawingml/2006/main" xmlns:r="http://schemas.openxmlformats.org/officeDocument/2006/relationships" xmlns:p="http://schemas.openxmlformats.org/presentationml/2006/main">
-  <p:cSld>
-    <p:spTree>
-      <p:nvGrpSpPr>
-        <p:cNvPr id="1" name=""/>
-        <p:cNvGrpSpPr/>
-        <p:nvPr/>
-      </p:nvGrpSpPr>
-      <p:grpSpPr>
-        <a:xfrm>
-          <a:off x="0" y="0"/>
-          <a:ext cx="0" cy="0"/>
-          <a:chOff x="0" y="0"/>
-          <a:chExt cx="0" cy="0"/>
-        </a:xfrm>
-      </p:grpSpPr>
-      <p:sp>
-        <p:nvSpPr>
-          <p:cNvPr id="2" name="标题 1">
-            <a:extLst>
-              <a:ext uri="{FF2B5EF4-FFF2-40B4-BE49-F238E27FC236}">
-                <a16:creationId xmlns:a16="http://schemas.microsoft.com/office/drawing/2014/main" id="{697B523C-DB52-4AF6-9E4D-961A917CDE02}"/>
-              </a:ext>
-            </a:extLst>
-          </p:cNvPr>
+          <p:cNvPr id="2" name="标题 1"/>
           <p:cNvSpPr>
             <a:spLocks noGrp="1"/>
           </p:cNvSpPr>
@@ -16994,18 +16168,13 @@
               <a:rPr lang="zh-CN" altLang="en-US" dirty="0"/>
               <a:t>谢谢</a:t>
             </a:r>
-          </a:p>
-        </p:txBody>
-      </p:sp>
-      <p:sp>
-        <p:nvSpPr>
-          <p:cNvPr id="3" name="副标题 2">
-            <a:extLst>
-              <a:ext uri="{FF2B5EF4-FFF2-40B4-BE49-F238E27FC236}">
-                <a16:creationId xmlns:a16="http://schemas.microsoft.com/office/drawing/2014/main" id="{AA3A2B6E-ED65-43B8-BFD5-9A931D38D82B}"/>
-              </a:ext>
-            </a:extLst>
-          </p:cNvPr>
+            <a:endParaRPr lang="zh-CN" altLang="en-US" dirty="0"/>
+          </a:p>
+        </p:txBody>
+      </p:sp>
+      <p:sp>
+        <p:nvSpPr>
+          <p:cNvPr id="3" name="副标题 2"/>
           <p:cNvSpPr>
             <a:spLocks noGrp="1"/>
           </p:cNvSpPr>
@@ -17022,15 +16191,11 @@
               <a:rPr lang="zh-CN" altLang="en-US" dirty="0"/>
               <a:t>           </a:t>
             </a:r>
+            <a:endParaRPr lang="zh-CN" altLang="en-US" dirty="0"/>
           </a:p>
         </p:txBody>
       </p:sp>
     </p:spTree>
-    <p:extLst>
-      <p:ext uri="{BB962C8B-B14F-4D97-AF65-F5344CB8AC3E}">
-        <p14:creationId xmlns:p14="http://schemas.microsoft.com/office/powerpoint/2010/main" val="2781272287"/>
-      </p:ext>
-    </p:extLst>
   </p:cSld>
   <p:clrMapOvr>
     <a:masterClrMapping/>
@@ -17057,13 +16222,7 @@
       </p:grpSpPr>
       <p:sp>
         <p:nvSpPr>
-          <p:cNvPr id="2" name="标题 1">
-            <a:extLst>
-              <a:ext uri="{FF2B5EF4-FFF2-40B4-BE49-F238E27FC236}">
-                <a16:creationId xmlns:a16="http://schemas.microsoft.com/office/drawing/2014/main" id="{A847734E-82F4-4D2A-BF92-E17F41BB6EAF}"/>
-              </a:ext>
-            </a:extLst>
-          </p:cNvPr>
+          <p:cNvPr id="2" name="标题 1"/>
           <p:cNvSpPr>
             <a:spLocks noGrp="1"/>
           </p:cNvSpPr>
@@ -17088,18 +16247,13 @@
               <a:rPr lang="zh-CN" altLang="en-US" dirty="0"/>
               <a:t>查询的过程</a:t>
             </a:r>
-          </a:p>
-        </p:txBody>
-      </p:sp>
-      <p:sp>
-        <p:nvSpPr>
-          <p:cNvPr id="3" name="内容占位符 2">
-            <a:extLst>
-              <a:ext uri="{FF2B5EF4-FFF2-40B4-BE49-F238E27FC236}">
-                <a16:creationId xmlns:a16="http://schemas.microsoft.com/office/drawing/2014/main" id="{8F2FBA20-BC65-4F0E-9CA7-C483783F6FC4}"/>
-              </a:ext>
-            </a:extLst>
-          </p:cNvPr>
+            <a:endParaRPr lang="zh-CN" altLang="en-US" dirty="0"/>
+          </a:p>
+        </p:txBody>
+      </p:sp>
+      <p:sp>
+        <p:nvSpPr>
+          <p:cNvPr id="3" name="内容占位符 2"/>
           <p:cNvSpPr>
             <a:spLocks noGrp="1"/>
           </p:cNvSpPr>
@@ -17214,16 +16368,8 @@
       </p:sp>
       <p:sp>
         <p:nvSpPr>
-          <p:cNvPr id="4" name="内容占位符 2">
-            <a:extLst>
-              <a:ext uri="{FF2B5EF4-FFF2-40B4-BE49-F238E27FC236}">
-                <a16:creationId xmlns:a16="http://schemas.microsoft.com/office/drawing/2014/main" id="{69BB5436-FB1F-4935-B538-249EA67EF44C}"/>
-              </a:ext>
-            </a:extLst>
-          </p:cNvPr>
-          <p:cNvSpPr txBox="1">
-            <a:spLocks/>
-          </p:cNvSpPr>
+          <p:cNvPr id="4" name="内容占位符 2"/>
+          <p:cNvSpPr txBox="1"/>
           <p:nvPr/>
         </p:nvSpPr>
         <p:spPr>
@@ -17541,13 +16687,7 @@
       </p:sp>
       <p:cxnSp>
         <p:nvCxnSpPr>
-          <p:cNvPr id="7" name="直接箭头连接符 6">
-            <a:extLst>
-              <a:ext uri="{FF2B5EF4-FFF2-40B4-BE49-F238E27FC236}">
-                <a16:creationId xmlns:a16="http://schemas.microsoft.com/office/drawing/2014/main" id="{2D8A4DAA-1D4E-484D-BBAE-E1A8C2C648C2}"/>
-              </a:ext>
-            </a:extLst>
-          </p:cNvPr>
+          <p:cNvPr id="7" name="直接箭头连接符 6"/>
           <p:cNvCxnSpPr/>
           <p:nvPr/>
         </p:nvCxnSpPr>
@@ -17580,13 +16720,7 @@
       </p:cxnSp>
       <p:cxnSp>
         <p:nvCxnSpPr>
-          <p:cNvPr id="9" name="直接箭头连接符 8">
-            <a:extLst>
-              <a:ext uri="{FF2B5EF4-FFF2-40B4-BE49-F238E27FC236}">
-                <a16:creationId xmlns:a16="http://schemas.microsoft.com/office/drawing/2014/main" id="{79321EE1-749E-42F6-95B5-EE1E3C56F6F8}"/>
-              </a:ext>
-            </a:extLst>
-          </p:cNvPr>
+          <p:cNvPr id="9" name="直接箭头连接符 8"/>
           <p:cNvCxnSpPr/>
           <p:nvPr/>
         </p:nvCxnSpPr>
@@ -17618,11 +16752,6 @@
         </p:style>
       </p:cxnSp>
     </p:spTree>
-    <p:extLst>
-      <p:ext uri="{BB962C8B-B14F-4D97-AF65-F5344CB8AC3E}">
-        <p14:creationId xmlns:p14="http://schemas.microsoft.com/office/powerpoint/2010/main" val="1033100863"/>
-      </p:ext>
-    </p:extLst>
   </p:cSld>
   <p:clrMapOvr>
     <a:masterClrMapping/>
@@ -17649,13 +16778,7 @@
       </p:grpSpPr>
       <p:sp>
         <p:nvSpPr>
-          <p:cNvPr id="2" name="标题 1">
-            <a:extLst>
-              <a:ext uri="{FF2B5EF4-FFF2-40B4-BE49-F238E27FC236}">
-                <a16:creationId xmlns:a16="http://schemas.microsoft.com/office/drawing/2014/main" id="{4D3C5B46-45BD-44C5-B6C2-A2FDD5110052}"/>
-              </a:ext>
-            </a:extLst>
-          </p:cNvPr>
+          <p:cNvPr id="2" name="标题 1"/>
           <p:cNvSpPr>
             <a:spLocks noGrp="1"/>
           </p:cNvSpPr>
@@ -17680,25 +16803,20 @@
               <a:rPr lang="zh-CN" altLang="en-US" dirty="0"/>
               <a:t>索引</a:t>
             </a:r>
+            <a:endParaRPr lang="zh-CN" altLang="en-US" dirty="0"/>
           </a:p>
         </p:txBody>
       </p:sp>
       <p:pic>
         <p:nvPicPr>
-          <p:cNvPr id="1026" name="Picture 2">
-            <a:extLst>
-              <a:ext uri="{FF2B5EF4-FFF2-40B4-BE49-F238E27FC236}">
-                <a16:creationId xmlns:a16="http://schemas.microsoft.com/office/drawing/2014/main" id="{17C5D7CB-D0E7-4339-99D9-D7D7E1BEAEAB}"/>
-              </a:ext>
-            </a:extLst>
-          </p:cNvPr>
+          <p:cNvPr id="1026" name="Picture 2"/>
           <p:cNvPicPr>
             <a:picLocks noChangeAspect="1" noChangeArrowheads="1"/>
           </p:cNvPicPr>
           <p:nvPr/>
         </p:nvPicPr>
         <p:blipFill>
-          <a:blip r:embed="rId2">
+          <a:blip r:embed="rId1">
             <a:extLst>
               <a:ext uri="{28A0092B-C50C-407E-A947-70E740481C1C}">
                 <a14:useLocalDpi xmlns:a14="http://schemas.microsoft.com/office/drawing/2010/main" val="0"/>
@@ -17732,20 +16850,14 @@
       </p:pic>
       <p:pic>
         <p:nvPicPr>
-          <p:cNvPr id="2050" name="Picture 2">
-            <a:extLst>
-              <a:ext uri="{FF2B5EF4-FFF2-40B4-BE49-F238E27FC236}">
-                <a16:creationId xmlns:a16="http://schemas.microsoft.com/office/drawing/2014/main" id="{47A93027-6FFB-4163-9758-55BB4B65E43C}"/>
-              </a:ext>
-            </a:extLst>
-          </p:cNvPr>
+          <p:cNvPr id="2050" name="Picture 2"/>
           <p:cNvPicPr>
             <a:picLocks noChangeAspect="1" noChangeArrowheads="1"/>
           </p:cNvPicPr>
           <p:nvPr/>
         </p:nvPicPr>
         <p:blipFill>
-          <a:blip r:embed="rId3">
+          <a:blip r:embed="rId2">
             <a:extLst>
               <a:ext uri="{28A0092B-C50C-407E-A947-70E740481C1C}">
                 <a14:useLocalDpi xmlns:a14="http://schemas.microsoft.com/office/drawing/2010/main" val="0"/>
@@ -17779,13 +16891,7 @@
       </p:pic>
       <p:sp>
         <p:nvSpPr>
-          <p:cNvPr id="8" name="文本框 7">
-            <a:extLst>
-              <a:ext uri="{FF2B5EF4-FFF2-40B4-BE49-F238E27FC236}">
-                <a16:creationId xmlns:a16="http://schemas.microsoft.com/office/drawing/2014/main" id="{5E0C6416-F536-47C1-AC91-162CCBE0C174}"/>
-              </a:ext>
-            </a:extLst>
-          </p:cNvPr>
+          <p:cNvPr id="8" name="文本框 7"/>
           <p:cNvSpPr txBox="1"/>
           <p:nvPr/>
         </p:nvSpPr>
@@ -17813,18 +16919,13 @@
               <a:rPr lang="zh-CN" altLang="en-US" dirty="0"/>
               <a:t>树</a:t>
             </a:r>
-          </a:p>
-        </p:txBody>
-      </p:sp>
-      <p:sp>
-        <p:nvSpPr>
-          <p:cNvPr id="11" name="文本框 10">
-            <a:extLst>
-              <a:ext uri="{FF2B5EF4-FFF2-40B4-BE49-F238E27FC236}">
-                <a16:creationId xmlns:a16="http://schemas.microsoft.com/office/drawing/2014/main" id="{0DB7F40D-81A0-4CA8-80B2-D330323A358A}"/>
-              </a:ext>
-            </a:extLst>
-          </p:cNvPr>
+            <a:endParaRPr lang="zh-CN" altLang="en-US" dirty="0"/>
+          </a:p>
+        </p:txBody>
+      </p:sp>
+      <p:sp>
+        <p:nvSpPr>
+          <p:cNvPr id="11" name="文本框 10"/>
           <p:cNvSpPr txBox="1"/>
           <p:nvPr/>
         </p:nvSpPr>
@@ -17852,15 +16953,11 @@
               <a:rPr lang="zh-CN" altLang="en-US" dirty="0"/>
               <a:t>树</a:t>
             </a:r>
+            <a:endParaRPr lang="zh-CN" altLang="en-US" dirty="0"/>
           </a:p>
         </p:txBody>
       </p:sp>
     </p:spTree>
-    <p:extLst>
-      <p:ext uri="{BB962C8B-B14F-4D97-AF65-F5344CB8AC3E}">
-        <p14:creationId xmlns:p14="http://schemas.microsoft.com/office/powerpoint/2010/main" val="402781779"/>
-      </p:ext>
-    </p:extLst>
   </p:cSld>
   <p:clrMapOvr>
     <a:masterClrMapping/>
@@ -17887,13 +16984,7 @@
       </p:grpSpPr>
       <p:sp>
         <p:nvSpPr>
-          <p:cNvPr id="2" name="标题 1">
-            <a:extLst>
-              <a:ext uri="{FF2B5EF4-FFF2-40B4-BE49-F238E27FC236}">
-                <a16:creationId xmlns:a16="http://schemas.microsoft.com/office/drawing/2014/main" id="{4D3C5B46-45BD-44C5-B6C2-A2FDD5110052}"/>
-              </a:ext>
-            </a:extLst>
-          </p:cNvPr>
+          <p:cNvPr id="2" name="标题 1"/>
           <p:cNvSpPr>
             <a:spLocks noGrp="1"/>
           </p:cNvSpPr>
@@ -17918,18 +17009,13 @@
               <a:rPr lang="zh-CN" altLang="en-US" dirty="0"/>
               <a:t>索引</a:t>
             </a:r>
-          </a:p>
-        </p:txBody>
-      </p:sp>
-      <p:sp>
-        <p:nvSpPr>
-          <p:cNvPr id="3" name="内容占位符 2">
-            <a:extLst>
-              <a:ext uri="{FF2B5EF4-FFF2-40B4-BE49-F238E27FC236}">
-                <a16:creationId xmlns:a16="http://schemas.microsoft.com/office/drawing/2014/main" id="{0BFB3DCC-0165-4805-AA70-A8B57E6604FC}"/>
-              </a:ext>
-            </a:extLst>
-          </p:cNvPr>
+            <a:endParaRPr lang="zh-CN" altLang="en-US" dirty="0"/>
+          </a:p>
+        </p:txBody>
+      </p:sp>
+      <p:sp>
+        <p:nvSpPr>
+          <p:cNvPr id="3" name="内容占位符 2"/>
           <p:cNvSpPr>
             <a:spLocks noGrp="1"/>
           </p:cNvSpPr>
@@ -17986,13 +17072,7 @@
       </p:sp>
       <p:sp>
         <p:nvSpPr>
-          <p:cNvPr id="4" name="文本框 3">
-            <a:extLst>
-              <a:ext uri="{FF2B5EF4-FFF2-40B4-BE49-F238E27FC236}">
-                <a16:creationId xmlns:a16="http://schemas.microsoft.com/office/drawing/2014/main" id="{FC080489-5BB6-4C9A-A864-B15AFD208968}"/>
-              </a:ext>
-            </a:extLst>
-          </p:cNvPr>
+          <p:cNvPr id="4" name="文本框 3"/>
           <p:cNvSpPr txBox="1"/>
           <p:nvPr/>
         </p:nvSpPr>
@@ -18028,6 +17108,7 @@
               <a:rPr lang="en-US" altLang="zh-CN" dirty="0"/>
               <a:t>O(1) )</a:t>
             </a:r>
+            <a:endParaRPr lang="en-US" altLang="zh-CN" dirty="0"/>
           </a:p>
           <a:p>
             <a:endParaRPr lang="zh-CN" altLang="en-US" dirty="0"/>
@@ -18036,13 +17117,7 @@
       </p:sp>
       <p:sp>
         <p:nvSpPr>
-          <p:cNvPr id="5" name="文本框 4">
-            <a:extLst>
-              <a:ext uri="{FF2B5EF4-FFF2-40B4-BE49-F238E27FC236}">
-                <a16:creationId xmlns:a16="http://schemas.microsoft.com/office/drawing/2014/main" id="{1DCFC839-C1DD-4941-9615-6EC95BE6F750}"/>
-              </a:ext>
-            </a:extLst>
-          </p:cNvPr>
+          <p:cNvPr id="5" name="文本框 4"/>
           <p:cNvSpPr txBox="1"/>
           <p:nvPr/>
         </p:nvSpPr>
@@ -18066,15 +17141,11 @@
               <a:rPr lang="zh-CN" altLang="en-US" dirty="0"/>
               <a:t>单条数据查询效率确实高，但无法应对分组、排序等查询</a:t>
             </a:r>
+            <a:endParaRPr lang="zh-CN" altLang="en-US" dirty="0"/>
           </a:p>
         </p:txBody>
       </p:sp>
     </p:spTree>
-    <p:extLst>
-      <p:ext uri="{BB962C8B-B14F-4D97-AF65-F5344CB8AC3E}">
-        <p14:creationId xmlns:p14="http://schemas.microsoft.com/office/powerpoint/2010/main" val="1606952693"/>
-      </p:ext>
-    </p:extLst>
   </p:cSld>
   <p:clrMapOvr>
     <a:masterClrMapping/>
@@ -18325,13 +17396,7 @@
       </p:grpSpPr>
       <p:sp>
         <p:nvSpPr>
-          <p:cNvPr id="2" name="标题 1">
-            <a:extLst>
-              <a:ext uri="{FF2B5EF4-FFF2-40B4-BE49-F238E27FC236}">
-                <a16:creationId xmlns:a16="http://schemas.microsoft.com/office/drawing/2014/main" id="{4D3C5B46-45BD-44C5-B6C2-A2FDD5110052}"/>
-              </a:ext>
-            </a:extLst>
-          </p:cNvPr>
+          <p:cNvPr id="2" name="标题 1"/>
           <p:cNvSpPr>
             <a:spLocks noGrp="1"/>
           </p:cNvSpPr>
@@ -18356,18 +17421,13 @@
               <a:rPr lang="zh-CN" altLang="en-US" dirty="0"/>
               <a:t>索引</a:t>
             </a:r>
-          </a:p>
-        </p:txBody>
-      </p:sp>
-      <p:sp>
-        <p:nvSpPr>
-          <p:cNvPr id="3" name="内容占位符 2">
-            <a:extLst>
-              <a:ext uri="{FF2B5EF4-FFF2-40B4-BE49-F238E27FC236}">
-                <a16:creationId xmlns:a16="http://schemas.microsoft.com/office/drawing/2014/main" id="{0BFB3DCC-0165-4805-AA70-A8B57E6604FC}"/>
-              </a:ext>
-            </a:extLst>
-          </p:cNvPr>
+            <a:endParaRPr lang="zh-CN" altLang="en-US" dirty="0"/>
+          </a:p>
+        </p:txBody>
+      </p:sp>
+      <p:sp>
+        <p:nvSpPr>
+          <p:cNvPr id="3" name="内容占位符 2"/>
           <p:cNvSpPr>
             <a:spLocks noGrp="1"/>
           </p:cNvSpPr>
@@ -18402,20 +17462,14 @@
       </p:sp>
       <p:pic>
         <p:nvPicPr>
-          <p:cNvPr id="5" name="图片 4">
-            <a:extLst>
-              <a:ext uri="{FF2B5EF4-FFF2-40B4-BE49-F238E27FC236}">
-                <a16:creationId xmlns:a16="http://schemas.microsoft.com/office/drawing/2014/main" id="{BDF9A552-FD62-4BE7-A701-58C15F3EC993}"/>
-              </a:ext>
-            </a:extLst>
-          </p:cNvPr>
+          <p:cNvPr id="5" name="图片 4"/>
           <p:cNvPicPr>
             <a:picLocks noChangeAspect="1"/>
           </p:cNvPicPr>
           <p:nvPr/>
         </p:nvPicPr>
         <p:blipFill>
-          <a:blip r:embed="rId2">
+          <a:blip r:embed="rId1">
             <a:extLst>
               <a:ext uri="{28A0092B-C50C-407E-A947-70E740481C1C}">
                 <a14:useLocalDpi xmlns:a14="http://schemas.microsoft.com/office/drawing/2010/main" val="0"/>
@@ -18438,13 +17492,7 @@
       </p:pic>
       <p:sp>
         <p:nvSpPr>
-          <p:cNvPr id="6" name="文本框 5">
-            <a:extLst>
-              <a:ext uri="{FF2B5EF4-FFF2-40B4-BE49-F238E27FC236}">
-                <a16:creationId xmlns:a16="http://schemas.microsoft.com/office/drawing/2014/main" id="{CF264A2A-7538-4A12-A504-365BA9CD4936}"/>
-              </a:ext>
-            </a:extLst>
-          </p:cNvPr>
+          <p:cNvPr id="6" name="文本框 5"/>
           <p:cNvSpPr txBox="1"/>
           <p:nvPr/>
         </p:nvSpPr>
@@ -18539,11 +17587,6 @@
         </p:txBody>
       </p:sp>
     </p:spTree>
-    <p:extLst>
-      <p:ext uri="{BB962C8B-B14F-4D97-AF65-F5344CB8AC3E}">
-        <p14:creationId xmlns:p14="http://schemas.microsoft.com/office/powerpoint/2010/main" val="2661828539"/>
-      </p:ext>
-    </p:extLst>
   </p:cSld>
   <p:clrMapOvr>
     <a:masterClrMapping/>
@@ -18570,13 +17613,7 @@
       </p:grpSpPr>
       <p:sp>
         <p:nvSpPr>
-          <p:cNvPr id="2" name="标题 1">
-            <a:extLst>
-              <a:ext uri="{FF2B5EF4-FFF2-40B4-BE49-F238E27FC236}">
-                <a16:creationId xmlns:a16="http://schemas.microsoft.com/office/drawing/2014/main" id="{4D3C5B46-45BD-44C5-B6C2-A2FDD5110052}"/>
-              </a:ext>
-            </a:extLst>
-          </p:cNvPr>
+          <p:cNvPr id="2" name="标题 1"/>
           <p:cNvSpPr>
             <a:spLocks noGrp="1"/>
           </p:cNvSpPr>
@@ -18601,18 +17638,13 @@
               <a:rPr lang="zh-CN" altLang="en-US" dirty="0"/>
               <a:t>索引</a:t>
             </a:r>
-          </a:p>
-        </p:txBody>
-      </p:sp>
-      <p:sp>
-        <p:nvSpPr>
-          <p:cNvPr id="3" name="内容占位符 2">
-            <a:extLst>
-              <a:ext uri="{FF2B5EF4-FFF2-40B4-BE49-F238E27FC236}">
-                <a16:creationId xmlns:a16="http://schemas.microsoft.com/office/drawing/2014/main" id="{0BFB3DCC-0165-4805-AA70-A8B57E6604FC}"/>
-              </a:ext>
-            </a:extLst>
-          </p:cNvPr>
+            <a:endParaRPr lang="zh-CN" altLang="en-US" dirty="0"/>
+          </a:p>
+        </p:txBody>
+      </p:sp>
+      <p:sp>
+        <p:nvSpPr>
+          <p:cNvPr id="3" name="内容占位符 2"/>
           <p:cNvSpPr>
             <a:spLocks noGrp="1"/>
           </p:cNvSpPr>
@@ -18688,6 +17720,7 @@
               <a:rPr lang="en-US" altLang="zh-CN" dirty="0"/>
               <a:t> from t;</a:t>
             </a:r>
+            <a:endParaRPr lang="en-US" altLang="zh-CN" dirty="0"/>
           </a:p>
           <a:p>
             <a:r>
@@ -18730,6 +17763,7 @@
               <a:rPr lang="en-US" altLang="zh-CN" dirty="0"/>
               <a:t>’;</a:t>
             </a:r>
+            <a:endParaRPr lang="en-US" altLang="zh-CN" dirty="0"/>
           </a:p>
           <a:p>
             <a:pPr marL="0" indent="0">
@@ -18740,11 +17774,6 @@
         </p:txBody>
       </p:sp>
     </p:spTree>
-    <p:extLst>
-      <p:ext uri="{BB962C8B-B14F-4D97-AF65-F5344CB8AC3E}">
-        <p14:creationId xmlns:p14="http://schemas.microsoft.com/office/powerpoint/2010/main" val="755814670"/>
-      </p:ext>
-    </p:extLst>
   </p:cSld>
   <p:clrMapOvr>
     <a:masterClrMapping/>
@@ -18795,7 +17824,7 @@
     </a:clrScheme>
     <a:fontScheme name="回顾">
       <a:majorFont>
-        <a:latin typeface="Calibri Light" panose="020F0302020204030204"/>
+        <a:latin typeface="Calibri Light"/>
         <a:ea typeface=""/>
         <a:cs typeface=""/>
         <a:font script="Jpan" typeface="ＭＳ Ｐゴシック"/>
@@ -18830,7 +17859,7 @@
         <a:font script="Geor" typeface="Sylfaen"/>
       </a:majorFont>
       <a:minorFont>
-        <a:latin typeface="Calibri" panose="020F0502020204030204"/>
+        <a:latin typeface="Calibri"/>
         <a:ea typeface=""/>
         <a:cs typeface=""/>
         <a:font script="Jpan" typeface="ＭＳ Ｐゴシック"/>
@@ -19025,11 +18054,9 @@
       </a:bgFillStyleLst>
     </a:fmtScheme>
   </a:themeElements>
-  <a:objectDefaults/>
-  <a:extraClrSchemeLst/>
   <a:extLst>
     <a:ext uri="{05A4C25C-085E-4340-85A3-A5531E510DB2}">
-      <thm15:themeFamily xmlns:thm15="http://schemas.microsoft.com/office/thememl/2012/main" name="Retrospect" id="{5F128B03-DCCA-4EEB-AB3B-CF2899314A46}" vid="{3F1AAB62-24C6-49D2-8E01-B56FAC9A3DCD}"/>
+      <thm15:themeFamily xmlns:thm15="http://schemas.microsoft.com/office/thememl/2012/main" name="Office Theme" id="{62F939B6-93AF-4DB8-9C6B-D6C7DFDC589F}" vid="{4A3C46E8-61CC-4603-A589-7422A47A8E4A}"/>
     </a:ext>
   </a:extLst>
 </a:theme>
